--- a/eda_project/Dwellings prices in the DC metropolitan area.pptx
+++ b/eda_project/Dwellings prices in the DC metropolitan area.pptx
@@ -2,13 +2,18 @@
 <file path=ppt/presentation.xml><?xml version="1.0" encoding="utf-8"?>
 <p:presentation xmlns:a="http://schemas.openxmlformats.org/drawingml/2006/main" xmlns:r="http://schemas.openxmlformats.org/officeDocument/2006/relationships" xmlns:p="http://schemas.openxmlformats.org/presentationml/2006/main" saveSubsetFonts="1">
   <p:sldMasterIdLst>
-    <p:sldMasterId id="2147484222" r:id="rId1"/>
+    <p:sldMasterId id="2147484443" r:id="rId1"/>
   </p:sldMasterIdLst>
   <p:sldIdLst>
     <p:sldId id="256" r:id="rId2"/>
     <p:sldId id="257" r:id="rId3"/>
     <p:sldId id="258" r:id="rId4"/>
     <p:sldId id="259" r:id="rId5"/>
+    <p:sldId id="260" r:id="rId6"/>
+    <p:sldId id="262" r:id="rId7"/>
+    <p:sldId id="263" r:id="rId8"/>
+    <p:sldId id="265" r:id="rId9"/>
+    <p:sldId id="264" r:id="rId10"/>
   </p:sldIdLst>
   <p:sldSz cx="12192000" cy="6858000"/>
   <p:notesSz cx="6858000" cy="9144000"/>
@@ -107,15 +112,16 @@
       </a:defRPr>
     </a:lvl9pPr>
   </p:defaultTextStyle>
+  <p:extLst>
+    <p:ext uri="{EFAFB233-063F-42B5-8137-9DF3F51BA10A}">
+      <p15:sldGuideLst xmlns:p15="http://schemas.microsoft.com/office/powerpoint/2012/main"/>
+    </p:ext>
+  </p:extLst>
 </p:presentation>
 </file>
 
-<file path=ppt/revisionInfo.xml><?xml version="1.0" encoding="utf-8"?>
-<p1510:revInfo xmlns:a="http://schemas.openxmlformats.org/drawingml/2006/main" xmlns:r="http://schemas.openxmlformats.org/officeDocument/2006/relationships" xmlns:p1510="http://schemas.microsoft.com/office/powerpoint/2015/10/main"/>
-</file>
-
 <file path=ppt/slideLayouts/slideLayout1.xml><?xml version="1.0" encoding="utf-8"?>
-<p:sldLayout xmlns:a="http://schemas.openxmlformats.org/drawingml/2006/main" xmlns:r="http://schemas.openxmlformats.org/officeDocument/2006/relationships" xmlns:p="http://schemas.openxmlformats.org/presentationml/2006/main" showMasterSp="0" type="title" preserve="1">
+<p:sldLayout xmlns:a="http://schemas.openxmlformats.org/drawingml/2006/main" xmlns:r="http://schemas.openxmlformats.org/officeDocument/2006/relationships" xmlns:p="http://schemas.openxmlformats.org/presentationml/2006/main" type="title" preserve="1">
   <p:cSld name="Title Slide">
     <p:spTree>
       <p:nvGrpSpPr>
@@ -133,185 +139,142 @@
       </p:grpSpPr>
       <p:sp>
         <p:nvSpPr>
-          <p:cNvPr id="7" name="Rectangle 6"/>
-          <p:cNvSpPr/>
-          <p:nvPr/>
+          <p:cNvPr id="2" name="Title 1"/>
+          <p:cNvSpPr>
+            <a:spLocks noGrp="1"/>
+          </p:cNvSpPr>
+          <p:nvPr>
+            <p:ph type="ctrTitle"/>
+          </p:nvPr>
         </p:nvSpPr>
         <p:spPr>
           <a:xfrm>
-            <a:off x="3175" y="6400800"/>
-            <a:ext cx="12188825" cy="457200"/>
+            <a:off x="1154955" y="1447800"/>
+            <a:ext cx="8825658" cy="3329581"/>
           </a:xfrm>
-          <a:prstGeom prst="rect">
-            <a:avLst/>
-          </a:prstGeom>
-          <a:solidFill>
-            <a:schemeClr val="accent2"/>
-          </a:solidFill>
-          <a:ln>
-            <a:noFill/>
-          </a:ln>
         </p:spPr>
-        <p:style>
-          <a:lnRef idx="2">
-            <a:schemeClr val="accent1">
-              <a:shade val="50000"/>
-            </a:schemeClr>
-          </a:lnRef>
-          <a:fillRef idx="1">
-            <a:schemeClr val="accent1"/>
-          </a:fillRef>
-          <a:effectRef idx="0">
-            <a:schemeClr val="accent1"/>
-          </a:effectRef>
-          <a:fontRef idx="minor">
-            <a:schemeClr val="lt1"/>
-          </a:fontRef>
-        </p:style>
-      </p:sp>
-      <p:sp>
-        <p:nvSpPr>
-          <p:cNvPr id="8" name="Rectangle 7"/>
-          <p:cNvSpPr/>
-          <p:nvPr/>
+        <p:txBody>
+          <a:bodyPr anchor="b"/>
+          <a:lstStyle>
+            <a:lvl1pPr>
+              <a:defRPr sz="7200"/>
+            </a:lvl1pPr>
+          </a:lstStyle>
+          <a:p>
+            <a:r>
+              <a:rPr lang="en-US"/>
+              <a:t>Click to edit Master title style</a:t>
+            </a:r>
+            <a:endParaRPr lang="en-US" dirty="0"/>
+          </a:p>
+        </p:txBody>
+      </p:sp>
+      <p:sp>
+        <p:nvSpPr>
+          <p:cNvPr id="3" name="Subtitle 2"/>
+          <p:cNvSpPr>
+            <a:spLocks noGrp="1"/>
+          </p:cNvSpPr>
+          <p:nvPr>
+            <p:ph type="subTitle" idx="1"/>
+          </p:nvPr>
         </p:nvSpPr>
         <p:spPr>
           <a:xfrm>
-            <a:off x="15" y="6334316"/>
-            <a:ext cx="12188825" cy="64008"/>
-          </a:xfrm>
-          <a:prstGeom prst="rect">
-            <a:avLst/>
-          </a:prstGeom>
-          <a:solidFill>
-            <a:schemeClr val="accent1"/>
-          </a:solidFill>
-          <a:ln>
-            <a:noFill/>
-          </a:ln>
-        </p:spPr>
-        <p:style>
-          <a:lnRef idx="2">
-            <a:schemeClr val="accent1">
-              <a:shade val="50000"/>
-            </a:schemeClr>
-          </a:lnRef>
-          <a:fillRef idx="1">
-            <a:schemeClr val="accent1"/>
-          </a:fillRef>
-          <a:effectRef idx="0">
-            <a:schemeClr val="accent1"/>
-          </a:effectRef>
-          <a:fontRef idx="minor">
-            <a:schemeClr val="lt1"/>
-          </a:fontRef>
-        </p:style>
-      </p:sp>
-      <p:sp>
-        <p:nvSpPr>
-          <p:cNvPr id="2" name="Title 1"/>
-          <p:cNvSpPr>
-            <a:spLocks noGrp="1"/>
-          </p:cNvSpPr>
-          <p:nvPr>
-            <p:ph type="ctrTitle"/>
-          </p:nvPr>
-        </p:nvSpPr>
-        <p:spPr>
-          <a:xfrm>
-            <a:off x="1097280" y="758952"/>
-            <a:ext cx="10058400" cy="3566160"/>
+            <a:off x="1154955" y="4777380"/>
+            <a:ext cx="8825658" cy="861420"/>
           </a:xfrm>
         </p:spPr>
         <p:txBody>
-          <a:bodyPr anchor="b">
-            <a:normAutofit/>
-          </a:bodyPr>
+          <a:bodyPr anchor="t"/>
           <a:lstStyle>
-            <a:lvl1pPr algn="l">
-              <a:lnSpc>
-                <a:spcPct val="85000"/>
-              </a:lnSpc>
-              <a:defRPr sz="8000" spc="-50" baseline="0">
+            <a:lvl1pPr marL="0" indent="0" algn="l">
+              <a:buNone/>
+              <a:defRPr cap="all">
+                <a:solidFill>
+                  <a:schemeClr val="accent1"/>
+                </a:solidFill>
+              </a:defRPr>
+            </a:lvl1pPr>
+            <a:lvl2pPr marL="457200" indent="0" algn="ctr">
+              <a:buNone/>
+              <a:defRPr>
                 <a:solidFill>
                   <a:schemeClr val="tx1">
-                    <a:lumMod val="85000"/>
-                    <a:lumOff val="15000"/>
+                    <a:tint val="75000"/>
                   </a:schemeClr>
                 </a:solidFill>
               </a:defRPr>
-            </a:lvl1pPr>
-          </a:lstStyle>
-          <a:p>
-            <a:r>
-              <a:rPr lang="en-US"/>
-              <a:t>Click to edit Master title style</a:t>
-            </a:r>
-            <a:endParaRPr lang="en-US" dirty="0"/>
-          </a:p>
-        </p:txBody>
-      </p:sp>
-      <p:sp>
-        <p:nvSpPr>
-          <p:cNvPr id="3" name="Subtitle 2"/>
-          <p:cNvSpPr>
-            <a:spLocks noGrp="1"/>
-          </p:cNvSpPr>
-          <p:nvPr>
-            <p:ph type="subTitle" idx="1"/>
-          </p:nvPr>
-        </p:nvSpPr>
-        <p:spPr>
-          <a:xfrm>
-            <a:off x="1100051" y="4455621"/>
-            <a:ext cx="10058400" cy="1143000"/>
-          </a:xfrm>
-        </p:spPr>
-        <p:txBody>
-          <a:bodyPr lIns="91440" rIns="91440">
-            <a:normAutofit/>
-          </a:bodyPr>
-          <a:lstStyle>
-            <a:lvl1pPr marL="0" indent="0" algn="l">
-              <a:buNone/>
-              <a:defRPr sz="2400" cap="all" spc="200" baseline="0">
-                <a:solidFill>
-                  <a:schemeClr val="tx2"/>
-                </a:solidFill>
-                <a:latin typeface="+mj-lt"/>
-              </a:defRPr>
-            </a:lvl1pPr>
-            <a:lvl2pPr marL="457200" indent="0" algn="ctr">
-              <a:buNone/>
-              <a:defRPr sz="2400"/>
             </a:lvl2pPr>
             <a:lvl3pPr marL="914400" indent="0" algn="ctr">
               <a:buNone/>
-              <a:defRPr sz="2400"/>
+              <a:defRPr>
+                <a:solidFill>
+                  <a:schemeClr val="tx1">
+                    <a:tint val="75000"/>
+                  </a:schemeClr>
+                </a:solidFill>
+              </a:defRPr>
             </a:lvl3pPr>
             <a:lvl4pPr marL="1371600" indent="0" algn="ctr">
               <a:buNone/>
-              <a:defRPr sz="2000"/>
+              <a:defRPr>
+                <a:solidFill>
+                  <a:schemeClr val="tx1">
+                    <a:tint val="75000"/>
+                  </a:schemeClr>
+                </a:solidFill>
+              </a:defRPr>
             </a:lvl4pPr>
             <a:lvl5pPr marL="1828800" indent="0" algn="ctr">
               <a:buNone/>
-              <a:defRPr sz="2000"/>
+              <a:defRPr>
+                <a:solidFill>
+                  <a:schemeClr val="tx1">
+                    <a:tint val="75000"/>
+                  </a:schemeClr>
+                </a:solidFill>
+              </a:defRPr>
             </a:lvl5pPr>
             <a:lvl6pPr marL="2286000" indent="0" algn="ctr">
               <a:buNone/>
-              <a:defRPr sz="2000"/>
+              <a:defRPr>
+                <a:solidFill>
+                  <a:schemeClr val="tx1">
+                    <a:tint val="75000"/>
+                  </a:schemeClr>
+                </a:solidFill>
+              </a:defRPr>
             </a:lvl6pPr>
             <a:lvl7pPr marL="2743200" indent="0" algn="ctr">
               <a:buNone/>
-              <a:defRPr sz="2000"/>
+              <a:defRPr>
+                <a:solidFill>
+                  <a:schemeClr val="tx1">
+                    <a:tint val="75000"/>
+                  </a:schemeClr>
+                </a:solidFill>
+              </a:defRPr>
             </a:lvl7pPr>
             <a:lvl8pPr marL="3200400" indent="0" algn="ctr">
               <a:buNone/>
-              <a:defRPr sz="2000"/>
+              <a:defRPr>
+                <a:solidFill>
+                  <a:schemeClr val="tx1">
+                    <a:tint val="75000"/>
+                  </a:schemeClr>
+                </a:solidFill>
+              </a:defRPr>
             </a:lvl8pPr>
             <a:lvl9pPr marL="3657600" indent="0" algn="ctr">
               <a:buNone/>
-              <a:defRPr sz="2000"/>
+              <a:defRPr>
+                <a:solidFill>
+                  <a:schemeClr val="tx1">
+                    <a:tint val="75000"/>
+                  </a:schemeClr>
+                </a:solidFill>
+              </a:defRPr>
             </a:lvl9pPr>
           </a:lstStyle>
           <a:p>
@@ -340,7 +303,7 @@
           <a:p>
             <a:fld id="{E414F336-643D-4991-B425-D9D7B764741D}" type="datetimeFigureOut">
               <a:rPr lang="en-US" smtClean="0"/>
-              <a:t>3/3/2019</a:t>
+              <a:t>3/4/2019</a:t>
             </a:fld>
             <a:endParaRPr lang="en-US"/>
           </a:p>
@@ -388,48 +351,10 @@
           </a:p>
         </p:txBody>
       </p:sp>
-      <p:cxnSp>
-        <p:nvCxnSpPr>
-          <p:cNvPr id="9" name="Straight Connector 8"/>
-          <p:cNvCxnSpPr/>
-          <p:nvPr/>
-        </p:nvCxnSpPr>
-        <p:spPr>
-          <a:xfrm>
-            <a:off x="1207658" y="4343400"/>
-            <a:ext cx="9875520" cy="0"/>
-          </a:xfrm>
-          <a:prstGeom prst="line">
-            <a:avLst/>
-          </a:prstGeom>
-          <a:ln w="6350">
-            <a:solidFill>
-              <a:schemeClr val="tx1">
-                <a:lumMod val="50000"/>
-                <a:lumOff val="50000"/>
-              </a:schemeClr>
-            </a:solidFill>
-          </a:ln>
-        </p:spPr>
-        <p:style>
-          <a:lnRef idx="1">
-            <a:schemeClr val="accent1"/>
-          </a:lnRef>
-          <a:fillRef idx="0">
-            <a:schemeClr val="accent1"/>
-          </a:fillRef>
-          <a:effectRef idx="0">
-            <a:schemeClr val="accent1"/>
-          </a:effectRef>
-          <a:fontRef idx="minor">
-            <a:schemeClr val="tx1"/>
-          </a:fontRef>
-        </p:style>
-      </p:cxnSp>
     </p:spTree>
     <p:extLst>
       <p:ext uri="{BB962C8B-B14F-4D97-AF65-F5344CB8AC3E}">
-        <p14:creationId xmlns:p14="http://schemas.microsoft.com/office/powerpoint/2010/main" val="3003955722"/>
+        <p14:creationId xmlns:p14="http://schemas.microsoft.com/office/powerpoint/2010/main" val="3320172881"/>
       </p:ext>
     </p:extLst>
   </p:cSld>
@@ -440,6 +365,2532 @@
 </file>
 
 <file path=ppt/slideLayouts/slideLayout10.xml><?xml version="1.0" encoding="utf-8"?>
+<p:sldLayout xmlns:a="http://schemas.openxmlformats.org/drawingml/2006/main" xmlns:r="http://schemas.openxmlformats.org/officeDocument/2006/relationships" xmlns:p="http://schemas.openxmlformats.org/presentationml/2006/main" preserve="1">
+  <p:cSld name="Panoramic Picture with Caption">
+    <p:spTree>
+      <p:nvGrpSpPr>
+        <p:cNvPr id="1" name=""/>
+        <p:cNvGrpSpPr/>
+        <p:nvPr/>
+      </p:nvGrpSpPr>
+      <p:grpSpPr>
+        <a:xfrm>
+          <a:off x="0" y="0"/>
+          <a:ext cx="0" cy="0"/>
+          <a:chOff x="0" y="0"/>
+          <a:chExt cx="0" cy="0"/>
+        </a:xfrm>
+      </p:grpSpPr>
+      <p:sp>
+        <p:nvSpPr>
+          <p:cNvPr id="2" name="Title 1"/>
+          <p:cNvSpPr>
+            <a:spLocks noGrp="1"/>
+          </p:cNvSpPr>
+          <p:nvPr>
+            <p:ph type="title"/>
+          </p:nvPr>
+        </p:nvSpPr>
+        <p:spPr>
+          <a:xfrm>
+            <a:off x="1154956" y="4800587"/>
+            <a:ext cx="8825657" cy="566738"/>
+          </a:xfrm>
+        </p:spPr>
+        <p:txBody>
+          <a:bodyPr anchor="b">
+            <a:normAutofit/>
+          </a:bodyPr>
+          <a:lstStyle>
+            <a:lvl1pPr algn="l">
+              <a:defRPr sz="2400" b="0"/>
+            </a:lvl1pPr>
+          </a:lstStyle>
+          <a:p>
+            <a:r>
+              <a:rPr lang="en-US"/>
+              <a:t>Click to edit Master title style</a:t>
+            </a:r>
+            <a:endParaRPr lang="en-US" dirty="0"/>
+          </a:p>
+        </p:txBody>
+      </p:sp>
+      <p:sp>
+        <p:nvSpPr>
+          <p:cNvPr id="3" name="Picture Placeholder 2"/>
+          <p:cNvSpPr>
+            <a:spLocks noGrp="1" noChangeAspect="1"/>
+          </p:cNvSpPr>
+          <p:nvPr>
+            <p:ph type="pic" idx="1"/>
+          </p:nvPr>
+        </p:nvSpPr>
+        <p:spPr>
+          <a:xfrm>
+            <a:off x="1154955" y="685800"/>
+            <a:ext cx="8825658" cy="3640666"/>
+          </a:xfrm>
+          <a:prstGeom prst="roundRect">
+            <a:avLst>
+              <a:gd name="adj" fmla="val 1858"/>
+            </a:avLst>
+          </a:prstGeom>
+          <a:effectLst>
+            <a:outerShdw blurRad="50800" dist="50800" dir="5400000" algn="tl" rotWithShape="0">
+              <a:srgbClr val="000000">
+                <a:alpha val="43000"/>
+              </a:srgbClr>
+            </a:outerShdw>
+          </a:effectLst>
+        </p:spPr>
+        <p:txBody>
+          <a:bodyPr anchor="t">
+            <a:normAutofit/>
+          </a:bodyPr>
+          <a:lstStyle>
+            <a:lvl1pPr marL="0" indent="0" algn="ctr">
+              <a:buNone/>
+              <a:defRPr sz="1600"/>
+            </a:lvl1pPr>
+            <a:lvl2pPr marL="457200" indent="0">
+              <a:buNone/>
+              <a:defRPr sz="1600"/>
+            </a:lvl2pPr>
+            <a:lvl3pPr marL="914400" indent="0">
+              <a:buNone/>
+              <a:defRPr sz="1600"/>
+            </a:lvl3pPr>
+            <a:lvl4pPr marL="1371600" indent="0">
+              <a:buNone/>
+              <a:defRPr sz="1600"/>
+            </a:lvl4pPr>
+            <a:lvl5pPr marL="1828800" indent="0">
+              <a:buNone/>
+              <a:defRPr sz="1600"/>
+            </a:lvl5pPr>
+            <a:lvl6pPr marL="2286000" indent="0">
+              <a:buNone/>
+              <a:defRPr sz="1600"/>
+            </a:lvl6pPr>
+            <a:lvl7pPr marL="2743200" indent="0">
+              <a:buNone/>
+              <a:defRPr sz="1600"/>
+            </a:lvl7pPr>
+            <a:lvl8pPr marL="3200400" indent="0">
+              <a:buNone/>
+              <a:defRPr sz="1600"/>
+            </a:lvl8pPr>
+            <a:lvl9pPr marL="3657600" indent="0">
+              <a:buNone/>
+              <a:defRPr sz="1600"/>
+            </a:lvl9pPr>
+          </a:lstStyle>
+          <a:p>
+            <a:r>
+              <a:rPr lang="en-US"/>
+              <a:t>Click icon to add picture</a:t>
+            </a:r>
+            <a:endParaRPr lang="en-US" dirty="0"/>
+          </a:p>
+        </p:txBody>
+      </p:sp>
+      <p:sp>
+        <p:nvSpPr>
+          <p:cNvPr id="4" name="Text Placeholder 3"/>
+          <p:cNvSpPr>
+            <a:spLocks noGrp="1"/>
+          </p:cNvSpPr>
+          <p:nvPr>
+            <p:ph type="body" sz="half" idx="2"/>
+          </p:nvPr>
+        </p:nvSpPr>
+        <p:spPr>
+          <a:xfrm>
+            <a:off x="1154956" y="5367325"/>
+            <a:ext cx="8825656" cy="493712"/>
+          </a:xfrm>
+        </p:spPr>
+        <p:txBody>
+          <a:bodyPr>
+            <a:normAutofit/>
+          </a:bodyPr>
+          <a:lstStyle>
+            <a:lvl1pPr marL="0" indent="0">
+              <a:buNone/>
+              <a:defRPr sz="1200"/>
+            </a:lvl1pPr>
+            <a:lvl2pPr marL="457200" indent="0">
+              <a:buNone/>
+              <a:defRPr sz="1200"/>
+            </a:lvl2pPr>
+            <a:lvl3pPr marL="914400" indent="0">
+              <a:buNone/>
+              <a:defRPr sz="1000"/>
+            </a:lvl3pPr>
+            <a:lvl4pPr marL="1371600" indent="0">
+              <a:buNone/>
+              <a:defRPr sz="900"/>
+            </a:lvl4pPr>
+            <a:lvl5pPr marL="1828800" indent="0">
+              <a:buNone/>
+              <a:defRPr sz="900"/>
+            </a:lvl5pPr>
+            <a:lvl6pPr marL="2286000" indent="0">
+              <a:buNone/>
+              <a:defRPr sz="900"/>
+            </a:lvl6pPr>
+            <a:lvl7pPr marL="2743200" indent="0">
+              <a:buNone/>
+              <a:defRPr sz="900"/>
+            </a:lvl7pPr>
+            <a:lvl8pPr marL="3200400" indent="0">
+              <a:buNone/>
+              <a:defRPr sz="900"/>
+            </a:lvl8pPr>
+            <a:lvl9pPr marL="3657600" indent="0">
+              <a:buNone/>
+              <a:defRPr sz="900"/>
+            </a:lvl9pPr>
+          </a:lstStyle>
+          <a:p>
+            <a:pPr lvl="0"/>
+            <a:r>
+              <a:rPr lang="en-US"/>
+              <a:t>Edit Master text styles</a:t>
+            </a:r>
+          </a:p>
+        </p:txBody>
+      </p:sp>
+      <p:sp>
+        <p:nvSpPr>
+          <p:cNvPr id="5" name="Date Placeholder 4"/>
+          <p:cNvSpPr>
+            <a:spLocks noGrp="1"/>
+          </p:cNvSpPr>
+          <p:nvPr>
+            <p:ph type="dt" sz="half" idx="10"/>
+          </p:nvPr>
+        </p:nvSpPr>
+        <p:spPr/>
+        <p:txBody>
+          <a:bodyPr/>
+          <a:lstStyle/>
+          <a:p>
+            <a:fld id="{E414F336-643D-4991-B425-D9D7B764741D}" type="datetimeFigureOut">
+              <a:rPr lang="en-US" smtClean="0"/>
+              <a:t>3/4/2019</a:t>
+            </a:fld>
+            <a:endParaRPr lang="en-US"/>
+          </a:p>
+        </p:txBody>
+      </p:sp>
+      <p:sp>
+        <p:nvSpPr>
+          <p:cNvPr id="6" name="Footer Placeholder 5"/>
+          <p:cNvSpPr>
+            <a:spLocks noGrp="1"/>
+          </p:cNvSpPr>
+          <p:nvPr>
+            <p:ph type="ftr" sz="quarter" idx="11"/>
+          </p:nvPr>
+        </p:nvSpPr>
+        <p:spPr/>
+        <p:txBody>
+          <a:bodyPr/>
+          <a:lstStyle/>
+          <a:p>
+            <a:endParaRPr lang="en-US"/>
+          </a:p>
+        </p:txBody>
+      </p:sp>
+      <p:sp>
+        <p:nvSpPr>
+          <p:cNvPr id="7" name="Slide Number Placeholder 6"/>
+          <p:cNvSpPr>
+            <a:spLocks noGrp="1"/>
+          </p:cNvSpPr>
+          <p:nvPr>
+            <p:ph type="sldNum" sz="quarter" idx="12"/>
+          </p:nvPr>
+        </p:nvSpPr>
+        <p:spPr/>
+        <p:txBody>
+          <a:bodyPr/>
+          <a:lstStyle/>
+          <a:p>
+            <a:fld id="{BBC36A1E-63FA-408A-87D8-CBAACFF92BD3}" type="slidenum">
+              <a:rPr lang="en-US" smtClean="0"/>
+              <a:t>‹#›</a:t>
+            </a:fld>
+            <a:endParaRPr lang="en-US"/>
+          </a:p>
+        </p:txBody>
+      </p:sp>
+    </p:spTree>
+    <p:extLst>
+      <p:ext uri="{BB962C8B-B14F-4D97-AF65-F5344CB8AC3E}">
+        <p14:creationId xmlns:p14="http://schemas.microsoft.com/office/powerpoint/2010/main" val="3586129266"/>
+      </p:ext>
+    </p:extLst>
+  </p:cSld>
+  <p:clrMapOvr>
+    <a:masterClrMapping/>
+  </p:clrMapOvr>
+</p:sldLayout>
+</file>
+
+<file path=ppt/slideLayouts/slideLayout11.xml><?xml version="1.0" encoding="utf-8"?>
+<p:sldLayout xmlns:a="http://schemas.openxmlformats.org/drawingml/2006/main" xmlns:r="http://schemas.openxmlformats.org/officeDocument/2006/relationships" xmlns:p="http://schemas.openxmlformats.org/presentationml/2006/main" preserve="1">
+  <p:cSld name="Title and Caption">
+    <p:spTree>
+      <p:nvGrpSpPr>
+        <p:cNvPr id="1" name=""/>
+        <p:cNvGrpSpPr/>
+        <p:nvPr/>
+      </p:nvGrpSpPr>
+      <p:grpSpPr>
+        <a:xfrm>
+          <a:off x="0" y="0"/>
+          <a:ext cx="0" cy="0"/>
+          <a:chOff x="0" y="0"/>
+          <a:chExt cx="0" cy="0"/>
+        </a:xfrm>
+      </p:grpSpPr>
+      <p:sp>
+        <p:nvSpPr>
+          <p:cNvPr id="2" name="Title 1"/>
+          <p:cNvSpPr>
+            <a:spLocks noGrp="1"/>
+          </p:cNvSpPr>
+          <p:nvPr>
+            <p:ph type="title"/>
+          </p:nvPr>
+        </p:nvSpPr>
+        <p:spPr>
+          <a:xfrm>
+            <a:off x="1154954" y="1447800"/>
+            <a:ext cx="8825659" cy="1981200"/>
+          </a:xfrm>
+        </p:spPr>
+        <p:txBody>
+          <a:bodyPr/>
+          <a:lstStyle>
+            <a:lvl1pPr>
+              <a:defRPr sz="4800"/>
+            </a:lvl1pPr>
+          </a:lstStyle>
+          <a:p>
+            <a:r>
+              <a:rPr lang="en-US"/>
+              <a:t>Click to edit Master title style</a:t>
+            </a:r>
+            <a:endParaRPr lang="en-US" dirty="0"/>
+          </a:p>
+        </p:txBody>
+      </p:sp>
+      <p:sp>
+        <p:nvSpPr>
+          <p:cNvPr id="8" name="Text Placeholder 3"/>
+          <p:cNvSpPr>
+            <a:spLocks noGrp="1"/>
+          </p:cNvSpPr>
+          <p:nvPr>
+            <p:ph type="body" sz="half" idx="2"/>
+          </p:nvPr>
+        </p:nvSpPr>
+        <p:spPr>
+          <a:xfrm>
+            <a:off x="1154954" y="3657600"/>
+            <a:ext cx="8825659" cy="2362200"/>
+          </a:xfrm>
+        </p:spPr>
+        <p:txBody>
+          <a:bodyPr anchor="ctr">
+            <a:normAutofit/>
+          </a:bodyPr>
+          <a:lstStyle>
+            <a:lvl1pPr marL="0" indent="0">
+              <a:buNone/>
+              <a:defRPr sz="1800"/>
+            </a:lvl1pPr>
+            <a:lvl2pPr marL="457200" indent="0">
+              <a:buNone/>
+              <a:defRPr sz="1200"/>
+            </a:lvl2pPr>
+            <a:lvl3pPr marL="914400" indent="0">
+              <a:buNone/>
+              <a:defRPr sz="1000"/>
+            </a:lvl3pPr>
+            <a:lvl4pPr marL="1371600" indent="0">
+              <a:buNone/>
+              <a:defRPr sz="900"/>
+            </a:lvl4pPr>
+            <a:lvl5pPr marL="1828800" indent="0">
+              <a:buNone/>
+              <a:defRPr sz="900"/>
+            </a:lvl5pPr>
+            <a:lvl6pPr marL="2286000" indent="0">
+              <a:buNone/>
+              <a:defRPr sz="900"/>
+            </a:lvl6pPr>
+            <a:lvl7pPr marL="2743200" indent="0">
+              <a:buNone/>
+              <a:defRPr sz="900"/>
+            </a:lvl7pPr>
+            <a:lvl8pPr marL="3200400" indent="0">
+              <a:buNone/>
+              <a:defRPr sz="900"/>
+            </a:lvl8pPr>
+            <a:lvl9pPr marL="3657600" indent="0">
+              <a:buNone/>
+              <a:defRPr sz="900"/>
+            </a:lvl9pPr>
+          </a:lstStyle>
+          <a:p>
+            <a:pPr lvl="0"/>
+            <a:r>
+              <a:rPr lang="en-US"/>
+              <a:t>Edit Master text styles</a:t>
+            </a:r>
+          </a:p>
+        </p:txBody>
+      </p:sp>
+      <p:sp>
+        <p:nvSpPr>
+          <p:cNvPr id="4" name="Date Placeholder 3"/>
+          <p:cNvSpPr>
+            <a:spLocks noGrp="1"/>
+          </p:cNvSpPr>
+          <p:nvPr>
+            <p:ph type="dt" sz="half" idx="10"/>
+          </p:nvPr>
+        </p:nvSpPr>
+        <p:spPr/>
+        <p:txBody>
+          <a:bodyPr/>
+          <a:lstStyle/>
+          <a:p>
+            <a:fld id="{E414F336-643D-4991-B425-D9D7B764741D}" type="datetimeFigureOut">
+              <a:rPr lang="en-US" smtClean="0"/>
+              <a:t>3/4/2019</a:t>
+            </a:fld>
+            <a:endParaRPr lang="en-US"/>
+          </a:p>
+        </p:txBody>
+      </p:sp>
+      <p:sp>
+        <p:nvSpPr>
+          <p:cNvPr id="5" name="Footer Placeholder 4"/>
+          <p:cNvSpPr>
+            <a:spLocks noGrp="1"/>
+          </p:cNvSpPr>
+          <p:nvPr>
+            <p:ph type="ftr" sz="quarter" idx="11"/>
+          </p:nvPr>
+        </p:nvSpPr>
+        <p:spPr/>
+        <p:txBody>
+          <a:bodyPr/>
+          <a:lstStyle/>
+          <a:p>
+            <a:endParaRPr lang="en-US"/>
+          </a:p>
+        </p:txBody>
+      </p:sp>
+      <p:sp>
+        <p:nvSpPr>
+          <p:cNvPr id="6" name="Slide Number Placeholder 5"/>
+          <p:cNvSpPr>
+            <a:spLocks noGrp="1"/>
+          </p:cNvSpPr>
+          <p:nvPr>
+            <p:ph type="sldNum" sz="quarter" idx="12"/>
+          </p:nvPr>
+        </p:nvSpPr>
+        <p:spPr/>
+        <p:txBody>
+          <a:bodyPr/>
+          <a:lstStyle/>
+          <a:p>
+            <a:fld id="{BBC36A1E-63FA-408A-87D8-CBAACFF92BD3}" type="slidenum">
+              <a:rPr lang="en-US" smtClean="0"/>
+              <a:t>‹#›</a:t>
+            </a:fld>
+            <a:endParaRPr lang="en-US"/>
+          </a:p>
+        </p:txBody>
+      </p:sp>
+    </p:spTree>
+    <p:extLst>
+      <p:ext uri="{BB962C8B-B14F-4D97-AF65-F5344CB8AC3E}">
+        <p14:creationId xmlns:p14="http://schemas.microsoft.com/office/powerpoint/2010/main" val="980929556"/>
+      </p:ext>
+    </p:extLst>
+  </p:cSld>
+  <p:clrMapOvr>
+    <a:masterClrMapping/>
+  </p:clrMapOvr>
+</p:sldLayout>
+</file>
+
+<file path=ppt/slideLayouts/slideLayout12.xml><?xml version="1.0" encoding="utf-8"?>
+<p:sldLayout xmlns:a="http://schemas.openxmlformats.org/drawingml/2006/main" xmlns:r="http://schemas.openxmlformats.org/officeDocument/2006/relationships" xmlns:p="http://schemas.openxmlformats.org/presentationml/2006/main" preserve="1">
+  <p:cSld name="Quote with Caption">
+    <p:spTree>
+      <p:nvGrpSpPr>
+        <p:cNvPr id="1" name=""/>
+        <p:cNvGrpSpPr/>
+        <p:nvPr/>
+      </p:nvGrpSpPr>
+      <p:grpSpPr>
+        <a:xfrm>
+          <a:off x="0" y="0"/>
+          <a:ext cx="0" cy="0"/>
+          <a:chOff x="0" y="0"/>
+          <a:chExt cx="0" cy="0"/>
+        </a:xfrm>
+      </p:grpSpPr>
+      <p:sp>
+        <p:nvSpPr>
+          <p:cNvPr id="2" name="Title 1"/>
+          <p:cNvSpPr>
+            <a:spLocks noGrp="1"/>
+          </p:cNvSpPr>
+          <p:nvPr>
+            <p:ph type="title"/>
+          </p:nvPr>
+        </p:nvSpPr>
+        <p:spPr>
+          <a:xfrm>
+            <a:off x="1574801" y="1447800"/>
+            <a:ext cx="7999315" cy="2323374"/>
+          </a:xfrm>
+        </p:spPr>
+        <p:txBody>
+          <a:bodyPr/>
+          <a:lstStyle>
+            <a:lvl1pPr>
+              <a:defRPr sz="4800"/>
+            </a:lvl1pPr>
+          </a:lstStyle>
+          <a:p>
+            <a:r>
+              <a:rPr lang="en-US"/>
+              <a:t>Click to edit Master title style</a:t>
+            </a:r>
+            <a:endParaRPr lang="en-US" dirty="0"/>
+          </a:p>
+        </p:txBody>
+      </p:sp>
+      <p:sp>
+        <p:nvSpPr>
+          <p:cNvPr id="14" name="Text Placeholder 3"/>
+          <p:cNvSpPr>
+            <a:spLocks noGrp="1"/>
+          </p:cNvSpPr>
+          <p:nvPr>
+            <p:ph type="body" sz="half" idx="13"/>
+          </p:nvPr>
+        </p:nvSpPr>
+        <p:spPr>
+          <a:xfrm>
+            <a:off x="1930400" y="3771174"/>
+            <a:ext cx="7279649" cy="342174"/>
+          </a:xfrm>
+        </p:spPr>
+        <p:txBody>
+          <a:bodyPr anchor="t">
+            <a:normAutofit/>
+          </a:bodyPr>
+          <a:lstStyle>
+            <a:lvl1pPr marL="0" indent="0">
+              <a:buNone/>
+              <a:defRPr lang="en-US" sz="1400" b="0" i="0" kern="1200" cap="small" dirty="0">
+                <a:solidFill>
+                  <a:schemeClr val="accent1"/>
+                </a:solidFill>
+                <a:latin typeface="+mj-lt"/>
+                <a:ea typeface="+mj-ea"/>
+                <a:cs typeface="+mj-cs"/>
+              </a:defRPr>
+            </a:lvl1pPr>
+            <a:lvl2pPr marL="457200" indent="0">
+              <a:buNone/>
+              <a:defRPr sz="1200"/>
+            </a:lvl2pPr>
+            <a:lvl3pPr marL="914400" indent="0">
+              <a:buNone/>
+              <a:defRPr sz="1000"/>
+            </a:lvl3pPr>
+            <a:lvl4pPr marL="1371600" indent="0">
+              <a:buNone/>
+              <a:defRPr sz="900"/>
+            </a:lvl4pPr>
+            <a:lvl5pPr marL="1828800" indent="0">
+              <a:buNone/>
+              <a:defRPr sz="900"/>
+            </a:lvl5pPr>
+            <a:lvl6pPr marL="2286000" indent="0">
+              <a:buNone/>
+              <a:defRPr sz="900"/>
+            </a:lvl6pPr>
+            <a:lvl7pPr marL="2743200" indent="0">
+              <a:buNone/>
+              <a:defRPr sz="900"/>
+            </a:lvl7pPr>
+            <a:lvl8pPr marL="3200400" indent="0">
+              <a:buNone/>
+              <a:defRPr sz="900"/>
+            </a:lvl8pPr>
+            <a:lvl9pPr marL="3657600" indent="0">
+              <a:buNone/>
+              <a:defRPr sz="900"/>
+            </a:lvl9pPr>
+          </a:lstStyle>
+          <a:p>
+            <a:pPr lvl="0"/>
+            <a:r>
+              <a:rPr lang="en-US"/>
+              <a:t>Edit Master text styles</a:t>
+            </a:r>
+          </a:p>
+        </p:txBody>
+      </p:sp>
+      <p:sp>
+        <p:nvSpPr>
+          <p:cNvPr id="10" name="Text Placeholder 3"/>
+          <p:cNvSpPr>
+            <a:spLocks noGrp="1"/>
+          </p:cNvSpPr>
+          <p:nvPr>
+            <p:ph type="body" sz="half" idx="2"/>
+          </p:nvPr>
+        </p:nvSpPr>
+        <p:spPr>
+          <a:xfrm>
+            <a:off x="1154954" y="4350657"/>
+            <a:ext cx="8825659" cy="1676400"/>
+          </a:xfrm>
+        </p:spPr>
+        <p:txBody>
+          <a:bodyPr anchor="ctr">
+            <a:normAutofit/>
+          </a:bodyPr>
+          <a:lstStyle>
+            <a:lvl1pPr marL="0" indent="0">
+              <a:buNone/>
+              <a:defRPr sz="1800"/>
+            </a:lvl1pPr>
+            <a:lvl2pPr marL="457200" indent="0">
+              <a:buNone/>
+              <a:defRPr sz="1200"/>
+            </a:lvl2pPr>
+            <a:lvl3pPr marL="914400" indent="0">
+              <a:buNone/>
+              <a:defRPr sz="1000"/>
+            </a:lvl3pPr>
+            <a:lvl4pPr marL="1371600" indent="0">
+              <a:buNone/>
+              <a:defRPr sz="900"/>
+            </a:lvl4pPr>
+            <a:lvl5pPr marL="1828800" indent="0">
+              <a:buNone/>
+              <a:defRPr sz="900"/>
+            </a:lvl5pPr>
+            <a:lvl6pPr marL="2286000" indent="0">
+              <a:buNone/>
+              <a:defRPr sz="900"/>
+            </a:lvl6pPr>
+            <a:lvl7pPr marL="2743200" indent="0">
+              <a:buNone/>
+              <a:defRPr sz="900"/>
+            </a:lvl7pPr>
+            <a:lvl8pPr marL="3200400" indent="0">
+              <a:buNone/>
+              <a:defRPr sz="900"/>
+            </a:lvl8pPr>
+            <a:lvl9pPr marL="3657600" indent="0">
+              <a:buNone/>
+              <a:defRPr sz="900"/>
+            </a:lvl9pPr>
+          </a:lstStyle>
+          <a:p>
+            <a:pPr lvl="0"/>
+            <a:r>
+              <a:rPr lang="en-US"/>
+              <a:t>Edit Master text styles</a:t>
+            </a:r>
+          </a:p>
+        </p:txBody>
+      </p:sp>
+      <p:sp>
+        <p:nvSpPr>
+          <p:cNvPr id="4" name="Date Placeholder 3"/>
+          <p:cNvSpPr>
+            <a:spLocks noGrp="1"/>
+          </p:cNvSpPr>
+          <p:nvPr>
+            <p:ph type="dt" sz="half" idx="10"/>
+          </p:nvPr>
+        </p:nvSpPr>
+        <p:spPr/>
+        <p:txBody>
+          <a:bodyPr/>
+          <a:lstStyle/>
+          <a:p>
+            <a:fld id="{E414F336-643D-4991-B425-D9D7B764741D}" type="datetimeFigureOut">
+              <a:rPr lang="en-US" smtClean="0"/>
+              <a:t>3/4/2019</a:t>
+            </a:fld>
+            <a:endParaRPr lang="en-US"/>
+          </a:p>
+        </p:txBody>
+      </p:sp>
+      <p:sp>
+        <p:nvSpPr>
+          <p:cNvPr id="5" name="Footer Placeholder 4"/>
+          <p:cNvSpPr>
+            <a:spLocks noGrp="1"/>
+          </p:cNvSpPr>
+          <p:nvPr>
+            <p:ph type="ftr" sz="quarter" idx="11"/>
+          </p:nvPr>
+        </p:nvSpPr>
+        <p:spPr/>
+        <p:txBody>
+          <a:bodyPr/>
+          <a:lstStyle/>
+          <a:p>
+            <a:endParaRPr lang="en-US"/>
+          </a:p>
+        </p:txBody>
+      </p:sp>
+      <p:sp>
+        <p:nvSpPr>
+          <p:cNvPr id="6" name="Slide Number Placeholder 5"/>
+          <p:cNvSpPr>
+            <a:spLocks noGrp="1"/>
+          </p:cNvSpPr>
+          <p:nvPr>
+            <p:ph type="sldNum" sz="quarter" idx="12"/>
+          </p:nvPr>
+        </p:nvSpPr>
+        <p:spPr/>
+        <p:txBody>
+          <a:bodyPr/>
+          <a:lstStyle/>
+          <a:p>
+            <a:fld id="{BBC36A1E-63FA-408A-87D8-CBAACFF92BD3}" type="slidenum">
+              <a:rPr lang="en-US" smtClean="0"/>
+              <a:t>‹#›</a:t>
+            </a:fld>
+            <a:endParaRPr lang="en-US"/>
+          </a:p>
+        </p:txBody>
+      </p:sp>
+      <p:sp>
+        <p:nvSpPr>
+          <p:cNvPr id="9" name="TextBox 8"/>
+          <p:cNvSpPr txBox="1"/>
+          <p:nvPr/>
+        </p:nvSpPr>
+        <p:spPr>
+          <a:xfrm>
+            <a:off x="898295" y="971253"/>
+            <a:ext cx="801912" cy="1969770"/>
+          </a:xfrm>
+          <a:prstGeom prst="rect">
+            <a:avLst/>
+          </a:prstGeom>
+          <a:noFill/>
+        </p:spPr>
+        <p:txBody>
+          <a:bodyPr wrap="square" rtlCol="0">
+            <a:spAutoFit/>
+          </a:bodyPr>
+          <a:lstStyle>
+            <a:defPPr>
+              <a:defRPr lang="en-US"/>
+            </a:defPPr>
+            <a:lvl1pPr algn="r">
+              <a:defRPr sz="12200" b="0" i="0">
+                <a:solidFill>
+                  <a:schemeClr val="accent1"/>
+                </a:solidFill>
+                <a:latin typeface="Arial"/>
+                <a:ea typeface="+mj-ea"/>
+                <a:cs typeface="+mj-cs"/>
+              </a:defRPr>
+            </a:lvl1pPr>
+          </a:lstStyle>
+          <a:p>
+            <a:pPr lvl="0"/>
+            <a:r>
+              <a:rPr lang="en-US" dirty="0"/>
+              <a:t>“</a:t>
+            </a:r>
+          </a:p>
+        </p:txBody>
+      </p:sp>
+      <p:sp>
+        <p:nvSpPr>
+          <p:cNvPr id="13" name="TextBox 12"/>
+          <p:cNvSpPr txBox="1"/>
+          <p:nvPr/>
+        </p:nvSpPr>
+        <p:spPr>
+          <a:xfrm>
+            <a:off x="9330490" y="2613787"/>
+            <a:ext cx="801912" cy="1969770"/>
+          </a:xfrm>
+          <a:prstGeom prst="rect">
+            <a:avLst/>
+          </a:prstGeom>
+          <a:noFill/>
+        </p:spPr>
+        <p:txBody>
+          <a:bodyPr wrap="square" rtlCol="0">
+            <a:spAutoFit/>
+          </a:bodyPr>
+          <a:lstStyle>
+            <a:defPPr>
+              <a:defRPr lang="en-US"/>
+            </a:defPPr>
+            <a:lvl1pPr algn="r">
+              <a:defRPr sz="12200" b="0" i="0">
+                <a:solidFill>
+                  <a:schemeClr val="accent1"/>
+                </a:solidFill>
+                <a:latin typeface="Arial"/>
+                <a:ea typeface="+mj-ea"/>
+                <a:cs typeface="+mj-cs"/>
+              </a:defRPr>
+            </a:lvl1pPr>
+          </a:lstStyle>
+          <a:p>
+            <a:pPr lvl="0"/>
+            <a:r>
+              <a:rPr lang="en-US" dirty="0"/>
+              <a:t>”</a:t>
+            </a:r>
+          </a:p>
+        </p:txBody>
+      </p:sp>
+    </p:spTree>
+    <p:extLst>
+      <p:ext uri="{BB962C8B-B14F-4D97-AF65-F5344CB8AC3E}">
+        <p14:creationId xmlns:p14="http://schemas.microsoft.com/office/powerpoint/2010/main" val="604691381"/>
+      </p:ext>
+    </p:extLst>
+  </p:cSld>
+  <p:clrMapOvr>
+    <a:masterClrMapping/>
+  </p:clrMapOvr>
+</p:sldLayout>
+</file>
+
+<file path=ppt/slideLayouts/slideLayout13.xml><?xml version="1.0" encoding="utf-8"?>
+<p:sldLayout xmlns:a="http://schemas.openxmlformats.org/drawingml/2006/main" xmlns:r="http://schemas.openxmlformats.org/officeDocument/2006/relationships" xmlns:p="http://schemas.openxmlformats.org/presentationml/2006/main" preserve="1">
+  <p:cSld name="Name Card">
+    <p:spTree>
+      <p:nvGrpSpPr>
+        <p:cNvPr id="1" name=""/>
+        <p:cNvGrpSpPr/>
+        <p:nvPr/>
+      </p:nvGrpSpPr>
+      <p:grpSpPr>
+        <a:xfrm>
+          <a:off x="0" y="0"/>
+          <a:ext cx="0" cy="0"/>
+          <a:chOff x="0" y="0"/>
+          <a:chExt cx="0" cy="0"/>
+        </a:xfrm>
+      </p:grpSpPr>
+      <p:sp>
+        <p:nvSpPr>
+          <p:cNvPr id="2" name="Title 1"/>
+          <p:cNvSpPr>
+            <a:spLocks noGrp="1"/>
+          </p:cNvSpPr>
+          <p:nvPr>
+            <p:ph type="title"/>
+          </p:nvPr>
+        </p:nvSpPr>
+        <p:spPr>
+          <a:xfrm>
+            <a:off x="1154954" y="3124201"/>
+            <a:ext cx="8825660" cy="1653180"/>
+          </a:xfrm>
+        </p:spPr>
+        <p:txBody>
+          <a:bodyPr anchor="b"/>
+          <a:lstStyle>
+            <a:lvl1pPr algn="l">
+              <a:defRPr sz="4000" b="0" cap="none"/>
+            </a:lvl1pPr>
+          </a:lstStyle>
+          <a:p>
+            <a:r>
+              <a:rPr lang="en-US"/>
+              <a:t>Click to edit Master title style</a:t>
+            </a:r>
+            <a:endParaRPr lang="en-US" dirty="0"/>
+          </a:p>
+        </p:txBody>
+      </p:sp>
+      <p:sp>
+        <p:nvSpPr>
+          <p:cNvPr id="3" name="Text Placeholder 2"/>
+          <p:cNvSpPr>
+            <a:spLocks noGrp="1"/>
+          </p:cNvSpPr>
+          <p:nvPr>
+            <p:ph type="body" idx="1"/>
+          </p:nvPr>
+        </p:nvSpPr>
+        <p:spPr>
+          <a:xfrm>
+            <a:off x="1154954" y="4777381"/>
+            <a:ext cx="8825659" cy="860400"/>
+          </a:xfrm>
+        </p:spPr>
+        <p:txBody>
+          <a:bodyPr anchor="t"/>
+          <a:lstStyle>
+            <a:lvl1pPr marL="0" indent="0" algn="l">
+              <a:buNone/>
+              <a:defRPr sz="2000" cap="none">
+                <a:solidFill>
+                  <a:schemeClr val="accent1"/>
+                </a:solidFill>
+              </a:defRPr>
+            </a:lvl1pPr>
+            <a:lvl2pPr marL="457200" indent="0">
+              <a:buNone/>
+              <a:defRPr sz="1800">
+                <a:solidFill>
+                  <a:schemeClr val="tx1">
+                    <a:tint val="75000"/>
+                  </a:schemeClr>
+                </a:solidFill>
+              </a:defRPr>
+            </a:lvl2pPr>
+            <a:lvl3pPr marL="914400" indent="0">
+              <a:buNone/>
+              <a:defRPr sz="1600">
+                <a:solidFill>
+                  <a:schemeClr val="tx1">
+                    <a:tint val="75000"/>
+                  </a:schemeClr>
+                </a:solidFill>
+              </a:defRPr>
+            </a:lvl3pPr>
+            <a:lvl4pPr marL="1371600" indent="0">
+              <a:buNone/>
+              <a:defRPr sz="1400">
+                <a:solidFill>
+                  <a:schemeClr val="tx1">
+                    <a:tint val="75000"/>
+                  </a:schemeClr>
+                </a:solidFill>
+              </a:defRPr>
+            </a:lvl4pPr>
+            <a:lvl5pPr marL="1828800" indent="0">
+              <a:buNone/>
+              <a:defRPr sz="1400">
+                <a:solidFill>
+                  <a:schemeClr val="tx1">
+                    <a:tint val="75000"/>
+                  </a:schemeClr>
+                </a:solidFill>
+              </a:defRPr>
+            </a:lvl5pPr>
+            <a:lvl6pPr marL="2286000" indent="0">
+              <a:buNone/>
+              <a:defRPr sz="1400">
+                <a:solidFill>
+                  <a:schemeClr val="tx1">
+                    <a:tint val="75000"/>
+                  </a:schemeClr>
+                </a:solidFill>
+              </a:defRPr>
+            </a:lvl6pPr>
+            <a:lvl7pPr marL="2743200" indent="0">
+              <a:buNone/>
+              <a:defRPr sz="1400">
+                <a:solidFill>
+                  <a:schemeClr val="tx1">
+                    <a:tint val="75000"/>
+                  </a:schemeClr>
+                </a:solidFill>
+              </a:defRPr>
+            </a:lvl7pPr>
+            <a:lvl8pPr marL="3200400" indent="0">
+              <a:buNone/>
+              <a:defRPr sz="1400">
+                <a:solidFill>
+                  <a:schemeClr val="tx1">
+                    <a:tint val="75000"/>
+                  </a:schemeClr>
+                </a:solidFill>
+              </a:defRPr>
+            </a:lvl8pPr>
+            <a:lvl9pPr marL="3657600" indent="0">
+              <a:buNone/>
+              <a:defRPr sz="1400">
+                <a:solidFill>
+                  <a:schemeClr val="tx1">
+                    <a:tint val="75000"/>
+                  </a:schemeClr>
+                </a:solidFill>
+              </a:defRPr>
+            </a:lvl9pPr>
+          </a:lstStyle>
+          <a:p>
+            <a:pPr lvl="0"/>
+            <a:r>
+              <a:rPr lang="en-US"/>
+              <a:t>Edit Master text styles</a:t>
+            </a:r>
+          </a:p>
+        </p:txBody>
+      </p:sp>
+      <p:sp>
+        <p:nvSpPr>
+          <p:cNvPr id="4" name="Date Placeholder 3"/>
+          <p:cNvSpPr>
+            <a:spLocks noGrp="1"/>
+          </p:cNvSpPr>
+          <p:nvPr>
+            <p:ph type="dt" sz="half" idx="10"/>
+          </p:nvPr>
+        </p:nvSpPr>
+        <p:spPr/>
+        <p:txBody>
+          <a:bodyPr/>
+          <a:lstStyle/>
+          <a:p>
+            <a:fld id="{E414F336-643D-4991-B425-D9D7B764741D}" type="datetimeFigureOut">
+              <a:rPr lang="en-US" smtClean="0"/>
+              <a:t>3/4/2019</a:t>
+            </a:fld>
+            <a:endParaRPr lang="en-US"/>
+          </a:p>
+        </p:txBody>
+      </p:sp>
+      <p:sp>
+        <p:nvSpPr>
+          <p:cNvPr id="5" name="Footer Placeholder 4"/>
+          <p:cNvSpPr>
+            <a:spLocks noGrp="1"/>
+          </p:cNvSpPr>
+          <p:nvPr>
+            <p:ph type="ftr" sz="quarter" idx="11"/>
+          </p:nvPr>
+        </p:nvSpPr>
+        <p:spPr/>
+        <p:txBody>
+          <a:bodyPr/>
+          <a:lstStyle/>
+          <a:p>
+            <a:endParaRPr lang="en-US"/>
+          </a:p>
+        </p:txBody>
+      </p:sp>
+      <p:sp>
+        <p:nvSpPr>
+          <p:cNvPr id="6" name="Slide Number Placeholder 5"/>
+          <p:cNvSpPr>
+            <a:spLocks noGrp="1"/>
+          </p:cNvSpPr>
+          <p:nvPr>
+            <p:ph type="sldNum" sz="quarter" idx="12"/>
+          </p:nvPr>
+        </p:nvSpPr>
+        <p:spPr/>
+        <p:txBody>
+          <a:bodyPr/>
+          <a:lstStyle/>
+          <a:p>
+            <a:fld id="{BBC36A1E-63FA-408A-87D8-CBAACFF92BD3}" type="slidenum">
+              <a:rPr lang="en-US" smtClean="0"/>
+              <a:t>‹#›</a:t>
+            </a:fld>
+            <a:endParaRPr lang="en-US"/>
+          </a:p>
+        </p:txBody>
+      </p:sp>
+    </p:spTree>
+    <p:extLst>
+      <p:ext uri="{BB962C8B-B14F-4D97-AF65-F5344CB8AC3E}">
+        <p14:creationId xmlns:p14="http://schemas.microsoft.com/office/powerpoint/2010/main" val="2752176994"/>
+      </p:ext>
+    </p:extLst>
+  </p:cSld>
+  <p:clrMapOvr>
+    <a:masterClrMapping/>
+  </p:clrMapOvr>
+</p:sldLayout>
+</file>
+
+<file path=ppt/slideLayouts/slideLayout14.xml><?xml version="1.0" encoding="utf-8"?>
+<p:sldLayout xmlns:a="http://schemas.openxmlformats.org/drawingml/2006/main" xmlns:r="http://schemas.openxmlformats.org/officeDocument/2006/relationships" xmlns:p="http://schemas.openxmlformats.org/presentationml/2006/main" preserve="1">
+  <p:cSld name="3 Column">
+    <p:spTree>
+      <p:nvGrpSpPr>
+        <p:cNvPr id="1" name=""/>
+        <p:cNvGrpSpPr/>
+        <p:nvPr/>
+      </p:nvGrpSpPr>
+      <p:grpSpPr>
+        <a:xfrm>
+          <a:off x="0" y="0"/>
+          <a:ext cx="0" cy="0"/>
+          <a:chOff x="0" y="0"/>
+          <a:chExt cx="0" cy="0"/>
+        </a:xfrm>
+      </p:grpSpPr>
+      <p:sp>
+        <p:nvSpPr>
+          <p:cNvPr id="2" name="Title 1"/>
+          <p:cNvSpPr>
+            <a:spLocks noGrp="1"/>
+          </p:cNvSpPr>
+          <p:nvPr>
+            <p:ph type="title"/>
+          </p:nvPr>
+        </p:nvSpPr>
+        <p:spPr/>
+        <p:txBody>
+          <a:bodyPr/>
+          <a:lstStyle>
+            <a:lvl1pPr>
+              <a:defRPr sz="4200"/>
+            </a:lvl1pPr>
+          </a:lstStyle>
+          <a:p>
+            <a:r>
+              <a:rPr lang="en-US"/>
+              <a:t>Click to edit Master title style</a:t>
+            </a:r>
+            <a:endParaRPr lang="en-US" dirty="0"/>
+          </a:p>
+        </p:txBody>
+      </p:sp>
+      <p:sp>
+        <p:nvSpPr>
+          <p:cNvPr id="3" name="Text Placeholder 2"/>
+          <p:cNvSpPr>
+            <a:spLocks noGrp="1"/>
+          </p:cNvSpPr>
+          <p:nvPr>
+            <p:ph type="body" idx="1"/>
+          </p:nvPr>
+        </p:nvSpPr>
+        <p:spPr>
+          <a:xfrm>
+            <a:off x="632947" y="1981200"/>
+            <a:ext cx="2946866" cy="576262"/>
+          </a:xfrm>
+        </p:spPr>
+        <p:txBody>
+          <a:bodyPr anchor="b">
+            <a:noAutofit/>
+          </a:bodyPr>
+          <a:lstStyle>
+            <a:lvl1pPr marL="0" indent="0">
+              <a:buNone/>
+              <a:defRPr sz="2400" b="0">
+                <a:solidFill>
+                  <a:schemeClr val="accent1"/>
+                </a:solidFill>
+              </a:defRPr>
+            </a:lvl1pPr>
+            <a:lvl2pPr marL="457200" indent="0">
+              <a:buNone/>
+              <a:defRPr sz="2000" b="1"/>
+            </a:lvl2pPr>
+            <a:lvl3pPr marL="914400" indent="0">
+              <a:buNone/>
+              <a:defRPr sz="1800" b="1"/>
+            </a:lvl3pPr>
+            <a:lvl4pPr marL="1371600" indent="0">
+              <a:buNone/>
+              <a:defRPr sz="1600" b="1"/>
+            </a:lvl4pPr>
+            <a:lvl5pPr marL="1828800" indent="0">
+              <a:buNone/>
+              <a:defRPr sz="1600" b="1"/>
+            </a:lvl5pPr>
+            <a:lvl6pPr marL="2286000" indent="0">
+              <a:buNone/>
+              <a:defRPr sz="1600" b="1"/>
+            </a:lvl6pPr>
+            <a:lvl7pPr marL="2743200" indent="0">
+              <a:buNone/>
+              <a:defRPr sz="1600" b="1"/>
+            </a:lvl7pPr>
+            <a:lvl8pPr marL="3200400" indent="0">
+              <a:buNone/>
+              <a:defRPr sz="1600" b="1"/>
+            </a:lvl8pPr>
+            <a:lvl9pPr marL="3657600" indent="0">
+              <a:buNone/>
+              <a:defRPr sz="1600" b="1"/>
+            </a:lvl9pPr>
+          </a:lstStyle>
+          <a:p>
+            <a:pPr lvl="0"/>
+            <a:r>
+              <a:rPr lang="en-US"/>
+              <a:t>Edit Master text styles</a:t>
+            </a:r>
+          </a:p>
+        </p:txBody>
+      </p:sp>
+      <p:sp>
+        <p:nvSpPr>
+          <p:cNvPr id="16" name="Text Placeholder 3"/>
+          <p:cNvSpPr>
+            <a:spLocks noGrp="1"/>
+          </p:cNvSpPr>
+          <p:nvPr>
+            <p:ph type="body" sz="half" idx="15"/>
+          </p:nvPr>
+        </p:nvSpPr>
+        <p:spPr>
+          <a:xfrm>
+            <a:off x="652463" y="2667000"/>
+            <a:ext cx="2927350" cy="3589338"/>
+          </a:xfrm>
+        </p:spPr>
+        <p:txBody>
+          <a:bodyPr anchor="t">
+            <a:normAutofit/>
+          </a:bodyPr>
+          <a:lstStyle>
+            <a:lvl1pPr marL="0" indent="0">
+              <a:buNone/>
+              <a:defRPr sz="1400"/>
+            </a:lvl1pPr>
+            <a:lvl2pPr marL="457200" indent="0">
+              <a:buNone/>
+              <a:defRPr sz="1200"/>
+            </a:lvl2pPr>
+            <a:lvl3pPr marL="914400" indent="0">
+              <a:buNone/>
+              <a:defRPr sz="1000"/>
+            </a:lvl3pPr>
+            <a:lvl4pPr marL="1371600" indent="0">
+              <a:buNone/>
+              <a:defRPr sz="900"/>
+            </a:lvl4pPr>
+            <a:lvl5pPr marL="1828800" indent="0">
+              <a:buNone/>
+              <a:defRPr sz="900"/>
+            </a:lvl5pPr>
+            <a:lvl6pPr marL="2286000" indent="0">
+              <a:buNone/>
+              <a:defRPr sz="900"/>
+            </a:lvl6pPr>
+            <a:lvl7pPr marL="2743200" indent="0">
+              <a:buNone/>
+              <a:defRPr sz="900"/>
+            </a:lvl7pPr>
+            <a:lvl8pPr marL="3200400" indent="0">
+              <a:buNone/>
+              <a:defRPr sz="900"/>
+            </a:lvl8pPr>
+            <a:lvl9pPr marL="3657600" indent="0">
+              <a:buNone/>
+              <a:defRPr sz="900"/>
+            </a:lvl9pPr>
+          </a:lstStyle>
+          <a:p>
+            <a:pPr lvl="0"/>
+            <a:r>
+              <a:rPr lang="en-US"/>
+              <a:t>Edit Master text styles</a:t>
+            </a:r>
+          </a:p>
+        </p:txBody>
+      </p:sp>
+      <p:sp>
+        <p:nvSpPr>
+          <p:cNvPr id="5" name="Text Placeholder 4"/>
+          <p:cNvSpPr>
+            <a:spLocks noGrp="1"/>
+          </p:cNvSpPr>
+          <p:nvPr>
+            <p:ph type="body" sz="quarter" idx="3"/>
+          </p:nvPr>
+        </p:nvSpPr>
+        <p:spPr>
+          <a:xfrm>
+            <a:off x="3883659" y="1981200"/>
+            <a:ext cx="2936241" cy="576262"/>
+          </a:xfrm>
+        </p:spPr>
+        <p:txBody>
+          <a:bodyPr anchor="b">
+            <a:noAutofit/>
+          </a:bodyPr>
+          <a:lstStyle>
+            <a:lvl1pPr marL="0" indent="0">
+              <a:buNone/>
+              <a:defRPr sz="2400" b="0">
+                <a:solidFill>
+                  <a:schemeClr val="accent1"/>
+                </a:solidFill>
+              </a:defRPr>
+            </a:lvl1pPr>
+            <a:lvl2pPr marL="457200" indent="0">
+              <a:buNone/>
+              <a:defRPr sz="2000" b="1"/>
+            </a:lvl2pPr>
+            <a:lvl3pPr marL="914400" indent="0">
+              <a:buNone/>
+              <a:defRPr sz="1800" b="1"/>
+            </a:lvl3pPr>
+            <a:lvl4pPr marL="1371600" indent="0">
+              <a:buNone/>
+              <a:defRPr sz="1600" b="1"/>
+            </a:lvl4pPr>
+            <a:lvl5pPr marL="1828800" indent="0">
+              <a:buNone/>
+              <a:defRPr sz="1600" b="1"/>
+            </a:lvl5pPr>
+            <a:lvl6pPr marL="2286000" indent="0">
+              <a:buNone/>
+              <a:defRPr sz="1600" b="1"/>
+            </a:lvl6pPr>
+            <a:lvl7pPr marL="2743200" indent="0">
+              <a:buNone/>
+              <a:defRPr sz="1600" b="1"/>
+            </a:lvl7pPr>
+            <a:lvl8pPr marL="3200400" indent="0">
+              <a:buNone/>
+              <a:defRPr sz="1600" b="1"/>
+            </a:lvl8pPr>
+            <a:lvl9pPr marL="3657600" indent="0">
+              <a:buNone/>
+              <a:defRPr sz="1600" b="1"/>
+            </a:lvl9pPr>
+          </a:lstStyle>
+          <a:p>
+            <a:pPr lvl="0"/>
+            <a:r>
+              <a:rPr lang="en-US"/>
+              <a:t>Edit Master text styles</a:t>
+            </a:r>
+          </a:p>
+        </p:txBody>
+      </p:sp>
+      <p:sp>
+        <p:nvSpPr>
+          <p:cNvPr id="19" name="Text Placeholder 3"/>
+          <p:cNvSpPr>
+            <a:spLocks noGrp="1"/>
+          </p:cNvSpPr>
+          <p:nvPr>
+            <p:ph type="body" sz="half" idx="16"/>
+          </p:nvPr>
+        </p:nvSpPr>
+        <p:spPr>
+          <a:xfrm>
+            <a:off x="3873106" y="2667000"/>
+            <a:ext cx="2946794" cy="3589338"/>
+          </a:xfrm>
+        </p:spPr>
+        <p:txBody>
+          <a:bodyPr anchor="t">
+            <a:normAutofit/>
+          </a:bodyPr>
+          <a:lstStyle>
+            <a:lvl1pPr marL="0" indent="0">
+              <a:buNone/>
+              <a:defRPr sz="1400"/>
+            </a:lvl1pPr>
+            <a:lvl2pPr marL="457200" indent="0">
+              <a:buNone/>
+              <a:defRPr sz="1200"/>
+            </a:lvl2pPr>
+            <a:lvl3pPr marL="914400" indent="0">
+              <a:buNone/>
+              <a:defRPr sz="1000"/>
+            </a:lvl3pPr>
+            <a:lvl4pPr marL="1371600" indent="0">
+              <a:buNone/>
+              <a:defRPr sz="900"/>
+            </a:lvl4pPr>
+            <a:lvl5pPr marL="1828800" indent="0">
+              <a:buNone/>
+              <a:defRPr sz="900"/>
+            </a:lvl5pPr>
+            <a:lvl6pPr marL="2286000" indent="0">
+              <a:buNone/>
+              <a:defRPr sz="900"/>
+            </a:lvl6pPr>
+            <a:lvl7pPr marL="2743200" indent="0">
+              <a:buNone/>
+              <a:defRPr sz="900"/>
+            </a:lvl7pPr>
+            <a:lvl8pPr marL="3200400" indent="0">
+              <a:buNone/>
+              <a:defRPr sz="900"/>
+            </a:lvl8pPr>
+            <a:lvl9pPr marL="3657600" indent="0">
+              <a:buNone/>
+              <a:defRPr sz="900"/>
+            </a:lvl9pPr>
+          </a:lstStyle>
+          <a:p>
+            <a:pPr lvl="0"/>
+            <a:r>
+              <a:rPr lang="en-US"/>
+              <a:t>Edit Master text styles</a:t>
+            </a:r>
+          </a:p>
+        </p:txBody>
+      </p:sp>
+      <p:sp>
+        <p:nvSpPr>
+          <p:cNvPr id="14" name="Text Placeholder 4"/>
+          <p:cNvSpPr>
+            <a:spLocks noGrp="1"/>
+          </p:cNvSpPr>
+          <p:nvPr>
+            <p:ph type="body" sz="quarter" idx="13"/>
+          </p:nvPr>
+        </p:nvSpPr>
+        <p:spPr>
+          <a:xfrm>
+            <a:off x="7124700" y="1981200"/>
+            <a:ext cx="2932113" cy="576262"/>
+          </a:xfrm>
+        </p:spPr>
+        <p:txBody>
+          <a:bodyPr anchor="b">
+            <a:noAutofit/>
+          </a:bodyPr>
+          <a:lstStyle>
+            <a:lvl1pPr marL="0" indent="0">
+              <a:buNone/>
+              <a:defRPr sz="2400" b="0">
+                <a:solidFill>
+                  <a:schemeClr val="accent1"/>
+                </a:solidFill>
+              </a:defRPr>
+            </a:lvl1pPr>
+            <a:lvl2pPr marL="457200" indent="0">
+              <a:buNone/>
+              <a:defRPr sz="2000" b="1"/>
+            </a:lvl2pPr>
+            <a:lvl3pPr marL="914400" indent="0">
+              <a:buNone/>
+              <a:defRPr sz="1800" b="1"/>
+            </a:lvl3pPr>
+            <a:lvl4pPr marL="1371600" indent="0">
+              <a:buNone/>
+              <a:defRPr sz="1600" b="1"/>
+            </a:lvl4pPr>
+            <a:lvl5pPr marL="1828800" indent="0">
+              <a:buNone/>
+              <a:defRPr sz="1600" b="1"/>
+            </a:lvl5pPr>
+            <a:lvl6pPr marL="2286000" indent="0">
+              <a:buNone/>
+              <a:defRPr sz="1600" b="1"/>
+            </a:lvl6pPr>
+            <a:lvl7pPr marL="2743200" indent="0">
+              <a:buNone/>
+              <a:defRPr sz="1600" b="1"/>
+            </a:lvl7pPr>
+            <a:lvl8pPr marL="3200400" indent="0">
+              <a:buNone/>
+              <a:defRPr sz="1600" b="1"/>
+            </a:lvl8pPr>
+            <a:lvl9pPr marL="3657600" indent="0">
+              <a:buNone/>
+              <a:defRPr sz="1600" b="1"/>
+            </a:lvl9pPr>
+          </a:lstStyle>
+          <a:p>
+            <a:pPr lvl="0"/>
+            <a:r>
+              <a:rPr lang="en-US"/>
+              <a:t>Edit Master text styles</a:t>
+            </a:r>
+          </a:p>
+        </p:txBody>
+      </p:sp>
+      <p:sp>
+        <p:nvSpPr>
+          <p:cNvPr id="20" name="Text Placeholder 3"/>
+          <p:cNvSpPr>
+            <a:spLocks noGrp="1"/>
+          </p:cNvSpPr>
+          <p:nvPr>
+            <p:ph type="body" sz="half" idx="17"/>
+          </p:nvPr>
+        </p:nvSpPr>
+        <p:spPr>
+          <a:xfrm>
+            <a:off x="7124700" y="2667000"/>
+            <a:ext cx="2932113" cy="3589338"/>
+          </a:xfrm>
+        </p:spPr>
+        <p:txBody>
+          <a:bodyPr anchor="t">
+            <a:normAutofit/>
+          </a:bodyPr>
+          <a:lstStyle>
+            <a:lvl1pPr marL="0" indent="0">
+              <a:buNone/>
+              <a:defRPr sz="1400"/>
+            </a:lvl1pPr>
+            <a:lvl2pPr marL="457200" indent="0">
+              <a:buNone/>
+              <a:defRPr sz="1200"/>
+            </a:lvl2pPr>
+            <a:lvl3pPr marL="914400" indent="0">
+              <a:buNone/>
+              <a:defRPr sz="1000"/>
+            </a:lvl3pPr>
+            <a:lvl4pPr marL="1371600" indent="0">
+              <a:buNone/>
+              <a:defRPr sz="900"/>
+            </a:lvl4pPr>
+            <a:lvl5pPr marL="1828800" indent="0">
+              <a:buNone/>
+              <a:defRPr sz="900"/>
+            </a:lvl5pPr>
+            <a:lvl6pPr marL="2286000" indent="0">
+              <a:buNone/>
+              <a:defRPr sz="900"/>
+            </a:lvl6pPr>
+            <a:lvl7pPr marL="2743200" indent="0">
+              <a:buNone/>
+              <a:defRPr sz="900"/>
+            </a:lvl7pPr>
+            <a:lvl8pPr marL="3200400" indent="0">
+              <a:buNone/>
+              <a:defRPr sz="900"/>
+            </a:lvl8pPr>
+            <a:lvl9pPr marL="3657600" indent="0">
+              <a:buNone/>
+              <a:defRPr sz="900"/>
+            </a:lvl9pPr>
+          </a:lstStyle>
+          <a:p>
+            <a:pPr lvl="0"/>
+            <a:r>
+              <a:rPr lang="en-US"/>
+              <a:t>Edit Master text styles</a:t>
+            </a:r>
+          </a:p>
+        </p:txBody>
+      </p:sp>
+      <p:cxnSp>
+        <p:nvCxnSpPr>
+          <p:cNvPr id="17" name="Straight Connector 16"/>
+          <p:cNvCxnSpPr/>
+          <p:nvPr/>
+        </p:nvCxnSpPr>
+        <p:spPr>
+          <a:xfrm>
+            <a:off x="3726142" y="2133600"/>
+            <a:ext cx="0" cy="3962400"/>
+          </a:xfrm>
+          <a:prstGeom prst="line">
+            <a:avLst/>
+          </a:prstGeom>
+          <a:ln w="12700" cmpd="sng">
+            <a:solidFill>
+              <a:schemeClr val="accent1">
+                <a:alpha val="40000"/>
+              </a:schemeClr>
+            </a:solidFill>
+          </a:ln>
+        </p:spPr>
+        <p:style>
+          <a:lnRef idx="2">
+            <a:schemeClr val="accent1"/>
+          </a:lnRef>
+          <a:fillRef idx="0">
+            <a:schemeClr val="accent1"/>
+          </a:fillRef>
+          <a:effectRef idx="1">
+            <a:schemeClr val="accent1"/>
+          </a:effectRef>
+          <a:fontRef idx="minor">
+            <a:schemeClr val="tx1"/>
+          </a:fontRef>
+        </p:style>
+      </p:cxnSp>
+      <p:cxnSp>
+        <p:nvCxnSpPr>
+          <p:cNvPr id="18" name="Straight Connector 17"/>
+          <p:cNvCxnSpPr/>
+          <p:nvPr/>
+        </p:nvCxnSpPr>
+        <p:spPr>
+          <a:xfrm>
+            <a:off x="6962227" y="2133600"/>
+            <a:ext cx="0" cy="3966882"/>
+          </a:xfrm>
+          <a:prstGeom prst="line">
+            <a:avLst/>
+          </a:prstGeom>
+          <a:ln w="12700" cmpd="sng">
+            <a:solidFill>
+              <a:schemeClr val="accent1">
+                <a:alpha val="40000"/>
+              </a:schemeClr>
+            </a:solidFill>
+          </a:ln>
+        </p:spPr>
+        <p:style>
+          <a:lnRef idx="2">
+            <a:schemeClr val="accent1"/>
+          </a:lnRef>
+          <a:fillRef idx="0">
+            <a:schemeClr val="accent1"/>
+          </a:fillRef>
+          <a:effectRef idx="1">
+            <a:schemeClr val="accent1"/>
+          </a:effectRef>
+          <a:fontRef idx="minor">
+            <a:schemeClr val="tx1"/>
+          </a:fontRef>
+        </p:style>
+      </p:cxnSp>
+      <p:sp>
+        <p:nvSpPr>
+          <p:cNvPr id="7" name="Date Placeholder 3"/>
+          <p:cNvSpPr>
+            <a:spLocks noGrp="1"/>
+          </p:cNvSpPr>
+          <p:nvPr>
+            <p:ph type="dt" sz="half" idx="10"/>
+          </p:nvPr>
+        </p:nvSpPr>
+        <p:spPr/>
+        <p:txBody>
+          <a:bodyPr/>
+          <a:lstStyle/>
+          <a:p>
+            <a:fld id="{E414F336-643D-4991-B425-D9D7B764741D}" type="datetimeFigureOut">
+              <a:rPr lang="en-US" smtClean="0"/>
+              <a:t>3/4/2019</a:t>
+            </a:fld>
+            <a:endParaRPr lang="en-US"/>
+          </a:p>
+        </p:txBody>
+      </p:sp>
+      <p:sp>
+        <p:nvSpPr>
+          <p:cNvPr id="4" name="Footer Placeholder 4"/>
+          <p:cNvSpPr>
+            <a:spLocks noGrp="1"/>
+          </p:cNvSpPr>
+          <p:nvPr>
+            <p:ph type="ftr" sz="quarter" idx="11"/>
+          </p:nvPr>
+        </p:nvSpPr>
+        <p:spPr/>
+        <p:txBody>
+          <a:bodyPr/>
+          <a:lstStyle/>
+          <a:p>
+            <a:endParaRPr lang="en-US"/>
+          </a:p>
+        </p:txBody>
+      </p:sp>
+      <p:sp>
+        <p:nvSpPr>
+          <p:cNvPr id="6" name="Slide Number Placeholder 5"/>
+          <p:cNvSpPr>
+            <a:spLocks noGrp="1"/>
+          </p:cNvSpPr>
+          <p:nvPr>
+            <p:ph type="sldNum" sz="quarter" idx="12"/>
+          </p:nvPr>
+        </p:nvSpPr>
+        <p:spPr/>
+        <p:txBody>
+          <a:bodyPr/>
+          <a:lstStyle/>
+          <a:p>
+            <a:fld id="{BBC36A1E-63FA-408A-87D8-CBAACFF92BD3}" type="slidenum">
+              <a:rPr lang="en-US" smtClean="0"/>
+              <a:t>‹#›</a:t>
+            </a:fld>
+            <a:endParaRPr lang="en-US"/>
+          </a:p>
+        </p:txBody>
+      </p:sp>
+    </p:spTree>
+    <p:extLst>
+      <p:ext uri="{BB962C8B-B14F-4D97-AF65-F5344CB8AC3E}">
+        <p14:creationId xmlns:p14="http://schemas.microsoft.com/office/powerpoint/2010/main" val="2086267201"/>
+      </p:ext>
+    </p:extLst>
+  </p:cSld>
+  <p:clrMapOvr>
+    <a:masterClrMapping/>
+  </p:clrMapOvr>
+</p:sldLayout>
+</file>
+
+<file path=ppt/slideLayouts/slideLayout15.xml><?xml version="1.0" encoding="utf-8"?>
+<p:sldLayout xmlns:a="http://schemas.openxmlformats.org/drawingml/2006/main" xmlns:r="http://schemas.openxmlformats.org/officeDocument/2006/relationships" xmlns:p="http://schemas.openxmlformats.org/presentationml/2006/main" preserve="1">
+  <p:cSld name="3 Picture Column">
+    <p:spTree>
+      <p:nvGrpSpPr>
+        <p:cNvPr id="1" name=""/>
+        <p:cNvGrpSpPr/>
+        <p:nvPr/>
+      </p:nvGrpSpPr>
+      <p:grpSpPr>
+        <a:xfrm>
+          <a:off x="0" y="0"/>
+          <a:ext cx="0" cy="0"/>
+          <a:chOff x="0" y="0"/>
+          <a:chExt cx="0" cy="0"/>
+        </a:xfrm>
+      </p:grpSpPr>
+      <p:sp>
+        <p:nvSpPr>
+          <p:cNvPr id="2" name="Title 1"/>
+          <p:cNvSpPr>
+            <a:spLocks noGrp="1"/>
+          </p:cNvSpPr>
+          <p:nvPr>
+            <p:ph type="title"/>
+          </p:nvPr>
+        </p:nvSpPr>
+        <p:spPr/>
+        <p:txBody>
+          <a:bodyPr/>
+          <a:lstStyle>
+            <a:lvl1pPr>
+              <a:defRPr sz="4200"/>
+            </a:lvl1pPr>
+          </a:lstStyle>
+          <a:p>
+            <a:r>
+              <a:rPr lang="en-US"/>
+              <a:t>Click to edit Master title style</a:t>
+            </a:r>
+            <a:endParaRPr lang="en-US" dirty="0"/>
+          </a:p>
+        </p:txBody>
+      </p:sp>
+      <p:sp>
+        <p:nvSpPr>
+          <p:cNvPr id="3" name="Text Placeholder 2"/>
+          <p:cNvSpPr>
+            <a:spLocks noGrp="1"/>
+          </p:cNvSpPr>
+          <p:nvPr>
+            <p:ph type="body" idx="1"/>
+          </p:nvPr>
+        </p:nvSpPr>
+        <p:spPr>
+          <a:xfrm>
+            <a:off x="652463" y="4250949"/>
+            <a:ext cx="2940050" cy="576262"/>
+          </a:xfrm>
+        </p:spPr>
+        <p:txBody>
+          <a:bodyPr anchor="b">
+            <a:noAutofit/>
+          </a:bodyPr>
+          <a:lstStyle>
+            <a:lvl1pPr marL="0" indent="0">
+              <a:buNone/>
+              <a:defRPr sz="2400" b="0">
+                <a:solidFill>
+                  <a:schemeClr val="accent1"/>
+                </a:solidFill>
+              </a:defRPr>
+            </a:lvl1pPr>
+            <a:lvl2pPr marL="457200" indent="0">
+              <a:buNone/>
+              <a:defRPr sz="2000" b="1"/>
+            </a:lvl2pPr>
+            <a:lvl3pPr marL="914400" indent="0">
+              <a:buNone/>
+              <a:defRPr sz="1800" b="1"/>
+            </a:lvl3pPr>
+            <a:lvl4pPr marL="1371600" indent="0">
+              <a:buNone/>
+              <a:defRPr sz="1600" b="1"/>
+            </a:lvl4pPr>
+            <a:lvl5pPr marL="1828800" indent="0">
+              <a:buNone/>
+              <a:defRPr sz="1600" b="1"/>
+            </a:lvl5pPr>
+            <a:lvl6pPr marL="2286000" indent="0">
+              <a:buNone/>
+              <a:defRPr sz="1600" b="1"/>
+            </a:lvl6pPr>
+            <a:lvl7pPr marL="2743200" indent="0">
+              <a:buNone/>
+              <a:defRPr sz="1600" b="1"/>
+            </a:lvl7pPr>
+            <a:lvl8pPr marL="3200400" indent="0">
+              <a:buNone/>
+              <a:defRPr sz="1600" b="1"/>
+            </a:lvl8pPr>
+            <a:lvl9pPr marL="3657600" indent="0">
+              <a:buNone/>
+              <a:defRPr sz="1600" b="1"/>
+            </a:lvl9pPr>
+          </a:lstStyle>
+          <a:p>
+            <a:pPr lvl="0"/>
+            <a:r>
+              <a:rPr lang="en-US"/>
+              <a:t>Edit Master text styles</a:t>
+            </a:r>
+          </a:p>
+        </p:txBody>
+      </p:sp>
+      <p:sp>
+        <p:nvSpPr>
+          <p:cNvPr id="29" name="Picture Placeholder 2"/>
+          <p:cNvSpPr>
+            <a:spLocks noGrp="1" noChangeAspect="1"/>
+          </p:cNvSpPr>
+          <p:nvPr>
+            <p:ph type="pic" idx="15"/>
+          </p:nvPr>
+        </p:nvSpPr>
+        <p:spPr>
+          <a:xfrm>
+            <a:off x="652463" y="2209800"/>
+            <a:ext cx="2940050" cy="1524000"/>
+          </a:xfrm>
+          <a:prstGeom prst="roundRect">
+            <a:avLst>
+              <a:gd name="adj" fmla="val 1858"/>
+            </a:avLst>
+          </a:prstGeom>
+          <a:effectLst>
+            <a:outerShdw blurRad="50800" dist="50800" dir="5400000" algn="tl" rotWithShape="0">
+              <a:srgbClr val="000000">
+                <a:alpha val="43000"/>
+              </a:srgbClr>
+            </a:outerShdw>
+          </a:effectLst>
+        </p:spPr>
+        <p:txBody>
+          <a:bodyPr anchor="t">
+            <a:normAutofit/>
+          </a:bodyPr>
+          <a:lstStyle>
+            <a:lvl1pPr marL="0" indent="0" algn="ctr">
+              <a:buNone/>
+              <a:defRPr sz="1600"/>
+            </a:lvl1pPr>
+            <a:lvl2pPr marL="457200" indent="0">
+              <a:buNone/>
+              <a:defRPr sz="1600"/>
+            </a:lvl2pPr>
+            <a:lvl3pPr marL="914400" indent="0">
+              <a:buNone/>
+              <a:defRPr sz="1600"/>
+            </a:lvl3pPr>
+            <a:lvl4pPr marL="1371600" indent="0">
+              <a:buNone/>
+              <a:defRPr sz="1600"/>
+            </a:lvl4pPr>
+            <a:lvl5pPr marL="1828800" indent="0">
+              <a:buNone/>
+              <a:defRPr sz="1600"/>
+            </a:lvl5pPr>
+            <a:lvl6pPr marL="2286000" indent="0">
+              <a:buNone/>
+              <a:defRPr sz="1600"/>
+            </a:lvl6pPr>
+            <a:lvl7pPr marL="2743200" indent="0">
+              <a:buNone/>
+              <a:defRPr sz="1600"/>
+            </a:lvl7pPr>
+            <a:lvl8pPr marL="3200400" indent="0">
+              <a:buNone/>
+              <a:defRPr sz="1600"/>
+            </a:lvl8pPr>
+            <a:lvl9pPr marL="3657600" indent="0">
+              <a:buNone/>
+              <a:defRPr sz="1600"/>
+            </a:lvl9pPr>
+          </a:lstStyle>
+          <a:p>
+            <a:r>
+              <a:rPr lang="en-US"/>
+              <a:t>Click icon to add picture</a:t>
+            </a:r>
+            <a:endParaRPr lang="en-US" dirty="0"/>
+          </a:p>
+        </p:txBody>
+      </p:sp>
+      <p:sp>
+        <p:nvSpPr>
+          <p:cNvPr id="22" name="Text Placeholder 3"/>
+          <p:cNvSpPr>
+            <a:spLocks noGrp="1"/>
+          </p:cNvSpPr>
+          <p:nvPr>
+            <p:ph type="body" sz="half" idx="18"/>
+          </p:nvPr>
+        </p:nvSpPr>
+        <p:spPr>
+          <a:xfrm>
+            <a:off x="652463" y="4827211"/>
+            <a:ext cx="2940050" cy="659189"/>
+          </a:xfrm>
+        </p:spPr>
+        <p:txBody>
+          <a:bodyPr anchor="t">
+            <a:normAutofit/>
+          </a:bodyPr>
+          <a:lstStyle>
+            <a:lvl1pPr marL="0" indent="0">
+              <a:buNone/>
+              <a:defRPr sz="1400"/>
+            </a:lvl1pPr>
+            <a:lvl2pPr marL="457200" indent="0">
+              <a:buNone/>
+              <a:defRPr sz="1200"/>
+            </a:lvl2pPr>
+            <a:lvl3pPr marL="914400" indent="0">
+              <a:buNone/>
+              <a:defRPr sz="1000"/>
+            </a:lvl3pPr>
+            <a:lvl4pPr marL="1371600" indent="0">
+              <a:buNone/>
+              <a:defRPr sz="900"/>
+            </a:lvl4pPr>
+            <a:lvl5pPr marL="1828800" indent="0">
+              <a:buNone/>
+              <a:defRPr sz="900"/>
+            </a:lvl5pPr>
+            <a:lvl6pPr marL="2286000" indent="0">
+              <a:buNone/>
+              <a:defRPr sz="900"/>
+            </a:lvl6pPr>
+            <a:lvl7pPr marL="2743200" indent="0">
+              <a:buNone/>
+              <a:defRPr sz="900"/>
+            </a:lvl7pPr>
+            <a:lvl8pPr marL="3200400" indent="0">
+              <a:buNone/>
+              <a:defRPr sz="900"/>
+            </a:lvl8pPr>
+            <a:lvl9pPr marL="3657600" indent="0">
+              <a:buNone/>
+              <a:defRPr sz="900"/>
+            </a:lvl9pPr>
+          </a:lstStyle>
+          <a:p>
+            <a:pPr lvl="0"/>
+            <a:r>
+              <a:rPr lang="en-US"/>
+              <a:t>Edit Master text styles</a:t>
+            </a:r>
+          </a:p>
+        </p:txBody>
+      </p:sp>
+      <p:sp>
+        <p:nvSpPr>
+          <p:cNvPr id="5" name="Text Placeholder 4"/>
+          <p:cNvSpPr>
+            <a:spLocks noGrp="1"/>
+          </p:cNvSpPr>
+          <p:nvPr>
+            <p:ph type="body" sz="quarter" idx="3"/>
+          </p:nvPr>
+        </p:nvSpPr>
+        <p:spPr>
+          <a:xfrm>
+            <a:off x="3889375" y="4250949"/>
+            <a:ext cx="2930525" cy="576262"/>
+          </a:xfrm>
+        </p:spPr>
+        <p:txBody>
+          <a:bodyPr anchor="b">
+            <a:noAutofit/>
+          </a:bodyPr>
+          <a:lstStyle>
+            <a:lvl1pPr marL="0" indent="0">
+              <a:buNone/>
+              <a:defRPr sz="2400" b="0">
+                <a:solidFill>
+                  <a:schemeClr val="accent1"/>
+                </a:solidFill>
+              </a:defRPr>
+            </a:lvl1pPr>
+            <a:lvl2pPr marL="457200" indent="0">
+              <a:buNone/>
+              <a:defRPr sz="2000" b="1"/>
+            </a:lvl2pPr>
+            <a:lvl3pPr marL="914400" indent="0">
+              <a:buNone/>
+              <a:defRPr sz="1800" b="1"/>
+            </a:lvl3pPr>
+            <a:lvl4pPr marL="1371600" indent="0">
+              <a:buNone/>
+              <a:defRPr sz="1600" b="1"/>
+            </a:lvl4pPr>
+            <a:lvl5pPr marL="1828800" indent="0">
+              <a:buNone/>
+              <a:defRPr sz="1600" b="1"/>
+            </a:lvl5pPr>
+            <a:lvl6pPr marL="2286000" indent="0">
+              <a:buNone/>
+              <a:defRPr sz="1600" b="1"/>
+            </a:lvl6pPr>
+            <a:lvl7pPr marL="2743200" indent="0">
+              <a:buNone/>
+              <a:defRPr sz="1600" b="1"/>
+            </a:lvl7pPr>
+            <a:lvl8pPr marL="3200400" indent="0">
+              <a:buNone/>
+              <a:defRPr sz="1600" b="1"/>
+            </a:lvl8pPr>
+            <a:lvl9pPr marL="3657600" indent="0">
+              <a:buNone/>
+              <a:defRPr sz="1600" b="1"/>
+            </a:lvl9pPr>
+          </a:lstStyle>
+          <a:p>
+            <a:pPr lvl="0"/>
+            <a:r>
+              <a:rPr lang="en-US"/>
+              <a:t>Edit Master text styles</a:t>
+            </a:r>
+          </a:p>
+        </p:txBody>
+      </p:sp>
+      <p:sp>
+        <p:nvSpPr>
+          <p:cNvPr id="30" name="Picture Placeholder 2"/>
+          <p:cNvSpPr>
+            <a:spLocks noGrp="1" noChangeAspect="1"/>
+          </p:cNvSpPr>
+          <p:nvPr>
+            <p:ph type="pic" idx="21"/>
+          </p:nvPr>
+        </p:nvSpPr>
+        <p:spPr>
+          <a:xfrm>
+            <a:off x="3889374" y="2209800"/>
+            <a:ext cx="2930525" cy="1524000"/>
+          </a:xfrm>
+          <a:prstGeom prst="roundRect">
+            <a:avLst>
+              <a:gd name="adj" fmla="val 1858"/>
+            </a:avLst>
+          </a:prstGeom>
+          <a:effectLst>
+            <a:outerShdw blurRad="50800" dist="50800" dir="5400000" algn="tl" rotWithShape="0">
+              <a:srgbClr val="000000">
+                <a:alpha val="43000"/>
+              </a:srgbClr>
+            </a:outerShdw>
+          </a:effectLst>
+        </p:spPr>
+        <p:txBody>
+          <a:bodyPr anchor="t">
+            <a:normAutofit/>
+          </a:bodyPr>
+          <a:lstStyle>
+            <a:lvl1pPr marL="0" indent="0" algn="ctr">
+              <a:buNone/>
+              <a:defRPr sz="1600"/>
+            </a:lvl1pPr>
+            <a:lvl2pPr marL="457200" indent="0">
+              <a:buNone/>
+              <a:defRPr sz="1600"/>
+            </a:lvl2pPr>
+            <a:lvl3pPr marL="914400" indent="0">
+              <a:buNone/>
+              <a:defRPr sz="1600"/>
+            </a:lvl3pPr>
+            <a:lvl4pPr marL="1371600" indent="0">
+              <a:buNone/>
+              <a:defRPr sz="1600"/>
+            </a:lvl4pPr>
+            <a:lvl5pPr marL="1828800" indent="0">
+              <a:buNone/>
+              <a:defRPr sz="1600"/>
+            </a:lvl5pPr>
+            <a:lvl6pPr marL="2286000" indent="0">
+              <a:buNone/>
+              <a:defRPr sz="1600"/>
+            </a:lvl6pPr>
+            <a:lvl7pPr marL="2743200" indent="0">
+              <a:buNone/>
+              <a:defRPr sz="1600"/>
+            </a:lvl7pPr>
+            <a:lvl8pPr marL="3200400" indent="0">
+              <a:buNone/>
+              <a:defRPr sz="1600"/>
+            </a:lvl8pPr>
+            <a:lvl9pPr marL="3657600" indent="0">
+              <a:buNone/>
+              <a:defRPr sz="1600"/>
+            </a:lvl9pPr>
+          </a:lstStyle>
+          <a:p>
+            <a:r>
+              <a:rPr lang="en-US"/>
+              <a:t>Click icon to add picture</a:t>
+            </a:r>
+            <a:endParaRPr lang="en-US" dirty="0"/>
+          </a:p>
+        </p:txBody>
+      </p:sp>
+      <p:sp>
+        <p:nvSpPr>
+          <p:cNvPr id="23" name="Text Placeholder 3"/>
+          <p:cNvSpPr>
+            <a:spLocks noGrp="1"/>
+          </p:cNvSpPr>
+          <p:nvPr>
+            <p:ph type="body" sz="half" idx="19"/>
+          </p:nvPr>
+        </p:nvSpPr>
+        <p:spPr>
+          <a:xfrm>
+            <a:off x="3888022" y="4827210"/>
+            <a:ext cx="2934406" cy="659189"/>
+          </a:xfrm>
+        </p:spPr>
+        <p:txBody>
+          <a:bodyPr anchor="t">
+            <a:normAutofit/>
+          </a:bodyPr>
+          <a:lstStyle>
+            <a:lvl1pPr marL="0" indent="0">
+              <a:buNone/>
+              <a:defRPr sz="1400"/>
+            </a:lvl1pPr>
+            <a:lvl2pPr marL="457200" indent="0">
+              <a:buNone/>
+              <a:defRPr sz="1200"/>
+            </a:lvl2pPr>
+            <a:lvl3pPr marL="914400" indent="0">
+              <a:buNone/>
+              <a:defRPr sz="1000"/>
+            </a:lvl3pPr>
+            <a:lvl4pPr marL="1371600" indent="0">
+              <a:buNone/>
+              <a:defRPr sz="900"/>
+            </a:lvl4pPr>
+            <a:lvl5pPr marL="1828800" indent="0">
+              <a:buNone/>
+              <a:defRPr sz="900"/>
+            </a:lvl5pPr>
+            <a:lvl6pPr marL="2286000" indent="0">
+              <a:buNone/>
+              <a:defRPr sz="900"/>
+            </a:lvl6pPr>
+            <a:lvl7pPr marL="2743200" indent="0">
+              <a:buNone/>
+              <a:defRPr sz="900"/>
+            </a:lvl7pPr>
+            <a:lvl8pPr marL="3200400" indent="0">
+              <a:buNone/>
+              <a:defRPr sz="900"/>
+            </a:lvl8pPr>
+            <a:lvl9pPr marL="3657600" indent="0">
+              <a:buNone/>
+              <a:defRPr sz="900"/>
+            </a:lvl9pPr>
+          </a:lstStyle>
+          <a:p>
+            <a:pPr lvl="0"/>
+            <a:r>
+              <a:rPr lang="en-US"/>
+              <a:t>Edit Master text styles</a:t>
+            </a:r>
+          </a:p>
+        </p:txBody>
+      </p:sp>
+      <p:sp>
+        <p:nvSpPr>
+          <p:cNvPr id="14" name="Text Placeholder 4"/>
+          <p:cNvSpPr>
+            <a:spLocks noGrp="1"/>
+          </p:cNvSpPr>
+          <p:nvPr>
+            <p:ph type="body" sz="quarter" idx="13"/>
+          </p:nvPr>
+        </p:nvSpPr>
+        <p:spPr>
+          <a:xfrm>
+            <a:off x="7124700" y="4250949"/>
+            <a:ext cx="2932113" cy="576262"/>
+          </a:xfrm>
+        </p:spPr>
+        <p:txBody>
+          <a:bodyPr anchor="b">
+            <a:noAutofit/>
+          </a:bodyPr>
+          <a:lstStyle>
+            <a:lvl1pPr marL="0" indent="0">
+              <a:buNone/>
+              <a:defRPr sz="2400" b="0">
+                <a:solidFill>
+                  <a:schemeClr val="accent1"/>
+                </a:solidFill>
+              </a:defRPr>
+            </a:lvl1pPr>
+            <a:lvl2pPr marL="457200" indent="0">
+              <a:buNone/>
+              <a:defRPr sz="2000" b="1"/>
+            </a:lvl2pPr>
+            <a:lvl3pPr marL="914400" indent="0">
+              <a:buNone/>
+              <a:defRPr sz="1800" b="1"/>
+            </a:lvl3pPr>
+            <a:lvl4pPr marL="1371600" indent="0">
+              <a:buNone/>
+              <a:defRPr sz="1600" b="1"/>
+            </a:lvl4pPr>
+            <a:lvl5pPr marL="1828800" indent="0">
+              <a:buNone/>
+              <a:defRPr sz="1600" b="1"/>
+            </a:lvl5pPr>
+            <a:lvl6pPr marL="2286000" indent="0">
+              <a:buNone/>
+              <a:defRPr sz="1600" b="1"/>
+            </a:lvl6pPr>
+            <a:lvl7pPr marL="2743200" indent="0">
+              <a:buNone/>
+              <a:defRPr sz="1600" b="1"/>
+            </a:lvl7pPr>
+            <a:lvl8pPr marL="3200400" indent="0">
+              <a:buNone/>
+              <a:defRPr sz="1600" b="1"/>
+            </a:lvl8pPr>
+            <a:lvl9pPr marL="3657600" indent="0">
+              <a:buNone/>
+              <a:defRPr sz="1600" b="1"/>
+            </a:lvl9pPr>
+          </a:lstStyle>
+          <a:p>
+            <a:pPr lvl="0"/>
+            <a:r>
+              <a:rPr lang="en-US"/>
+              <a:t>Edit Master text styles</a:t>
+            </a:r>
+          </a:p>
+        </p:txBody>
+      </p:sp>
+      <p:sp>
+        <p:nvSpPr>
+          <p:cNvPr id="31" name="Picture Placeholder 2"/>
+          <p:cNvSpPr>
+            <a:spLocks noGrp="1" noChangeAspect="1"/>
+          </p:cNvSpPr>
+          <p:nvPr>
+            <p:ph type="pic" idx="22"/>
+          </p:nvPr>
+        </p:nvSpPr>
+        <p:spPr>
+          <a:xfrm>
+            <a:off x="7124699" y="2209800"/>
+            <a:ext cx="2932113" cy="1524000"/>
+          </a:xfrm>
+          <a:prstGeom prst="roundRect">
+            <a:avLst>
+              <a:gd name="adj" fmla="val 1858"/>
+            </a:avLst>
+          </a:prstGeom>
+          <a:effectLst>
+            <a:outerShdw blurRad="50800" dist="50800" dir="5400000" algn="tl" rotWithShape="0">
+              <a:srgbClr val="000000">
+                <a:alpha val="43000"/>
+              </a:srgbClr>
+            </a:outerShdw>
+          </a:effectLst>
+        </p:spPr>
+        <p:txBody>
+          <a:bodyPr anchor="t">
+            <a:normAutofit/>
+          </a:bodyPr>
+          <a:lstStyle>
+            <a:lvl1pPr marL="0" indent="0" algn="ctr">
+              <a:buNone/>
+              <a:defRPr sz="1600"/>
+            </a:lvl1pPr>
+            <a:lvl2pPr marL="457200" indent="0">
+              <a:buNone/>
+              <a:defRPr sz="1600"/>
+            </a:lvl2pPr>
+            <a:lvl3pPr marL="914400" indent="0">
+              <a:buNone/>
+              <a:defRPr sz="1600"/>
+            </a:lvl3pPr>
+            <a:lvl4pPr marL="1371600" indent="0">
+              <a:buNone/>
+              <a:defRPr sz="1600"/>
+            </a:lvl4pPr>
+            <a:lvl5pPr marL="1828800" indent="0">
+              <a:buNone/>
+              <a:defRPr sz="1600"/>
+            </a:lvl5pPr>
+            <a:lvl6pPr marL="2286000" indent="0">
+              <a:buNone/>
+              <a:defRPr sz="1600"/>
+            </a:lvl6pPr>
+            <a:lvl7pPr marL="2743200" indent="0">
+              <a:buNone/>
+              <a:defRPr sz="1600"/>
+            </a:lvl7pPr>
+            <a:lvl8pPr marL="3200400" indent="0">
+              <a:buNone/>
+              <a:defRPr sz="1600"/>
+            </a:lvl8pPr>
+            <a:lvl9pPr marL="3657600" indent="0">
+              <a:buNone/>
+              <a:defRPr sz="1600"/>
+            </a:lvl9pPr>
+          </a:lstStyle>
+          <a:p>
+            <a:r>
+              <a:rPr lang="en-US"/>
+              <a:t>Click icon to add picture</a:t>
+            </a:r>
+            <a:endParaRPr lang="en-US" dirty="0"/>
+          </a:p>
+        </p:txBody>
+      </p:sp>
+      <p:sp>
+        <p:nvSpPr>
+          <p:cNvPr id="24" name="Text Placeholder 3"/>
+          <p:cNvSpPr>
+            <a:spLocks noGrp="1"/>
+          </p:cNvSpPr>
+          <p:nvPr>
+            <p:ph type="body" sz="half" idx="20"/>
+          </p:nvPr>
+        </p:nvSpPr>
+        <p:spPr>
+          <a:xfrm>
+            <a:off x="7124575" y="4827208"/>
+            <a:ext cx="2935997" cy="659189"/>
+          </a:xfrm>
+        </p:spPr>
+        <p:txBody>
+          <a:bodyPr anchor="t">
+            <a:normAutofit/>
+          </a:bodyPr>
+          <a:lstStyle>
+            <a:lvl1pPr marL="0" indent="0">
+              <a:buNone/>
+              <a:defRPr sz="1400"/>
+            </a:lvl1pPr>
+            <a:lvl2pPr marL="457200" indent="0">
+              <a:buNone/>
+              <a:defRPr sz="1200"/>
+            </a:lvl2pPr>
+            <a:lvl3pPr marL="914400" indent="0">
+              <a:buNone/>
+              <a:defRPr sz="1000"/>
+            </a:lvl3pPr>
+            <a:lvl4pPr marL="1371600" indent="0">
+              <a:buNone/>
+              <a:defRPr sz="900"/>
+            </a:lvl4pPr>
+            <a:lvl5pPr marL="1828800" indent="0">
+              <a:buNone/>
+              <a:defRPr sz="900"/>
+            </a:lvl5pPr>
+            <a:lvl6pPr marL="2286000" indent="0">
+              <a:buNone/>
+              <a:defRPr sz="900"/>
+            </a:lvl6pPr>
+            <a:lvl7pPr marL="2743200" indent="0">
+              <a:buNone/>
+              <a:defRPr sz="900"/>
+            </a:lvl7pPr>
+            <a:lvl8pPr marL="3200400" indent="0">
+              <a:buNone/>
+              <a:defRPr sz="900"/>
+            </a:lvl8pPr>
+            <a:lvl9pPr marL="3657600" indent="0">
+              <a:buNone/>
+              <a:defRPr sz="900"/>
+            </a:lvl9pPr>
+          </a:lstStyle>
+          <a:p>
+            <a:pPr lvl="0"/>
+            <a:r>
+              <a:rPr lang="en-US"/>
+              <a:t>Edit Master text styles</a:t>
+            </a:r>
+          </a:p>
+        </p:txBody>
+      </p:sp>
+      <p:cxnSp>
+        <p:nvCxnSpPr>
+          <p:cNvPr id="17" name="Straight Connector 16"/>
+          <p:cNvCxnSpPr/>
+          <p:nvPr/>
+        </p:nvCxnSpPr>
+        <p:spPr>
+          <a:xfrm>
+            <a:off x="3726142" y="2133600"/>
+            <a:ext cx="0" cy="3962400"/>
+          </a:xfrm>
+          <a:prstGeom prst="line">
+            <a:avLst/>
+          </a:prstGeom>
+          <a:ln w="12700" cmpd="sng">
+            <a:solidFill>
+              <a:schemeClr val="accent1">
+                <a:alpha val="40000"/>
+              </a:schemeClr>
+            </a:solidFill>
+          </a:ln>
+        </p:spPr>
+        <p:style>
+          <a:lnRef idx="2">
+            <a:schemeClr val="accent1"/>
+          </a:lnRef>
+          <a:fillRef idx="0">
+            <a:schemeClr val="accent1"/>
+          </a:fillRef>
+          <a:effectRef idx="1">
+            <a:schemeClr val="accent1"/>
+          </a:effectRef>
+          <a:fontRef idx="minor">
+            <a:schemeClr val="tx1"/>
+          </a:fontRef>
+        </p:style>
+      </p:cxnSp>
+      <p:cxnSp>
+        <p:nvCxnSpPr>
+          <p:cNvPr id="18" name="Straight Connector 17"/>
+          <p:cNvCxnSpPr/>
+          <p:nvPr/>
+        </p:nvCxnSpPr>
+        <p:spPr>
+          <a:xfrm>
+            <a:off x="6962227" y="2133600"/>
+            <a:ext cx="0" cy="3966882"/>
+          </a:xfrm>
+          <a:prstGeom prst="line">
+            <a:avLst/>
+          </a:prstGeom>
+          <a:ln w="12700" cmpd="sng">
+            <a:solidFill>
+              <a:schemeClr val="accent1">
+                <a:alpha val="40000"/>
+              </a:schemeClr>
+            </a:solidFill>
+          </a:ln>
+        </p:spPr>
+        <p:style>
+          <a:lnRef idx="2">
+            <a:schemeClr val="accent1"/>
+          </a:lnRef>
+          <a:fillRef idx="0">
+            <a:schemeClr val="accent1"/>
+          </a:fillRef>
+          <a:effectRef idx="1">
+            <a:schemeClr val="accent1"/>
+          </a:effectRef>
+          <a:fontRef idx="minor">
+            <a:schemeClr val="tx1"/>
+          </a:fontRef>
+        </p:style>
+      </p:cxnSp>
+      <p:sp>
+        <p:nvSpPr>
+          <p:cNvPr id="7" name="Date Placeholder 3"/>
+          <p:cNvSpPr>
+            <a:spLocks noGrp="1"/>
+          </p:cNvSpPr>
+          <p:nvPr>
+            <p:ph type="dt" sz="half" idx="10"/>
+          </p:nvPr>
+        </p:nvSpPr>
+        <p:spPr/>
+        <p:txBody>
+          <a:bodyPr/>
+          <a:lstStyle/>
+          <a:p>
+            <a:fld id="{E414F336-643D-4991-B425-D9D7B764741D}" type="datetimeFigureOut">
+              <a:rPr lang="en-US" smtClean="0"/>
+              <a:t>3/4/2019</a:t>
+            </a:fld>
+            <a:endParaRPr lang="en-US"/>
+          </a:p>
+        </p:txBody>
+      </p:sp>
+      <p:sp>
+        <p:nvSpPr>
+          <p:cNvPr id="4" name="Footer Placeholder 4"/>
+          <p:cNvSpPr>
+            <a:spLocks noGrp="1"/>
+          </p:cNvSpPr>
+          <p:nvPr>
+            <p:ph type="ftr" sz="quarter" idx="11"/>
+          </p:nvPr>
+        </p:nvSpPr>
+        <p:spPr/>
+        <p:txBody>
+          <a:bodyPr/>
+          <a:lstStyle/>
+          <a:p>
+            <a:endParaRPr lang="en-US"/>
+          </a:p>
+        </p:txBody>
+      </p:sp>
+      <p:sp>
+        <p:nvSpPr>
+          <p:cNvPr id="6" name="Slide Number Placeholder 5"/>
+          <p:cNvSpPr>
+            <a:spLocks noGrp="1"/>
+          </p:cNvSpPr>
+          <p:nvPr>
+            <p:ph type="sldNum" sz="quarter" idx="12"/>
+          </p:nvPr>
+        </p:nvSpPr>
+        <p:spPr/>
+        <p:txBody>
+          <a:bodyPr/>
+          <a:lstStyle/>
+          <a:p>
+            <a:fld id="{BBC36A1E-63FA-408A-87D8-CBAACFF92BD3}" type="slidenum">
+              <a:rPr lang="en-US" smtClean="0"/>
+              <a:t>‹#›</a:t>
+            </a:fld>
+            <a:endParaRPr lang="en-US"/>
+          </a:p>
+        </p:txBody>
+      </p:sp>
+    </p:spTree>
+    <p:extLst>
+      <p:ext uri="{BB962C8B-B14F-4D97-AF65-F5344CB8AC3E}">
+        <p14:creationId xmlns:p14="http://schemas.microsoft.com/office/powerpoint/2010/main" val="3256875706"/>
+      </p:ext>
+    </p:extLst>
+  </p:cSld>
+  <p:clrMapOvr>
+    <a:masterClrMapping/>
+  </p:clrMapOvr>
+</p:sldLayout>
+</file>
+
+<file path=ppt/slideLayouts/slideLayout16.xml><?xml version="1.0" encoding="utf-8"?>
 <p:sldLayout xmlns:a="http://schemas.openxmlformats.org/drawingml/2006/main" xmlns:r="http://schemas.openxmlformats.org/officeDocument/2006/relationships" xmlns:p="http://schemas.openxmlformats.org/presentationml/2006/main" type="vertTx" preserve="1">
   <p:cSld name="Title and Vertical Text">
     <p:spTree>
@@ -491,7 +2942,7 @@
         </p:nvSpPr>
         <p:spPr/>
         <p:txBody>
-          <a:bodyPr vert="eaVert" lIns="45720" tIns="0" rIns="45720" bIns="0"/>
+          <a:bodyPr vert="eaVert" anchor="t" anchorCtr="0"/>
           <a:lstStyle/>
           <a:p>
             <a:pPr lvl="0"/>
@@ -548,7 +2999,7 @@
           <a:p>
             <a:fld id="{E414F336-643D-4991-B425-D9D7B764741D}" type="datetimeFigureOut">
               <a:rPr lang="en-US" smtClean="0"/>
-              <a:t>3/3/2019</a:t>
+              <a:t>3/4/2019</a:t>
             </a:fld>
             <a:endParaRPr lang="en-US"/>
           </a:p>
@@ -599,7 +3050,7 @@
     </p:spTree>
     <p:extLst>
       <p:ext uri="{BB962C8B-B14F-4D97-AF65-F5344CB8AC3E}">
-        <p14:creationId xmlns:p14="http://schemas.microsoft.com/office/powerpoint/2010/main" val="3800559329"/>
+        <p14:creationId xmlns:p14="http://schemas.microsoft.com/office/powerpoint/2010/main" val="3925147597"/>
       </p:ext>
     </p:extLst>
   </p:cSld>
@@ -609,8 +3060,8 @@
 </p:sldLayout>
 </file>
 
-<file path=ppt/slideLayouts/slideLayout11.xml><?xml version="1.0" encoding="utf-8"?>
-<p:sldLayout xmlns:a="http://schemas.openxmlformats.org/drawingml/2006/main" xmlns:r="http://schemas.openxmlformats.org/officeDocument/2006/relationships" xmlns:p="http://schemas.openxmlformats.org/presentationml/2006/main" showMasterSp="0" type="vertTitleAndTx" preserve="1">
+<file path=ppt/slideLayouts/slideLayout17.xml><?xml version="1.0" encoding="utf-8"?>
+<p:sldLayout xmlns:a="http://schemas.openxmlformats.org/drawingml/2006/main" xmlns:r="http://schemas.openxmlformats.org/officeDocument/2006/relationships" xmlns:p="http://schemas.openxmlformats.org/presentationml/2006/main" type="vertTitleAndTx" preserve="1">
   <p:cSld name="Vertical Title and Text">
     <p:spTree>
       <p:nvGrpSpPr>
@@ -628,128 +3079,52 @@
       </p:grpSpPr>
       <p:sp>
         <p:nvSpPr>
-          <p:cNvPr id="7" name="Rectangle 6"/>
-          <p:cNvSpPr/>
-          <p:nvPr/>
+          <p:cNvPr id="2" name="Vertical Title 1"/>
+          <p:cNvSpPr>
+            <a:spLocks noGrp="1"/>
+          </p:cNvSpPr>
+          <p:nvPr>
+            <p:ph type="title" orient="vert"/>
+          </p:nvPr>
         </p:nvSpPr>
         <p:spPr>
           <a:xfrm>
-            <a:off x="3175" y="6400800"/>
-            <a:ext cx="12188825" cy="457200"/>
+            <a:off x="8304212" y="430213"/>
+            <a:ext cx="1752601" cy="5826125"/>
           </a:xfrm>
-          <a:prstGeom prst="rect">
-            <a:avLst/>
-          </a:prstGeom>
-          <a:solidFill>
-            <a:schemeClr val="accent2"/>
-          </a:solidFill>
-          <a:ln>
-            <a:noFill/>
-          </a:ln>
         </p:spPr>
-        <p:style>
-          <a:lnRef idx="2">
-            <a:schemeClr val="accent1">
-              <a:shade val="50000"/>
-            </a:schemeClr>
-          </a:lnRef>
-          <a:fillRef idx="1">
-            <a:schemeClr val="accent1"/>
-          </a:fillRef>
-          <a:effectRef idx="0">
-            <a:schemeClr val="accent1"/>
-          </a:effectRef>
-          <a:fontRef idx="minor">
-            <a:schemeClr val="lt1"/>
-          </a:fontRef>
-        </p:style>
-      </p:sp>
-      <p:sp>
-        <p:nvSpPr>
-          <p:cNvPr id="8" name="Rectangle 7"/>
-          <p:cNvSpPr/>
-          <p:nvPr/>
+        <p:txBody>
+          <a:bodyPr vert="eaVert" anchor="b" anchorCtr="0"/>
+          <a:lstStyle/>
+          <a:p>
+            <a:r>
+              <a:rPr lang="en-US"/>
+              <a:t>Click to edit Master title style</a:t>
+            </a:r>
+            <a:endParaRPr lang="en-US" dirty="0"/>
+          </a:p>
+        </p:txBody>
+      </p:sp>
+      <p:sp>
+        <p:nvSpPr>
+          <p:cNvPr id="3" name="Vertical Text Placeholder 2"/>
+          <p:cNvSpPr>
+            <a:spLocks noGrp="1"/>
+          </p:cNvSpPr>
+          <p:nvPr>
+            <p:ph type="body" orient="vert" idx="1"/>
+          </p:nvPr>
         </p:nvSpPr>
         <p:spPr>
           <a:xfrm>
-            <a:off x="15" y="6334316"/>
-            <a:ext cx="12188825" cy="64008"/>
-          </a:xfrm>
-          <a:prstGeom prst="rect">
-            <a:avLst/>
-          </a:prstGeom>
-          <a:solidFill>
-            <a:schemeClr val="accent1"/>
-          </a:solidFill>
-          <a:ln>
-            <a:noFill/>
-          </a:ln>
-        </p:spPr>
-        <p:style>
-          <a:lnRef idx="2">
-            <a:schemeClr val="accent1">
-              <a:shade val="50000"/>
-            </a:schemeClr>
-          </a:lnRef>
-          <a:fillRef idx="1">
-            <a:schemeClr val="accent1"/>
-          </a:fillRef>
-          <a:effectRef idx="0">
-            <a:schemeClr val="accent1"/>
-          </a:effectRef>
-          <a:fontRef idx="minor">
-            <a:schemeClr val="lt1"/>
-          </a:fontRef>
-        </p:style>
-      </p:sp>
-      <p:sp>
-        <p:nvSpPr>
-          <p:cNvPr id="2" name="Vertical Title 1"/>
-          <p:cNvSpPr>
-            <a:spLocks noGrp="1"/>
-          </p:cNvSpPr>
-          <p:nvPr>
-            <p:ph type="title" orient="vert"/>
-          </p:nvPr>
-        </p:nvSpPr>
-        <p:spPr>
-          <a:xfrm>
-            <a:off x="8724900" y="412302"/>
-            <a:ext cx="2628900" cy="5759898"/>
+            <a:off x="652463" y="887414"/>
+            <a:ext cx="7423149" cy="5368924"/>
           </a:xfrm>
         </p:spPr>
         <p:txBody>
           <a:bodyPr vert="eaVert"/>
           <a:lstStyle/>
           <a:p>
-            <a:r>
-              <a:rPr lang="en-US"/>
-              <a:t>Click to edit Master title style</a:t>
-            </a:r>
-            <a:endParaRPr lang="en-US" dirty="0"/>
-          </a:p>
-        </p:txBody>
-      </p:sp>
-      <p:sp>
-        <p:nvSpPr>
-          <p:cNvPr id="3" name="Vertical Text Placeholder 2"/>
-          <p:cNvSpPr>
-            <a:spLocks noGrp="1"/>
-          </p:cNvSpPr>
-          <p:nvPr>
-            <p:ph type="body" orient="vert" idx="1"/>
-          </p:nvPr>
-        </p:nvSpPr>
-        <p:spPr>
-          <a:xfrm>
-            <a:off x="838200" y="412302"/>
-            <a:ext cx="7734300" cy="5759898"/>
-          </a:xfrm>
-        </p:spPr>
-        <p:txBody>
-          <a:bodyPr vert="eaVert" lIns="45720" tIns="0" rIns="45720" bIns="0"/>
-          <a:lstStyle/>
-          <a:p>
             <a:pPr lvl="0"/>
             <a:r>
               <a:rPr lang="en-US"/>
@@ -804,7 +3179,7 @@
           <a:p>
             <a:fld id="{E414F336-643D-4991-B425-D9D7B764741D}" type="datetimeFigureOut">
               <a:rPr lang="en-US" smtClean="0"/>
-              <a:t>3/3/2019</a:t>
+              <a:t>3/4/2019</a:t>
             </a:fld>
             <a:endParaRPr lang="en-US"/>
           </a:p>
@@ -855,7 +3230,7 @@
     </p:spTree>
     <p:extLst>
       <p:ext uri="{BB962C8B-B14F-4D97-AF65-F5344CB8AC3E}">
-        <p14:creationId xmlns:p14="http://schemas.microsoft.com/office/powerpoint/2010/main" val="2725075366"/>
+        <p14:creationId xmlns:p14="http://schemas.microsoft.com/office/powerpoint/2010/main" val="3179351661"/>
       </p:ext>
     </p:extLst>
   </p:cSld>
@@ -974,7 +3349,7 @@
           <a:p>
             <a:fld id="{E414F336-643D-4991-B425-D9D7B764741D}" type="datetimeFigureOut">
               <a:rPr lang="en-US" smtClean="0"/>
-              <a:t>3/3/2019</a:t>
+              <a:t>3/4/2019</a:t>
             </a:fld>
             <a:endParaRPr lang="en-US"/>
           </a:p>
@@ -1025,7 +3400,7 @@
     </p:spTree>
     <p:extLst>
       <p:ext uri="{BB962C8B-B14F-4D97-AF65-F5344CB8AC3E}">
-        <p14:creationId xmlns:p14="http://schemas.microsoft.com/office/powerpoint/2010/main" val="903311153"/>
+        <p14:creationId xmlns:p14="http://schemas.microsoft.com/office/powerpoint/2010/main" val="3192850271"/>
       </p:ext>
     </p:extLst>
   </p:cSld>
@@ -1036,16 +3411,8 @@
 </file>
 
 <file path=ppt/slideLayouts/slideLayout3.xml><?xml version="1.0" encoding="utf-8"?>
-<p:sldLayout xmlns:a="http://schemas.openxmlformats.org/drawingml/2006/main" xmlns:r="http://schemas.openxmlformats.org/officeDocument/2006/relationships" xmlns:p="http://schemas.openxmlformats.org/presentationml/2006/main" showMasterSp="0" type="secHead" preserve="1">
+<p:sldLayout xmlns:a="http://schemas.openxmlformats.org/drawingml/2006/main" xmlns:r="http://schemas.openxmlformats.org/officeDocument/2006/relationships" xmlns:p="http://schemas.openxmlformats.org/presentationml/2006/main" type="secHead" preserve="1">
   <p:cSld name="Section Header">
-    <p:bg>
-      <p:bgPr>
-        <a:solidFill>
-          <a:schemeClr val="bg1"/>
-        </a:solidFill>
-        <a:effectLst/>
-      </p:bgPr>
-    </p:bg>
     <p:spTree>
       <p:nvGrpSpPr>
         <p:cNvPr id="1" name=""/>
@@ -1062,152 +3429,61 @@
       </p:grpSpPr>
       <p:sp>
         <p:nvSpPr>
-          <p:cNvPr id="7" name="Rectangle 6"/>
-          <p:cNvSpPr/>
-          <p:nvPr/>
+          <p:cNvPr id="2" name="Title 1"/>
+          <p:cNvSpPr>
+            <a:spLocks noGrp="1"/>
+          </p:cNvSpPr>
+          <p:nvPr>
+            <p:ph type="title"/>
+          </p:nvPr>
         </p:nvSpPr>
         <p:spPr>
           <a:xfrm>
-            <a:off x="3175" y="6400800"/>
-            <a:ext cx="12188825" cy="457200"/>
+            <a:off x="1154956" y="2861733"/>
+            <a:ext cx="8825657" cy="1915647"/>
           </a:xfrm>
-          <a:prstGeom prst="rect">
-            <a:avLst/>
-          </a:prstGeom>
-          <a:solidFill>
-            <a:schemeClr val="accent2"/>
-          </a:solidFill>
-          <a:ln>
-            <a:noFill/>
-          </a:ln>
         </p:spPr>
-        <p:style>
-          <a:lnRef idx="2">
-            <a:schemeClr val="accent1">
-              <a:shade val="50000"/>
-            </a:schemeClr>
-          </a:lnRef>
-          <a:fillRef idx="1">
-            <a:schemeClr val="accent1"/>
-          </a:fillRef>
-          <a:effectRef idx="0">
-            <a:schemeClr val="accent1"/>
-          </a:effectRef>
-          <a:fontRef idx="minor">
-            <a:schemeClr val="lt1"/>
-          </a:fontRef>
-        </p:style>
-      </p:sp>
-      <p:sp>
-        <p:nvSpPr>
-          <p:cNvPr id="8" name="Rectangle 7"/>
-          <p:cNvSpPr/>
-          <p:nvPr/>
+        <p:txBody>
+          <a:bodyPr anchor="b"/>
+          <a:lstStyle>
+            <a:lvl1pPr algn="l">
+              <a:defRPr sz="4000" b="0" cap="none"/>
+            </a:lvl1pPr>
+          </a:lstStyle>
+          <a:p>
+            <a:r>
+              <a:rPr lang="en-US"/>
+              <a:t>Click to edit Master title style</a:t>
+            </a:r>
+            <a:endParaRPr lang="en-US" dirty="0"/>
+          </a:p>
+        </p:txBody>
+      </p:sp>
+      <p:sp>
+        <p:nvSpPr>
+          <p:cNvPr id="3" name="Text Placeholder 2"/>
+          <p:cNvSpPr>
+            <a:spLocks noGrp="1"/>
+          </p:cNvSpPr>
+          <p:nvPr>
+            <p:ph type="body" idx="1"/>
+          </p:nvPr>
         </p:nvSpPr>
         <p:spPr>
           <a:xfrm>
-            <a:off x="15" y="6334316"/>
-            <a:ext cx="12188825" cy="64008"/>
-          </a:xfrm>
-          <a:prstGeom prst="rect">
-            <a:avLst/>
-          </a:prstGeom>
-          <a:solidFill>
-            <a:schemeClr val="accent1"/>
-          </a:solidFill>
-          <a:ln>
-            <a:noFill/>
-          </a:ln>
-        </p:spPr>
-        <p:style>
-          <a:lnRef idx="2">
-            <a:schemeClr val="accent1">
-              <a:shade val="50000"/>
-            </a:schemeClr>
-          </a:lnRef>
-          <a:fillRef idx="1">
-            <a:schemeClr val="accent1"/>
-          </a:fillRef>
-          <a:effectRef idx="0">
-            <a:schemeClr val="accent1"/>
-          </a:effectRef>
-          <a:fontRef idx="minor">
-            <a:schemeClr val="lt1"/>
-          </a:fontRef>
-        </p:style>
-      </p:sp>
-      <p:sp>
-        <p:nvSpPr>
-          <p:cNvPr id="2" name="Title 1"/>
-          <p:cNvSpPr>
-            <a:spLocks noGrp="1"/>
-          </p:cNvSpPr>
-          <p:nvPr>
-            <p:ph type="title"/>
-          </p:nvPr>
-        </p:nvSpPr>
-        <p:spPr>
-          <a:xfrm>
-            <a:off x="1097280" y="758952"/>
-            <a:ext cx="10058400" cy="3566160"/>
+            <a:off x="1154955" y="4777381"/>
+            <a:ext cx="8825658" cy="860400"/>
           </a:xfrm>
         </p:spPr>
         <p:txBody>
-          <a:bodyPr anchor="b" anchorCtr="0">
-            <a:normAutofit/>
-          </a:bodyPr>
+          <a:bodyPr anchor="t"/>
           <a:lstStyle>
-            <a:lvl1pPr>
-              <a:lnSpc>
-                <a:spcPct val="85000"/>
-              </a:lnSpc>
-              <a:defRPr sz="8000" b="0">
+            <a:lvl1pPr marL="0" indent="0" algn="l">
+              <a:buNone/>
+              <a:defRPr sz="2000" cap="all">
                 <a:solidFill>
-                  <a:schemeClr val="tx1">
-                    <a:lumMod val="85000"/>
-                    <a:lumOff val="15000"/>
-                  </a:schemeClr>
+                  <a:schemeClr val="accent1"/>
                 </a:solidFill>
-              </a:defRPr>
-            </a:lvl1pPr>
-          </a:lstStyle>
-          <a:p>
-            <a:r>
-              <a:rPr lang="en-US"/>
-              <a:t>Click to edit Master title style</a:t>
-            </a:r>
-            <a:endParaRPr lang="en-US" dirty="0"/>
-          </a:p>
-        </p:txBody>
-      </p:sp>
-      <p:sp>
-        <p:nvSpPr>
-          <p:cNvPr id="3" name="Text Placeholder 2"/>
-          <p:cNvSpPr>
-            <a:spLocks noGrp="1"/>
-          </p:cNvSpPr>
-          <p:nvPr>
-            <p:ph type="body" idx="1"/>
-          </p:nvPr>
-        </p:nvSpPr>
-        <p:spPr>
-          <a:xfrm>
-            <a:off x="1097280" y="4453128"/>
-            <a:ext cx="10058400" cy="1143000"/>
-          </a:xfrm>
-        </p:spPr>
-        <p:txBody>
-          <a:bodyPr lIns="91440" rIns="91440" anchor="t" anchorCtr="0">
-            <a:normAutofit/>
-          </a:bodyPr>
-          <a:lstStyle>
-            <a:lvl1pPr marL="0" indent="0">
-              <a:buNone/>
-              <a:defRPr sz="2400" cap="all" spc="200" baseline="0">
-                <a:solidFill>
-                  <a:schemeClr val="tx2"/>
-                </a:solidFill>
-                <a:latin typeface="+mj-lt"/>
               </a:defRPr>
             </a:lvl1pPr>
             <a:lvl2pPr marL="457200" indent="0">
@@ -1317,7 +3593,7 @@
           <a:p>
             <a:fld id="{E414F336-643D-4991-B425-D9D7B764741D}" type="datetimeFigureOut">
               <a:rPr lang="en-US" smtClean="0"/>
-              <a:t>3/3/2019</a:t>
+              <a:t>3/4/2019</a:t>
             </a:fld>
             <a:endParaRPr lang="en-US"/>
           </a:p>
@@ -1365,48 +3641,10 @@
           </a:p>
         </p:txBody>
       </p:sp>
-      <p:cxnSp>
-        <p:nvCxnSpPr>
-          <p:cNvPr id="9" name="Straight Connector 8"/>
-          <p:cNvCxnSpPr/>
-          <p:nvPr/>
-        </p:nvCxnSpPr>
-        <p:spPr>
-          <a:xfrm>
-            <a:off x="1207658" y="4343400"/>
-            <a:ext cx="9875520" cy="0"/>
-          </a:xfrm>
-          <a:prstGeom prst="line">
-            <a:avLst/>
-          </a:prstGeom>
-          <a:ln w="6350">
-            <a:solidFill>
-              <a:schemeClr val="tx1">
-                <a:lumMod val="50000"/>
-                <a:lumOff val="50000"/>
-              </a:schemeClr>
-            </a:solidFill>
-          </a:ln>
-        </p:spPr>
-        <p:style>
-          <a:lnRef idx="1">
-            <a:schemeClr val="accent1"/>
-          </a:lnRef>
-          <a:fillRef idx="0">
-            <a:schemeClr val="accent1"/>
-          </a:fillRef>
-          <a:effectRef idx="0">
-            <a:schemeClr val="accent1"/>
-          </a:effectRef>
-          <a:fontRef idx="minor">
-            <a:schemeClr val="tx1"/>
-          </a:fontRef>
-        </p:style>
-      </p:cxnSp>
     </p:spTree>
     <p:extLst>
       <p:ext uri="{BB962C8B-B14F-4D97-AF65-F5344CB8AC3E}">
-        <p14:creationId xmlns:p14="http://schemas.microsoft.com/office/powerpoint/2010/main" val="82163101"/>
+        <p14:creationId xmlns:p14="http://schemas.microsoft.com/office/powerpoint/2010/main" val="3190968232"/>
       </p:ext>
     </p:extLst>
   </p:cSld>
@@ -1435,164 +3673,219 @@
       </p:grpSpPr>
       <p:sp>
         <p:nvSpPr>
-          <p:cNvPr id="8" name="Title 7"/>
+          <p:cNvPr id="2" name="Title 1"/>
           <p:cNvSpPr>
             <a:spLocks noGrp="1"/>
           </p:cNvSpPr>
           <p:nvPr>
             <p:ph type="title"/>
+          </p:nvPr>
+        </p:nvSpPr>
+        <p:spPr/>
+        <p:txBody>
+          <a:bodyPr/>
+          <a:lstStyle/>
+          <a:p>
+            <a:r>
+              <a:rPr lang="en-US"/>
+              <a:t>Click to edit Master title style</a:t>
+            </a:r>
+            <a:endParaRPr lang="en-US" dirty="0"/>
+          </a:p>
+        </p:txBody>
+      </p:sp>
+      <p:sp>
+        <p:nvSpPr>
+          <p:cNvPr id="3" name="Content Placeholder 2"/>
+          <p:cNvSpPr>
+            <a:spLocks noGrp="1"/>
+          </p:cNvSpPr>
+          <p:nvPr>
+            <p:ph sz="half" idx="1"/>
           </p:nvPr>
         </p:nvSpPr>
         <p:spPr>
           <a:xfrm>
-            <a:off x="1097280" y="286603"/>
-            <a:ext cx="10058400" cy="1450757"/>
+            <a:off x="1103312" y="2060575"/>
+            <a:ext cx="4396339" cy="4195763"/>
           </a:xfrm>
         </p:spPr>
         <p:txBody>
+          <a:bodyPr>
+            <a:normAutofit/>
+          </a:bodyPr>
+          <a:lstStyle>
+            <a:lvl1pPr>
+              <a:defRPr sz="1800"/>
+            </a:lvl1pPr>
+            <a:lvl2pPr>
+              <a:defRPr sz="1600"/>
+            </a:lvl2pPr>
+            <a:lvl3pPr>
+              <a:defRPr sz="1400"/>
+            </a:lvl3pPr>
+            <a:lvl4pPr>
+              <a:defRPr sz="1200"/>
+            </a:lvl4pPr>
+            <a:lvl5pPr>
+              <a:defRPr sz="1200"/>
+            </a:lvl5pPr>
+            <a:lvl6pPr>
+              <a:defRPr sz="1200"/>
+            </a:lvl6pPr>
+            <a:lvl7pPr>
+              <a:defRPr sz="1200"/>
+            </a:lvl7pPr>
+            <a:lvl8pPr>
+              <a:defRPr sz="1200"/>
+            </a:lvl8pPr>
+            <a:lvl9pPr>
+              <a:defRPr sz="1200"/>
+            </a:lvl9pPr>
+          </a:lstStyle>
+          <a:p>
+            <a:pPr lvl="0"/>
+            <a:r>
+              <a:rPr lang="en-US"/>
+              <a:t>Edit Master text styles</a:t>
+            </a:r>
+          </a:p>
+          <a:p>
+            <a:pPr lvl="1"/>
+            <a:r>
+              <a:rPr lang="en-US"/>
+              <a:t>Second level</a:t>
+            </a:r>
+          </a:p>
+          <a:p>
+            <a:pPr lvl="2"/>
+            <a:r>
+              <a:rPr lang="en-US"/>
+              <a:t>Third level</a:t>
+            </a:r>
+          </a:p>
+          <a:p>
+            <a:pPr lvl="3"/>
+            <a:r>
+              <a:rPr lang="en-US"/>
+              <a:t>Fourth level</a:t>
+            </a:r>
+          </a:p>
+          <a:p>
+            <a:pPr lvl="4"/>
+            <a:r>
+              <a:rPr lang="en-US"/>
+              <a:t>Fifth level</a:t>
+            </a:r>
+            <a:endParaRPr lang="en-US" dirty="0"/>
+          </a:p>
+        </p:txBody>
+      </p:sp>
+      <p:sp>
+        <p:nvSpPr>
+          <p:cNvPr id="4" name="Content Placeholder 3"/>
+          <p:cNvSpPr>
+            <a:spLocks noGrp="1"/>
+          </p:cNvSpPr>
+          <p:nvPr>
+            <p:ph sz="half" idx="2"/>
+          </p:nvPr>
+        </p:nvSpPr>
+        <p:spPr>
+          <a:xfrm>
+            <a:off x="5654493" y="2056092"/>
+            <a:ext cx="4396341" cy="4200245"/>
+          </a:xfrm>
+        </p:spPr>
+        <p:txBody>
+          <a:bodyPr>
+            <a:normAutofit/>
+          </a:bodyPr>
+          <a:lstStyle>
+            <a:lvl1pPr>
+              <a:defRPr sz="1800"/>
+            </a:lvl1pPr>
+            <a:lvl2pPr>
+              <a:defRPr sz="1600"/>
+            </a:lvl2pPr>
+            <a:lvl3pPr>
+              <a:defRPr sz="1400"/>
+            </a:lvl3pPr>
+            <a:lvl4pPr>
+              <a:defRPr sz="1200"/>
+            </a:lvl4pPr>
+            <a:lvl5pPr>
+              <a:defRPr sz="1200"/>
+            </a:lvl5pPr>
+            <a:lvl6pPr>
+              <a:defRPr sz="1200"/>
+            </a:lvl6pPr>
+            <a:lvl7pPr>
+              <a:defRPr sz="1200"/>
+            </a:lvl7pPr>
+            <a:lvl8pPr>
+              <a:defRPr sz="1200"/>
+            </a:lvl8pPr>
+            <a:lvl9pPr>
+              <a:defRPr sz="1200"/>
+            </a:lvl9pPr>
+          </a:lstStyle>
+          <a:p>
+            <a:pPr lvl="0"/>
+            <a:r>
+              <a:rPr lang="en-US"/>
+              <a:t>Edit Master text styles</a:t>
+            </a:r>
+          </a:p>
+          <a:p>
+            <a:pPr lvl="1"/>
+            <a:r>
+              <a:rPr lang="en-US"/>
+              <a:t>Second level</a:t>
+            </a:r>
+          </a:p>
+          <a:p>
+            <a:pPr lvl="2"/>
+            <a:r>
+              <a:rPr lang="en-US"/>
+              <a:t>Third level</a:t>
+            </a:r>
+          </a:p>
+          <a:p>
+            <a:pPr lvl="3"/>
+            <a:r>
+              <a:rPr lang="en-US"/>
+              <a:t>Fourth level</a:t>
+            </a:r>
+          </a:p>
+          <a:p>
+            <a:pPr lvl="4"/>
+            <a:r>
+              <a:rPr lang="en-US"/>
+              <a:t>Fifth level</a:t>
+            </a:r>
+            <a:endParaRPr lang="en-US" dirty="0"/>
+          </a:p>
+        </p:txBody>
+      </p:sp>
+      <p:sp>
+        <p:nvSpPr>
+          <p:cNvPr id="5" name="Date Placeholder 4"/>
+          <p:cNvSpPr>
+            <a:spLocks noGrp="1"/>
+          </p:cNvSpPr>
+          <p:nvPr>
+            <p:ph type="dt" sz="half" idx="10"/>
+          </p:nvPr>
+        </p:nvSpPr>
+        <p:spPr/>
+        <p:txBody>
           <a:bodyPr/>
           <a:lstStyle/>
           <a:p>
-            <a:r>
-              <a:rPr lang="en-US"/>
-              <a:t>Click to edit Master title style</a:t>
-            </a:r>
-            <a:endParaRPr lang="en-US" dirty="0"/>
-          </a:p>
-        </p:txBody>
-      </p:sp>
-      <p:sp>
-        <p:nvSpPr>
-          <p:cNvPr id="3" name="Content Placeholder 2"/>
-          <p:cNvSpPr>
-            <a:spLocks noGrp="1"/>
-          </p:cNvSpPr>
-          <p:nvPr>
-            <p:ph sz="half" idx="1"/>
-          </p:nvPr>
-        </p:nvSpPr>
-        <p:spPr>
-          <a:xfrm>
-            <a:off x="1097278" y="1845734"/>
-            <a:ext cx="4937760" cy="4023360"/>
-          </a:xfrm>
-        </p:spPr>
-        <p:txBody>
-          <a:bodyPr/>
-          <a:lstStyle/>
-          <a:p>
-            <a:pPr lvl="0"/>
-            <a:r>
-              <a:rPr lang="en-US"/>
-              <a:t>Edit Master text styles</a:t>
-            </a:r>
-          </a:p>
-          <a:p>
-            <a:pPr lvl="1"/>
-            <a:r>
-              <a:rPr lang="en-US"/>
-              <a:t>Second level</a:t>
-            </a:r>
-          </a:p>
-          <a:p>
-            <a:pPr lvl="2"/>
-            <a:r>
-              <a:rPr lang="en-US"/>
-              <a:t>Third level</a:t>
-            </a:r>
-          </a:p>
-          <a:p>
-            <a:pPr lvl="3"/>
-            <a:r>
-              <a:rPr lang="en-US"/>
-              <a:t>Fourth level</a:t>
-            </a:r>
-          </a:p>
-          <a:p>
-            <a:pPr lvl="4"/>
-            <a:r>
-              <a:rPr lang="en-US"/>
-              <a:t>Fifth level</a:t>
-            </a:r>
-            <a:endParaRPr lang="en-US" dirty="0"/>
-          </a:p>
-        </p:txBody>
-      </p:sp>
-      <p:sp>
-        <p:nvSpPr>
-          <p:cNvPr id="4" name="Content Placeholder 3"/>
-          <p:cNvSpPr>
-            <a:spLocks noGrp="1"/>
-          </p:cNvSpPr>
-          <p:nvPr>
-            <p:ph sz="half" idx="2"/>
-          </p:nvPr>
-        </p:nvSpPr>
-        <p:spPr>
-          <a:xfrm>
-            <a:off x="6217920" y="1845735"/>
-            <a:ext cx="4937760" cy="4023360"/>
-          </a:xfrm>
-        </p:spPr>
-        <p:txBody>
-          <a:bodyPr/>
-          <a:lstStyle/>
-          <a:p>
-            <a:pPr lvl="0"/>
-            <a:r>
-              <a:rPr lang="en-US"/>
-              <a:t>Edit Master text styles</a:t>
-            </a:r>
-          </a:p>
-          <a:p>
-            <a:pPr lvl="1"/>
-            <a:r>
-              <a:rPr lang="en-US"/>
-              <a:t>Second level</a:t>
-            </a:r>
-          </a:p>
-          <a:p>
-            <a:pPr lvl="2"/>
-            <a:r>
-              <a:rPr lang="en-US"/>
-              <a:t>Third level</a:t>
-            </a:r>
-          </a:p>
-          <a:p>
-            <a:pPr lvl="3"/>
-            <a:r>
-              <a:rPr lang="en-US"/>
-              <a:t>Fourth level</a:t>
-            </a:r>
-          </a:p>
-          <a:p>
-            <a:pPr lvl="4"/>
-            <a:r>
-              <a:rPr lang="en-US"/>
-              <a:t>Fifth level</a:t>
-            </a:r>
-            <a:endParaRPr lang="en-US" dirty="0"/>
-          </a:p>
-        </p:txBody>
-      </p:sp>
-      <p:sp>
-        <p:nvSpPr>
-          <p:cNvPr id="5" name="Date Placeholder 4"/>
-          <p:cNvSpPr>
-            <a:spLocks noGrp="1"/>
-          </p:cNvSpPr>
-          <p:nvPr>
-            <p:ph type="dt" sz="half" idx="10"/>
-          </p:nvPr>
-        </p:nvSpPr>
-        <p:spPr/>
-        <p:txBody>
-          <a:bodyPr/>
-          <a:lstStyle/>
-          <a:p>
             <a:fld id="{E414F336-643D-4991-B425-D9D7B764741D}" type="datetimeFigureOut">
               <a:rPr lang="en-US" smtClean="0"/>
-              <a:t>3/3/2019</a:t>
+              <a:t>3/4/2019</a:t>
             </a:fld>
             <a:endParaRPr lang="en-US"/>
           </a:p>
@@ -1643,7 +3936,7 @@
     </p:spTree>
     <p:extLst>
       <p:ext uri="{BB962C8B-B14F-4D97-AF65-F5344CB8AC3E}">
-        <p14:creationId xmlns:p14="http://schemas.microsoft.com/office/powerpoint/2010/main" val="1732411164"/>
+        <p14:creationId xmlns:p14="http://schemas.microsoft.com/office/powerpoint/2010/main" val="3974951122"/>
       </p:ext>
     </p:extLst>
   </p:cSld>
@@ -1672,58 +3965,57 @@
       </p:grpSpPr>
       <p:sp>
         <p:nvSpPr>
-          <p:cNvPr id="10" name="Title 9"/>
+          <p:cNvPr id="2" name="Title 1"/>
           <p:cNvSpPr>
             <a:spLocks noGrp="1"/>
           </p:cNvSpPr>
           <p:nvPr>
             <p:ph type="title"/>
+          </p:nvPr>
+        </p:nvSpPr>
+        <p:spPr/>
+        <p:txBody>
+          <a:bodyPr/>
+          <a:lstStyle>
+            <a:lvl1pPr>
+              <a:defRPr/>
+            </a:lvl1pPr>
+          </a:lstStyle>
+          <a:p>
+            <a:r>
+              <a:rPr lang="en-US"/>
+              <a:t>Click to edit Master title style</a:t>
+            </a:r>
+            <a:endParaRPr lang="en-US" dirty="0"/>
+          </a:p>
+        </p:txBody>
+      </p:sp>
+      <p:sp>
+        <p:nvSpPr>
+          <p:cNvPr id="3" name="Text Placeholder 2"/>
+          <p:cNvSpPr>
+            <a:spLocks noGrp="1"/>
+          </p:cNvSpPr>
+          <p:nvPr>
+            <p:ph type="body" idx="1"/>
           </p:nvPr>
         </p:nvSpPr>
         <p:spPr>
           <a:xfrm>
-            <a:off x="1097280" y="286603"/>
-            <a:ext cx="10058400" cy="1450757"/>
+            <a:off x="1103313" y="1905000"/>
+            <a:ext cx="4396338" cy="576262"/>
           </a:xfrm>
         </p:spPr>
         <p:txBody>
-          <a:bodyPr/>
-          <a:lstStyle/>
-          <a:p>
-            <a:r>
-              <a:rPr lang="en-US"/>
-              <a:t>Click to edit Master title style</a:t>
-            </a:r>
-            <a:endParaRPr lang="en-US" dirty="0"/>
-          </a:p>
-        </p:txBody>
-      </p:sp>
-      <p:sp>
-        <p:nvSpPr>
-          <p:cNvPr id="3" name="Text Placeholder 2"/>
-          <p:cNvSpPr>
-            <a:spLocks noGrp="1"/>
-          </p:cNvSpPr>
-          <p:nvPr>
-            <p:ph type="body" idx="1"/>
-          </p:nvPr>
-        </p:nvSpPr>
-        <p:spPr>
-          <a:xfrm>
-            <a:off x="1097280" y="1846052"/>
-            <a:ext cx="4937760" cy="736282"/>
-          </a:xfrm>
-        </p:spPr>
-        <p:txBody>
-          <a:bodyPr lIns="91440" rIns="91440" anchor="ctr">
-            <a:normAutofit/>
+          <a:bodyPr anchor="b">
+            <a:noAutofit/>
           </a:bodyPr>
           <a:lstStyle>
             <a:lvl1pPr marL="0" indent="0">
               <a:buNone/>
-              <a:defRPr sz="2000" b="0" cap="all" baseline="0">
+              <a:defRPr sz="2400" b="0">
                 <a:solidFill>
-                  <a:schemeClr val="tx2"/>
+                  <a:schemeClr val="accent1"/>
                 </a:solidFill>
               </a:defRPr>
             </a:lvl1pPr>
@@ -1781,77 +4073,107 @@
         </p:nvSpPr>
         <p:spPr>
           <a:xfrm>
-            <a:off x="1097280" y="2582334"/>
-            <a:ext cx="4937760" cy="3378200"/>
+            <a:off x="1103312" y="2514600"/>
+            <a:ext cx="4396339" cy="3741738"/>
           </a:xfrm>
         </p:spPr>
         <p:txBody>
-          <a:bodyPr/>
-          <a:lstStyle/>
-          <a:p>
-            <a:pPr lvl="0"/>
-            <a:r>
-              <a:rPr lang="en-US"/>
-              <a:t>Edit Master text styles</a:t>
-            </a:r>
-          </a:p>
-          <a:p>
-            <a:pPr lvl="1"/>
-            <a:r>
-              <a:rPr lang="en-US"/>
-              <a:t>Second level</a:t>
-            </a:r>
-          </a:p>
-          <a:p>
-            <a:pPr lvl="2"/>
-            <a:r>
-              <a:rPr lang="en-US"/>
-              <a:t>Third level</a:t>
-            </a:r>
-          </a:p>
-          <a:p>
-            <a:pPr lvl="3"/>
-            <a:r>
-              <a:rPr lang="en-US"/>
-              <a:t>Fourth level</a:t>
-            </a:r>
-          </a:p>
-          <a:p>
-            <a:pPr lvl="4"/>
-            <a:r>
-              <a:rPr lang="en-US"/>
-              <a:t>Fifth level</a:t>
-            </a:r>
-            <a:endParaRPr lang="en-US" dirty="0"/>
-          </a:p>
-        </p:txBody>
-      </p:sp>
-      <p:sp>
-        <p:nvSpPr>
-          <p:cNvPr id="5" name="Text Placeholder 4"/>
-          <p:cNvSpPr>
-            <a:spLocks noGrp="1"/>
-          </p:cNvSpPr>
-          <p:nvPr>
-            <p:ph type="body" sz="quarter" idx="3"/>
-          </p:nvPr>
-        </p:nvSpPr>
-        <p:spPr>
-          <a:xfrm>
-            <a:off x="6217920" y="1846052"/>
-            <a:ext cx="4937760" cy="736282"/>
-          </a:xfrm>
-        </p:spPr>
-        <p:txBody>
-          <a:bodyPr lIns="91440" rIns="91440" anchor="ctr">
+          <a:bodyPr>
             <a:normAutofit/>
           </a:bodyPr>
           <a:lstStyle>
+            <a:lvl1pPr>
+              <a:defRPr sz="1800"/>
+            </a:lvl1pPr>
+            <a:lvl2pPr>
+              <a:defRPr sz="1600"/>
+            </a:lvl2pPr>
+            <a:lvl3pPr>
+              <a:defRPr sz="1400"/>
+            </a:lvl3pPr>
+            <a:lvl4pPr>
+              <a:defRPr sz="1200"/>
+            </a:lvl4pPr>
+            <a:lvl5pPr>
+              <a:defRPr sz="1200"/>
+            </a:lvl5pPr>
+            <a:lvl6pPr>
+              <a:defRPr sz="1200"/>
+            </a:lvl6pPr>
+            <a:lvl7pPr>
+              <a:defRPr sz="1200"/>
+            </a:lvl7pPr>
+            <a:lvl8pPr>
+              <a:defRPr sz="1200"/>
+            </a:lvl8pPr>
+            <a:lvl9pPr>
+              <a:defRPr sz="1200"/>
+            </a:lvl9pPr>
+          </a:lstStyle>
+          <a:p>
+            <a:pPr lvl="0"/>
+            <a:r>
+              <a:rPr lang="en-US"/>
+              <a:t>Edit Master text styles</a:t>
+            </a:r>
+          </a:p>
+          <a:p>
+            <a:pPr lvl="1"/>
+            <a:r>
+              <a:rPr lang="en-US"/>
+              <a:t>Second level</a:t>
+            </a:r>
+          </a:p>
+          <a:p>
+            <a:pPr lvl="2"/>
+            <a:r>
+              <a:rPr lang="en-US"/>
+              <a:t>Third level</a:t>
+            </a:r>
+          </a:p>
+          <a:p>
+            <a:pPr lvl="3"/>
+            <a:r>
+              <a:rPr lang="en-US"/>
+              <a:t>Fourth level</a:t>
+            </a:r>
+          </a:p>
+          <a:p>
+            <a:pPr lvl="4"/>
+            <a:r>
+              <a:rPr lang="en-US"/>
+              <a:t>Fifth level</a:t>
+            </a:r>
+            <a:endParaRPr lang="en-US" dirty="0"/>
+          </a:p>
+        </p:txBody>
+      </p:sp>
+      <p:sp>
+        <p:nvSpPr>
+          <p:cNvPr id="5" name="Text Placeholder 4"/>
+          <p:cNvSpPr>
+            <a:spLocks noGrp="1"/>
+          </p:cNvSpPr>
+          <p:nvPr>
+            <p:ph type="body" sz="quarter" idx="3"/>
+          </p:nvPr>
+        </p:nvSpPr>
+        <p:spPr>
+          <a:xfrm>
+            <a:off x="5654495" y="1905000"/>
+            <a:ext cx="4396339" cy="576262"/>
+          </a:xfrm>
+        </p:spPr>
+        <p:txBody>
+          <a:bodyPr anchor="b">
+            <a:noAutofit/>
+          </a:bodyPr>
+          <a:lstStyle>
             <a:lvl1pPr marL="0" indent="0">
               <a:buNone/>
-              <a:defRPr sz="2000" b="0" cap="all" baseline="0">
+              <a:defRPr sz="2400" b="0">
                 <a:solidFill>
-                  <a:schemeClr val="tx2"/>
+                  <a:schemeClr val="accent1"/>
                 </a:solidFill>
               </a:defRPr>
             </a:lvl1pPr>
@@ -1909,69 +4231,99 @@
         </p:nvSpPr>
         <p:spPr>
           <a:xfrm>
-            <a:off x="6217920" y="2582334"/>
-            <a:ext cx="4937760" cy="3378200"/>
+            <a:off x="5654495" y="2514600"/>
+            <a:ext cx="4396339" cy="3741738"/>
           </a:xfrm>
         </p:spPr>
         <p:txBody>
+          <a:bodyPr>
+            <a:normAutofit/>
+          </a:bodyPr>
+          <a:lstStyle>
+            <a:lvl1pPr>
+              <a:defRPr sz="1800"/>
+            </a:lvl1pPr>
+            <a:lvl2pPr>
+              <a:defRPr sz="1600"/>
+            </a:lvl2pPr>
+            <a:lvl3pPr>
+              <a:defRPr sz="1400"/>
+            </a:lvl3pPr>
+            <a:lvl4pPr>
+              <a:defRPr sz="1200"/>
+            </a:lvl4pPr>
+            <a:lvl5pPr>
+              <a:defRPr sz="1200"/>
+            </a:lvl5pPr>
+            <a:lvl6pPr>
+              <a:defRPr sz="1200"/>
+            </a:lvl6pPr>
+            <a:lvl7pPr>
+              <a:defRPr sz="1200"/>
+            </a:lvl7pPr>
+            <a:lvl8pPr>
+              <a:defRPr sz="1200"/>
+            </a:lvl8pPr>
+            <a:lvl9pPr>
+              <a:defRPr sz="1200"/>
+            </a:lvl9pPr>
+          </a:lstStyle>
+          <a:p>
+            <a:pPr lvl="0"/>
+            <a:r>
+              <a:rPr lang="en-US"/>
+              <a:t>Edit Master text styles</a:t>
+            </a:r>
+          </a:p>
+          <a:p>
+            <a:pPr lvl="1"/>
+            <a:r>
+              <a:rPr lang="en-US"/>
+              <a:t>Second level</a:t>
+            </a:r>
+          </a:p>
+          <a:p>
+            <a:pPr lvl="2"/>
+            <a:r>
+              <a:rPr lang="en-US"/>
+              <a:t>Third level</a:t>
+            </a:r>
+          </a:p>
+          <a:p>
+            <a:pPr lvl="3"/>
+            <a:r>
+              <a:rPr lang="en-US"/>
+              <a:t>Fourth level</a:t>
+            </a:r>
+          </a:p>
+          <a:p>
+            <a:pPr lvl="4"/>
+            <a:r>
+              <a:rPr lang="en-US"/>
+              <a:t>Fifth level</a:t>
+            </a:r>
+            <a:endParaRPr lang="en-US" dirty="0"/>
+          </a:p>
+        </p:txBody>
+      </p:sp>
+      <p:sp>
+        <p:nvSpPr>
+          <p:cNvPr id="7" name="Date Placeholder 6"/>
+          <p:cNvSpPr>
+            <a:spLocks noGrp="1"/>
+          </p:cNvSpPr>
+          <p:nvPr>
+            <p:ph type="dt" sz="half" idx="10"/>
+          </p:nvPr>
+        </p:nvSpPr>
+        <p:spPr/>
+        <p:txBody>
           <a:bodyPr/>
           <a:lstStyle/>
           <a:p>
-            <a:pPr lvl="0"/>
-            <a:r>
-              <a:rPr lang="en-US"/>
-              <a:t>Edit Master text styles</a:t>
-            </a:r>
-          </a:p>
-          <a:p>
-            <a:pPr lvl="1"/>
-            <a:r>
-              <a:rPr lang="en-US"/>
-              <a:t>Second level</a:t>
-            </a:r>
-          </a:p>
-          <a:p>
-            <a:pPr lvl="2"/>
-            <a:r>
-              <a:rPr lang="en-US"/>
-              <a:t>Third level</a:t>
-            </a:r>
-          </a:p>
-          <a:p>
-            <a:pPr lvl="3"/>
-            <a:r>
-              <a:rPr lang="en-US"/>
-              <a:t>Fourth level</a:t>
-            </a:r>
-          </a:p>
-          <a:p>
-            <a:pPr lvl="4"/>
-            <a:r>
-              <a:rPr lang="en-US"/>
-              <a:t>Fifth level</a:t>
-            </a:r>
-            <a:endParaRPr lang="en-US" dirty="0"/>
-          </a:p>
-        </p:txBody>
-      </p:sp>
-      <p:sp>
-        <p:nvSpPr>
-          <p:cNvPr id="7" name="Date Placeholder 6"/>
-          <p:cNvSpPr>
-            <a:spLocks noGrp="1"/>
-          </p:cNvSpPr>
-          <p:nvPr>
-            <p:ph type="dt" sz="half" idx="10"/>
-          </p:nvPr>
-        </p:nvSpPr>
-        <p:spPr/>
-        <p:txBody>
-          <a:bodyPr/>
-          <a:lstStyle/>
-          <a:p>
             <a:fld id="{E414F336-643D-4991-B425-D9D7B764741D}" type="datetimeFigureOut">
               <a:rPr lang="en-US" smtClean="0"/>
-              <a:t>3/3/2019</a:t>
+              <a:t>3/4/2019</a:t>
             </a:fld>
             <a:endParaRPr lang="en-US"/>
           </a:p>
@@ -2022,7 +4374,7 @@
     </p:spTree>
     <p:extLst>
       <p:ext uri="{BB962C8B-B14F-4D97-AF65-F5344CB8AC3E}">
-        <p14:creationId xmlns:p14="http://schemas.microsoft.com/office/powerpoint/2010/main" val="4230034954"/>
+        <p14:creationId xmlns:p14="http://schemas.microsoft.com/office/powerpoint/2010/main" val="1878023794"/>
       </p:ext>
     </p:extLst>
   </p:cSld>
@@ -2074,7 +4426,7 @@
       </p:sp>
       <p:sp>
         <p:nvSpPr>
-          <p:cNvPr id="3" name="Date Placeholder 2"/>
+          <p:cNvPr id="7" name="Date Placeholder 2"/>
           <p:cNvSpPr>
             <a:spLocks noGrp="1"/>
           </p:cNvSpPr>
@@ -2089,7 +4441,7 @@
           <a:p>
             <a:fld id="{E414F336-643D-4991-B425-D9D7B764741D}" type="datetimeFigureOut">
               <a:rPr lang="en-US" smtClean="0"/>
-              <a:t>3/3/2019</a:t>
+              <a:t>3/4/2019</a:t>
             </a:fld>
             <a:endParaRPr lang="en-US"/>
           </a:p>
@@ -2097,7 +4449,7 @@
       </p:sp>
       <p:sp>
         <p:nvSpPr>
-          <p:cNvPr id="4" name="Footer Placeholder 3"/>
+          <p:cNvPr id="5" name="Footer Placeholder 3"/>
           <p:cNvSpPr>
             <a:spLocks noGrp="1"/>
           </p:cNvSpPr>
@@ -2116,7 +4468,7 @@
       </p:sp>
       <p:sp>
         <p:nvSpPr>
-          <p:cNvPr id="5" name="Slide Number Placeholder 4"/>
+          <p:cNvPr id="6" name="Slide Number Placeholder 4"/>
           <p:cNvSpPr>
             <a:spLocks noGrp="1"/>
           </p:cNvSpPr>
@@ -2140,7 +4492,7 @@
     </p:spTree>
     <p:extLst>
       <p:ext uri="{BB962C8B-B14F-4D97-AF65-F5344CB8AC3E}">
-        <p14:creationId xmlns:p14="http://schemas.microsoft.com/office/powerpoint/2010/main" val="3618126524"/>
+        <p14:creationId xmlns:p14="http://schemas.microsoft.com/office/powerpoint/2010/main" val="1441030349"/>
       </p:ext>
     </p:extLst>
   </p:cSld>
@@ -2151,7 +4503,7 @@
 </file>
 
 <file path=ppt/slideLayouts/slideLayout7.xml><?xml version="1.0" encoding="utf-8"?>
-<p:sldLayout xmlns:a="http://schemas.openxmlformats.org/drawingml/2006/main" xmlns:r="http://schemas.openxmlformats.org/officeDocument/2006/relationships" xmlns:p="http://schemas.openxmlformats.org/presentationml/2006/main" showMasterSp="0" type="blank" preserve="1">
+<p:sldLayout xmlns:a="http://schemas.openxmlformats.org/drawingml/2006/main" xmlns:r="http://schemas.openxmlformats.org/officeDocument/2006/relationships" xmlns:p="http://schemas.openxmlformats.org/presentationml/2006/main" type="blank" preserve="1">
   <p:cSld name="Blank">
     <p:spTree>
       <p:nvGrpSpPr>
@@ -2169,83 +4521,7 @@
       </p:grpSpPr>
       <p:sp>
         <p:nvSpPr>
-          <p:cNvPr id="5" name="Rectangle 4"/>
-          <p:cNvSpPr/>
-          <p:nvPr/>
-        </p:nvSpPr>
-        <p:spPr>
-          <a:xfrm>
-            <a:off x="3175" y="6400800"/>
-            <a:ext cx="12188825" cy="457200"/>
-          </a:xfrm>
-          <a:prstGeom prst="rect">
-            <a:avLst/>
-          </a:prstGeom>
-          <a:solidFill>
-            <a:schemeClr val="accent2"/>
-          </a:solidFill>
-          <a:ln>
-            <a:noFill/>
-          </a:ln>
-        </p:spPr>
-        <p:style>
-          <a:lnRef idx="2">
-            <a:schemeClr val="accent1">
-              <a:shade val="50000"/>
-            </a:schemeClr>
-          </a:lnRef>
-          <a:fillRef idx="1">
-            <a:schemeClr val="accent1"/>
-          </a:fillRef>
-          <a:effectRef idx="0">
-            <a:schemeClr val="accent1"/>
-          </a:effectRef>
-          <a:fontRef idx="minor">
-            <a:schemeClr val="lt1"/>
-          </a:fontRef>
-        </p:style>
-      </p:sp>
-      <p:sp>
-        <p:nvSpPr>
-          <p:cNvPr id="6" name="Rectangle 5"/>
-          <p:cNvSpPr/>
-          <p:nvPr/>
-        </p:nvSpPr>
-        <p:spPr>
-          <a:xfrm>
-            <a:off x="15" y="6334316"/>
-            <a:ext cx="12188825" cy="64008"/>
-          </a:xfrm>
-          <a:prstGeom prst="rect">
-            <a:avLst/>
-          </a:prstGeom>
-          <a:solidFill>
-            <a:schemeClr val="accent1"/>
-          </a:solidFill>
-          <a:ln>
-            <a:noFill/>
-          </a:ln>
-        </p:spPr>
-        <p:style>
-          <a:lnRef idx="2">
-            <a:schemeClr val="accent1">
-              <a:shade val="50000"/>
-            </a:schemeClr>
-          </a:lnRef>
-          <a:fillRef idx="1">
-            <a:schemeClr val="accent1"/>
-          </a:fillRef>
-          <a:effectRef idx="0">
-            <a:schemeClr val="accent1"/>
-          </a:effectRef>
-          <a:fontRef idx="minor">
-            <a:schemeClr val="lt1"/>
-          </a:fontRef>
-        </p:style>
-      </p:sp>
-      <p:sp>
-        <p:nvSpPr>
-          <p:cNvPr id="7" name="Date Placeholder 6"/>
+          <p:cNvPr id="7" name="Date Placeholder 1"/>
           <p:cNvSpPr>
             <a:spLocks noGrp="1"/>
           </p:cNvSpPr>
@@ -2260,7 +4536,7 @@
           <a:p>
             <a:fld id="{E414F336-643D-4991-B425-D9D7B764741D}" type="datetimeFigureOut">
               <a:rPr lang="en-US" smtClean="0"/>
-              <a:t>3/3/2019</a:t>
+              <a:t>3/4/2019</a:t>
             </a:fld>
             <a:endParaRPr lang="en-US"/>
           </a:p>
@@ -2268,7 +4544,7 @@
       </p:sp>
       <p:sp>
         <p:nvSpPr>
-          <p:cNvPr id="8" name="Footer Placeholder 7"/>
+          <p:cNvPr id="5" name="Footer Placeholder 2"/>
           <p:cNvSpPr>
             <a:spLocks noGrp="1"/>
           </p:cNvSpPr>
@@ -2279,15 +4555,7 @@
         <p:spPr/>
         <p:txBody>
           <a:bodyPr/>
-          <a:lstStyle>
-            <a:lvl1pPr>
-              <a:defRPr>
-                <a:solidFill>
-                  <a:srgbClr val="FFFFFF"/>
-                </a:solidFill>
-              </a:defRPr>
-            </a:lvl1pPr>
-          </a:lstStyle>
+          <a:lstStyle/>
           <a:p>
             <a:endParaRPr lang="en-US"/>
           </a:p>
@@ -2295,7 +4563,7 @@
       </p:sp>
       <p:sp>
         <p:nvSpPr>
-          <p:cNvPr id="9" name="Slide Number Placeholder 8"/>
+          <p:cNvPr id="6" name="Slide Number Placeholder 3"/>
           <p:cNvSpPr>
             <a:spLocks noGrp="1"/>
           </p:cNvSpPr>
@@ -2319,7 +4587,7 @@
     </p:spTree>
     <p:extLst>
       <p:ext uri="{BB962C8B-B14F-4D97-AF65-F5344CB8AC3E}">
-        <p14:creationId xmlns:p14="http://schemas.microsoft.com/office/powerpoint/2010/main" val="2756180041"/>
+        <p14:creationId xmlns:p14="http://schemas.microsoft.com/office/powerpoint/2010/main" val="4071868057"/>
       </p:ext>
     </p:extLst>
   </p:cSld>
@@ -2330,7 +4598,7 @@
 </file>
 
 <file path=ppt/slideLayouts/slideLayout8.xml><?xml version="1.0" encoding="utf-8"?>
-<p:sldLayout xmlns:a="http://schemas.openxmlformats.org/drawingml/2006/main" xmlns:r="http://schemas.openxmlformats.org/officeDocument/2006/relationships" xmlns:p="http://schemas.openxmlformats.org/presentationml/2006/main" showMasterSp="0" type="objTx" preserve="1">
+<p:sldLayout xmlns:a="http://schemas.openxmlformats.org/drawingml/2006/main" xmlns:r="http://schemas.openxmlformats.org/officeDocument/2006/relationships" xmlns:p="http://schemas.openxmlformats.org/presentationml/2006/main" type="objTx" preserve="1">
   <p:cSld name="Content with Caption">
     <p:spTree>
       <p:nvGrpSpPr>
@@ -2348,113 +4616,118 @@
       </p:grpSpPr>
       <p:sp>
         <p:nvSpPr>
-          <p:cNvPr id="8" name="Rectangle 7"/>
-          <p:cNvSpPr/>
-          <p:nvPr/>
+          <p:cNvPr id="2" name="Title 1"/>
+          <p:cNvSpPr>
+            <a:spLocks noGrp="1"/>
+          </p:cNvSpPr>
+          <p:nvPr>
+            <p:ph type="title"/>
+          </p:nvPr>
         </p:nvSpPr>
         <p:spPr>
           <a:xfrm>
-            <a:off x="16" y="0"/>
-            <a:ext cx="4050791" cy="6858000"/>
+            <a:off x="1154954" y="1447800"/>
+            <a:ext cx="3401064" cy="1447800"/>
           </a:xfrm>
-          <a:prstGeom prst="rect">
-            <a:avLst/>
-          </a:prstGeom>
-          <a:solidFill>
-            <a:schemeClr val="accent2"/>
-          </a:solidFill>
-          <a:ln>
-            <a:noFill/>
-          </a:ln>
         </p:spPr>
-        <p:style>
-          <a:lnRef idx="2">
-            <a:schemeClr val="accent1">
-              <a:shade val="50000"/>
-            </a:schemeClr>
-          </a:lnRef>
-          <a:fillRef idx="1">
-            <a:schemeClr val="accent1"/>
-          </a:fillRef>
-          <a:effectRef idx="0">
-            <a:schemeClr val="accent1"/>
-          </a:effectRef>
-          <a:fontRef idx="minor">
-            <a:schemeClr val="lt1"/>
-          </a:fontRef>
-        </p:style>
-      </p:sp>
-      <p:sp>
-        <p:nvSpPr>
-          <p:cNvPr id="9" name="Rectangle 8"/>
-          <p:cNvSpPr/>
-          <p:nvPr/>
+        <p:txBody>
+          <a:bodyPr anchor="b"/>
+          <a:lstStyle>
+            <a:lvl1pPr algn="l">
+              <a:defRPr sz="2400" b="0"/>
+            </a:lvl1pPr>
+          </a:lstStyle>
+          <a:p>
+            <a:r>
+              <a:rPr lang="en-US"/>
+              <a:t>Click to edit Master title style</a:t>
+            </a:r>
+            <a:endParaRPr lang="en-US" dirty="0"/>
+          </a:p>
+        </p:txBody>
+      </p:sp>
+      <p:sp>
+        <p:nvSpPr>
+          <p:cNvPr id="3" name="Content Placeholder 2"/>
+          <p:cNvSpPr>
+            <a:spLocks noGrp="1"/>
+          </p:cNvSpPr>
+          <p:nvPr>
+            <p:ph idx="1"/>
+          </p:nvPr>
         </p:nvSpPr>
         <p:spPr>
           <a:xfrm>
-            <a:off x="4040071" y="0"/>
-            <a:ext cx="64008" cy="6858000"/>
-          </a:xfrm>
-          <a:prstGeom prst="rect">
-            <a:avLst/>
-          </a:prstGeom>
-          <a:solidFill>
-            <a:schemeClr val="accent1"/>
-          </a:solidFill>
-          <a:ln>
-            <a:noFill/>
-          </a:ln>
-        </p:spPr>
-        <p:style>
-          <a:lnRef idx="2">
-            <a:schemeClr val="accent1">
-              <a:shade val="50000"/>
-            </a:schemeClr>
-          </a:lnRef>
-          <a:fillRef idx="1">
-            <a:schemeClr val="accent1"/>
-          </a:fillRef>
-          <a:effectRef idx="0">
-            <a:schemeClr val="accent1"/>
-          </a:effectRef>
-          <a:fontRef idx="minor">
-            <a:schemeClr val="lt1"/>
-          </a:fontRef>
-        </p:style>
-      </p:sp>
-      <p:sp>
-        <p:nvSpPr>
-          <p:cNvPr id="2" name="Title 1"/>
-          <p:cNvSpPr>
-            <a:spLocks noGrp="1"/>
-          </p:cNvSpPr>
-          <p:nvPr>
-            <p:ph type="title"/>
-          </p:nvPr>
-        </p:nvSpPr>
-        <p:spPr>
-          <a:xfrm>
-            <a:off x="457200" y="594359"/>
-            <a:ext cx="3200400" cy="2286000"/>
+            <a:off x="4784616" y="1447800"/>
+            <a:ext cx="5195997" cy="4572000"/>
           </a:xfrm>
         </p:spPr>
         <p:txBody>
-          <a:bodyPr anchor="b">
+          <a:bodyPr anchor="ctr">
             <a:normAutofit/>
           </a:bodyPr>
           <a:lstStyle>
             <a:lvl1pPr>
-              <a:defRPr sz="3600" b="0">
-                <a:solidFill>
-                  <a:srgbClr val="FFFFFF"/>
-                </a:solidFill>
-              </a:defRPr>
+              <a:defRPr sz="2000"/>
             </a:lvl1pPr>
+            <a:lvl2pPr>
+              <a:defRPr sz="1800"/>
+            </a:lvl2pPr>
+            <a:lvl3pPr>
+              <a:defRPr sz="1600"/>
+            </a:lvl3pPr>
+            <a:lvl4pPr>
+              <a:defRPr sz="1400"/>
+            </a:lvl4pPr>
+            <a:lvl5pPr>
+              <a:defRPr sz="1400"/>
+            </a:lvl5pPr>
+            <a:lvl6pPr>
+              <a:defRPr sz="1400"/>
+            </a:lvl6pPr>
+            <a:lvl7pPr>
+              <a:defRPr sz="1400"/>
+            </a:lvl7pPr>
+            <a:lvl8pPr>
+              <a:defRPr sz="1400"/>
+            </a:lvl8pPr>
+            <a:lvl9pPr>
+              <a:defRPr sz="1400"/>
+            </a:lvl9pPr>
           </a:lstStyle>
           <a:p>
+            <a:pPr lvl="0"/>
             <a:r>
               <a:rPr lang="en-US"/>
-              <a:t>Click to edit Master title style</a:t>
+              <a:t>Edit Master text styles</a:t>
+            </a:r>
+          </a:p>
+          <a:p>
+            <a:pPr lvl="1"/>
+            <a:r>
+              <a:rPr lang="en-US"/>
+              <a:t>Second level</a:t>
+            </a:r>
+          </a:p>
+          <a:p>
+            <a:pPr lvl="2"/>
+            <a:r>
+              <a:rPr lang="en-US"/>
+              <a:t>Third level</a:t>
+            </a:r>
+          </a:p>
+          <a:p>
+            <a:pPr lvl="3"/>
+            <a:r>
+              <a:rPr lang="en-US"/>
+              <a:t>Fourth level</a:t>
+            </a:r>
+          </a:p>
+          <a:p>
+            <a:pPr lvl="4"/>
+            <a:r>
+              <a:rPr lang="en-US"/>
+              <a:t>Fifth level</a:t>
             </a:r>
             <a:endParaRPr lang="en-US" dirty="0"/>
           </a:p>
@@ -2462,89 +4735,26 @@
       </p:sp>
       <p:sp>
         <p:nvSpPr>
-          <p:cNvPr id="3" name="Content Placeholder 2"/>
-          <p:cNvSpPr>
-            <a:spLocks noGrp="1"/>
-          </p:cNvSpPr>
-          <p:nvPr>
-            <p:ph idx="1"/>
+          <p:cNvPr id="4" name="Text Placeholder 3"/>
+          <p:cNvSpPr>
+            <a:spLocks noGrp="1"/>
+          </p:cNvSpPr>
+          <p:nvPr>
+            <p:ph type="body" sz="half" idx="2"/>
           </p:nvPr>
         </p:nvSpPr>
         <p:spPr>
           <a:xfrm>
-            <a:off x="4800600" y="731520"/>
-            <a:ext cx="6492240" cy="5257800"/>
+            <a:off x="1154954" y="3129280"/>
+            <a:ext cx="3401063" cy="2895599"/>
           </a:xfrm>
         </p:spPr>
         <p:txBody>
           <a:bodyPr/>
-          <a:lstStyle/>
-          <a:p>
-            <a:pPr lvl="0"/>
-            <a:r>
-              <a:rPr lang="en-US"/>
-              <a:t>Edit Master text styles</a:t>
-            </a:r>
-          </a:p>
-          <a:p>
-            <a:pPr lvl="1"/>
-            <a:r>
-              <a:rPr lang="en-US"/>
-              <a:t>Second level</a:t>
-            </a:r>
-          </a:p>
-          <a:p>
-            <a:pPr lvl="2"/>
-            <a:r>
-              <a:rPr lang="en-US"/>
-              <a:t>Third level</a:t>
-            </a:r>
-          </a:p>
-          <a:p>
-            <a:pPr lvl="3"/>
-            <a:r>
-              <a:rPr lang="en-US"/>
-              <a:t>Fourth level</a:t>
-            </a:r>
-          </a:p>
-          <a:p>
-            <a:pPr lvl="4"/>
-            <a:r>
-              <a:rPr lang="en-US"/>
-              <a:t>Fifth level</a:t>
-            </a:r>
-            <a:endParaRPr lang="en-US" dirty="0"/>
-          </a:p>
-        </p:txBody>
-      </p:sp>
-      <p:sp>
-        <p:nvSpPr>
-          <p:cNvPr id="4" name="Text Placeholder 3"/>
-          <p:cNvSpPr>
-            <a:spLocks noGrp="1"/>
-          </p:cNvSpPr>
-          <p:nvPr>
-            <p:ph type="body" sz="half" idx="2"/>
-          </p:nvPr>
-        </p:nvSpPr>
-        <p:spPr>
-          <a:xfrm>
-            <a:off x="457200" y="2926080"/>
-            <a:ext cx="3200400" cy="3379124"/>
-          </a:xfrm>
-        </p:spPr>
-        <p:txBody>
-          <a:bodyPr lIns="91440" rIns="91440">
-            <a:normAutofit/>
-          </a:bodyPr>
           <a:lstStyle>
             <a:lvl1pPr marL="0" indent="0">
               <a:buNone/>
-              <a:defRPr sz="1500">
-                <a:solidFill>
-                  <a:srgbClr val="FFFFFF"/>
-                </a:solidFill>
-              </a:defRPr>
+              <a:defRPr sz="1400"/>
             </a:lvl1pPr>
             <a:lvl2pPr marL="457200" indent="0">
               <a:buNone/>
@@ -2590,7 +4800,7 @@
       </p:sp>
       <p:sp>
         <p:nvSpPr>
-          <p:cNvPr id="5" name="Date Placeholder 4"/>
+          <p:cNvPr id="7" name="Date Placeholder 4"/>
           <p:cNvSpPr>
             <a:spLocks noGrp="1"/>
           </p:cNvSpPr>
@@ -2598,23 +4808,14 @@
             <p:ph type="dt" sz="half" idx="10"/>
           </p:nvPr>
         </p:nvSpPr>
-        <p:spPr>
-          <a:xfrm>
-            <a:off x="465512" y="6459785"/>
-            <a:ext cx="2618510" cy="365125"/>
-          </a:xfrm>
-        </p:spPr>
+        <p:spPr/>
         <p:txBody>
           <a:bodyPr/>
-          <a:lstStyle>
-            <a:lvl1pPr algn="l">
-              <a:defRPr/>
-            </a:lvl1pPr>
-          </a:lstStyle>
+          <a:lstStyle/>
           <a:p>
             <a:fld id="{E414F336-643D-4991-B425-D9D7B764741D}" type="datetimeFigureOut">
               <a:rPr lang="en-US" smtClean="0"/>
-              <a:t>3/3/2019</a:t>
+              <a:t>3/4/2019</a:t>
             </a:fld>
             <a:endParaRPr lang="en-US"/>
           </a:p>
@@ -2622,7 +4823,7 @@
       </p:sp>
       <p:sp>
         <p:nvSpPr>
-          <p:cNvPr id="6" name="Footer Placeholder 5"/>
+          <p:cNvPr id="5" name="Footer Placeholder 5"/>
           <p:cNvSpPr>
             <a:spLocks noGrp="1"/>
           </p:cNvSpPr>
@@ -2630,23 +4831,10 @@
             <p:ph type="ftr" sz="quarter" idx="11"/>
           </p:nvPr>
         </p:nvSpPr>
-        <p:spPr>
-          <a:xfrm>
-            <a:off x="4800600" y="6459785"/>
-            <a:ext cx="4648200" cy="365125"/>
-          </a:xfrm>
-        </p:spPr>
+        <p:spPr/>
         <p:txBody>
           <a:bodyPr/>
-          <a:lstStyle>
-            <a:lvl1pPr algn="l">
-              <a:defRPr>
-                <a:solidFill>
-                  <a:schemeClr val="tx2"/>
-                </a:solidFill>
-              </a:defRPr>
-            </a:lvl1pPr>
-          </a:lstStyle>
+          <a:lstStyle/>
           <a:p>
             <a:endParaRPr lang="en-US"/>
           </a:p>
@@ -2654,7 +4842,7 @@
       </p:sp>
       <p:sp>
         <p:nvSpPr>
-          <p:cNvPr id="7" name="Slide Number Placeholder 6"/>
+          <p:cNvPr id="6" name="Slide Number Placeholder 6"/>
           <p:cNvSpPr>
             <a:spLocks noGrp="1"/>
           </p:cNvSpPr>
@@ -2665,15 +4853,7 @@
         <p:spPr/>
         <p:txBody>
           <a:bodyPr/>
-          <a:lstStyle>
-            <a:lvl1pPr>
-              <a:defRPr>
-                <a:solidFill>
-                  <a:schemeClr val="tx2"/>
-                </a:solidFill>
-              </a:defRPr>
-            </a:lvl1pPr>
-          </a:lstStyle>
+          <a:lstStyle/>
           <a:p>
             <a:fld id="{BBC36A1E-63FA-408A-87D8-CBAACFF92BD3}" type="slidenum">
               <a:rPr lang="en-US" smtClean="0"/>
@@ -2686,7 +4866,7 @@
     </p:spTree>
     <p:extLst>
       <p:ext uri="{BB962C8B-B14F-4D97-AF65-F5344CB8AC3E}">
-        <p14:creationId xmlns:p14="http://schemas.microsoft.com/office/powerpoint/2010/main" val="3934934567"/>
+        <p14:creationId xmlns:p14="http://schemas.microsoft.com/office/powerpoint/2010/main" val="2833649628"/>
       </p:ext>
     </p:extLst>
   </p:cSld>
@@ -2697,7 +4877,7 @@
 </file>
 
 <file path=ppt/slideLayouts/slideLayout9.xml><?xml version="1.0" encoding="utf-8"?>
-<p:sldLayout xmlns:a="http://schemas.openxmlformats.org/drawingml/2006/main" xmlns:r="http://schemas.openxmlformats.org/officeDocument/2006/relationships" xmlns:p="http://schemas.openxmlformats.org/presentationml/2006/main" showMasterSp="0" type="picTx" preserve="1">
+<p:sldLayout xmlns:a="http://schemas.openxmlformats.org/drawingml/2006/main" xmlns:r="http://schemas.openxmlformats.org/officeDocument/2006/relationships" xmlns:p="http://schemas.openxmlformats.org/presentationml/2006/main" type="picTx" preserve="1">
   <p:cSld name="Picture with Caption">
     <p:spTree>
       <p:nvGrpSpPr>
@@ -2715,222 +4895,141 @@
       </p:grpSpPr>
       <p:sp>
         <p:nvSpPr>
-          <p:cNvPr id="8" name="Rectangle 7"/>
-          <p:cNvSpPr/>
-          <p:nvPr/>
+          <p:cNvPr id="2" name="Title 1"/>
+          <p:cNvSpPr>
+            <a:spLocks noGrp="1"/>
+          </p:cNvSpPr>
+          <p:nvPr>
+            <p:ph type="title"/>
+          </p:nvPr>
         </p:nvSpPr>
         <p:spPr>
           <a:xfrm>
-            <a:off x="0" y="4953000"/>
-            <a:ext cx="12188825" cy="1905000"/>
+            <a:off x="1153907" y="1854192"/>
+            <a:ext cx="5092906" cy="1574808"/>
           </a:xfrm>
-          <a:prstGeom prst="rect">
-            <a:avLst/>
-          </a:prstGeom>
-          <a:solidFill>
-            <a:schemeClr val="accent2"/>
-          </a:solidFill>
-          <a:ln>
-            <a:noFill/>
-          </a:ln>
         </p:spPr>
-        <p:style>
-          <a:lnRef idx="2">
-            <a:schemeClr val="accent1">
-              <a:shade val="50000"/>
-            </a:schemeClr>
-          </a:lnRef>
-          <a:fillRef idx="1">
-            <a:schemeClr val="accent1"/>
-          </a:fillRef>
-          <a:effectRef idx="0">
-            <a:schemeClr val="accent1"/>
-          </a:effectRef>
-          <a:fontRef idx="minor">
-            <a:schemeClr val="lt1"/>
-          </a:fontRef>
-        </p:style>
-      </p:sp>
-      <p:sp>
-        <p:nvSpPr>
-          <p:cNvPr id="9" name="Rectangle 8"/>
-          <p:cNvSpPr/>
-          <p:nvPr/>
+        <p:txBody>
+          <a:bodyPr anchor="b">
+            <a:normAutofit/>
+          </a:bodyPr>
+          <a:lstStyle>
+            <a:lvl1pPr algn="l">
+              <a:defRPr sz="3600" b="0"/>
+            </a:lvl1pPr>
+          </a:lstStyle>
+          <a:p>
+            <a:r>
+              <a:rPr lang="en-US"/>
+              <a:t>Click to edit Master title style</a:t>
+            </a:r>
+            <a:endParaRPr lang="en-US" dirty="0"/>
+          </a:p>
+        </p:txBody>
+      </p:sp>
+      <p:sp>
+        <p:nvSpPr>
+          <p:cNvPr id="3" name="Picture Placeholder 2"/>
+          <p:cNvSpPr>
+            <a:spLocks noGrp="1" noChangeAspect="1"/>
+          </p:cNvSpPr>
+          <p:nvPr>
+            <p:ph type="pic" idx="1"/>
+          </p:nvPr>
         </p:nvSpPr>
         <p:spPr>
           <a:xfrm>
-            <a:off x="15" y="4915076"/>
-            <a:ext cx="12188825" cy="64008"/>
+            <a:off x="6949546" y="1143000"/>
+            <a:ext cx="3200400" cy="4572000"/>
           </a:xfrm>
-          <a:prstGeom prst="rect">
-            <a:avLst/>
+          <a:prstGeom prst="roundRect">
+            <a:avLst>
+              <a:gd name="adj" fmla="val 1858"/>
+            </a:avLst>
           </a:prstGeom>
-          <a:solidFill>
-            <a:schemeClr val="accent1"/>
-          </a:solidFill>
-          <a:ln>
-            <a:noFill/>
-          </a:ln>
+          <a:effectLst>
+            <a:outerShdw blurRad="50800" dist="50800" dir="5400000" algn="tl" rotWithShape="0">
+              <a:srgbClr val="000000">
+                <a:alpha val="43000"/>
+              </a:srgbClr>
+            </a:outerShdw>
+          </a:effectLst>
         </p:spPr>
-        <p:style>
-          <a:lnRef idx="2">
-            <a:schemeClr val="accent1">
-              <a:shade val="50000"/>
-            </a:schemeClr>
-          </a:lnRef>
-          <a:fillRef idx="1">
-            <a:schemeClr val="accent1"/>
-          </a:fillRef>
-          <a:effectRef idx="0">
-            <a:schemeClr val="accent1"/>
-          </a:effectRef>
-          <a:fontRef idx="minor">
-            <a:schemeClr val="lt1"/>
-          </a:fontRef>
-        </p:style>
-      </p:sp>
-      <p:sp>
-        <p:nvSpPr>
-          <p:cNvPr id="2" name="Title 1"/>
-          <p:cNvSpPr>
-            <a:spLocks noGrp="1"/>
-          </p:cNvSpPr>
-          <p:nvPr>
-            <p:ph type="title"/>
+        <p:txBody>
+          <a:bodyPr anchor="t">
+            <a:normAutofit/>
+          </a:bodyPr>
+          <a:lstStyle>
+            <a:lvl1pPr marL="0" indent="0" algn="ctr">
+              <a:buNone/>
+              <a:defRPr sz="1600"/>
+            </a:lvl1pPr>
+            <a:lvl2pPr marL="457200" indent="0">
+              <a:buNone/>
+              <a:defRPr sz="1600"/>
+            </a:lvl2pPr>
+            <a:lvl3pPr marL="914400" indent="0">
+              <a:buNone/>
+              <a:defRPr sz="1600"/>
+            </a:lvl3pPr>
+            <a:lvl4pPr marL="1371600" indent="0">
+              <a:buNone/>
+              <a:defRPr sz="1600"/>
+            </a:lvl4pPr>
+            <a:lvl5pPr marL="1828800" indent="0">
+              <a:buNone/>
+              <a:defRPr sz="1600"/>
+            </a:lvl5pPr>
+            <a:lvl6pPr marL="2286000" indent="0">
+              <a:buNone/>
+              <a:defRPr sz="1600"/>
+            </a:lvl6pPr>
+            <a:lvl7pPr marL="2743200" indent="0">
+              <a:buNone/>
+              <a:defRPr sz="1600"/>
+            </a:lvl7pPr>
+            <a:lvl8pPr marL="3200400" indent="0">
+              <a:buNone/>
+              <a:defRPr sz="1600"/>
+            </a:lvl8pPr>
+            <a:lvl9pPr marL="3657600" indent="0">
+              <a:buNone/>
+              <a:defRPr sz="1600"/>
+            </a:lvl9pPr>
+          </a:lstStyle>
+          <a:p>
+            <a:r>
+              <a:rPr lang="en-US"/>
+              <a:t>Click icon to add picture</a:t>
+            </a:r>
+            <a:endParaRPr lang="en-US" dirty="0"/>
+          </a:p>
+        </p:txBody>
+      </p:sp>
+      <p:sp>
+        <p:nvSpPr>
+          <p:cNvPr id="4" name="Text Placeholder 3"/>
+          <p:cNvSpPr>
+            <a:spLocks noGrp="1"/>
+          </p:cNvSpPr>
+          <p:nvPr>
+            <p:ph type="body" sz="half" idx="2"/>
           </p:nvPr>
         </p:nvSpPr>
         <p:spPr>
           <a:xfrm>
-            <a:off x="1097280" y="5074920"/>
-            <a:ext cx="10113645" cy="822960"/>
+            <a:off x="1154954" y="3657600"/>
+            <a:ext cx="5084979" cy="1371600"/>
           </a:xfrm>
         </p:spPr>
         <p:txBody>
-          <a:bodyPr lIns="91440" tIns="0" rIns="91440" bIns="0" anchor="b">
-            <a:noAutofit/>
-          </a:bodyPr>
-          <a:lstStyle>
-            <a:lvl1pPr>
-              <a:defRPr sz="3600" b="0">
-                <a:solidFill>
-                  <a:srgbClr val="FFFFFF"/>
-                </a:solidFill>
-              </a:defRPr>
-            </a:lvl1pPr>
-          </a:lstStyle>
-          <a:p>
-            <a:r>
-              <a:rPr lang="en-US"/>
-              <a:t>Click to edit Master title style</a:t>
-            </a:r>
-            <a:endParaRPr lang="en-US" dirty="0"/>
-          </a:p>
-        </p:txBody>
-      </p:sp>
-      <p:sp>
-        <p:nvSpPr>
-          <p:cNvPr id="3" name="Picture Placeholder 2"/>
-          <p:cNvSpPr>
-            <a:spLocks noGrp="1" noChangeAspect="1"/>
-          </p:cNvSpPr>
-          <p:nvPr>
-            <p:ph type="pic" idx="1"/>
-          </p:nvPr>
-        </p:nvSpPr>
-        <p:spPr>
-          <a:xfrm>
-            <a:off x="15" y="0"/>
-            <a:ext cx="12191985" cy="4915076"/>
-          </a:xfrm>
-          <a:solidFill>
-            <a:schemeClr val="bg2">
-              <a:lumMod val="90000"/>
-            </a:schemeClr>
-          </a:solidFill>
-        </p:spPr>
-        <p:txBody>
-          <a:bodyPr lIns="457200" tIns="457200" anchor="t"/>
-          <a:lstStyle>
-            <a:lvl1pPr marL="0" indent="0">
-              <a:buNone/>
-              <a:defRPr sz="3200"/>
-            </a:lvl1pPr>
-            <a:lvl2pPr marL="457200" indent="0">
-              <a:buNone/>
-              <a:defRPr sz="2800"/>
-            </a:lvl2pPr>
-            <a:lvl3pPr marL="914400" indent="0">
-              <a:buNone/>
-              <a:defRPr sz="2400"/>
-            </a:lvl3pPr>
-            <a:lvl4pPr marL="1371600" indent="0">
-              <a:buNone/>
-              <a:defRPr sz="2000"/>
-            </a:lvl4pPr>
-            <a:lvl5pPr marL="1828800" indent="0">
-              <a:buNone/>
-              <a:defRPr sz="2000"/>
-            </a:lvl5pPr>
-            <a:lvl6pPr marL="2286000" indent="0">
-              <a:buNone/>
-              <a:defRPr sz="2000"/>
-            </a:lvl6pPr>
-            <a:lvl7pPr marL="2743200" indent="0">
-              <a:buNone/>
-              <a:defRPr sz="2000"/>
-            </a:lvl7pPr>
-            <a:lvl8pPr marL="3200400" indent="0">
-              <a:buNone/>
-              <a:defRPr sz="2000"/>
-            </a:lvl8pPr>
-            <a:lvl9pPr marL="3657600" indent="0">
-              <a:buNone/>
-              <a:defRPr sz="2000"/>
-            </a:lvl9pPr>
-          </a:lstStyle>
-          <a:p>
-            <a:r>
-              <a:rPr lang="en-US"/>
-              <a:t>Click icon to add picture</a:t>
-            </a:r>
-            <a:endParaRPr lang="en-US" dirty="0"/>
-          </a:p>
-        </p:txBody>
-      </p:sp>
-      <p:sp>
-        <p:nvSpPr>
-          <p:cNvPr id="4" name="Text Placeholder 3"/>
-          <p:cNvSpPr>
-            <a:spLocks noGrp="1"/>
-          </p:cNvSpPr>
-          <p:nvPr>
-            <p:ph type="body" sz="half" idx="2"/>
-          </p:nvPr>
-        </p:nvSpPr>
-        <p:spPr>
-          <a:xfrm>
-            <a:off x="1097280" y="5907024"/>
-            <a:ext cx="10113264" cy="594360"/>
-          </a:xfrm>
-        </p:spPr>
-        <p:txBody>
-          <a:bodyPr lIns="91440" tIns="0" rIns="91440" bIns="0">
+          <a:bodyPr>
             <a:normAutofit/>
           </a:bodyPr>
           <a:lstStyle>
             <a:lvl1pPr marL="0" indent="0">
-              <a:spcBef>
-                <a:spcPts val="0"/>
-              </a:spcBef>
-              <a:spcAft>
-                <a:spcPts val="600"/>
-              </a:spcAft>
-              <a:buNone/>
-              <a:defRPr sz="1500">
-                <a:solidFill>
-                  <a:srgbClr val="FFFFFF"/>
-                </a:solidFill>
-              </a:defRPr>
+              <a:buNone/>
+              <a:defRPr sz="1400"/>
             </a:lvl1pPr>
             <a:lvl2pPr marL="457200" indent="0">
               <a:buNone/>
@@ -2991,7 +5090,7 @@
           <a:p>
             <a:fld id="{E414F336-643D-4991-B425-D9D7B764741D}" type="datetimeFigureOut">
               <a:rPr lang="en-US" smtClean="0"/>
-              <a:t>3/3/2019</a:t>
+              <a:t>3/4/2019</a:t>
             </a:fld>
             <a:endParaRPr lang="en-US"/>
           </a:p>
@@ -3042,7 +5141,7 @@
     </p:spTree>
     <p:extLst>
       <p:ext uri="{BB962C8B-B14F-4D97-AF65-F5344CB8AC3E}">
-        <p14:creationId xmlns:p14="http://schemas.microsoft.com/office/powerpoint/2010/main" val="1410642944"/>
+        <p14:creationId xmlns:p14="http://schemas.microsoft.com/office/powerpoint/2010/main" val="370026679"/>
       </p:ext>
     </p:extLst>
   </p:cSld>
@@ -3056,8 +5155,8 @@
 <p:sldMaster xmlns:a="http://schemas.openxmlformats.org/drawingml/2006/main" xmlns:r="http://schemas.openxmlformats.org/officeDocument/2006/relationships" xmlns:p="http://schemas.openxmlformats.org/presentationml/2006/main">
   <p:cSld>
     <p:bg>
-      <p:bgRef idx="1001">
-        <a:schemeClr val="bg1"/>
+      <p:bgRef idx="1003">
+        <a:schemeClr val="bg2"/>
       </p:bgRef>
     </p:bg>
     <p:spTree>
@@ -3074,37 +5173,120 @@
           <a:chExt cx="0" cy="0"/>
         </a:xfrm>
       </p:grpSpPr>
-      <p:sp>
-        <p:nvSpPr>
-          <p:cNvPr id="7" name="Rectangle 6"/>
-          <p:cNvSpPr/>
+      <p:pic>
+        <p:nvPicPr>
+          <p:cNvPr id="8" name="Picture 7"/>
+          <p:cNvPicPr>
+            <a:picLocks noChangeAspect="1"/>
+          </p:cNvPicPr>
           <p:nvPr/>
-        </p:nvSpPr>
+        </p:nvPicPr>
+        <p:blipFill rotWithShape="1">
+          <a:blip r:embed="rId19">
+            <a:extLst>
+              <a:ext uri="{28A0092B-C50C-407E-A947-70E740481C1C}">
+                <a14:useLocalDpi xmlns:a14="http://schemas.microsoft.com/office/drawing/2010/main" val="0"/>
+              </a:ext>
+            </a:extLst>
+          </a:blip>
+          <a:srcRect l="3613"/>
+          <a:stretch/>
+        </p:blipFill>
         <p:spPr>
           <a:xfrm>
-            <a:off x="1" y="6400800"/>
-            <a:ext cx="12192000" cy="457200"/>
+            <a:off x="0" y="2669685"/>
+            <a:ext cx="4037012" cy="4188315"/>
           </a:xfrm>
           <a:prstGeom prst="rect">
             <a:avLst/>
           </a:prstGeom>
-          <a:solidFill>
-            <a:schemeClr val="accent2"/>
-          </a:solidFill>
+        </p:spPr>
+      </p:pic>
+      <p:pic>
+        <p:nvPicPr>
+          <p:cNvPr id="7" name="Picture 6"/>
+          <p:cNvPicPr>
+            <a:picLocks noChangeAspect="1"/>
+          </p:cNvPicPr>
+          <p:nvPr/>
+        </p:nvPicPr>
+        <p:blipFill rotWithShape="1">
+          <a:blip r:embed="rId20">
+            <a:extLst>
+              <a:ext uri="{28A0092B-C50C-407E-A947-70E740481C1C}">
+                <a14:useLocalDpi xmlns:a14="http://schemas.microsoft.com/office/drawing/2010/main" val="0"/>
+              </a:ext>
+            </a:extLst>
+          </a:blip>
+          <a:srcRect l="35640"/>
+          <a:stretch/>
+        </p:blipFill>
+        <p:spPr>
+          <a:xfrm>
+            <a:off x="0" y="2892347"/>
+            <a:ext cx="1522412" cy="2365453"/>
+          </a:xfrm>
+          <a:prstGeom prst="rect">
+            <a:avLst/>
+          </a:prstGeom>
+        </p:spPr>
+      </p:pic>
+      <p:sp>
+        <p:nvSpPr>
+          <p:cNvPr id="16" name="Oval 15"/>
+          <p:cNvSpPr/>
+          <p:nvPr/>
+        </p:nvSpPr>
+        <p:spPr>
+          <a:xfrm>
+            <a:off x="8609012" y="1676400"/>
+            <a:ext cx="2819400" cy="2819400"/>
+          </a:xfrm>
+          <a:prstGeom prst="ellipse">
+            <a:avLst/>
+          </a:prstGeom>
+          <a:gradFill flip="none" rotWithShape="1">
+            <a:gsLst>
+              <a:gs pos="0">
+                <a:schemeClr val="bg2">
+                  <a:lumMod val="40000"/>
+                  <a:lumOff val="60000"/>
+                  <a:alpha val="7000"/>
+                </a:schemeClr>
+              </a:gs>
+              <a:gs pos="69000">
+                <a:schemeClr val="bg2">
+                  <a:lumMod val="40000"/>
+                  <a:lumOff val="60000"/>
+                  <a:alpha val="0"/>
+                </a:schemeClr>
+              </a:gs>
+              <a:gs pos="36000">
+                <a:schemeClr val="bg2">
+                  <a:lumMod val="40000"/>
+                  <a:lumOff val="60000"/>
+                  <a:alpha val="6000"/>
+                </a:schemeClr>
+              </a:gs>
+            </a:gsLst>
+            <a:path path="circle">
+              <a:fillToRect l="50000" t="50000" r="50000" b="50000"/>
+            </a:path>
+            <a:tileRect/>
+          </a:gradFill>
           <a:ln>
             <a:noFill/>
           </a:ln>
+          <a:effectLst/>
         </p:spPr>
         <p:style>
-          <a:lnRef idx="2">
-            <a:schemeClr val="accent1">
-              <a:shade val="50000"/>
-            </a:schemeClr>
+          <a:lnRef idx="1">
+            <a:schemeClr val="accent1"/>
           </a:lnRef>
-          <a:fillRef idx="1">
+          <a:fillRef idx="3">
             <a:schemeClr val="accent1"/>
           </a:fillRef>
-          <a:effectRef idx="0">
+          <a:effectRef idx="2">
             <a:schemeClr val="accent1"/>
           </a:effectRef>
           <a:fontRef idx="minor">
@@ -3112,16 +5294,74 @@
           </a:fontRef>
         </p:style>
       </p:sp>
-      <p:sp>
-        <p:nvSpPr>
-          <p:cNvPr id="9" name="Rectangle 8"/>
+      <p:pic>
+        <p:nvPicPr>
+          <p:cNvPr id="9" name="Picture 8"/>
+          <p:cNvPicPr>
+            <a:picLocks noChangeAspect="1"/>
+          </p:cNvPicPr>
+          <p:nvPr/>
+        </p:nvPicPr>
+        <p:blipFill rotWithShape="1">
+          <a:blip r:embed="rId21">
+            <a:extLst>
+              <a:ext uri="{28A0092B-C50C-407E-A947-70E740481C1C}">
+                <a14:useLocalDpi xmlns:a14="http://schemas.microsoft.com/office/drawing/2010/main" val="0"/>
+              </a:ext>
+            </a:extLst>
+          </a:blip>
+          <a:srcRect t="28813"/>
+          <a:stretch/>
+        </p:blipFill>
+        <p:spPr>
+          <a:xfrm>
+            <a:off x="7999412" y="0"/>
+            <a:ext cx="1603387" cy="1141407"/>
+          </a:xfrm>
+          <a:prstGeom prst="rect">
+            <a:avLst/>
+          </a:prstGeom>
+        </p:spPr>
+      </p:pic>
+      <p:pic>
+        <p:nvPicPr>
+          <p:cNvPr id="10" name="Picture 9"/>
+          <p:cNvPicPr>
+            <a:picLocks noChangeAspect="1"/>
+          </p:cNvPicPr>
+          <p:nvPr/>
+        </p:nvPicPr>
+        <p:blipFill rotWithShape="1">
+          <a:blip r:embed="rId22">
+            <a:extLst>
+              <a:ext uri="{28A0092B-C50C-407E-A947-70E740481C1C}">
+                <a14:useLocalDpi xmlns:a14="http://schemas.microsoft.com/office/drawing/2010/main" val="0"/>
+              </a:ext>
+            </a:extLst>
+          </a:blip>
+          <a:srcRect b="23320"/>
+          <a:stretch/>
+        </p:blipFill>
+        <p:spPr>
+          <a:xfrm>
+            <a:off x="8609012" y="6096000"/>
+            <a:ext cx="993734" cy="762000"/>
+          </a:xfrm>
+          <a:prstGeom prst="rect">
+            <a:avLst/>
+          </a:prstGeom>
+        </p:spPr>
+      </p:pic>
+      <p:sp>
+        <p:nvSpPr>
+          <p:cNvPr id="14" name="Rectangle 13"/>
           <p:cNvSpPr/>
           <p:nvPr/>
         </p:nvSpPr>
         <p:spPr>
           <a:xfrm>
-            <a:off x="15" y="6334316"/>
-            <a:ext cx="12191985" cy="66484"/>
+            <a:off x="10437812" y="0"/>
+            <a:ext cx="685800" cy="1143000"/>
           </a:xfrm>
           <a:prstGeom prst="rect">
             <a:avLst/>
@@ -3134,15 +5374,13 @@
           </a:ln>
         </p:spPr>
         <p:style>
-          <a:lnRef idx="2">
-            <a:schemeClr val="accent1">
-              <a:shade val="50000"/>
-            </a:schemeClr>
+          <a:lnRef idx="1">
+            <a:schemeClr val="accent1"/>
           </a:lnRef>
-          <a:fillRef idx="1">
+          <a:fillRef idx="3">
             <a:schemeClr val="accent1"/>
           </a:fillRef>
-          <a:effectRef idx="0">
+          <a:effectRef idx="2">
             <a:schemeClr val="accent1"/>
           </a:effectRef>
           <a:fontRef idx="minor">
@@ -3162,16 +5400,16 @@
         </p:nvSpPr>
         <p:spPr>
           <a:xfrm>
-            <a:off x="1097280" y="286603"/>
-            <a:ext cx="10058400" cy="1450757"/>
+            <a:off x="646111" y="452718"/>
+            <a:ext cx="9404723" cy="1400530"/>
           </a:xfrm>
           <a:prstGeom prst="rect">
             <a:avLst/>
           </a:prstGeom>
         </p:spPr>
         <p:txBody>
-          <a:bodyPr vert="horz" lIns="91440" tIns="45720" rIns="91440" bIns="45720" rtlCol="0" anchor="b">
-            <a:normAutofit/>
+          <a:bodyPr vert="horz" lIns="91440" tIns="45720" rIns="91440" bIns="45720" rtlCol="0" anchor="t">
+            <a:noAutofit/>
           </a:bodyPr>
           <a:lstStyle/>
           <a:p>
@@ -3195,15 +5433,15 @@
         </p:nvSpPr>
         <p:spPr>
           <a:xfrm>
-            <a:off x="1097280" y="1845734"/>
-            <a:ext cx="10058400" cy="4023360"/>
+            <a:off x="1103312" y="2052918"/>
+            <a:ext cx="8946541" cy="4195481"/>
           </a:xfrm>
           <a:prstGeom prst="rect">
             <a:avLst/>
           </a:prstGeom>
         </p:spPr>
         <p:txBody>
-          <a:bodyPr vert="horz" lIns="0" tIns="45720" rIns="0" bIns="45720" rtlCol="0">
+          <a:bodyPr vert="horz" lIns="91440" tIns="45720" rIns="91440" bIns="45720" rtlCol="0">
             <a:normAutofit/>
           </a:bodyPr>
           <a:lstStyle/>
@@ -3256,21 +5494,24 @@
           </p:nvPr>
         </p:nvSpPr>
         <p:spPr>
-          <a:xfrm>
-            <a:off x="1097280" y="6459785"/>
-            <a:ext cx="2472271" cy="365125"/>
+          <a:xfrm rot="5400000">
+            <a:off x="10155639" y="1790701"/>
+            <a:ext cx="990599" cy="304799"/>
           </a:xfrm>
           <a:prstGeom prst="rect">
             <a:avLst/>
           </a:prstGeom>
         </p:spPr>
         <p:txBody>
-          <a:bodyPr vert="horz" lIns="91440" tIns="45720" rIns="91440" bIns="45720" rtlCol="0" anchor="ctr"/>
+          <a:bodyPr vert="horz" lIns="91440" tIns="45720" rIns="91440" bIns="45720" rtlCol="0" anchor="t"/>
           <a:lstStyle>
             <a:lvl1pPr algn="l">
-              <a:defRPr sz="900">
+              <a:defRPr sz="1100" b="0" i="0">
                 <a:solidFill>
-                  <a:srgbClr val="FFFFFF"/>
+                  <a:schemeClr val="tx1">
+                    <a:tint val="75000"/>
+                    <a:alpha val="60000"/>
+                  </a:schemeClr>
                 </a:solidFill>
               </a:defRPr>
             </a:lvl1pPr>
@@ -3278,7 +5519,7 @@
           <a:p>
             <a:fld id="{E414F336-643D-4991-B425-D9D7B764741D}" type="datetimeFigureOut">
               <a:rPr lang="en-US" smtClean="0"/>
-              <a:t>3/3/2019</a:t>
+              <a:t>3/4/2019</a:t>
             </a:fld>
             <a:endParaRPr lang="en-US"/>
           </a:p>
@@ -3295,21 +5536,24 @@
           </p:nvPr>
         </p:nvSpPr>
         <p:spPr>
-          <a:xfrm>
-            <a:off x="3686185" y="6459785"/>
-            <a:ext cx="4822804" cy="365125"/>
+          <a:xfrm rot="5400000">
+            <a:off x="8951573" y="3225297"/>
+            <a:ext cx="3859795" cy="304801"/>
           </a:xfrm>
           <a:prstGeom prst="rect">
             <a:avLst/>
           </a:prstGeom>
         </p:spPr>
         <p:txBody>
-          <a:bodyPr vert="horz" lIns="91440" tIns="45720" rIns="91440" bIns="45720" rtlCol="0" anchor="ctr"/>
+          <a:bodyPr vert="horz" lIns="91440" tIns="45720" rIns="91440" bIns="45720" rtlCol="0" anchor="b"/>
           <a:lstStyle>
-            <a:lvl1pPr algn="ctr">
-              <a:defRPr sz="900" cap="all" baseline="0">
+            <a:lvl1pPr algn="l">
+              <a:defRPr sz="1100" b="0" i="0">
                 <a:solidFill>
-                  <a:srgbClr val="FFFFFF"/>
+                  <a:schemeClr val="tx1">
+                    <a:tint val="75000"/>
+                    <a:alpha val="60000"/>
+                  </a:schemeClr>
                 </a:solidFill>
               </a:defRPr>
             </a:lvl1pPr>
@@ -3331,20 +5575,22 @@
         </p:nvSpPr>
         <p:spPr>
           <a:xfrm>
-            <a:off x="9900458" y="6459785"/>
-            <a:ext cx="1312025" cy="365125"/>
+            <a:off x="10352540" y="295729"/>
+            <a:ext cx="838199" cy="767687"/>
           </a:xfrm>
           <a:prstGeom prst="rect">
             <a:avLst/>
           </a:prstGeom>
         </p:spPr>
         <p:txBody>
-          <a:bodyPr vert="horz" lIns="91440" tIns="45720" rIns="91440" bIns="45720" rtlCol="0" anchor="ctr"/>
+          <a:bodyPr vert="horz" lIns="91440" tIns="45720" rIns="91440" bIns="45720" rtlCol="0" anchor="b"/>
           <a:lstStyle>
-            <a:lvl1pPr algn="r">
-              <a:defRPr sz="1050">
+            <a:lvl1pPr algn="ctr">
+              <a:defRPr sz="2800" b="0" i="0">
                 <a:solidFill>
-                  <a:srgbClr val="FFFFFF"/>
+                  <a:schemeClr val="tx1">
+                    <a:tint val="75000"/>
+                  </a:schemeClr>
                 </a:solidFill>
               </a:defRPr>
             </a:lvl1pPr>
@@ -3358,331 +5604,303 @@
           </a:p>
         </p:txBody>
       </p:sp>
-      <p:cxnSp>
-        <p:nvCxnSpPr>
-          <p:cNvPr id="10" name="Straight Connector 9"/>
-          <p:cNvCxnSpPr/>
-          <p:nvPr/>
-        </p:nvCxnSpPr>
-        <p:spPr>
-          <a:xfrm>
-            <a:off x="1193532" y="1737845"/>
-            <a:ext cx="9966960" cy="0"/>
-          </a:xfrm>
-          <a:prstGeom prst="line">
-            <a:avLst/>
-          </a:prstGeom>
-          <a:ln w="6350">
-            <a:solidFill>
-              <a:schemeClr val="tx1">
-                <a:lumMod val="50000"/>
-                <a:lumOff val="50000"/>
-              </a:schemeClr>
-            </a:solidFill>
-          </a:ln>
-        </p:spPr>
-        <p:style>
-          <a:lnRef idx="1">
-            <a:schemeClr val="accent1"/>
-          </a:lnRef>
-          <a:fillRef idx="0">
-            <a:schemeClr val="accent1"/>
-          </a:fillRef>
-          <a:effectRef idx="0">
-            <a:schemeClr val="accent1"/>
-          </a:effectRef>
-          <a:fontRef idx="minor">
-            <a:schemeClr val="tx1"/>
-          </a:fontRef>
-        </p:style>
-      </p:cxnSp>
     </p:spTree>
     <p:extLst>
       <p:ext uri="{BB962C8B-B14F-4D97-AF65-F5344CB8AC3E}">
-        <p14:creationId xmlns:p14="http://schemas.microsoft.com/office/powerpoint/2010/main" val="3848804711"/>
+        <p14:creationId xmlns:p14="http://schemas.microsoft.com/office/powerpoint/2010/main" val="947952714"/>
       </p:ext>
     </p:extLst>
   </p:cSld>
-  <p:clrMap bg1="lt1" tx1="dk1" bg2="lt2" tx2="dk2" accent1="accent1" accent2="accent2" accent3="accent3" accent4="accent4" accent5="accent5" accent6="accent6" hlink="hlink" folHlink="folHlink"/>
+  <p:clrMap bg1="dk1" tx1="lt1" bg2="dk2" tx2="lt2" accent1="accent1" accent2="accent2" accent3="accent3" accent4="accent4" accent5="accent5" accent6="accent6" hlink="hlink" folHlink="folHlink"/>
   <p:sldLayoutIdLst>
-    <p:sldLayoutId id="2147484223" r:id="rId1"/>
-    <p:sldLayoutId id="2147484224" r:id="rId2"/>
-    <p:sldLayoutId id="2147484225" r:id="rId3"/>
-    <p:sldLayoutId id="2147484226" r:id="rId4"/>
-    <p:sldLayoutId id="2147484227" r:id="rId5"/>
-    <p:sldLayoutId id="2147484228" r:id="rId6"/>
-    <p:sldLayoutId id="2147484229" r:id="rId7"/>
-    <p:sldLayoutId id="2147484230" r:id="rId8"/>
-    <p:sldLayoutId id="2147484231" r:id="rId9"/>
-    <p:sldLayoutId id="2147484232" r:id="rId10"/>
-    <p:sldLayoutId id="2147484233" r:id="rId11"/>
+    <p:sldLayoutId id="2147484444" r:id="rId1"/>
+    <p:sldLayoutId id="2147484445" r:id="rId2"/>
+    <p:sldLayoutId id="2147484446" r:id="rId3"/>
+    <p:sldLayoutId id="2147484447" r:id="rId4"/>
+    <p:sldLayoutId id="2147484448" r:id="rId5"/>
+    <p:sldLayoutId id="2147484449" r:id="rId6"/>
+    <p:sldLayoutId id="2147484450" r:id="rId7"/>
+    <p:sldLayoutId id="2147484451" r:id="rId8"/>
+    <p:sldLayoutId id="2147484452" r:id="rId9"/>
+    <p:sldLayoutId id="2147484453" r:id="rId10"/>
+    <p:sldLayoutId id="2147484454" r:id="rId11"/>
+    <p:sldLayoutId id="2147484455" r:id="rId12"/>
+    <p:sldLayoutId id="2147484456" r:id="rId13"/>
+    <p:sldLayoutId id="2147484457" r:id="rId14"/>
+    <p:sldLayoutId id="2147484458" r:id="rId15"/>
+    <p:sldLayoutId id="2147484459" r:id="rId16"/>
+    <p:sldLayoutId id="2147484460" r:id="rId17"/>
   </p:sldLayoutIdLst>
   <p:txStyles>
     <p:titleStyle>
-      <a:lvl1pPr algn="l" defTabSz="914400" rtl="0" eaLnBrk="1" latinLnBrk="0" hangingPunct="1">
-        <a:lnSpc>
-          <a:spcPct val="85000"/>
-        </a:lnSpc>
+      <a:lvl1pPr algn="l" defTabSz="457200" rtl="0" eaLnBrk="1" latinLnBrk="0" hangingPunct="1">
         <a:spcBef>
           <a:spcPct val="0"/>
         </a:spcBef>
         <a:buNone/>
-        <a:defRPr sz="4800" kern="1200" spc="-50" baseline="0">
+        <a:defRPr sz="4200" b="0" i="0" kern="1200">
           <a:solidFill>
-            <a:schemeClr val="tx1">
-              <a:lumMod val="75000"/>
-              <a:lumOff val="25000"/>
-            </a:schemeClr>
+            <a:schemeClr val="tx2"/>
           </a:solidFill>
           <a:latin typeface="+mj-lt"/>
           <a:ea typeface="+mj-ea"/>
           <a:cs typeface="+mj-cs"/>
         </a:defRPr>
       </a:lvl1pPr>
+      <a:lvl2pPr eaLnBrk="1" hangingPunct="1">
+        <a:defRPr>
+          <a:solidFill>
+            <a:schemeClr val="tx2"/>
+          </a:solidFill>
+        </a:defRPr>
+      </a:lvl2pPr>
+      <a:lvl3pPr eaLnBrk="1" hangingPunct="1">
+        <a:defRPr>
+          <a:solidFill>
+            <a:schemeClr val="tx2"/>
+          </a:solidFill>
+        </a:defRPr>
+      </a:lvl3pPr>
+      <a:lvl4pPr eaLnBrk="1" hangingPunct="1">
+        <a:defRPr>
+          <a:solidFill>
+            <a:schemeClr val="tx2"/>
+          </a:solidFill>
+        </a:defRPr>
+      </a:lvl4pPr>
+      <a:lvl5pPr eaLnBrk="1" hangingPunct="1">
+        <a:defRPr>
+          <a:solidFill>
+            <a:schemeClr val="tx2"/>
+          </a:solidFill>
+        </a:defRPr>
+      </a:lvl5pPr>
+      <a:lvl6pPr eaLnBrk="1" hangingPunct="1">
+        <a:defRPr>
+          <a:solidFill>
+            <a:schemeClr val="tx2"/>
+          </a:solidFill>
+        </a:defRPr>
+      </a:lvl6pPr>
+      <a:lvl7pPr eaLnBrk="1" hangingPunct="1">
+        <a:defRPr>
+          <a:solidFill>
+            <a:schemeClr val="tx2"/>
+          </a:solidFill>
+        </a:defRPr>
+      </a:lvl7pPr>
+      <a:lvl8pPr eaLnBrk="1" hangingPunct="1">
+        <a:defRPr>
+          <a:solidFill>
+            <a:schemeClr val="tx2"/>
+          </a:solidFill>
+        </a:defRPr>
+      </a:lvl8pPr>
+      <a:lvl9pPr eaLnBrk="1" hangingPunct="1">
+        <a:defRPr>
+          <a:solidFill>
+            <a:schemeClr val="tx2"/>
+          </a:solidFill>
+        </a:defRPr>
+      </a:lvl9pPr>
     </p:titleStyle>
     <p:bodyStyle>
-      <a:lvl1pPr marL="91440" indent="-91440" algn="l" defTabSz="914400" rtl="0" eaLnBrk="1" latinLnBrk="0" hangingPunct="1">
-        <a:lnSpc>
-          <a:spcPct val="90000"/>
-        </a:lnSpc>
+      <a:lvl1pPr marL="342900" indent="-342900" algn="l" defTabSz="457200" rtl="0" eaLnBrk="1" latinLnBrk="0" hangingPunct="1">
         <a:spcBef>
-          <a:spcPts val="1200"/>
+          <a:spcPts val="1000"/>
         </a:spcBef>
         <a:spcAft>
-          <a:spcPts val="200"/>
+          <a:spcPts val="0"/>
         </a:spcAft>
         <a:buClr>
           <a:schemeClr val="accent1"/>
         </a:buClr>
-        <a:buSzPct val="100000"/>
-        <a:buFont typeface="Calibri" panose="020F0502020204030204" pitchFamily="34" charset="0"/>
-        <a:buChar char=" "/>
-        <a:defRPr sz="2000" kern="1200">
+        <a:buSzPct val="80000"/>
+        <a:buFont typeface="Wingdings 3" charset="2"/>
+        <a:buChar char=""/>
+        <a:defRPr sz="2000" b="0" i="0" kern="1200">
           <a:solidFill>
-            <a:schemeClr val="tx1">
-              <a:lumMod val="75000"/>
-              <a:lumOff val="25000"/>
-            </a:schemeClr>
+            <a:schemeClr val="tx1"/>
           </a:solidFill>
-          <a:latin typeface="+mn-lt"/>
-          <a:ea typeface="+mn-ea"/>
-          <a:cs typeface="+mn-cs"/>
+          <a:latin typeface="+mj-lt"/>
+          <a:ea typeface="+mj-ea"/>
+          <a:cs typeface="+mj-cs"/>
         </a:defRPr>
       </a:lvl1pPr>
-      <a:lvl2pPr marL="384048" indent="-182880" algn="l" defTabSz="914400" rtl="0" eaLnBrk="1" latinLnBrk="0" hangingPunct="1">
-        <a:lnSpc>
-          <a:spcPct val="90000"/>
-        </a:lnSpc>
+      <a:lvl2pPr marL="742950" indent="-285750" algn="l" defTabSz="457200" rtl="0" eaLnBrk="1" latinLnBrk="0" hangingPunct="1">
         <a:spcBef>
-          <a:spcPts val="200"/>
+          <a:spcPts val="1000"/>
         </a:spcBef>
         <a:spcAft>
-          <a:spcPts val="400"/>
+          <a:spcPts val="0"/>
         </a:spcAft>
         <a:buClr>
           <a:schemeClr val="accent1"/>
         </a:buClr>
-        <a:buFont typeface="Calibri" pitchFamily="34" charset="0"/>
-        <a:buChar char="◦"/>
-        <a:defRPr sz="1800" kern="1200">
+        <a:buSzPct val="80000"/>
+        <a:buFont typeface="Wingdings 3" charset="2"/>
+        <a:buChar char=""/>
+        <a:defRPr sz="1800" b="0" i="0" kern="1200">
           <a:solidFill>
-            <a:schemeClr val="tx1">
-              <a:lumMod val="75000"/>
-              <a:lumOff val="25000"/>
-            </a:schemeClr>
+            <a:schemeClr val="tx1"/>
           </a:solidFill>
-          <a:latin typeface="+mn-lt"/>
-          <a:ea typeface="+mn-ea"/>
-          <a:cs typeface="+mn-cs"/>
+          <a:latin typeface="+mj-lt"/>
+          <a:ea typeface="+mj-ea"/>
+          <a:cs typeface="+mj-cs"/>
         </a:defRPr>
       </a:lvl2pPr>
-      <a:lvl3pPr marL="566928" indent="-182880" algn="l" defTabSz="914400" rtl="0" eaLnBrk="1" latinLnBrk="0" hangingPunct="1">
-        <a:lnSpc>
-          <a:spcPct val="90000"/>
-        </a:lnSpc>
+      <a:lvl3pPr marL="1143000" indent="-228600" algn="l" defTabSz="457200" rtl="0" eaLnBrk="1" latinLnBrk="0" hangingPunct="1">
         <a:spcBef>
-          <a:spcPts val="200"/>
+          <a:spcPts val="1000"/>
         </a:spcBef>
         <a:spcAft>
-          <a:spcPts val="400"/>
+          <a:spcPts val="0"/>
         </a:spcAft>
         <a:buClr>
           <a:schemeClr val="accent1"/>
         </a:buClr>
-        <a:buFont typeface="Calibri" pitchFamily="34" charset="0"/>
-        <a:buChar char="◦"/>
-        <a:defRPr sz="1400" kern="1200">
+        <a:buSzPct val="80000"/>
+        <a:buFont typeface="Wingdings 3" charset="2"/>
+        <a:buChar char=""/>
+        <a:defRPr sz="1600" b="0" i="0" kern="1200">
           <a:solidFill>
-            <a:schemeClr val="tx1">
-              <a:lumMod val="75000"/>
-              <a:lumOff val="25000"/>
-            </a:schemeClr>
+            <a:schemeClr val="tx1"/>
           </a:solidFill>
-          <a:latin typeface="+mn-lt"/>
-          <a:ea typeface="+mn-ea"/>
-          <a:cs typeface="+mn-cs"/>
+          <a:latin typeface="+mj-lt"/>
+          <a:ea typeface="+mj-ea"/>
+          <a:cs typeface="+mj-cs"/>
         </a:defRPr>
       </a:lvl3pPr>
-      <a:lvl4pPr marL="749808" indent="-182880" algn="l" defTabSz="914400" rtl="0" eaLnBrk="1" latinLnBrk="0" hangingPunct="1">
-        <a:lnSpc>
-          <a:spcPct val="90000"/>
-        </a:lnSpc>
+      <a:lvl4pPr marL="1600200" indent="-228600" algn="l" defTabSz="457200" rtl="0" eaLnBrk="1" latinLnBrk="0" hangingPunct="1">
         <a:spcBef>
-          <a:spcPts val="200"/>
+          <a:spcPts val="1000"/>
         </a:spcBef>
         <a:spcAft>
-          <a:spcPts val="400"/>
+          <a:spcPts val="0"/>
         </a:spcAft>
         <a:buClr>
           <a:schemeClr val="accent1"/>
         </a:buClr>
-        <a:buFont typeface="Calibri" pitchFamily="34" charset="0"/>
-        <a:buChar char="◦"/>
-        <a:defRPr sz="1400" kern="1200">
+        <a:buSzPct val="80000"/>
+        <a:buFont typeface="Wingdings 3" charset="2"/>
+        <a:buChar char=""/>
+        <a:defRPr sz="1400" b="0" i="0" kern="1200">
           <a:solidFill>
-            <a:schemeClr val="tx1">
-              <a:lumMod val="75000"/>
-              <a:lumOff val="25000"/>
-            </a:schemeClr>
+            <a:schemeClr val="tx1"/>
           </a:solidFill>
-          <a:latin typeface="+mn-lt"/>
-          <a:ea typeface="+mn-ea"/>
-          <a:cs typeface="+mn-cs"/>
+          <a:latin typeface="+mj-lt"/>
+          <a:ea typeface="+mj-ea"/>
+          <a:cs typeface="+mj-cs"/>
         </a:defRPr>
       </a:lvl4pPr>
-      <a:lvl5pPr marL="932688" indent="-182880" algn="l" defTabSz="914400" rtl="0" eaLnBrk="1" latinLnBrk="0" hangingPunct="1">
-        <a:lnSpc>
-          <a:spcPct val="90000"/>
-        </a:lnSpc>
+      <a:lvl5pPr marL="2057400" indent="-228600" algn="l" defTabSz="457200" rtl="0" eaLnBrk="1" latinLnBrk="0" hangingPunct="1">
         <a:spcBef>
-          <a:spcPts val="200"/>
+          <a:spcPts val="1000"/>
         </a:spcBef>
         <a:spcAft>
-          <a:spcPts val="400"/>
+          <a:spcPts val="0"/>
         </a:spcAft>
         <a:buClr>
           <a:schemeClr val="accent1"/>
         </a:buClr>
-        <a:buFont typeface="Calibri" pitchFamily="34" charset="0"/>
-        <a:buChar char="◦"/>
-        <a:defRPr sz="1400" kern="1200">
+        <a:buSzPct val="80000"/>
+        <a:buFont typeface="Wingdings 3" charset="2"/>
+        <a:buChar char=""/>
+        <a:defRPr sz="1400" b="0" i="0" kern="1200">
           <a:solidFill>
-            <a:schemeClr val="tx1">
-              <a:lumMod val="75000"/>
-              <a:lumOff val="25000"/>
-            </a:schemeClr>
+            <a:schemeClr val="tx1"/>
           </a:solidFill>
-          <a:latin typeface="+mn-lt"/>
-          <a:ea typeface="+mn-ea"/>
-          <a:cs typeface="+mn-cs"/>
+          <a:latin typeface="+mj-lt"/>
+          <a:ea typeface="+mj-ea"/>
+          <a:cs typeface="+mj-cs"/>
         </a:defRPr>
       </a:lvl5pPr>
-      <a:lvl6pPr marL="1100000" indent="-228600" algn="l" defTabSz="914400" rtl="0" eaLnBrk="1" latinLnBrk="0" hangingPunct="1">
-        <a:lnSpc>
-          <a:spcPct val="90000"/>
-        </a:lnSpc>
+      <a:lvl6pPr marL="2514600" indent="-228600" algn="l" defTabSz="457200" rtl="0" eaLnBrk="1" latinLnBrk="0" hangingPunct="1">
         <a:spcBef>
-          <a:spcPts val="200"/>
+          <a:spcPts val="1000"/>
         </a:spcBef>
         <a:spcAft>
-          <a:spcPts val="400"/>
+          <a:spcPts val="0"/>
         </a:spcAft>
         <a:buClr>
           <a:schemeClr val="accent1"/>
         </a:buClr>
-        <a:buFont typeface="Calibri" pitchFamily="34" charset="0"/>
-        <a:buChar char="◦"/>
-        <a:defRPr sz="1400" kern="1200">
+        <a:buSzPct val="80000"/>
+        <a:buFont typeface="Wingdings 3" charset="2"/>
+        <a:buChar char=""/>
+        <a:defRPr sz="1400" b="0" i="0" kern="1200">
           <a:solidFill>
-            <a:schemeClr val="tx1">
-              <a:lumMod val="75000"/>
-              <a:lumOff val="25000"/>
-            </a:schemeClr>
+            <a:schemeClr val="tx1"/>
           </a:solidFill>
-          <a:latin typeface="+mn-lt"/>
-          <a:ea typeface="+mn-ea"/>
-          <a:cs typeface="+mn-cs"/>
+          <a:latin typeface="+mj-lt"/>
+          <a:ea typeface="+mj-ea"/>
+          <a:cs typeface="+mj-cs"/>
         </a:defRPr>
       </a:lvl6pPr>
-      <a:lvl7pPr marL="1300000" indent="-228600" algn="l" defTabSz="914400" rtl="0" eaLnBrk="1" latinLnBrk="0" hangingPunct="1">
-        <a:lnSpc>
-          <a:spcPct val="90000"/>
-        </a:lnSpc>
+      <a:lvl7pPr marL="2971800" indent="-228600" algn="l" defTabSz="457200" rtl="0" eaLnBrk="1" latinLnBrk="0" hangingPunct="1">
         <a:spcBef>
-          <a:spcPts val="200"/>
+          <a:spcPts val="1000"/>
         </a:spcBef>
         <a:spcAft>
-          <a:spcPts val="400"/>
+          <a:spcPts val="0"/>
         </a:spcAft>
         <a:buClr>
           <a:schemeClr val="accent1"/>
         </a:buClr>
-        <a:buFont typeface="Calibri" pitchFamily="34" charset="0"/>
-        <a:buChar char="◦"/>
-        <a:defRPr sz="1400" kern="1200">
+        <a:buSzPct val="80000"/>
+        <a:buFont typeface="Wingdings 3" charset="2"/>
+        <a:buChar char=""/>
+        <a:defRPr sz="1400" b="0" i="0" kern="1200">
           <a:solidFill>
-            <a:schemeClr val="tx1">
-              <a:lumMod val="75000"/>
-              <a:lumOff val="25000"/>
-            </a:schemeClr>
+            <a:schemeClr val="tx1"/>
           </a:solidFill>
-          <a:latin typeface="+mn-lt"/>
-          <a:ea typeface="+mn-ea"/>
-          <a:cs typeface="+mn-cs"/>
+          <a:latin typeface="+mj-lt"/>
+          <a:ea typeface="+mj-ea"/>
+          <a:cs typeface="+mj-cs"/>
         </a:defRPr>
       </a:lvl7pPr>
-      <a:lvl8pPr marL="1500000" indent="-228600" algn="l" defTabSz="914400" rtl="0" eaLnBrk="1" latinLnBrk="0" hangingPunct="1">
-        <a:lnSpc>
-          <a:spcPct val="90000"/>
-        </a:lnSpc>
+      <a:lvl8pPr marL="3429000" indent="-228600" algn="l" defTabSz="457200" rtl="0" eaLnBrk="1" latinLnBrk="0" hangingPunct="1">
         <a:spcBef>
-          <a:spcPts val="200"/>
+          <a:spcPts val="1000"/>
         </a:spcBef>
         <a:spcAft>
-          <a:spcPts val="400"/>
+          <a:spcPts val="0"/>
         </a:spcAft>
         <a:buClr>
           <a:schemeClr val="accent1"/>
         </a:buClr>
-        <a:buFont typeface="Calibri" pitchFamily="34" charset="0"/>
-        <a:buChar char="◦"/>
-        <a:defRPr sz="1400" kern="1200">
+        <a:buSzPct val="80000"/>
+        <a:buFont typeface="Wingdings 3" charset="2"/>
+        <a:buChar char=""/>
+        <a:defRPr sz="1400" b="0" i="0" kern="1200">
           <a:solidFill>
-            <a:schemeClr val="tx1">
-              <a:lumMod val="75000"/>
-              <a:lumOff val="25000"/>
-            </a:schemeClr>
+            <a:schemeClr val="tx1"/>
           </a:solidFill>
-          <a:latin typeface="+mn-lt"/>
-          <a:ea typeface="+mn-ea"/>
-          <a:cs typeface="+mn-cs"/>
+          <a:latin typeface="+mj-lt"/>
+          <a:ea typeface="+mj-ea"/>
+          <a:cs typeface="+mj-cs"/>
         </a:defRPr>
       </a:lvl8pPr>
-      <a:lvl9pPr marL="1700000" indent="-228600" algn="l" defTabSz="914400" rtl="0" eaLnBrk="1" latinLnBrk="0" hangingPunct="1">
-        <a:lnSpc>
-          <a:spcPct val="90000"/>
-        </a:lnSpc>
+      <a:lvl9pPr marL="3886200" indent="-228600" algn="l" defTabSz="457200" rtl="0" eaLnBrk="1" latinLnBrk="0" hangingPunct="1">
         <a:spcBef>
-          <a:spcPts val="200"/>
+          <a:spcPts val="1000"/>
         </a:spcBef>
         <a:spcAft>
-          <a:spcPts val="400"/>
+          <a:spcPts val="0"/>
         </a:spcAft>
         <a:buClr>
           <a:schemeClr val="accent1"/>
         </a:buClr>
-        <a:buFont typeface="Calibri" pitchFamily="34" charset="0"/>
-        <a:buChar char="◦"/>
-        <a:defRPr sz="1400" kern="1200">
+        <a:buSzPct val="80000"/>
+        <a:buFont typeface="Wingdings 3" charset="2"/>
+        <a:buChar char=""/>
+        <a:defRPr sz="1400" b="0" i="0" kern="1200">
           <a:solidFill>
-            <a:schemeClr val="tx1">
-              <a:lumMod val="75000"/>
-              <a:lumOff val="25000"/>
-            </a:schemeClr>
+            <a:schemeClr val="tx1"/>
           </a:solidFill>
-          <a:latin typeface="+mn-lt"/>
-          <a:ea typeface="+mn-ea"/>
-          <a:cs typeface="+mn-cs"/>
+          <a:latin typeface="+mj-lt"/>
+          <a:ea typeface="+mj-ea"/>
+          <a:cs typeface="+mj-cs"/>
         </a:defRPr>
       </a:lvl9pPr>
     </p:bodyStyle>
@@ -3690,7 +5908,7 @@
       <a:defPPr>
         <a:defRPr lang="en-US"/>
       </a:defPPr>
-      <a:lvl1pPr marL="0" algn="l" defTabSz="914400" rtl="0" eaLnBrk="1" latinLnBrk="0" hangingPunct="1">
+      <a:lvl1pPr marL="0" algn="l" defTabSz="457200" rtl="0" eaLnBrk="1" latinLnBrk="0" hangingPunct="1">
         <a:defRPr sz="1800" kern="1200">
           <a:solidFill>
             <a:schemeClr val="tx1"/>
@@ -3700,7 +5918,7 @@
           <a:cs typeface="+mn-cs"/>
         </a:defRPr>
       </a:lvl1pPr>
-      <a:lvl2pPr marL="457200" algn="l" defTabSz="914400" rtl="0" eaLnBrk="1" latinLnBrk="0" hangingPunct="1">
+      <a:lvl2pPr marL="457200" algn="l" defTabSz="457200" rtl="0" eaLnBrk="1" latinLnBrk="0" hangingPunct="1">
         <a:defRPr sz="1800" kern="1200">
           <a:solidFill>
             <a:schemeClr val="tx1"/>
@@ -3710,7 +5928,7 @@
           <a:cs typeface="+mn-cs"/>
         </a:defRPr>
       </a:lvl2pPr>
-      <a:lvl3pPr marL="914400" algn="l" defTabSz="914400" rtl="0" eaLnBrk="1" latinLnBrk="0" hangingPunct="1">
+      <a:lvl3pPr marL="914400" algn="l" defTabSz="457200" rtl="0" eaLnBrk="1" latinLnBrk="0" hangingPunct="1">
         <a:defRPr sz="1800" kern="1200">
           <a:solidFill>
             <a:schemeClr val="tx1"/>
@@ -3720,7 +5938,7 @@
           <a:cs typeface="+mn-cs"/>
         </a:defRPr>
       </a:lvl3pPr>
-      <a:lvl4pPr marL="1371600" algn="l" defTabSz="914400" rtl="0" eaLnBrk="1" latinLnBrk="0" hangingPunct="1">
+      <a:lvl4pPr marL="1371600" algn="l" defTabSz="457200" rtl="0" eaLnBrk="1" latinLnBrk="0" hangingPunct="1">
         <a:defRPr sz="1800" kern="1200">
           <a:solidFill>
             <a:schemeClr val="tx1"/>
@@ -3730,7 +5948,7 @@
           <a:cs typeface="+mn-cs"/>
         </a:defRPr>
       </a:lvl4pPr>
-      <a:lvl5pPr marL="1828800" algn="l" defTabSz="914400" rtl="0" eaLnBrk="1" latinLnBrk="0" hangingPunct="1">
+      <a:lvl5pPr marL="1828800" algn="l" defTabSz="457200" rtl="0" eaLnBrk="1" latinLnBrk="0" hangingPunct="1">
         <a:defRPr sz="1800" kern="1200">
           <a:solidFill>
             <a:schemeClr val="tx1"/>
@@ -3740,7 +5958,7 @@
           <a:cs typeface="+mn-cs"/>
         </a:defRPr>
       </a:lvl5pPr>
-      <a:lvl6pPr marL="2286000" algn="l" defTabSz="914400" rtl="0" eaLnBrk="1" latinLnBrk="0" hangingPunct="1">
+      <a:lvl6pPr marL="2286000" algn="l" defTabSz="457200" rtl="0" eaLnBrk="1" latinLnBrk="0" hangingPunct="1">
         <a:defRPr sz="1800" kern="1200">
           <a:solidFill>
             <a:schemeClr val="tx1"/>
@@ -3750,7 +5968,7 @@
           <a:cs typeface="+mn-cs"/>
         </a:defRPr>
       </a:lvl6pPr>
-      <a:lvl7pPr marL="2743200" algn="l" defTabSz="914400" rtl="0" eaLnBrk="1" latinLnBrk="0" hangingPunct="1">
+      <a:lvl7pPr marL="2743200" algn="l" defTabSz="457200" rtl="0" eaLnBrk="1" latinLnBrk="0" hangingPunct="1">
         <a:defRPr sz="1800" kern="1200">
           <a:solidFill>
             <a:schemeClr val="tx1"/>
@@ -3760,7 +5978,7 @@
           <a:cs typeface="+mn-cs"/>
         </a:defRPr>
       </a:lvl7pPr>
-      <a:lvl8pPr marL="3200400" algn="l" defTabSz="914400" rtl="0" eaLnBrk="1" latinLnBrk="0" hangingPunct="1">
+      <a:lvl8pPr marL="3200400" algn="l" defTabSz="457200" rtl="0" eaLnBrk="1" latinLnBrk="0" hangingPunct="1">
         <a:defRPr sz="1800" kern="1200">
           <a:solidFill>
             <a:schemeClr val="tx1"/>
@@ -3770,7 +5988,7 @@
           <a:cs typeface="+mn-cs"/>
         </a:defRPr>
       </a:lvl8pPr>
-      <a:lvl9pPr marL="3657600" algn="l" defTabSz="914400" rtl="0" eaLnBrk="1" latinLnBrk="0" hangingPunct="1">
+      <a:lvl9pPr marL="3657600" algn="l" defTabSz="457200" rtl="0" eaLnBrk="1" latinLnBrk="0" hangingPunct="1">
         <a:defRPr sz="1800" kern="1200">
           <a:solidFill>
             <a:schemeClr val="tx1"/>
@@ -3818,15 +6036,21 @@
             <p:ph type="ctrTitle"/>
           </p:nvPr>
         </p:nvSpPr>
-        <p:spPr/>
+        <p:spPr>
+          <a:xfrm>
+            <a:off x="1097280" y="758952"/>
+            <a:ext cx="10058400" cy="2670048"/>
+          </a:xfrm>
+        </p:spPr>
         <p:txBody>
           <a:bodyPr>
             <a:normAutofit/>
           </a:bodyPr>
           <a:lstStyle/>
           <a:p>
-            <a:r>
-              <a:rPr lang="en-US" b="1" dirty="0"/>
+            <a:pPr algn="ctr"/>
+            <a:r>
+              <a:rPr lang="en-US" sz="6600" b="1" dirty="0"/>
               <a:t>Dwellings prices in the DC metropolitan area</a:t>
             </a:r>
           </a:p>
@@ -3853,6 +6077,9 @@
             <a:off x="1297577" y="4446769"/>
             <a:ext cx="9144000" cy="830625"/>
           </a:xfrm>
+          <a:solidFill>
+            <a:schemeClr val="bg2"/>
+          </a:solidFill>
         </p:spPr>
         <p:txBody>
           <a:bodyPr>
@@ -3863,64 +6090,102 @@
             <a:pPr algn="l"/>
             <a:r>
               <a:rPr lang="en-US" b="1" dirty="0">
+                <a:solidFill>
+                  <a:schemeClr val="tx1"/>
+                </a:solidFill>
                 <a:sym typeface="Century Schoolbook"/>
               </a:rPr>
-              <a:t>By</a:t>
-            </a:r>
-            <a:r>
-              <a:rPr lang="en-US" dirty="0">
-                <a:sym typeface="Century Schoolbook"/>
+              <a:t>By </a:t>
+            </a:r>
+            <a:r>
+              <a:rPr lang="en-US" b="1" dirty="0">
+                <a:solidFill>
+                  <a:schemeClr val="tx1"/>
+                </a:solidFill>
               </a:rPr>
-              <a:t> </a:t>
-            </a:r>
-            <a:r>
-              <a:rPr lang="en-US" dirty="0"/>
               <a:t>Christopher Montgomery </a:t>
             </a:r>
             <a:r>
-              <a:rPr lang="en-US" dirty="0">
+              <a:rPr lang="en-US" b="1" dirty="0">
+                <a:solidFill>
+                  <a:schemeClr val="tx1"/>
+                </a:solidFill>
                 <a:sym typeface="Century Schoolbook"/>
               </a:rPr>
               <a:t>, </a:t>
             </a:r>
             <a:r>
-              <a:rPr lang="en-US" dirty="0"/>
+              <a:rPr lang="en-US" b="1" dirty="0">
+                <a:solidFill>
+                  <a:schemeClr val="tx1"/>
+                </a:solidFill>
+              </a:rPr>
               <a:t>Abhishek </a:t>
             </a:r>
             <a:r>
-              <a:rPr lang="en-US" dirty="0" err="1"/>
+              <a:rPr lang="en-US" b="1" dirty="0" err="1">
+                <a:solidFill>
+                  <a:schemeClr val="tx1"/>
+                </a:solidFill>
+              </a:rPr>
               <a:t>Nimmakayala</a:t>
             </a:r>
             <a:r>
-              <a:rPr lang="en-US" dirty="0"/>
+              <a:rPr lang="en-US" b="1" dirty="0">
+                <a:solidFill>
+                  <a:schemeClr val="tx1"/>
+                </a:solidFill>
+              </a:rPr>
               <a:t> </a:t>
             </a:r>
             <a:r>
-              <a:rPr lang="en-US" dirty="0">
+              <a:rPr lang="en-US" b="1" dirty="0">
+                <a:solidFill>
+                  <a:schemeClr val="tx1"/>
+                </a:solidFill>
                 <a:sym typeface="Century Schoolbook"/>
               </a:rPr>
               <a:t>, </a:t>
             </a:r>
             <a:r>
-              <a:rPr lang="en-US" dirty="0"/>
+              <a:rPr lang="en-US" b="1" dirty="0">
+                <a:solidFill>
+                  <a:schemeClr val="tx1"/>
+                </a:solidFill>
+              </a:rPr>
               <a:t>Swetha </a:t>
             </a:r>
             <a:r>
-              <a:rPr lang="en-US" dirty="0" err="1"/>
+              <a:rPr lang="en-US" b="1" dirty="0" err="1">
+                <a:solidFill>
+                  <a:schemeClr val="tx1"/>
+                </a:solidFill>
+              </a:rPr>
               <a:t>Kalla</a:t>
             </a:r>
             <a:r>
-              <a:rPr lang="en-US" dirty="0"/>
+              <a:rPr lang="en-US" b="1" dirty="0">
+                <a:solidFill>
+                  <a:schemeClr val="tx1"/>
+                </a:solidFill>
+              </a:rPr>
               <a:t> </a:t>
             </a:r>
             <a:r>
-              <a:rPr lang="en-US" dirty="0">
+              <a:rPr lang="en-US" b="1" dirty="0">
+                <a:solidFill>
+                  <a:schemeClr val="tx1"/>
+                </a:solidFill>
                 <a:sym typeface="Century Schoolbook"/>
               </a:rPr>
               <a:t>, </a:t>
             </a:r>
             <a:r>
-              <a:rPr lang="en-US" dirty="0"/>
+              <a:rPr lang="en-US" b="1" dirty="0">
+                <a:solidFill>
+                  <a:schemeClr val="tx1"/>
+                </a:solidFill>
+              </a:rPr>
               <a:t>Mojahid Osman </a:t>
             </a:r>
           </a:p>
@@ -4103,7 +6368,7 @@
         </p:spPr>
         <p:txBody>
           <a:bodyPr>
-            <a:normAutofit/>
+            <a:normAutofit fontScale="92500" lnSpcReduction="20000"/>
           </a:bodyPr>
           <a:lstStyle/>
           <a:p>
@@ -4283,8 +6548,8 @@
         </p:nvSpPr>
         <p:spPr>
           <a:xfrm>
-            <a:off x="1005840" y="1067605"/>
-            <a:ext cx="10515600" cy="6090839"/>
+            <a:off x="347241" y="1285320"/>
+            <a:ext cx="11235159" cy="3946438"/>
           </a:xfrm>
         </p:spPr>
         <p:txBody>
@@ -4294,7 +6559,7 @@
           <a:lstStyle/>
           <a:p>
             <a:r>
-              <a:rPr lang="en-US" b="1" dirty="0"/>
+              <a:rPr lang="en-US" sz="3200" b="1" dirty="0"/>
               <a:t>Source Data </a:t>
             </a:r>
           </a:p>
@@ -4340,10 +6605,2629 @@
 </p:sld>
 </file>
 
+<file path=ppt/slides/slide5.xml><?xml version="1.0" encoding="utf-8"?>
+<p:sld xmlns:a="http://schemas.openxmlformats.org/drawingml/2006/main" xmlns:r="http://schemas.openxmlformats.org/officeDocument/2006/relationships" xmlns:p="http://schemas.openxmlformats.org/presentationml/2006/main">
+  <p:cSld>
+    <p:spTree>
+      <p:nvGrpSpPr>
+        <p:cNvPr id="1" name=""/>
+        <p:cNvGrpSpPr/>
+        <p:nvPr/>
+      </p:nvGrpSpPr>
+      <p:grpSpPr>
+        <a:xfrm>
+          <a:off x="0" y="0"/>
+          <a:ext cx="0" cy="0"/>
+          <a:chOff x="0" y="0"/>
+          <a:chExt cx="0" cy="0"/>
+        </a:xfrm>
+      </p:grpSpPr>
+      <p:graphicFrame>
+        <p:nvGraphicFramePr>
+          <p:cNvPr id="5" name="Table 4">
+            <a:extLst>
+              <a:ext uri="{FF2B5EF4-FFF2-40B4-BE49-F238E27FC236}">
+                <a16:creationId xmlns:a16="http://schemas.microsoft.com/office/drawing/2014/main" id="{F0C51476-ABE3-46FA-A82A-0F978A0D20A6}"/>
+              </a:ext>
+            </a:extLst>
+          </p:cNvPr>
+          <p:cNvGraphicFramePr>
+            <a:graphicFrameLocks noGrp="1"/>
+          </p:cNvGraphicFramePr>
+          <p:nvPr>
+            <p:extLst>
+              <p:ext uri="{D42A27DB-BD31-4B8C-83A1-F6EECF244321}">
+                <p14:modId xmlns:p14="http://schemas.microsoft.com/office/powerpoint/2010/main" val="1542295551"/>
+              </p:ext>
+            </p:extLst>
+          </p:nvPr>
+        </p:nvGraphicFramePr>
+        <p:xfrm>
+          <a:off x="208344" y="1122743"/>
+          <a:ext cx="11239018" cy="5601619"/>
+        </p:xfrm>
+        <a:graphic>
+          <a:graphicData uri="http://schemas.openxmlformats.org/drawingml/2006/table">
+            <a:tbl>
+              <a:tblPr>
+                <a:tableStyleId>{5C22544A-7EE6-4342-B048-85BDC9FD1C3A}</a:tableStyleId>
+              </a:tblPr>
+              <a:tblGrid>
+                <a:gridCol w="2113708">
+                  <a:extLst>
+                    <a:ext uri="{9D8B030D-6E8A-4147-A177-3AD203B41FA5}">
+                      <a16:colId xmlns:a16="http://schemas.microsoft.com/office/drawing/2014/main" val="1863160547"/>
+                    </a:ext>
+                  </a:extLst>
+                </a:gridCol>
+                <a:gridCol w="9125310">
+                  <a:extLst>
+                    <a:ext uri="{9D8B030D-6E8A-4147-A177-3AD203B41FA5}">
+                      <a16:colId xmlns:a16="http://schemas.microsoft.com/office/drawing/2014/main" val="1205571653"/>
+                    </a:ext>
+                  </a:extLst>
+                </a:gridCol>
+              </a:tblGrid>
+              <a:tr h="320892">
+                <a:tc>
+                  <a:txBody>
+                    <a:bodyPr/>
+                    <a:lstStyle/>
+                    <a:p>
+                      <a:pPr marL="0" indent="0" algn="l" fontAlgn="b">
+                        <a:buFont typeface="Arial" panose="020B0604020202020204" pitchFamily="34" charset="0"/>
+                        <a:buNone/>
+                      </a:pPr>
+                      <a:r>
+                        <a:rPr lang="en-US" sz="1600" b="1" u="none" strike="noStrike" dirty="0">
+                          <a:effectLst/>
+                        </a:rPr>
+                        <a:t>           Variable</a:t>
+                      </a:r>
+                      <a:endParaRPr lang="en-US" sz="1600" b="1" i="0" u="none" strike="noStrike" dirty="0">
+                        <a:solidFill>
+                          <a:srgbClr val="000000"/>
+                        </a:solidFill>
+                        <a:effectLst/>
+                        <a:latin typeface="Calibri" panose="020F0502020204030204" pitchFamily="34" charset="0"/>
+                      </a:endParaRPr>
+                    </a:p>
+                  </a:txBody>
+                  <a:tcPr marL="7620" marR="7620" marT="7620" marB="0" anchor="b">
+                    <a:solidFill>
+                      <a:schemeClr val="accent2">
+                        <a:lumMod val="40000"/>
+                        <a:lumOff val="60000"/>
+                      </a:schemeClr>
+                    </a:solidFill>
+                  </a:tcPr>
+                </a:tc>
+                <a:tc>
+                  <a:txBody>
+                    <a:bodyPr/>
+                    <a:lstStyle/>
+                    <a:p>
+                      <a:pPr algn="l" fontAlgn="b"/>
+                      <a:r>
+                        <a:rPr lang="en-US" sz="1800" b="1" u="none" strike="noStrike" dirty="0">
+                          <a:effectLst/>
+                        </a:rPr>
+                        <a:t>Description</a:t>
+                      </a:r>
+                      <a:endParaRPr lang="en-US" sz="1800" b="1" i="0" u="none" strike="noStrike" dirty="0">
+                        <a:solidFill>
+                          <a:srgbClr val="000000"/>
+                        </a:solidFill>
+                        <a:effectLst/>
+                        <a:latin typeface="Calibri" panose="020F0502020204030204" pitchFamily="34" charset="0"/>
+                      </a:endParaRPr>
+                    </a:p>
+                  </a:txBody>
+                  <a:tcPr marL="7620" marR="7620" marT="7620" marB="0" anchor="b">
+                    <a:solidFill>
+                      <a:schemeClr val="accent2">
+                        <a:lumMod val="40000"/>
+                        <a:lumOff val="60000"/>
+                      </a:schemeClr>
+                    </a:solidFill>
+                  </a:tcPr>
+                </a:tc>
+                <a:extLst>
+                  <a:ext uri="{0D108BD9-81ED-4DB2-BD59-A6C34878D82A}">
+                    <a16:rowId xmlns:a16="http://schemas.microsoft.com/office/drawing/2014/main" val="3762064034"/>
+                  </a:ext>
+                </a:extLst>
+              </a:tr>
+              <a:tr h="310631">
+                <a:tc>
+                  <a:txBody>
+                    <a:bodyPr/>
+                    <a:lstStyle/>
+                    <a:p>
+                      <a:pPr marL="285750" indent="-285750" algn="l" fontAlgn="b">
+                        <a:buFont typeface="Arial" panose="020B0604020202020204" pitchFamily="34" charset="0"/>
+                        <a:buChar char="•"/>
+                      </a:pPr>
+                      <a:r>
+                        <a:rPr lang="en-US" sz="1600" b="1" u="none" strike="noStrike" dirty="0">
+                          <a:effectLst/>
+                        </a:rPr>
+                        <a:t>BATHRM</a:t>
+                      </a:r>
+                      <a:endParaRPr lang="en-US" sz="1600" b="1" i="0" u="none" strike="noStrike" dirty="0">
+                        <a:solidFill>
+                          <a:srgbClr val="000000"/>
+                        </a:solidFill>
+                        <a:effectLst/>
+                        <a:latin typeface="Calibri" panose="020F0502020204030204" pitchFamily="34" charset="0"/>
+                      </a:endParaRPr>
+                    </a:p>
+                  </a:txBody>
+                  <a:tcPr marL="7620" marR="7620" marT="7620" marB="0" anchor="b"/>
+                </a:tc>
+                <a:tc>
+                  <a:txBody>
+                    <a:bodyPr/>
+                    <a:lstStyle/>
+                    <a:p>
+                      <a:pPr algn="l" fontAlgn="b"/>
+                      <a:r>
+                        <a:rPr lang="en-US" sz="1800" u="none" strike="noStrike" dirty="0">
+                          <a:effectLst/>
+                        </a:rPr>
+                        <a:t>Number of Full Bathrooms</a:t>
+                      </a:r>
+                      <a:endParaRPr lang="en-US" sz="1800" b="0" i="0" u="none" strike="noStrike" dirty="0">
+                        <a:solidFill>
+                          <a:srgbClr val="000000"/>
+                        </a:solidFill>
+                        <a:effectLst/>
+                        <a:latin typeface="Calibri" panose="020F0502020204030204" pitchFamily="34" charset="0"/>
+                      </a:endParaRPr>
+                    </a:p>
+                  </a:txBody>
+                  <a:tcPr marL="7620" marR="7620" marT="7620" marB="0" anchor="b"/>
+                </a:tc>
+                <a:extLst>
+                  <a:ext uri="{0D108BD9-81ED-4DB2-BD59-A6C34878D82A}">
+                    <a16:rowId xmlns:a16="http://schemas.microsoft.com/office/drawing/2014/main" val="2619239149"/>
+                  </a:ext>
+                </a:extLst>
+              </a:tr>
+              <a:tr h="310631">
+                <a:tc>
+                  <a:txBody>
+                    <a:bodyPr/>
+                    <a:lstStyle/>
+                    <a:p>
+                      <a:pPr marL="285750" indent="-285750" algn="l" fontAlgn="b">
+                        <a:buFont typeface="Arial" panose="020B0604020202020204" pitchFamily="34" charset="0"/>
+                        <a:buChar char="•"/>
+                      </a:pPr>
+                      <a:r>
+                        <a:rPr lang="en-US" sz="1600" b="1" u="none" strike="noStrike" dirty="0">
+                          <a:effectLst/>
+                        </a:rPr>
+                        <a:t>HF_BATHRM</a:t>
+                      </a:r>
+                      <a:endParaRPr lang="en-US" sz="1600" b="1" i="0" u="none" strike="noStrike" dirty="0">
+                        <a:solidFill>
+                          <a:srgbClr val="000000"/>
+                        </a:solidFill>
+                        <a:effectLst/>
+                        <a:latin typeface="Calibri" panose="020F0502020204030204" pitchFamily="34" charset="0"/>
+                      </a:endParaRPr>
+                    </a:p>
+                  </a:txBody>
+                  <a:tcPr marL="7620" marR="7620" marT="7620" marB="0" anchor="b"/>
+                </a:tc>
+                <a:tc>
+                  <a:txBody>
+                    <a:bodyPr/>
+                    <a:lstStyle/>
+                    <a:p>
+                      <a:pPr algn="l" fontAlgn="b"/>
+                      <a:r>
+                        <a:rPr lang="en-US" sz="1800" u="none" strike="noStrike" dirty="0">
+                          <a:effectLst/>
+                        </a:rPr>
+                        <a:t>Number of Half Bathrooms (no bathtub or shower)</a:t>
+                      </a:r>
+                      <a:endParaRPr lang="en-US" sz="1800" b="0" i="0" u="none" strike="noStrike" dirty="0">
+                        <a:solidFill>
+                          <a:srgbClr val="000000"/>
+                        </a:solidFill>
+                        <a:effectLst/>
+                        <a:latin typeface="Calibri" panose="020F0502020204030204" pitchFamily="34" charset="0"/>
+                      </a:endParaRPr>
+                    </a:p>
+                  </a:txBody>
+                  <a:tcPr marL="7620" marR="7620" marT="7620" marB="0" anchor="b"/>
+                </a:tc>
+                <a:extLst>
+                  <a:ext uri="{0D108BD9-81ED-4DB2-BD59-A6C34878D82A}">
+                    <a16:rowId xmlns:a16="http://schemas.microsoft.com/office/drawing/2014/main" val="853683925"/>
+                  </a:ext>
+                </a:extLst>
+              </a:tr>
+              <a:tr h="310631">
+                <a:tc>
+                  <a:txBody>
+                    <a:bodyPr/>
+                    <a:lstStyle/>
+                    <a:p>
+                      <a:pPr marL="285750" indent="-285750" algn="l" fontAlgn="b">
+                        <a:buFont typeface="Arial" panose="020B0604020202020204" pitchFamily="34" charset="0"/>
+                        <a:buChar char="•"/>
+                      </a:pPr>
+                      <a:r>
+                        <a:rPr lang="en-US" sz="1600" b="1" u="none" strike="noStrike" dirty="0">
+                          <a:effectLst/>
+                        </a:rPr>
+                        <a:t>HEAT</a:t>
+                      </a:r>
+                      <a:endParaRPr lang="en-US" sz="1600" b="1" i="0" u="none" strike="noStrike" dirty="0">
+                        <a:solidFill>
+                          <a:srgbClr val="000000"/>
+                        </a:solidFill>
+                        <a:effectLst/>
+                        <a:latin typeface="Calibri" panose="020F0502020204030204" pitchFamily="34" charset="0"/>
+                      </a:endParaRPr>
+                    </a:p>
+                  </a:txBody>
+                  <a:tcPr marL="7620" marR="7620" marT="7620" marB="0" anchor="b"/>
+                </a:tc>
+                <a:tc>
+                  <a:txBody>
+                    <a:bodyPr/>
+                    <a:lstStyle/>
+                    <a:p>
+                      <a:pPr algn="l" fontAlgn="b"/>
+                      <a:r>
+                        <a:rPr lang="en-US" sz="1800" u="none" strike="noStrike" dirty="0">
+                          <a:effectLst/>
+                        </a:rPr>
+                        <a:t>Heating</a:t>
+                      </a:r>
+                      <a:endParaRPr lang="en-US" sz="1800" b="0" i="0" u="none" strike="noStrike" dirty="0">
+                        <a:solidFill>
+                          <a:srgbClr val="000000"/>
+                        </a:solidFill>
+                        <a:effectLst/>
+                        <a:latin typeface="Calibri" panose="020F0502020204030204" pitchFamily="34" charset="0"/>
+                      </a:endParaRPr>
+                    </a:p>
+                  </a:txBody>
+                  <a:tcPr marL="7620" marR="7620" marT="7620" marB="0" anchor="b"/>
+                </a:tc>
+                <a:extLst>
+                  <a:ext uri="{0D108BD9-81ED-4DB2-BD59-A6C34878D82A}">
+                    <a16:rowId xmlns:a16="http://schemas.microsoft.com/office/drawing/2014/main" val="2717150677"/>
+                  </a:ext>
+                </a:extLst>
+              </a:tr>
+              <a:tr h="310631">
+                <a:tc>
+                  <a:txBody>
+                    <a:bodyPr/>
+                    <a:lstStyle/>
+                    <a:p>
+                      <a:pPr marL="285750" indent="-285750" algn="l" fontAlgn="b">
+                        <a:buFont typeface="Arial" panose="020B0604020202020204" pitchFamily="34" charset="0"/>
+                        <a:buChar char="•"/>
+                      </a:pPr>
+                      <a:r>
+                        <a:rPr lang="en-US" sz="1600" b="1" u="none" strike="noStrike" dirty="0">
+                          <a:effectLst/>
+                        </a:rPr>
+                        <a:t>AC</a:t>
+                      </a:r>
+                      <a:endParaRPr lang="en-US" sz="1600" b="1" i="0" u="none" strike="noStrike" dirty="0">
+                        <a:solidFill>
+                          <a:srgbClr val="000000"/>
+                        </a:solidFill>
+                        <a:effectLst/>
+                        <a:latin typeface="Calibri" panose="020F0502020204030204" pitchFamily="34" charset="0"/>
+                      </a:endParaRPr>
+                    </a:p>
+                  </a:txBody>
+                  <a:tcPr marL="7620" marR="7620" marT="7620" marB="0" anchor="b"/>
+                </a:tc>
+                <a:tc>
+                  <a:txBody>
+                    <a:bodyPr/>
+                    <a:lstStyle/>
+                    <a:p>
+                      <a:pPr algn="l" fontAlgn="b"/>
+                      <a:r>
+                        <a:rPr lang="en-US" sz="1800" u="none" strike="noStrike" dirty="0">
+                          <a:effectLst/>
+                        </a:rPr>
+                        <a:t>Cooling</a:t>
+                      </a:r>
+                      <a:endParaRPr lang="en-US" sz="1800" b="0" i="0" u="none" strike="noStrike" dirty="0">
+                        <a:solidFill>
+                          <a:srgbClr val="000000"/>
+                        </a:solidFill>
+                        <a:effectLst/>
+                        <a:latin typeface="Calibri" panose="020F0502020204030204" pitchFamily="34" charset="0"/>
+                      </a:endParaRPr>
+                    </a:p>
+                  </a:txBody>
+                  <a:tcPr marL="7620" marR="7620" marT="7620" marB="0" anchor="b"/>
+                </a:tc>
+                <a:extLst>
+                  <a:ext uri="{0D108BD9-81ED-4DB2-BD59-A6C34878D82A}">
+                    <a16:rowId xmlns:a16="http://schemas.microsoft.com/office/drawing/2014/main" val="2590284766"/>
+                  </a:ext>
+                </a:extLst>
+              </a:tr>
+              <a:tr h="310631">
+                <a:tc>
+                  <a:txBody>
+                    <a:bodyPr/>
+                    <a:lstStyle/>
+                    <a:p>
+                      <a:pPr marL="285750" indent="-285750" algn="l" fontAlgn="b">
+                        <a:buFont typeface="Arial" panose="020B0604020202020204" pitchFamily="34" charset="0"/>
+                        <a:buChar char="•"/>
+                      </a:pPr>
+                      <a:r>
+                        <a:rPr lang="en-US" sz="1600" b="1" u="none" strike="noStrike" dirty="0">
+                          <a:effectLst/>
+                        </a:rPr>
+                        <a:t>NUM_UNITS</a:t>
+                      </a:r>
+                      <a:endParaRPr lang="en-US" sz="1600" b="1" i="0" u="none" strike="noStrike" dirty="0">
+                        <a:solidFill>
+                          <a:srgbClr val="000000"/>
+                        </a:solidFill>
+                        <a:effectLst/>
+                        <a:latin typeface="Calibri" panose="020F0502020204030204" pitchFamily="34" charset="0"/>
+                      </a:endParaRPr>
+                    </a:p>
+                  </a:txBody>
+                  <a:tcPr marL="7620" marR="7620" marT="7620" marB="0" anchor="b"/>
+                </a:tc>
+                <a:tc>
+                  <a:txBody>
+                    <a:bodyPr/>
+                    <a:lstStyle/>
+                    <a:p>
+                      <a:pPr algn="l" fontAlgn="b"/>
+                      <a:r>
+                        <a:rPr lang="en-US" sz="1800" u="none" strike="noStrike" dirty="0">
+                          <a:effectLst/>
+                        </a:rPr>
+                        <a:t>Number of Units</a:t>
+                      </a:r>
+                      <a:endParaRPr lang="en-US" sz="1800" b="0" i="0" u="none" strike="noStrike" dirty="0">
+                        <a:solidFill>
+                          <a:srgbClr val="000000"/>
+                        </a:solidFill>
+                        <a:effectLst/>
+                        <a:latin typeface="Calibri" panose="020F0502020204030204" pitchFamily="34" charset="0"/>
+                      </a:endParaRPr>
+                    </a:p>
+                  </a:txBody>
+                  <a:tcPr marL="7620" marR="7620" marT="7620" marB="0" anchor="b"/>
+                </a:tc>
+                <a:extLst>
+                  <a:ext uri="{0D108BD9-81ED-4DB2-BD59-A6C34878D82A}">
+                    <a16:rowId xmlns:a16="http://schemas.microsoft.com/office/drawing/2014/main" val="1118076146"/>
+                  </a:ext>
+                </a:extLst>
+              </a:tr>
+              <a:tr h="310631">
+                <a:tc>
+                  <a:txBody>
+                    <a:bodyPr/>
+                    <a:lstStyle/>
+                    <a:p>
+                      <a:pPr marL="285750" indent="-285750" algn="l" fontAlgn="b">
+                        <a:buFont typeface="Arial" panose="020B0604020202020204" pitchFamily="34" charset="0"/>
+                        <a:buChar char="•"/>
+                      </a:pPr>
+                      <a:r>
+                        <a:rPr lang="en-US" sz="1600" b="1" u="none" strike="noStrike" dirty="0">
+                          <a:effectLst/>
+                        </a:rPr>
+                        <a:t>ROOMS</a:t>
+                      </a:r>
+                      <a:endParaRPr lang="en-US" sz="1600" b="1" i="0" u="none" strike="noStrike" dirty="0">
+                        <a:solidFill>
+                          <a:srgbClr val="000000"/>
+                        </a:solidFill>
+                        <a:effectLst/>
+                        <a:latin typeface="Calibri" panose="020F0502020204030204" pitchFamily="34" charset="0"/>
+                      </a:endParaRPr>
+                    </a:p>
+                  </a:txBody>
+                  <a:tcPr marL="7620" marR="7620" marT="7620" marB="0" anchor="b"/>
+                </a:tc>
+                <a:tc>
+                  <a:txBody>
+                    <a:bodyPr/>
+                    <a:lstStyle/>
+                    <a:p>
+                      <a:pPr algn="l" fontAlgn="b"/>
+                      <a:r>
+                        <a:rPr lang="en-US" sz="1800" u="none" strike="noStrike" dirty="0">
+                          <a:effectLst/>
+                        </a:rPr>
+                        <a:t>Number of Rooms</a:t>
+                      </a:r>
+                      <a:endParaRPr lang="en-US" sz="1800" b="0" i="0" u="none" strike="noStrike" dirty="0">
+                        <a:solidFill>
+                          <a:srgbClr val="000000"/>
+                        </a:solidFill>
+                        <a:effectLst/>
+                        <a:latin typeface="Calibri" panose="020F0502020204030204" pitchFamily="34" charset="0"/>
+                      </a:endParaRPr>
+                    </a:p>
+                  </a:txBody>
+                  <a:tcPr marL="7620" marR="7620" marT="7620" marB="0" anchor="b"/>
+                </a:tc>
+                <a:extLst>
+                  <a:ext uri="{0D108BD9-81ED-4DB2-BD59-A6C34878D82A}">
+                    <a16:rowId xmlns:a16="http://schemas.microsoft.com/office/drawing/2014/main" val="126217870"/>
+                  </a:ext>
+                </a:extLst>
+              </a:tr>
+              <a:tr h="310631">
+                <a:tc>
+                  <a:txBody>
+                    <a:bodyPr/>
+                    <a:lstStyle/>
+                    <a:p>
+                      <a:pPr marL="285750" indent="-285750" algn="l" fontAlgn="b">
+                        <a:buFont typeface="Arial" panose="020B0604020202020204" pitchFamily="34" charset="0"/>
+                        <a:buChar char="•"/>
+                      </a:pPr>
+                      <a:r>
+                        <a:rPr lang="en-US" sz="1600" b="1" u="none" strike="noStrike" dirty="0">
+                          <a:effectLst/>
+                        </a:rPr>
+                        <a:t>BEDRM</a:t>
+                      </a:r>
+                      <a:endParaRPr lang="en-US" sz="1600" b="1" i="0" u="none" strike="noStrike" dirty="0">
+                        <a:solidFill>
+                          <a:srgbClr val="000000"/>
+                        </a:solidFill>
+                        <a:effectLst/>
+                        <a:latin typeface="Calibri" panose="020F0502020204030204" pitchFamily="34" charset="0"/>
+                      </a:endParaRPr>
+                    </a:p>
+                  </a:txBody>
+                  <a:tcPr marL="7620" marR="7620" marT="7620" marB="0" anchor="b"/>
+                </a:tc>
+                <a:tc>
+                  <a:txBody>
+                    <a:bodyPr/>
+                    <a:lstStyle/>
+                    <a:p>
+                      <a:pPr algn="l" fontAlgn="b"/>
+                      <a:r>
+                        <a:rPr lang="en-US" sz="1800" u="none" strike="noStrike" dirty="0">
+                          <a:effectLst/>
+                        </a:rPr>
+                        <a:t>Number of Bedrooms</a:t>
+                      </a:r>
+                      <a:endParaRPr lang="en-US" sz="1800" b="0" i="0" u="none" strike="noStrike" dirty="0">
+                        <a:solidFill>
+                          <a:srgbClr val="000000"/>
+                        </a:solidFill>
+                        <a:effectLst/>
+                        <a:latin typeface="Calibri" panose="020F0502020204030204" pitchFamily="34" charset="0"/>
+                      </a:endParaRPr>
+                    </a:p>
+                  </a:txBody>
+                  <a:tcPr marL="7620" marR="7620" marT="7620" marB="0" anchor="b"/>
+                </a:tc>
+                <a:extLst>
+                  <a:ext uri="{0D108BD9-81ED-4DB2-BD59-A6C34878D82A}">
+                    <a16:rowId xmlns:a16="http://schemas.microsoft.com/office/drawing/2014/main" val="2401086895"/>
+                  </a:ext>
+                </a:extLst>
+              </a:tr>
+              <a:tr h="310631">
+                <a:tc>
+                  <a:txBody>
+                    <a:bodyPr/>
+                    <a:lstStyle/>
+                    <a:p>
+                      <a:pPr marL="285750" indent="-285750" algn="l" fontAlgn="b">
+                        <a:buFont typeface="Arial" panose="020B0604020202020204" pitchFamily="34" charset="0"/>
+                        <a:buChar char="•"/>
+                      </a:pPr>
+                      <a:r>
+                        <a:rPr lang="en-US" sz="1600" b="1" u="none" strike="noStrike" dirty="0">
+                          <a:effectLst/>
+                        </a:rPr>
+                        <a:t>AYB</a:t>
+                      </a:r>
+                      <a:endParaRPr lang="en-US" sz="1600" b="1" i="0" u="none" strike="noStrike" dirty="0">
+                        <a:solidFill>
+                          <a:srgbClr val="000000"/>
+                        </a:solidFill>
+                        <a:effectLst/>
+                        <a:latin typeface="Calibri" panose="020F0502020204030204" pitchFamily="34" charset="0"/>
+                      </a:endParaRPr>
+                    </a:p>
+                  </a:txBody>
+                  <a:tcPr marL="7620" marR="7620" marT="7620" marB="0" anchor="b"/>
+                </a:tc>
+                <a:tc>
+                  <a:txBody>
+                    <a:bodyPr/>
+                    <a:lstStyle/>
+                    <a:p>
+                      <a:pPr algn="l" fontAlgn="b"/>
+                      <a:r>
+                        <a:rPr lang="en-US" sz="1800" u="none" strike="noStrike" dirty="0">
+                          <a:effectLst/>
+                        </a:rPr>
+                        <a:t>The earliest time the main portion of the building was built</a:t>
+                      </a:r>
+                      <a:endParaRPr lang="en-US" sz="1800" b="0" i="0" u="none" strike="noStrike" dirty="0">
+                        <a:solidFill>
+                          <a:srgbClr val="000000"/>
+                        </a:solidFill>
+                        <a:effectLst/>
+                        <a:latin typeface="Calibri" panose="020F0502020204030204" pitchFamily="34" charset="0"/>
+                      </a:endParaRPr>
+                    </a:p>
+                  </a:txBody>
+                  <a:tcPr marL="7620" marR="7620" marT="7620" marB="0" anchor="b"/>
+                </a:tc>
+                <a:extLst>
+                  <a:ext uri="{0D108BD9-81ED-4DB2-BD59-A6C34878D82A}">
+                    <a16:rowId xmlns:a16="http://schemas.microsoft.com/office/drawing/2014/main" val="2123178213"/>
+                  </a:ext>
+                </a:extLst>
+              </a:tr>
+              <a:tr h="310631">
+                <a:tc>
+                  <a:txBody>
+                    <a:bodyPr/>
+                    <a:lstStyle/>
+                    <a:p>
+                      <a:pPr marL="285750" indent="-285750" algn="l" fontAlgn="b">
+                        <a:buFont typeface="Arial" panose="020B0604020202020204" pitchFamily="34" charset="0"/>
+                        <a:buChar char="•"/>
+                      </a:pPr>
+                      <a:r>
+                        <a:rPr lang="en-US" sz="1600" b="1" u="none" strike="noStrike" dirty="0">
+                          <a:effectLst/>
+                        </a:rPr>
+                        <a:t>YR_RMDL</a:t>
+                      </a:r>
+                      <a:endParaRPr lang="en-US" sz="1600" b="1" i="0" u="none" strike="noStrike" dirty="0">
+                        <a:solidFill>
+                          <a:srgbClr val="000000"/>
+                        </a:solidFill>
+                        <a:effectLst/>
+                        <a:latin typeface="Calibri" panose="020F0502020204030204" pitchFamily="34" charset="0"/>
+                      </a:endParaRPr>
+                    </a:p>
+                  </a:txBody>
+                  <a:tcPr marL="7620" marR="7620" marT="7620" marB="0" anchor="b"/>
+                </a:tc>
+                <a:tc>
+                  <a:txBody>
+                    <a:bodyPr/>
+                    <a:lstStyle/>
+                    <a:p>
+                      <a:pPr algn="l" fontAlgn="b"/>
+                      <a:r>
+                        <a:rPr lang="en-US" sz="1800" u="none" strike="noStrike" dirty="0">
+                          <a:effectLst/>
+                        </a:rPr>
+                        <a:t>Year structure was remodeled</a:t>
+                      </a:r>
+                      <a:endParaRPr lang="en-US" sz="1800" b="0" i="0" u="none" strike="noStrike" dirty="0">
+                        <a:solidFill>
+                          <a:srgbClr val="000000"/>
+                        </a:solidFill>
+                        <a:effectLst/>
+                        <a:latin typeface="Calibri" panose="020F0502020204030204" pitchFamily="34" charset="0"/>
+                      </a:endParaRPr>
+                    </a:p>
+                  </a:txBody>
+                  <a:tcPr marL="7620" marR="7620" marT="7620" marB="0" anchor="b"/>
+                </a:tc>
+                <a:extLst>
+                  <a:ext uri="{0D108BD9-81ED-4DB2-BD59-A6C34878D82A}">
+                    <a16:rowId xmlns:a16="http://schemas.microsoft.com/office/drawing/2014/main" val="3384813651"/>
+                  </a:ext>
+                </a:extLst>
+              </a:tr>
+              <a:tr h="310631">
+                <a:tc>
+                  <a:txBody>
+                    <a:bodyPr/>
+                    <a:lstStyle/>
+                    <a:p>
+                      <a:pPr marL="285750" indent="-285750" algn="l" fontAlgn="b">
+                        <a:buFont typeface="Arial" panose="020B0604020202020204" pitchFamily="34" charset="0"/>
+                        <a:buChar char="•"/>
+                      </a:pPr>
+                      <a:r>
+                        <a:rPr lang="en-US" sz="1600" b="1" u="none" strike="noStrike" dirty="0">
+                          <a:effectLst/>
+                        </a:rPr>
+                        <a:t>EYB</a:t>
+                      </a:r>
+                      <a:endParaRPr lang="en-US" sz="1600" b="1" i="0" u="none" strike="noStrike" dirty="0">
+                        <a:solidFill>
+                          <a:srgbClr val="000000"/>
+                        </a:solidFill>
+                        <a:effectLst/>
+                        <a:latin typeface="Calibri" panose="020F0502020204030204" pitchFamily="34" charset="0"/>
+                      </a:endParaRPr>
+                    </a:p>
+                  </a:txBody>
+                  <a:tcPr marL="7620" marR="7620" marT="7620" marB="0" anchor="b"/>
+                </a:tc>
+                <a:tc>
+                  <a:txBody>
+                    <a:bodyPr/>
+                    <a:lstStyle/>
+                    <a:p>
+                      <a:pPr algn="l" fontAlgn="b"/>
+                      <a:r>
+                        <a:rPr lang="en-US" sz="1800" u="none" strike="noStrike" dirty="0">
+                          <a:effectLst/>
+                        </a:rPr>
+                        <a:t>The year an improvement was built more recent than actual year built</a:t>
+                      </a:r>
+                      <a:endParaRPr lang="en-US" sz="1800" b="0" i="0" u="none" strike="noStrike" dirty="0">
+                        <a:solidFill>
+                          <a:srgbClr val="000000"/>
+                        </a:solidFill>
+                        <a:effectLst/>
+                        <a:latin typeface="Calibri" panose="020F0502020204030204" pitchFamily="34" charset="0"/>
+                      </a:endParaRPr>
+                    </a:p>
+                  </a:txBody>
+                  <a:tcPr marL="7620" marR="7620" marT="7620" marB="0" anchor="b"/>
+                </a:tc>
+                <a:extLst>
+                  <a:ext uri="{0D108BD9-81ED-4DB2-BD59-A6C34878D82A}">
+                    <a16:rowId xmlns:a16="http://schemas.microsoft.com/office/drawing/2014/main" val="3321382642"/>
+                  </a:ext>
+                </a:extLst>
+              </a:tr>
+              <a:tr h="310631">
+                <a:tc>
+                  <a:txBody>
+                    <a:bodyPr/>
+                    <a:lstStyle/>
+                    <a:p>
+                      <a:pPr marL="285750" indent="-285750" algn="l" fontAlgn="b">
+                        <a:buFont typeface="Arial" panose="020B0604020202020204" pitchFamily="34" charset="0"/>
+                        <a:buChar char="•"/>
+                      </a:pPr>
+                      <a:r>
+                        <a:rPr lang="en-US" sz="1600" b="1" u="none" strike="noStrike" dirty="0">
+                          <a:effectLst/>
+                        </a:rPr>
+                        <a:t>STORIES</a:t>
+                      </a:r>
+                      <a:endParaRPr lang="en-US" sz="1600" b="1" i="0" u="none" strike="noStrike" dirty="0">
+                        <a:solidFill>
+                          <a:srgbClr val="000000"/>
+                        </a:solidFill>
+                        <a:effectLst/>
+                        <a:latin typeface="Calibri" panose="020F0502020204030204" pitchFamily="34" charset="0"/>
+                      </a:endParaRPr>
+                    </a:p>
+                  </a:txBody>
+                  <a:tcPr marL="7620" marR="7620" marT="7620" marB="0" anchor="b"/>
+                </a:tc>
+                <a:tc>
+                  <a:txBody>
+                    <a:bodyPr/>
+                    <a:lstStyle/>
+                    <a:p>
+                      <a:pPr algn="l" fontAlgn="b"/>
+                      <a:r>
+                        <a:rPr lang="en-US" sz="1800" u="none" strike="noStrike" dirty="0">
+                          <a:effectLst/>
+                        </a:rPr>
+                        <a:t>Number of stories in primary dwelling</a:t>
+                      </a:r>
+                      <a:endParaRPr lang="en-US" sz="1800" b="0" i="0" u="none" strike="noStrike" dirty="0">
+                        <a:solidFill>
+                          <a:srgbClr val="000000"/>
+                        </a:solidFill>
+                        <a:effectLst/>
+                        <a:latin typeface="Calibri" panose="020F0502020204030204" pitchFamily="34" charset="0"/>
+                      </a:endParaRPr>
+                    </a:p>
+                  </a:txBody>
+                  <a:tcPr marL="7620" marR="7620" marT="7620" marB="0" anchor="b"/>
+                </a:tc>
+                <a:extLst>
+                  <a:ext uri="{0D108BD9-81ED-4DB2-BD59-A6C34878D82A}">
+                    <a16:rowId xmlns:a16="http://schemas.microsoft.com/office/drawing/2014/main" val="2152243848"/>
+                  </a:ext>
+                </a:extLst>
+              </a:tr>
+              <a:tr h="310631">
+                <a:tc>
+                  <a:txBody>
+                    <a:bodyPr/>
+                    <a:lstStyle/>
+                    <a:p>
+                      <a:pPr marL="285750" indent="-285750" algn="l" fontAlgn="b">
+                        <a:buFont typeface="Arial" panose="020B0604020202020204" pitchFamily="34" charset="0"/>
+                        <a:buChar char="•"/>
+                      </a:pPr>
+                      <a:r>
+                        <a:rPr lang="en-US" sz="1600" b="1" u="none" strike="noStrike" dirty="0">
+                          <a:effectLst/>
+                        </a:rPr>
+                        <a:t>SALEDATE</a:t>
+                      </a:r>
+                      <a:endParaRPr lang="en-US" sz="1600" b="1" i="0" u="none" strike="noStrike" dirty="0">
+                        <a:solidFill>
+                          <a:srgbClr val="000000"/>
+                        </a:solidFill>
+                        <a:effectLst/>
+                        <a:latin typeface="Calibri" panose="020F0502020204030204" pitchFamily="34" charset="0"/>
+                      </a:endParaRPr>
+                    </a:p>
+                  </a:txBody>
+                  <a:tcPr marL="7620" marR="7620" marT="7620" marB="0" anchor="b"/>
+                </a:tc>
+                <a:tc>
+                  <a:txBody>
+                    <a:bodyPr/>
+                    <a:lstStyle/>
+                    <a:p>
+                      <a:pPr algn="l" fontAlgn="b"/>
+                      <a:r>
+                        <a:rPr lang="en-US" sz="1800" u="none" strike="noStrike" dirty="0">
+                          <a:effectLst/>
+                        </a:rPr>
+                        <a:t>Date of most recent sale</a:t>
+                      </a:r>
+                      <a:endParaRPr lang="en-US" sz="1800" b="0" i="0" u="none" strike="noStrike" dirty="0">
+                        <a:solidFill>
+                          <a:srgbClr val="000000"/>
+                        </a:solidFill>
+                        <a:effectLst/>
+                        <a:latin typeface="Calibri" panose="020F0502020204030204" pitchFamily="34" charset="0"/>
+                      </a:endParaRPr>
+                    </a:p>
+                  </a:txBody>
+                  <a:tcPr marL="7620" marR="7620" marT="7620" marB="0" anchor="b"/>
+                </a:tc>
+                <a:extLst>
+                  <a:ext uri="{0D108BD9-81ED-4DB2-BD59-A6C34878D82A}">
+                    <a16:rowId xmlns:a16="http://schemas.microsoft.com/office/drawing/2014/main" val="2263312590"/>
+                  </a:ext>
+                </a:extLst>
+              </a:tr>
+              <a:tr h="310631">
+                <a:tc>
+                  <a:txBody>
+                    <a:bodyPr/>
+                    <a:lstStyle/>
+                    <a:p>
+                      <a:pPr marL="285750" indent="-285750" algn="l" fontAlgn="b">
+                        <a:buFont typeface="Arial" panose="020B0604020202020204" pitchFamily="34" charset="0"/>
+                        <a:buChar char="•"/>
+                      </a:pPr>
+                      <a:r>
+                        <a:rPr lang="en-US" sz="1600" b="1" u="none" strike="noStrike" dirty="0">
+                          <a:effectLst/>
+                        </a:rPr>
+                        <a:t>PRICE</a:t>
+                      </a:r>
+                      <a:endParaRPr lang="en-US" sz="1600" b="1" i="0" u="none" strike="noStrike" dirty="0">
+                        <a:solidFill>
+                          <a:srgbClr val="000000"/>
+                        </a:solidFill>
+                        <a:effectLst/>
+                        <a:latin typeface="Calibri" panose="020F0502020204030204" pitchFamily="34" charset="0"/>
+                      </a:endParaRPr>
+                    </a:p>
+                  </a:txBody>
+                  <a:tcPr marL="7620" marR="7620" marT="7620" marB="0" anchor="b"/>
+                </a:tc>
+                <a:tc>
+                  <a:txBody>
+                    <a:bodyPr/>
+                    <a:lstStyle/>
+                    <a:p>
+                      <a:pPr algn="l" fontAlgn="b"/>
+                      <a:r>
+                        <a:rPr lang="en-US" sz="1800" u="none" strike="noStrike" dirty="0">
+                          <a:effectLst/>
+                        </a:rPr>
+                        <a:t>Price of most recent sale</a:t>
+                      </a:r>
+                      <a:endParaRPr lang="en-US" sz="1800" b="0" i="0" u="none" strike="noStrike" dirty="0">
+                        <a:solidFill>
+                          <a:srgbClr val="000000"/>
+                        </a:solidFill>
+                        <a:effectLst/>
+                        <a:latin typeface="Calibri" panose="020F0502020204030204" pitchFamily="34" charset="0"/>
+                      </a:endParaRPr>
+                    </a:p>
+                  </a:txBody>
+                  <a:tcPr marL="7620" marR="7620" marT="7620" marB="0" anchor="b"/>
+                </a:tc>
+                <a:extLst>
+                  <a:ext uri="{0D108BD9-81ED-4DB2-BD59-A6C34878D82A}">
+                    <a16:rowId xmlns:a16="http://schemas.microsoft.com/office/drawing/2014/main" val="3917124670"/>
+                  </a:ext>
+                </a:extLst>
+              </a:tr>
+              <a:tr h="310631">
+                <a:tc>
+                  <a:txBody>
+                    <a:bodyPr/>
+                    <a:lstStyle/>
+                    <a:p>
+                      <a:pPr marL="285750" indent="-285750" algn="l" fontAlgn="b">
+                        <a:buFont typeface="Arial" panose="020B0604020202020204" pitchFamily="34" charset="0"/>
+                        <a:buChar char="•"/>
+                      </a:pPr>
+                      <a:r>
+                        <a:rPr lang="en-US" sz="1600" b="1" u="none" strike="noStrike" dirty="0">
+                          <a:effectLst/>
+                        </a:rPr>
+                        <a:t>QUALIFIED</a:t>
+                      </a:r>
+                      <a:endParaRPr lang="en-US" sz="1600" b="1" i="0" u="none" strike="noStrike" dirty="0">
+                        <a:solidFill>
+                          <a:srgbClr val="000000"/>
+                        </a:solidFill>
+                        <a:effectLst/>
+                        <a:latin typeface="Calibri" panose="020F0502020204030204" pitchFamily="34" charset="0"/>
+                      </a:endParaRPr>
+                    </a:p>
+                  </a:txBody>
+                  <a:tcPr marL="7620" marR="7620" marT="7620" marB="0" anchor="b"/>
+                </a:tc>
+                <a:tc>
+                  <a:txBody>
+                    <a:bodyPr/>
+                    <a:lstStyle/>
+                    <a:p>
+                      <a:pPr algn="l" fontAlgn="b"/>
+                      <a:r>
+                        <a:rPr lang="en-US" sz="1800" u="none" strike="noStrike" dirty="0">
+                          <a:effectLst/>
+                        </a:rPr>
+                        <a:t>Qualified</a:t>
+                      </a:r>
+                      <a:endParaRPr lang="en-US" sz="1800" b="0" i="0" u="none" strike="noStrike" dirty="0">
+                        <a:solidFill>
+                          <a:srgbClr val="000000"/>
+                        </a:solidFill>
+                        <a:effectLst/>
+                        <a:latin typeface="Calibri" panose="020F0502020204030204" pitchFamily="34" charset="0"/>
+                      </a:endParaRPr>
+                    </a:p>
+                  </a:txBody>
+                  <a:tcPr marL="7620" marR="7620" marT="7620" marB="0" anchor="b"/>
+                </a:tc>
+                <a:extLst>
+                  <a:ext uri="{0D108BD9-81ED-4DB2-BD59-A6C34878D82A}">
+                    <a16:rowId xmlns:a16="http://schemas.microsoft.com/office/drawing/2014/main" val="976140764"/>
+                  </a:ext>
+                </a:extLst>
+              </a:tr>
+              <a:tr h="310631">
+                <a:tc>
+                  <a:txBody>
+                    <a:bodyPr/>
+                    <a:lstStyle/>
+                    <a:p>
+                      <a:pPr marL="285750" indent="-285750" algn="l" fontAlgn="b">
+                        <a:buFont typeface="Arial" panose="020B0604020202020204" pitchFamily="34" charset="0"/>
+                        <a:buChar char="•"/>
+                      </a:pPr>
+                      <a:r>
+                        <a:rPr lang="en-US" sz="1600" b="1" u="none" strike="noStrike" dirty="0">
+                          <a:effectLst/>
+                        </a:rPr>
+                        <a:t>STYLE</a:t>
+                      </a:r>
+                      <a:endParaRPr lang="en-US" sz="1600" b="1" i="0" u="none" strike="noStrike" dirty="0">
+                        <a:solidFill>
+                          <a:srgbClr val="000000"/>
+                        </a:solidFill>
+                        <a:effectLst/>
+                        <a:latin typeface="Calibri" panose="020F0502020204030204" pitchFamily="34" charset="0"/>
+                      </a:endParaRPr>
+                    </a:p>
+                  </a:txBody>
+                  <a:tcPr marL="7620" marR="7620" marT="7620" marB="0" anchor="b"/>
+                </a:tc>
+                <a:tc>
+                  <a:txBody>
+                    <a:bodyPr/>
+                    <a:lstStyle/>
+                    <a:p>
+                      <a:pPr algn="l" fontAlgn="b"/>
+                      <a:r>
+                        <a:rPr lang="en-US" sz="1800" u="none" strike="noStrike" dirty="0">
+                          <a:effectLst/>
+                        </a:rPr>
+                        <a:t>Style</a:t>
+                      </a:r>
+                      <a:endParaRPr lang="en-US" sz="1800" b="0" i="0" u="none" strike="noStrike" dirty="0">
+                        <a:solidFill>
+                          <a:srgbClr val="000000"/>
+                        </a:solidFill>
+                        <a:effectLst/>
+                        <a:latin typeface="Calibri" panose="020F0502020204030204" pitchFamily="34" charset="0"/>
+                      </a:endParaRPr>
+                    </a:p>
+                  </a:txBody>
+                  <a:tcPr marL="7620" marR="7620" marT="7620" marB="0" anchor="b"/>
+                </a:tc>
+                <a:extLst>
+                  <a:ext uri="{0D108BD9-81ED-4DB2-BD59-A6C34878D82A}">
+                    <a16:rowId xmlns:a16="http://schemas.microsoft.com/office/drawing/2014/main" val="723084137"/>
+                  </a:ext>
+                </a:extLst>
+              </a:tr>
+              <a:tr h="310631">
+                <a:tc>
+                  <a:txBody>
+                    <a:bodyPr/>
+                    <a:lstStyle/>
+                    <a:p>
+                      <a:pPr marL="285750" indent="-285750" algn="l" fontAlgn="b">
+                        <a:buFont typeface="Arial" panose="020B0604020202020204" pitchFamily="34" charset="0"/>
+                        <a:buChar char="•"/>
+                      </a:pPr>
+                      <a:r>
+                        <a:rPr lang="en-US" sz="1600" b="1" u="none" strike="noStrike" dirty="0">
+                          <a:effectLst/>
+                        </a:rPr>
+                        <a:t>STRUCT</a:t>
+                      </a:r>
+                      <a:endParaRPr lang="en-US" sz="1600" b="1" i="0" u="none" strike="noStrike" dirty="0">
+                        <a:solidFill>
+                          <a:srgbClr val="000000"/>
+                        </a:solidFill>
+                        <a:effectLst/>
+                        <a:latin typeface="Calibri" panose="020F0502020204030204" pitchFamily="34" charset="0"/>
+                      </a:endParaRPr>
+                    </a:p>
+                  </a:txBody>
+                  <a:tcPr marL="7620" marR="7620" marT="7620" marB="0" anchor="b"/>
+                </a:tc>
+                <a:tc>
+                  <a:txBody>
+                    <a:bodyPr/>
+                    <a:lstStyle/>
+                    <a:p>
+                      <a:pPr algn="l" fontAlgn="b"/>
+                      <a:r>
+                        <a:rPr lang="en-US" sz="1800" u="none" strike="noStrike" dirty="0">
+                          <a:effectLst/>
+                        </a:rPr>
+                        <a:t>Structure</a:t>
+                      </a:r>
+                      <a:endParaRPr lang="en-US" sz="1800" b="0" i="0" u="none" strike="noStrike" dirty="0">
+                        <a:solidFill>
+                          <a:srgbClr val="000000"/>
+                        </a:solidFill>
+                        <a:effectLst/>
+                        <a:latin typeface="Calibri" panose="020F0502020204030204" pitchFamily="34" charset="0"/>
+                      </a:endParaRPr>
+                    </a:p>
+                  </a:txBody>
+                  <a:tcPr marL="7620" marR="7620" marT="7620" marB="0" anchor="b"/>
+                </a:tc>
+                <a:extLst>
+                  <a:ext uri="{0D108BD9-81ED-4DB2-BD59-A6C34878D82A}">
+                    <a16:rowId xmlns:a16="http://schemas.microsoft.com/office/drawing/2014/main" val="3454528933"/>
+                  </a:ext>
+                </a:extLst>
+              </a:tr>
+              <a:tr h="310631">
+                <a:tc>
+                  <a:txBody>
+                    <a:bodyPr/>
+                    <a:lstStyle/>
+                    <a:p>
+                      <a:pPr marL="285750" indent="-285750" algn="l" fontAlgn="b">
+                        <a:buFont typeface="Arial" panose="020B0604020202020204" pitchFamily="34" charset="0"/>
+                        <a:buChar char="•"/>
+                      </a:pPr>
+                      <a:r>
+                        <a:rPr lang="en-US" sz="1600" b="1" u="none" strike="noStrike" dirty="0">
+                          <a:effectLst/>
+                        </a:rPr>
+                        <a:t>GRADE</a:t>
+                      </a:r>
+                      <a:endParaRPr lang="en-US" sz="1600" b="1" i="0" u="none" strike="noStrike" dirty="0">
+                        <a:solidFill>
+                          <a:srgbClr val="000000"/>
+                        </a:solidFill>
+                        <a:effectLst/>
+                        <a:latin typeface="Calibri" panose="020F0502020204030204" pitchFamily="34" charset="0"/>
+                      </a:endParaRPr>
+                    </a:p>
+                  </a:txBody>
+                  <a:tcPr marL="7620" marR="7620" marT="7620" marB="0" anchor="b"/>
+                </a:tc>
+                <a:tc>
+                  <a:txBody>
+                    <a:bodyPr/>
+                    <a:lstStyle/>
+                    <a:p>
+                      <a:pPr algn="l" fontAlgn="b"/>
+                      <a:r>
+                        <a:rPr lang="en-US" sz="1800" u="none" strike="noStrike" dirty="0">
+                          <a:effectLst/>
+                        </a:rPr>
+                        <a:t>Grade</a:t>
+                      </a:r>
+                      <a:endParaRPr lang="en-US" sz="1800" b="0" i="0" u="none" strike="noStrike" dirty="0">
+                        <a:solidFill>
+                          <a:srgbClr val="000000"/>
+                        </a:solidFill>
+                        <a:effectLst/>
+                        <a:latin typeface="Calibri" panose="020F0502020204030204" pitchFamily="34" charset="0"/>
+                      </a:endParaRPr>
+                    </a:p>
+                  </a:txBody>
+                  <a:tcPr marL="7620" marR="7620" marT="7620" marB="0" anchor="b"/>
+                </a:tc>
+                <a:extLst>
+                  <a:ext uri="{0D108BD9-81ED-4DB2-BD59-A6C34878D82A}">
+                    <a16:rowId xmlns:a16="http://schemas.microsoft.com/office/drawing/2014/main" val="2746367445"/>
+                  </a:ext>
+                </a:extLst>
+              </a:tr>
+            </a:tbl>
+          </a:graphicData>
+        </a:graphic>
+      </p:graphicFrame>
+      <p:sp>
+        <p:nvSpPr>
+          <p:cNvPr id="6" name="Rectangle 5">
+            <a:extLst>
+              <a:ext uri="{FF2B5EF4-FFF2-40B4-BE49-F238E27FC236}">
+                <a16:creationId xmlns:a16="http://schemas.microsoft.com/office/drawing/2014/main" id="{BE993F20-F6CE-481F-BC55-E91AA6D91BCC}"/>
+              </a:ext>
+            </a:extLst>
+          </p:cNvPr>
+          <p:cNvSpPr/>
+          <p:nvPr/>
+        </p:nvSpPr>
+        <p:spPr>
+          <a:xfrm>
+            <a:off x="4776311" y="3244334"/>
+            <a:ext cx="2639377" cy="369332"/>
+          </a:xfrm>
+          <a:prstGeom prst="rect">
+            <a:avLst/>
+          </a:prstGeom>
+        </p:spPr>
+        <p:txBody>
+          <a:bodyPr wrap="none">
+            <a:spAutoFit/>
+          </a:bodyPr>
+          <a:lstStyle/>
+          <a:p>
+            <a:r>
+              <a:rPr lang="en-US" dirty="0"/>
+              <a:t>Data Glossary </a:t>
+            </a:r>
+            <a:r>
+              <a:rPr lang="en-US" dirty="0">
+                <a:sym typeface="Century Schoolbook"/>
+              </a:rPr>
+              <a:t>(Continued)</a:t>
+            </a:r>
+            <a:endParaRPr lang="en-US" dirty="0"/>
+          </a:p>
+        </p:txBody>
+      </p:sp>
+      <p:sp>
+        <p:nvSpPr>
+          <p:cNvPr id="7" name="Title 1">
+            <a:extLst>
+              <a:ext uri="{FF2B5EF4-FFF2-40B4-BE49-F238E27FC236}">
+                <a16:creationId xmlns:a16="http://schemas.microsoft.com/office/drawing/2014/main" id="{551CFD04-EEF9-42F5-8D84-E44092BCC925}"/>
+              </a:ext>
+            </a:extLst>
+          </p:cNvPr>
+          <p:cNvSpPr>
+            <a:spLocks noGrp="1"/>
+          </p:cNvSpPr>
+          <p:nvPr>
+            <p:ph type="title"/>
+          </p:nvPr>
+        </p:nvSpPr>
+        <p:spPr>
+          <a:xfrm>
+            <a:off x="178443" y="133631"/>
+            <a:ext cx="10515600" cy="989113"/>
+          </a:xfrm>
+        </p:spPr>
+        <p:txBody>
+          <a:bodyPr/>
+          <a:lstStyle/>
+          <a:p>
+            <a:r>
+              <a:rPr lang="en-US" b="1" dirty="0"/>
+              <a:t>Data Glossary</a:t>
+            </a:r>
+          </a:p>
+        </p:txBody>
+      </p:sp>
+    </p:spTree>
+    <p:extLst>
+      <p:ext uri="{BB962C8B-B14F-4D97-AF65-F5344CB8AC3E}">
+        <p14:creationId xmlns:p14="http://schemas.microsoft.com/office/powerpoint/2010/main" val="1656626545"/>
+      </p:ext>
+    </p:extLst>
+  </p:cSld>
+  <p:clrMapOvr>
+    <a:masterClrMapping/>
+  </p:clrMapOvr>
+</p:sld>
+</file>
+
+<file path=ppt/slides/slide6.xml><?xml version="1.0" encoding="utf-8"?>
+<p:sld xmlns:a="http://schemas.openxmlformats.org/drawingml/2006/main" xmlns:r="http://schemas.openxmlformats.org/officeDocument/2006/relationships" xmlns:p="http://schemas.openxmlformats.org/presentationml/2006/main">
+  <p:cSld>
+    <p:spTree>
+      <p:nvGrpSpPr>
+        <p:cNvPr id="1" name=""/>
+        <p:cNvGrpSpPr/>
+        <p:nvPr/>
+      </p:nvGrpSpPr>
+      <p:grpSpPr>
+        <a:xfrm>
+          <a:off x="0" y="0"/>
+          <a:ext cx="0" cy="0"/>
+          <a:chOff x="0" y="0"/>
+          <a:chExt cx="0" cy="0"/>
+        </a:xfrm>
+      </p:grpSpPr>
+      <p:sp>
+        <p:nvSpPr>
+          <p:cNvPr id="2" name="Title 1">
+            <a:extLst>
+              <a:ext uri="{FF2B5EF4-FFF2-40B4-BE49-F238E27FC236}">
+                <a16:creationId xmlns:a16="http://schemas.microsoft.com/office/drawing/2014/main" id="{4621275F-30F7-444B-A6D3-622AD64A4D24}"/>
+              </a:ext>
+            </a:extLst>
+          </p:cNvPr>
+          <p:cNvSpPr>
+            <a:spLocks noGrp="1"/>
+          </p:cNvSpPr>
+          <p:nvPr>
+            <p:ph type="title"/>
+          </p:nvPr>
+        </p:nvSpPr>
+        <p:spPr>
+          <a:xfrm>
+            <a:off x="178443" y="133631"/>
+            <a:ext cx="10515600" cy="1325563"/>
+          </a:xfrm>
+        </p:spPr>
+        <p:txBody>
+          <a:bodyPr/>
+          <a:lstStyle/>
+          <a:p>
+            <a:r>
+              <a:rPr lang="en-US" b="1" dirty="0"/>
+              <a:t>Data Glossary </a:t>
+            </a:r>
+            <a:r>
+              <a:rPr lang="en-US" b="1" dirty="0">
+                <a:sym typeface="Century Schoolbook"/>
+              </a:rPr>
+              <a:t>(Continued)</a:t>
+            </a:r>
+            <a:endParaRPr lang="en-US" b="1" dirty="0"/>
+          </a:p>
+        </p:txBody>
+      </p:sp>
+      <p:graphicFrame>
+        <p:nvGraphicFramePr>
+          <p:cNvPr id="4" name="Content Placeholder 3">
+            <a:extLst>
+              <a:ext uri="{FF2B5EF4-FFF2-40B4-BE49-F238E27FC236}">
+                <a16:creationId xmlns:a16="http://schemas.microsoft.com/office/drawing/2014/main" id="{FCE65598-85C5-4AFF-9E87-0E65EF925BF5}"/>
+              </a:ext>
+            </a:extLst>
+          </p:cNvPr>
+          <p:cNvGraphicFramePr>
+            <a:graphicFrameLocks noGrp="1"/>
+          </p:cNvGraphicFramePr>
+          <p:nvPr>
+            <p:ph idx="1"/>
+            <p:extLst>
+              <p:ext uri="{D42A27DB-BD31-4B8C-83A1-F6EECF244321}">
+                <p14:modId xmlns:p14="http://schemas.microsoft.com/office/powerpoint/2010/main" val="818612252"/>
+              </p:ext>
+            </p:extLst>
+          </p:nvPr>
+        </p:nvGraphicFramePr>
+        <p:xfrm>
+          <a:off x="178443" y="1189934"/>
+          <a:ext cx="10971835" cy="5349240"/>
+        </p:xfrm>
+        <a:graphic>
+          <a:graphicData uri="http://schemas.openxmlformats.org/drawingml/2006/table">
+            <a:tbl>
+              <a:tblPr>
+                <a:tableStyleId>{5C22544A-7EE6-4342-B048-85BDC9FD1C3A}</a:tableStyleId>
+              </a:tblPr>
+              <a:tblGrid>
+                <a:gridCol w="3261963">
+                  <a:extLst>
+                    <a:ext uri="{9D8B030D-6E8A-4147-A177-3AD203B41FA5}">
+                      <a16:colId xmlns:a16="http://schemas.microsoft.com/office/drawing/2014/main" val="383326338"/>
+                    </a:ext>
+                  </a:extLst>
+                </a:gridCol>
+                <a:gridCol w="7709872">
+                  <a:extLst>
+                    <a:ext uri="{9D8B030D-6E8A-4147-A177-3AD203B41FA5}">
+                      <a16:colId xmlns:a16="http://schemas.microsoft.com/office/drawing/2014/main" val="2008031347"/>
+                    </a:ext>
+                  </a:extLst>
+                </a:gridCol>
+              </a:tblGrid>
+              <a:tr h="248247">
+                <a:tc>
+                  <a:txBody>
+                    <a:bodyPr/>
+                    <a:lstStyle/>
+                    <a:p>
+                      <a:pPr marL="0" indent="0" algn="l" fontAlgn="b">
+                        <a:buFont typeface="Arial" panose="020B0604020202020204" pitchFamily="34" charset="0"/>
+                        <a:buNone/>
+                      </a:pPr>
+                      <a:r>
+                        <a:rPr lang="en-US" sz="1600" b="1" u="none" strike="noStrike" dirty="0">
+                          <a:effectLst/>
+                        </a:rPr>
+                        <a:t>           Variable</a:t>
+                      </a:r>
+                      <a:endParaRPr lang="en-US" sz="1600" b="1" i="0" u="none" strike="noStrike" dirty="0">
+                        <a:solidFill>
+                          <a:srgbClr val="000000"/>
+                        </a:solidFill>
+                        <a:effectLst/>
+                        <a:latin typeface="Calibri" panose="020F0502020204030204" pitchFamily="34" charset="0"/>
+                      </a:endParaRPr>
+                    </a:p>
+                  </a:txBody>
+                  <a:tcPr marL="7620" marR="7620" marT="7620" marB="0" anchor="b">
+                    <a:solidFill>
+                      <a:schemeClr val="accent2">
+                        <a:lumMod val="40000"/>
+                        <a:lumOff val="60000"/>
+                      </a:schemeClr>
+                    </a:solidFill>
+                  </a:tcPr>
+                </a:tc>
+                <a:tc>
+                  <a:txBody>
+                    <a:bodyPr/>
+                    <a:lstStyle/>
+                    <a:p>
+                      <a:pPr algn="l" fontAlgn="b"/>
+                      <a:r>
+                        <a:rPr lang="en-US" sz="1800" b="1" u="none" strike="noStrike" dirty="0">
+                          <a:effectLst/>
+                        </a:rPr>
+                        <a:t>Description</a:t>
+                      </a:r>
+                      <a:endParaRPr lang="en-US" sz="1800" b="1" i="0" u="none" strike="noStrike" dirty="0">
+                        <a:solidFill>
+                          <a:srgbClr val="000000"/>
+                        </a:solidFill>
+                        <a:effectLst/>
+                        <a:latin typeface="Calibri" panose="020F0502020204030204" pitchFamily="34" charset="0"/>
+                      </a:endParaRPr>
+                    </a:p>
+                  </a:txBody>
+                  <a:tcPr marL="7620" marR="7620" marT="7620" marB="0" anchor="b">
+                    <a:solidFill>
+                      <a:schemeClr val="accent2">
+                        <a:lumMod val="40000"/>
+                        <a:lumOff val="60000"/>
+                      </a:schemeClr>
+                    </a:solidFill>
+                  </a:tcPr>
+                </a:tc>
+                <a:extLst>
+                  <a:ext uri="{0D108BD9-81ED-4DB2-BD59-A6C34878D82A}">
+                    <a16:rowId xmlns:a16="http://schemas.microsoft.com/office/drawing/2014/main" val="146653024"/>
+                  </a:ext>
+                </a:extLst>
+              </a:tr>
+              <a:tr h="248247">
+                <a:tc>
+                  <a:txBody>
+                    <a:bodyPr/>
+                    <a:lstStyle/>
+                    <a:p>
+                      <a:pPr marL="285750" indent="-285750" algn="l" defTabSz="914400" rtl="0" eaLnBrk="1" fontAlgn="b" latinLnBrk="0" hangingPunct="1">
+                        <a:buFont typeface="Arial" panose="020B0604020202020204" pitchFamily="34" charset="0"/>
+                        <a:buChar char="•"/>
+                      </a:pPr>
+                      <a:r>
+                        <a:rPr lang="en-US" sz="1600" b="1" u="none" strike="noStrike" kern="1200" dirty="0">
+                          <a:solidFill>
+                            <a:schemeClr val="dk1"/>
+                          </a:solidFill>
+                          <a:effectLst/>
+                          <a:latin typeface="+mn-lt"/>
+                          <a:ea typeface="+mn-ea"/>
+                          <a:cs typeface="+mn-cs"/>
+                        </a:rPr>
+                        <a:t>CNDTN</a:t>
+                      </a:r>
+                    </a:p>
+                  </a:txBody>
+                  <a:tcPr marL="7620" marR="7620" marT="7620" marB="0" anchor="b"/>
+                </a:tc>
+                <a:tc>
+                  <a:txBody>
+                    <a:bodyPr/>
+                    <a:lstStyle/>
+                    <a:p>
+                      <a:pPr marL="0" algn="l" defTabSz="914400" rtl="0" eaLnBrk="1" fontAlgn="b" latinLnBrk="0" hangingPunct="1"/>
+                      <a:r>
+                        <a:rPr lang="en-US" sz="1800" u="none" strike="noStrike" kern="1200" dirty="0">
+                          <a:solidFill>
+                            <a:schemeClr val="dk1"/>
+                          </a:solidFill>
+                          <a:effectLst/>
+                          <a:latin typeface="+mn-lt"/>
+                          <a:ea typeface="+mn-ea"/>
+                          <a:cs typeface="+mn-cs"/>
+                        </a:rPr>
+                        <a:t>Condition</a:t>
+                      </a:r>
+                    </a:p>
+                  </a:txBody>
+                  <a:tcPr marL="7620" marR="7620" marT="7620" marB="0" anchor="b"/>
+                </a:tc>
+                <a:extLst>
+                  <a:ext uri="{0D108BD9-81ED-4DB2-BD59-A6C34878D82A}">
+                    <a16:rowId xmlns:a16="http://schemas.microsoft.com/office/drawing/2014/main" val="3498828650"/>
+                  </a:ext>
+                </a:extLst>
+              </a:tr>
+              <a:tr h="248247">
+                <a:tc>
+                  <a:txBody>
+                    <a:bodyPr/>
+                    <a:lstStyle/>
+                    <a:p>
+                      <a:pPr marL="285750" indent="-285750" algn="l" defTabSz="914400" rtl="0" eaLnBrk="1" fontAlgn="b" latinLnBrk="0" hangingPunct="1">
+                        <a:buFont typeface="Arial" panose="020B0604020202020204" pitchFamily="34" charset="0"/>
+                        <a:buChar char="•"/>
+                      </a:pPr>
+                      <a:r>
+                        <a:rPr lang="en-US" sz="1600" b="1" u="none" strike="noStrike" kern="1200" dirty="0">
+                          <a:solidFill>
+                            <a:schemeClr val="dk1"/>
+                          </a:solidFill>
+                          <a:effectLst/>
+                          <a:latin typeface="+mn-lt"/>
+                          <a:ea typeface="+mn-ea"/>
+                          <a:cs typeface="+mn-cs"/>
+                        </a:rPr>
+                        <a:t>EXTWALL</a:t>
+                      </a:r>
+                    </a:p>
+                  </a:txBody>
+                  <a:tcPr marL="7620" marR="7620" marT="7620" marB="0" anchor="b"/>
+                </a:tc>
+                <a:tc>
+                  <a:txBody>
+                    <a:bodyPr/>
+                    <a:lstStyle/>
+                    <a:p>
+                      <a:pPr marL="0" algn="l" defTabSz="914400" rtl="0" eaLnBrk="1" fontAlgn="b" latinLnBrk="0" hangingPunct="1"/>
+                      <a:r>
+                        <a:rPr lang="en-US" sz="1800" u="none" strike="noStrike" kern="1200" dirty="0" err="1">
+                          <a:solidFill>
+                            <a:schemeClr val="dk1"/>
+                          </a:solidFill>
+                          <a:effectLst/>
+                          <a:latin typeface="+mn-lt"/>
+                          <a:ea typeface="+mn-ea"/>
+                          <a:cs typeface="+mn-cs"/>
+                        </a:rPr>
+                        <a:t>Extrerior</a:t>
+                      </a:r>
+                      <a:r>
+                        <a:rPr lang="en-US" sz="1800" u="none" strike="noStrike" kern="1200" dirty="0">
+                          <a:solidFill>
+                            <a:schemeClr val="dk1"/>
+                          </a:solidFill>
+                          <a:effectLst/>
+                          <a:latin typeface="+mn-lt"/>
+                          <a:ea typeface="+mn-ea"/>
+                          <a:cs typeface="+mn-cs"/>
+                        </a:rPr>
+                        <a:t> wall</a:t>
+                      </a:r>
+                    </a:p>
+                  </a:txBody>
+                  <a:tcPr marL="7620" marR="7620" marT="7620" marB="0" anchor="b"/>
+                </a:tc>
+                <a:extLst>
+                  <a:ext uri="{0D108BD9-81ED-4DB2-BD59-A6C34878D82A}">
+                    <a16:rowId xmlns:a16="http://schemas.microsoft.com/office/drawing/2014/main" val="3695040191"/>
+                  </a:ext>
+                </a:extLst>
+              </a:tr>
+              <a:tr h="248247">
+                <a:tc>
+                  <a:txBody>
+                    <a:bodyPr/>
+                    <a:lstStyle/>
+                    <a:p>
+                      <a:pPr marL="285750" indent="-285750" algn="l" defTabSz="914400" rtl="0" eaLnBrk="1" fontAlgn="b" latinLnBrk="0" hangingPunct="1">
+                        <a:buFont typeface="Arial" panose="020B0604020202020204" pitchFamily="34" charset="0"/>
+                        <a:buChar char="•"/>
+                      </a:pPr>
+                      <a:r>
+                        <a:rPr lang="en-US" sz="1600" b="1" u="none" strike="noStrike" kern="1200" dirty="0">
+                          <a:solidFill>
+                            <a:schemeClr val="dk1"/>
+                          </a:solidFill>
+                          <a:effectLst/>
+                          <a:latin typeface="+mn-lt"/>
+                          <a:ea typeface="+mn-ea"/>
+                          <a:cs typeface="+mn-cs"/>
+                        </a:rPr>
+                        <a:t>ROOF</a:t>
+                      </a:r>
+                    </a:p>
+                  </a:txBody>
+                  <a:tcPr marL="7620" marR="7620" marT="7620" marB="0" anchor="b"/>
+                </a:tc>
+                <a:tc>
+                  <a:txBody>
+                    <a:bodyPr/>
+                    <a:lstStyle/>
+                    <a:p>
+                      <a:pPr marL="0" algn="l" defTabSz="914400" rtl="0" eaLnBrk="1" fontAlgn="b" latinLnBrk="0" hangingPunct="1"/>
+                      <a:r>
+                        <a:rPr lang="en-US" sz="1800" u="none" strike="noStrike" kern="1200" dirty="0">
+                          <a:solidFill>
+                            <a:schemeClr val="dk1"/>
+                          </a:solidFill>
+                          <a:effectLst/>
+                          <a:latin typeface="+mn-lt"/>
+                          <a:ea typeface="+mn-ea"/>
+                          <a:cs typeface="+mn-cs"/>
+                        </a:rPr>
+                        <a:t>Roof type</a:t>
+                      </a:r>
+                    </a:p>
+                  </a:txBody>
+                  <a:tcPr marL="7620" marR="7620" marT="7620" marB="0" anchor="b"/>
+                </a:tc>
+                <a:extLst>
+                  <a:ext uri="{0D108BD9-81ED-4DB2-BD59-A6C34878D82A}">
+                    <a16:rowId xmlns:a16="http://schemas.microsoft.com/office/drawing/2014/main" val="2104504296"/>
+                  </a:ext>
+                </a:extLst>
+              </a:tr>
+              <a:tr h="248247">
+                <a:tc>
+                  <a:txBody>
+                    <a:bodyPr/>
+                    <a:lstStyle/>
+                    <a:p>
+                      <a:pPr marL="285750" indent="-285750" algn="l" defTabSz="914400" rtl="0" eaLnBrk="1" fontAlgn="b" latinLnBrk="0" hangingPunct="1">
+                        <a:buFont typeface="Arial" panose="020B0604020202020204" pitchFamily="34" charset="0"/>
+                        <a:buChar char="•"/>
+                      </a:pPr>
+                      <a:r>
+                        <a:rPr lang="en-US" sz="1600" b="1" u="none" strike="noStrike" kern="1200" dirty="0">
+                          <a:solidFill>
+                            <a:schemeClr val="dk1"/>
+                          </a:solidFill>
+                          <a:effectLst/>
+                          <a:latin typeface="+mn-lt"/>
+                          <a:ea typeface="+mn-ea"/>
+                          <a:cs typeface="+mn-cs"/>
+                        </a:rPr>
+                        <a:t>INTWALL</a:t>
+                      </a:r>
+                    </a:p>
+                  </a:txBody>
+                  <a:tcPr marL="7620" marR="7620" marT="7620" marB="0" anchor="b"/>
+                </a:tc>
+                <a:tc>
+                  <a:txBody>
+                    <a:bodyPr/>
+                    <a:lstStyle/>
+                    <a:p>
+                      <a:pPr marL="0" algn="l" defTabSz="914400" rtl="0" eaLnBrk="1" fontAlgn="b" latinLnBrk="0" hangingPunct="1"/>
+                      <a:r>
+                        <a:rPr lang="en-US" sz="1800" u="none" strike="noStrike" kern="1200" dirty="0">
+                          <a:solidFill>
+                            <a:schemeClr val="dk1"/>
+                          </a:solidFill>
+                          <a:effectLst/>
+                          <a:latin typeface="+mn-lt"/>
+                          <a:ea typeface="+mn-ea"/>
+                          <a:cs typeface="+mn-cs"/>
+                        </a:rPr>
+                        <a:t>Interior wall</a:t>
+                      </a:r>
+                    </a:p>
+                  </a:txBody>
+                  <a:tcPr marL="7620" marR="7620" marT="7620" marB="0" anchor="b"/>
+                </a:tc>
+                <a:extLst>
+                  <a:ext uri="{0D108BD9-81ED-4DB2-BD59-A6C34878D82A}">
+                    <a16:rowId xmlns:a16="http://schemas.microsoft.com/office/drawing/2014/main" val="4035136531"/>
+                  </a:ext>
+                </a:extLst>
+              </a:tr>
+              <a:tr h="248247">
+                <a:tc>
+                  <a:txBody>
+                    <a:bodyPr/>
+                    <a:lstStyle/>
+                    <a:p>
+                      <a:pPr marL="285750" indent="-285750" algn="l" defTabSz="914400" rtl="0" eaLnBrk="1" fontAlgn="b" latinLnBrk="0" hangingPunct="1">
+                        <a:buFont typeface="Arial" panose="020B0604020202020204" pitchFamily="34" charset="0"/>
+                        <a:buChar char="•"/>
+                      </a:pPr>
+                      <a:r>
+                        <a:rPr lang="en-US" sz="1600" b="1" u="none" strike="noStrike" kern="1200" dirty="0">
+                          <a:solidFill>
+                            <a:schemeClr val="dk1"/>
+                          </a:solidFill>
+                          <a:effectLst/>
+                          <a:latin typeface="+mn-lt"/>
+                          <a:ea typeface="+mn-ea"/>
+                          <a:cs typeface="+mn-cs"/>
+                        </a:rPr>
+                        <a:t>KITCHENS</a:t>
+                      </a:r>
+                    </a:p>
+                  </a:txBody>
+                  <a:tcPr marL="7620" marR="7620" marT="7620" marB="0" anchor="b"/>
+                </a:tc>
+                <a:tc>
+                  <a:txBody>
+                    <a:bodyPr/>
+                    <a:lstStyle/>
+                    <a:p>
+                      <a:pPr marL="0" algn="l" defTabSz="914400" rtl="0" eaLnBrk="1" fontAlgn="b" latinLnBrk="0" hangingPunct="1"/>
+                      <a:r>
+                        <a:rPr lang="en-US" sz="1800" u="none" strike="noStrike" kern="1200" dirty="0">
+                          <a:solidFill>
+                            <a:schemeClr val="dk1"/>
+                          </a:solidFill>
+                          <a:effectLst/>
+                          <a:latin typeface="+mn-lt"/>
+                          <a:ea typeface="+mn-ea"/>
+                          <a:cs typeface="+mn-cs"/>
+                        </a:rPr>
+                        <a:t>Number of kitchens</a:t>
+                      </a:r>
+                    </a:p>
+                  </a:txBody>
+                  <a:tcPr marL="7620" marR="7620" marT="7620" marB="0" anchor="b"/>
+                </a:tc>
+                <a:extLst>
+                  <a:ext uri="{0D108BD9-81ED-4DB2-BD59-A6C34878D82A}">
+                    <a16:rowId xmlns:a16="http://schemas.microsoft.com/office/drawing/2014/main" val="3180692639"/>
+                  </a:ext>
+                </a:extLst>
+              </a:tr>
+              <a:tr h="241955">
+                <a:tc>
+                  <a:txBody>
+                    <a:bodyPr/>
+                    <a:lstStyle/>
+                    <a:p>
+                      <a:pPr marL="285750" indent="-285750" algn="l" defTabSz="914400" rtl="0" eaLnBrk="1" fontAlgn="b" latinLnBrk="0" hangingPunct="1">
+                        <a:buFont typeface="Arial" panose="020B0604020202020204" pitchFamily="34" charset="0"/>
+                        <a:buChar char="•"/>
+                      </a:pPr>
+                      <a:r>
+                        <a:rPr lang="en-US" sz="1600" b="1" u="none" strike="noStrike" kern="1200" dirty="0">
+                          <a:solidFill>
+                            <a:schemeClr val="dk1"/>
+                          </a:solidFill>
+                          <a:effectLst/>
+                          <a:latin typeface="+mn-lt"/>
+                          <a:ea typeface="+mn-ea"/>
+                          <a:cs typeface="+mn-cs"/>
+                        </a:rPr>
+                        <a:t>FIREPLACES</a:t>
+                      </a:r>
+                    </a:p>
+                  </a:txBody>
+                  <a:tcPr marL="7620" marR="7620" marT="7620" marB="0" anchor="b"/>
+                </a:tc>
+                <a:tc>
+                  <a:txBody>
+                    <a:bodyPr/>
+                    <a:lstStyle/>
+                    <a:p>
+                      <a:pPr marL="0" algn="l" defTabSz="914400" rtl="0" eaLnBrk="1" fontAlgn="b" latinLnBrk="0" hangingPunct="1"/>
+                      <a:r>
+                        <a:rPr lang="en-US" sz="1800" u="none" strike="noStrike" kern="1200" dirty="0">
+                          <a:solidFill>
+                            <a:schemeClr val="dk1"/>
+                          </a:solidFill>
+                          <a:effectLst/>
+                          <a:latin typeface="+mn-lt"/>
+                          <a:ea typeface="+mn-ea"/>
+                          <a:cs typeface="+mn-cs"/>
+                        </a:rPr>
+                        <a:t>Number of fireplaces</a:t>
+                      </a:r>
+                    </a:p>
+                  </a:txBody>
+                  <a:tcPr marL="7620" marR="7620" marT="7620" marB="0" anchor="b"/>
+                </a:tc>
+                <a:extLst>
+                  <a:ext uri="{0D108BD9-81ED-4DB2-BD59-A6C34878D82A}">
+                    <a16:rowId xmlns:a16="http://schemas.microsoft.com/office/drawing/2014/main" val="1143910689"/>
+                  </a:ext>
+                </a:extLst>
+              </a:tr>
+              <a:tr h="248247">
+                <a:tc>
+                  <a:txBody>
+                    <a:bodyPr/>
+                    <a:lstStyle/>
+                    <a:p>
+                      <a:pPr marL="285750" indent="-285750" algn="l" defTabSz="914400" rtl="0" eaLnBrk="1" fontAlgn="b" latinLnBrk="0" hangingPunct="1">
+                        <a:buFont typeface="Arial" panose="020B0604020202020204" pitchFamily="34" charset="0"/>
+                        <a:buChar char="•"/>
+                      </a:pPr>
+                      <a:r>
+                        <a:rPr lang="en-US" sz="1600" b="1" u="none" strike="noStrike" kern="1200" dirty="0">
+                          <a:solidFill>
+                            <a:schemeClr val="dk1"/>
+                          </a:solidFill>
+                          <a:effectLst/>
+                          <a:latin typeface="+mn-lt"/>
+                          <a:ea typeface="+mn-ea"/>
+                          <a:cs typeface="+mn-cs"/>
+                        </a:rPr>
+                        <a:t>LANDAREA</a:t>
+                      </a:r>
+                    </a:p>
+                  </a:txBody>
+                  <a:tcPr marL="7620" marR="7620" marT="7620" marB="0" anchor="b"/>
+                </a:tc>
+                <a:tc>
+                  <a:txBody>
+                    <a:bodyPr/>
+                    <a:lstStyle/>
+                    <a:p>
+                      <a:pPr marL="0" algn="l" defTabSz="914400" rtl="0" eaLnBrk="1" fontAlgn="b" latinLnBrk="0" hangingPunct="1"/>
+                      <a:r>
+                        <a:rPr lang="en-US" sz="1800" u="none" strike="noStrike" kern="1200" dirty="0">
+                          <a:solidFill>
+                            <a:schemeClr val="dk1"/>
+                          </a:solidFill>
+                          <a:effectLst/>
+                          <a:latin typeface="+mn-lt"/>
+                          <a:ea typeface="+mn-ea"/>
+                          <a:cs typeface="+mn-cs"/>
+                        </a:rPr>
+                        <a:t>Land area of property in square feet</a:t>
+                      </a:r>
+                    </a:p>
+                  </a:txBody>
+                  <a:tcPr marL="7620" marR="7620" marT="7620" marB="0" anchor="b"/>
+                </a:tc>
+                <a:extLst>
+                  <a:ext uri="{0D108BD9-81ED-4DB2-BD59-A6C34878D82A}">
+                    <a16:rowId xmlns:a16="http://schemas.microsoft.com/office/drawing/2014/main" val="573638794"/>
+                  </a:ext>
+                </a:extLst>
+              </a:tr>
+              <a:tr h="248247">
+                <a:tc>
+                  <a:txBody>
+                    <a:bodyPr/>
+                    <a:lstStyle/>
+                    <a:p>
+                      <a:pPr marL="285750" indent="-285750" algn="l" defTabSz="914400" rtl="0" eaLnBrk="1" fontAlgn="b" latinLnBrk="0" hangingPunct="1">
+                        <a:buFont typeface="Arial" panose="020B0604020202020204" pitchFamily="34" charset="0"/>
+                        <a:buChar char="•"/>
+                      </a:pPr>
+                      <a:r>
+                        <a:rPr lang="en-US" sz="1600" b="1" u="none" strike="noStrike" kern="1200" dirty="0">
+                          <a:solidFill>
+                            <a:schemeClr val="dk1"/>
+                          </a:solidFill>
+                          <a:effectLst/>
+                          <a:latin typeface="+mn-lt"/>
+                          <a:ea typeface="+mn-ea"/>
+                          <a:cs typeface="+mn-cs"/>
+                        </a:rPr>
+                        <a:t>SOURCE</a:t>
+                      </a:r>
+                    </a:p>
+                  </a:txBody>
+                  <a:tcPr marL="7620" marR="7620" marT="7620" marB="0" anchor="b"/>
+                </a:tc>
+                <a:tc>
+                  <a:txBody>
+                    <a:bodyPr/>
+                    <a:lstStyle/>
+                    <a:p>
+                      <a:pPr marL="0" algn="l" defTabSz="914400" rtl="0" eaLnBrk="1" fontAlgn="b" latinLnBrk="0" hangingPunct="1"/>
+                      <a:r>
+                        <a:rPr lang="en-US" sz="1800" u="none" strike="noStrike" kern="1200" dirty="0">
+                          <a:solidFill>
+                            <a:schemeClr val="dk1"/>
+                          </a:solidFill>
+                          <a:effectLst/>
+                          <a:latin typeface="+mn-lt"/>
+                          <a:ea typeface="+mn-ea"/>
+                          <a:cs typeface="+mn-cs"/>
+                        </a:rPr>
+                        <a:t>Raw Data Source</a:t>
+                      </a:r>
+                    </a:p>
+                  </a:txBody>
+                  <a:tcPr marL="7620" marR="7620" marT="7620" marB="0" anchor="b"/>
+                </a:tc>
+                <a:extLst>
+                  <a:ext uri="{0D108BD9-81ED-4DB2-BD59-A6C34878D82A}">
+                    <a16:rowId xmlns:a16="http://schemas.microsoft.com/office/drawing/2014/main" val="2627535181"/>
+                  </a:ext>
+                </a:extLst>
+              </a:tr>
+              <a:tr h="248247">
+                <a:tc>
+                  <a:txBody>
+                    <a:bodyPr/>
+                    <a:lstStyle/>
+                    <a:p>
+                      <a:pPr marL="285750" indent="-285750" algn="l" defTabSz="914400" rtl="0" eaLnBrk="1" fontAlgn="b" latinLnBrk="0" hangingPunct="1">
+                        <a:buFont typeface="Arial" panose="020B0604020202020204" pitchFamily="34" charset="0"/>
+                        <a:buChar char="•"/>
+                      </a:pPr>
+                      <a:r>
+                        <a:rPr lang="en-US" sz="1600" b="1" u="none" strike="noStrike" kern="1200" dirty="0">
+                          <a:solidFill>
+                            <a:schemeClr val="dk1"/>
+                          </a:solidFill>
+                          <a:effectLst/>
+                          <a:latin typeface="+mn-lt"/>
+                          <a:ea typeface="+mn-ea"/>
+                          <a:cs typeface="+mn-cs"/>
+                        </a:rPr>
+                        <a:t>LIVING_GBA</a:t>
+                      </a:r>
+                    </a:p>
+                  </a:txBody>
+                  <a:tcPr marL="7620" marR="7620" marT="7620" marB="0" anchor="b"/>
+                </a:tc>
+                <a:tc>
+                  <a:txBody>
+                    <a:bodyPr/>
+                    <a:lstStyle/>
+                    <a:p>
+                      <a:pPr marL="0" algn="l" defTabSz="914400" rtl="0" eaLnBrk="1" fontAlgn="b" latinLnBrk="0" hangingPunct="1"/>
+                      <a:r>
+                        <a:rPr lang="en-US" sz="1800" u="none" strike="noStrike" kern="1200" dirty="0">
+                          <a:solidFill>
+                            <a:schemeClr val="dk1"/>
+                          </a:solidFill>
+                          <a:effectLst/>
+                          <a:latin typeface="+mn-lt"/>
+                          <a:ea typeface="+mn-ea"/>
+                          <a:cs typeface="+mn-cs"/>
+                        </a:rPr>
+                        <a:t>Gross building area in square feet</a:t>
+                      </a:r>
+                    </a:p>
+                  </a:txBody>
+                  <a:tcPr marL="7620" marR="7620" marT="7620" marB="0" anchor="b"/>
+                </a:tc>
+                <a:extLst>
+                  <a:ext uri="{0D108BD9-81ED-4DB2-BD59-A6C34878D82A}">
+                    <a16:rowId xmlns:a16="http://schemas.microsoft.com/office/drawing/2014/main" val="3293240497"/>
+                  </a:ext>
+                </a:extLst>
+              </a:tr>
+              <a:tr h="248247">
+                <a:tc>
+                  <a:txBody>
+                    <a:bodyPr/>
+                    <a:lstStyle/>
+                    <a:p>
+                      <a:pPr marL="285750" indent="-285750" algn="l" defTabSz="914400" rtl="0" eaLnBrk="1" fontAlgn="b" latinLnBrk="0" hangingPunct="1">
+                        <a:buFont typeface="Arial" panose="020B0604020202020204" pitchFamily="34" charset="0"/>
+                        <a:buChar char="•"/>
+                      </a:pPr>
+                      <a:r>
+                        <a:rPr lang="en-US" sz="1600" b="1" u="none" strike="noStrike" kern="1200" dirty="0">
+                          <a:solidFill>
+                            <a:schemeClr val="dk1"/>
+                          </a:solidFill>
+                          <a:effectLst/>
+                          <a:latin typeface="+mn-lt"/>
+                          <a:ea typeface="+mn-ea"/>
+                          <a:cs typeface="+mn-cs"/>
+                        </a:rPr>
+                        <a:t>FULLADDRESS</a:t>
+                      </a:r>
+                    </a:p>
+                  </a:txBody>
+                  <a:tcPr marL="7620" marR="7620" marT="7620" marB="0" anchor="b"/>
+                </a:tc>
+                <a:tc>
+                  <a:txBody>
+                    <a:bodyPr/>
+                    <a:lstStyle/>
+                    <a:p>
+                      <a:pPr marL="0" algn="l" defTabSz="914400" rtl="0" eaLnBrk="1" fontAlgn="b" latinLnBrk="0" hangingPunct="1"/>
+                      <a:r>
+                        <a:rPr lang="en-US" sz="1800" u="none" strike="noStrike" kern="1200" dirty="0">
+                          <a:solidFill>
+                            <a:schemeClr val="dk1"/>
+                          </a:solidFill>
+                          <a:effectLst/>
+                          <a:latin typeface="+mn-lt"/>
+                          <a:ea typeface="+mn-ea"/>
+                          <a:cs typeface="+mn-cs"/>
+                        </a:rPr>
+                        <a:t>Full Street Address</a:t>
+                      </a:r>
+                    </a:p>
+                  </a:txBody>
+                  <a:tcPr marL="7620" marR="7620" marT="7620" marB="0" anchor="b"/>
+                </a:tc>
+                <a:extLst>
+                  <a:ext uri="{0D108BD9-81ED-4DB2-BD59-A6C34878D82A}">
+                    <a16:rowId xmlns:a16="http://schemas.microsoft.com/office/drawing/2014/main" val="905417726"/>
+                  </a:ext>
+                </a:extLst>
+              </a:tr>
+              <a:tr h="248247">
+                <a:tc>
+                  <a:txBody>
+                    <a:bodyPr/>
+                    <a:lstStyle/>
+                    <a:p>
+                      <a:pPr marL="285750" indent="-285750" algn="l" defTabSz="914400" rtl="0" eaLnBrk="1" fontAlgn="b" latinLnBrk="0" hangingPunct="1">
+                        <a:buFont typeface="Arial" panose="020B0604020202020204" pitchFamily="34" charset="0"/>
+                        <a:buChar char="•"/>
+                      </a:pPr>
+                      <a:r>
+                        <a:rPr lang="en-US" sz="1600" b="1" u="none" strike="noStrike" kern="1200" dirty="0">
+                          <a:solidFill>
+                            <a:schemeClr val="dk1"/>
+                          </a:solidFill>
+                          <a:effectLst/>
+                          <a:latin typeface="+mn-lt"/>
+                          <a:ea typeface="+mn-ea"/>
+                          <a:cs typeface="+mn-cs"/>
+                        </a:rPr>
+                        <a:t>ZIPCODE</a:t>
+                      </a:r>
+                    </a:p>
+                  </a:txBody>
+                  <a:tcPr marL="7620" marR="7620" marT="7620" marB="0" anchor="b"/>
+                </a:tc>
+                <a:tc>
+                  <a:txBody>
+                    <a:bodyPr/>
+                    <a:lstStyle/>
+                    <a:p>
+                      <a:pPr marL="0" algn="l" defTabSz="914400" rtl="0" eaLnBrk="1" fontAlgn="b" latinLnBrk="0" hangingPunct="1"/>
+                      <a:r>
+                        <a:rPr lang="en-US" sz="1800" u="none" strike="noStrike" kern="1200" dirty="0">
+                          <a:solidFill>
+                            <a:schemeClr val="dk1"/>
+                          </a:solidFill>
+                          <a:effectLst/>
+                          <a:latin typeface="+mn-lt"/>
+                          <a:ea typeface="+mn-ea"/>
+                          <a:cs typeface="+mn-cs"/>
+                        </a:rPr>
+                        <a:t>Zip Code</a:t>
+                      </a:r>
+                    </a:p>
+                  </a:txBody>
+                  <a:tcPr marL="7620" marR="7620" marT="7620" marB="0" anchor="b"/>
+                </a:tc>
+                <a:extLst>
+                  <a:ext uri="{0D108BD9-81ED-4DB2-BD59-A6C34878D82A}">
+                    <a16:rowId xmlns:a16="http://schemas.microsoft.com/office/drawing/2014/main" val="271691939"/>
+                  </a:ext>
+                </a:extLst>
+              </a:tr>
+              <a:tr h="248247">
+                <a:tc>
+                  <a:txBody>
+                    <a:bodyPr/>
+                    <a:lstStyle/>
+                    <a:p>
+                      <a:pPr marL="285750" indent="-285750" algn="l" defTabSz="914400" rtl="0" eaLnBrk="1" fontAlgn="b" latinLnBrk="0" hangingPunct="1">
+                        <a:buFont typeface="Arial" panose="020B0604020202020204" pitchFamily="34" charset="0"/>
+                        <a:buChar char="•"/>
+                      </a:pPr>
+                      <a:r>
+                        <a:rPr lang="en-US" sz="1600" b="1" u="none" strike="noStrike" kern="1200" dirty="0">
+                          <a:solidFill>
+                            <a:schemeClr val="dk1"/>
+                          </a:solidFill>
+                          <a:effectLst/>
+                          <a:latin typeface="+mn-lt"/>
+                          <a:ea typeface="+mn-ea"/>
+                          <a:cs typeface="+mn-cs"/>
+                        </a:rPr>
+                        <a:t>LATITUDE</a:t>
+                      </a:r>
+                    </a:p>
+                  </a:txBody>
+                  <a:tcPr marL="7620" marR="7620" marT="7620" marB="0" anchor="b"/>
+                </a:tc>
+                <a:tc>
+                  <a:txBody>
+                    <a:bodyPr/>
+                    <a:lstStyle/>
+                    <a:p>
+                      <a:pPr marL="0" algn="l" defTabSz="914400" rtl="0" eaLnBrk="1" fontAlgn="b" latinLnBrk="0" hangingPunct="1"/>
+                      <a:r>
+                        <a:rPr lang="en-US" sz="1800" u="none" strike="noStrike" kern="1200" dirty="0">
+                          <a:solidFill>
+                            <a:schemeClr val="dk1"/>
+                          </a:solidFill>
+                          <a:effectLst/>
+                          <a:latin typeface="+mn-lt"/>
+                          <a:ea typeface="+mn-ea"/>
+                          <a:cs typeface="+mn-cs"/>
+                        </a:rPr>
+                        <a:t>Latitude</a:t>
+                      </a:r>
+                    </a:p>
+                  </a:txBody>
+                  <a:tcPr marL="7620" marR="7620" marT="7620" marB="0" anchor="b"/>
+                </a:tc>
+                <a:extLst>
+                  <a:ext uri="{0D108BD9-81ED-4DB2-BD59-A6C34878D82A}">
+                    <a16:rowId xmlns:a16="http://schemas.microsoft.com/office/drawing/2014/main" val="3590590634"/>
+                  </a:ext>
+                </a:extLst>
+              </a:tr>
+              <a:tr h="248247">
+                <a:tc>
+                  <a:txBody>
+                    <a:bodyPr/>
+                    <a:lstStyle/>
+                    <a:p>
+                      <a:pPr marL="285750" indent="-285750" algn="l" defTabSz="914400" rtl="0" eaLnBrk="1" fontAlgn="b" latinLnBrk="0" hangingPunct="1">
+                        <a:buFont typeface="Arial" panose="020B0604020202020204" pitchFamily="34" charset="0"/>
+                        <a:buChar char="•"/>
+                      </a:pPr>
+                      <a:r>
+                        <a:rPr lang="en-US" sz="1600" b="1" u="none" strike="noStrike" kern="1200" dirty="0">
+                          <a:solidFill>
+                            <a:schemeClr val="dk1"/>
+                          </a:solidFill>
+                          <a:effectLst/>
+                          <a:latin typeface="+mn-lt"/>
+                          <a:ea typeface="+mn-ea"/>
+                          <a:cs typeface="+mn-cs"/>
+                        </a:rPr>
+                        <a:t>LONGITUDE</a:t>
+                      </a:r>
+                    </a:p>
+                  </a:txBody>
+                  <a:tcPr marL="7620" marR="7620" marT="7620" marB="0" anchor="b"/>
+                </a:tc>
+                <a:tc>
+                  <a:txBody>
+                    <a:bodyPr/>
+                    <a:lstStyle/>
+                    <a:p>
+                      <a:pPr marL="0" algn="l" defTabSz="914400" rtl="0" eaLnBrk="1" fontAlgn="b" latinLnBrk="0" hangingPunct="1"/>
+                      <a:r>
+                        <a:rPr lang="en-US" sz="1800" u="none" strike="noStrike" kern="1200" dirty="0">
+                          <a:solidFill>
+                            <a:schemeClr val="dk1"/>
+                          </a:solidFill>
+                          <a:effectLst/>
+                          <a:latin typeface="+mn-lt"/>
+                          <a:ea typeface="+mn-ea"/>
+                          <a:cs typeface="+mn-cs"/>
+                        </a:rPr>
+                        <a:t>Longitude</a:t>
+                      </a:r>
+                    </a:p>
+                  </a:txBody>
+                  <a:tcPr marL="7620" marR="7620" marT="7620" marB="0" anchor="b"/>
+                </a:tc>
+                <a:extLst>
+                  <a:ext uri="{0D108BD9-81ED-4DB2-BD59-A6C34878D82A}">
+                    <a16:rowId xmlns:a16="http://schemas.microsoft.com/office/drawing/2014/main" val="535625483"/>
+                  </a:ext>
+                </a:extLst>
+              </a:tr>
+              <a:tr h="248247">
+                <a:tc>
+                  <a:txBody>
+                    <a:bodyPr/>
+                    <a:lstStyle/>
+                    <a:p>
+                      <a:pPr marL="285750" indent="-285750" algn="l" defTabSz="914400" rtl="0" eaLnBrk="1" fontAlgn="b" latinLnBrk="0" hangingPunct="1">
+                        <a:buFont typeface="Arial" panose="020B0604020202020204" pitchFamily="34" charset="0"/>
+                        <a:buChar char="•"/>
+                      </a:pPr>
+                      <a:r>
+                        <a:rPr lang="en-US" sz="1600" b="1" u="none" strike="noStrike" kern="1200" dirty="0">
+                          <a:solidFill>
+                            <a:schemeClr val="dk1"/>
+                          </a:solidFill>
+                          <a:effectLst/>
+                          <a:latin typeface="+mn-lt"/>
+                          <a:ea typeface="+mn-ea"/>
+                          <a:cs typeface="+mn-cs"/>
+                        </a:rPr>
+                        <a:t>ASSESSMENT_NBHD</a:t>
+                      </a:r>
+                    </a:p>
+                  </a:txBody>
+                  <a:tcPr marL="7620" marR="7620" marT="7620" marB="0" anchor="b"/>
+                </a:tc>
+                <a:tc>
+                  <a:txBody>
+                    <a:bodyPr/>
+                    <a:lstStyle/>
+                    <a:p>
+                      <a:pPr marL="0" algn="l" defTabSz="914400" rtl="0" eaLnBrk="1" fontAlgn="b" latinLnBrk="0" hangingPunct="1"/>
+                      <a:r>
+                        <a:rPr lang="en-US" sz="1800" u="none" strike="noStrike" kern="1200" dirty="0">
+                          <a:solidFill>
+                            <a:schemeClr val="dk1"/>
+                          </a:solidFill>
+                          <a:effectLst/>
+                          <a:latin typeface="+mn-lt"/>
+                          <a:ea typeface="+mn-ea"/>
+                          <a:cs typeface="+mn-cs"/>
+                        </a:rPr>
+                        <a:t>Neighborhood ID</a:t>
+                      </a:r>
+                    </a:p>
+                  </a:txBody>
+                  <a:tcPr marL="7620" marR="7620" marT="7620" marB="0" anchor="b"/>
+                </a:tc>
+                <a:extLst>
+                  <a:ext uri="{0D108BD9-81ED-4DB2-BD59-A6C34878D82A}">
+                    <a16:rowId xmlns:a16="http://schemas.microsoft.com/office/drawing/2014/main" val="2220064615"/>
+                  </a:ext>
+                </a:extLst>
+              </a:tr>
+              <a:tr h="248247">
+                <a:tc>
+                  <a:txBody>
+                    <a:bodyPr/>
+                    <a:lstStyle/>
+                    <a:p>
+                      <a:pPr marL="285750" indent="-285750" algn="l" defTabSz="914400" rtl="0" eaLnBrk="1" fontAlgn="b" latinLnBrk="0" hangingPunct="1">
+                        <a:buFont typeface="Arial" panose="020B0604020202020204" pitchFamily="34" charset="0"/>
+                        <a:buChar char="•"/>
+                      </a:pPr>
+                      <a:r>
+                        <a:rPr lang="en-US" sz="1600" b="1" u="none" strike="noStrike" kern="1200" dirty="0">
+                          <a:solidFill>
+                            <a:schemeClr val="dk1"/>
+                          </a:solidFill>
+                          <a:effectLst/>
+                          <a:latin typeface="+mn-lt"/>
+                          <a:ea typeface="+mn-ea"/>
+                          <a:cs typeface="+mn-cs"/>
+                        </a:rPr>
+                        <a:t>WARD</a:t>
+                      </a:r>
+                    </a:p>
+                  </a:txBody>
+                  <a:tcPr marL="7620" marR="7620" marT="7620" marB="0" anchor="b"/>
+                </a:tc>
+                <a:tc>
+                  <a:txBody>
+                    <a:bodyPr/>
+                    <a:lstStyle/>
+                    <a:p>
+                      <a:pPr marL="0" algn="l" defTabSz="914400" rtl="0" eaLnBrk="1" fontAlgn="b" latinLnBrk="0" hangingPunct="1"/>
+                      <a:r>
+                        <a:rPr lang="en-US" sz="1800" u="none" strike="noStrike" kern="1200" dirty="0">
+                          <a:solidFill>
+                            <a:schemeClr val="dk1"/>
+                          </a:solidFill>
+                          <a:effectLst/>
+                          <a:latin typeface="+mn-lt"/>
+                          <a:ea typeface="+mn-ea"/>
+                          <a:cs typeface="+mn-cs"/>
+                        </a:rPr>
+                        <a:t>Ward (District is divided into eight wards, each with approximately 75,000 residents)</a:t>
+                      </a:r>
+                    </a:p>
+                  </a:txBody>
+                  <a:tcPr marL="7620" marR="7620" marT="7620" marB="0" anchor="b"/>
+                </a:tc>
+                <a:extLst>
+                  <a:ext uri="{0D108BD9-81ED-4DB2-BD59-A6C34878D82A}">
+                    <a16:rowId xmlns:a16="http://schemas.microsoft.com/office/drawing/2014/main" val="3502323243"/>
+                  </a:ext>
+                </a:extLst>
+              </a:tr>
+              <a:tr h="248247">
+                <a:tc>
+                  <a:txBody>
+                    <a:bodyPr/>
+                    <a:lstStyle/>
+                    <a:p>
+                      <a:pPr marL="285750" indent="-285750" algn="l" defTabSz="914400" rtl="0" eaLnBrk="1" fontAlgn="b" latinLnBrk="0" hangingPunct="1">
+                        <a:buFont typeface="Arial" panose="020B0604020202020204" pitchFamily="34" charset="0"/>
+                        <a:buChar char="•"/>
+                      </a:pPr>
+                      <a:r>
+                        <a:rPr lang="en-US" sz="1600" b="1" u="none" strike="noStrike" kern="1200" dirty="0">
+                          <a:solidFill>
+                            <a:schemeClr val="dk1"/>
+                          </a:solidFill>
+                          <a:effectLst/>
+                          <a:latin typeface="+mn-lt"/>
+                          <a:ea typeface="+mn-ea"/>
+                          <a:cs typeface="+mn-cs"/>
+                        </a:rPr>
+                        <a:t>SQUARE</a:t>
+                      </a:r>
+                    </a:p>
+                  </a:txBody>
+                  <a:tcPr marL="7620" marR="7620" marT="7620" marB="0" anchor="b"/>
+                </a:tc>
+                <a:tc>
+                  <a:txBody>
+                    <a:bodyPr/>
+                    <a:lstStyle/>
+                    <a:p>
+                      <a:pPr marL="0" algn="l" defTabSz="914400" rtl="0" eaLnBrk="1" fontAlgn="b" latinLnBrk="0" hangingPunct="1"/>
+                      <a:r>
+                        <a:rPr lang="en-US" sz="1800" u="none" strike="noStrike" kern="1200" dirty="0">
+                          <a:solidFill>
+                            <a:schemeClr val="dk1"/>
+                          </a:solidFill>
+                          <a:effectLst/>
+                          <a:latin typeface="+mn-lt"/>
+                          <a:ea typeface="+mn-ea"/>
+                          <a:cs typeface="+mn-cs"/>
+                        </a:rPr>
+                        <a:t>Square (from SSL)</a:t>
+                      </a:r>
+                    </a:p>
+                  </a:txBody>
+                  <a:tcPr marL="7620" marR="7620" marT="7620" marB="0" anchor="b"/>
+                </a:tc>
+                <a:extLst>
+                  <a:ext uri="{0D108BD9-81ED-4DB2-BD59-A6C34878D82A}">
+                    <a16:rowId xmlns:a16="http://schemas.microsoft.com/office/drawing/2014/main" val="2521142043"/>
+                  </a:ext>
+                </a:extLst>
+              </a:tr>
+              <a:tr h="0">
+                <a:tc>
+                  <a:txBody>
+                    <a:bodyPr/>
+                    <a:lstStyle/>
+                    <a:p>
+                      <a:pPr marL="285750" indent="-285750" algn="l" defTabSz="914400" rtl="0" eaLnBrk="1" fontAlgn="b" latinLnBrk="0" hangingPunct="1">
+                        <a:buFont typeface="Arial" panose="020B0604020202020204" pitchFamily="34" charset="0"/>
+                        <a:buChar char="•"/>
+                      </a:pPr>
+                      <a:r>
+                        <a:rPr lang="en-US" sz="1600" b="1" u="none" strike="noStrike" kern="1200" dirty="0">
+                          <a:solidFill>
+                            <a:schemeClr val="dk1"/>
+                          </a:solidFill>
+                          <a:effectLst/>
+                          <a:latin typeface="+mn-lt"/>
+                          <a:ea typeface="+mn-ea"/>
+                          <a:cs typeface="+mn-cs"/>
+                        </a:rPr>
+                        <a:t>QUADRANT</a:t>
+                      </a:r>
+                    </a:p>
+                  </a:txBody>
+                  <a:tcPr marL="7620" marR="7620" marT="7620" marB="0" anchor="b"/>
+                </a:tc>
+                <a:tc>
+                  <a:txBody>
+                    <a:bodyPr/>
+                    <a:lstStyle/>
+                    <a:p>
+                      <a:pPr marL="0" algn="l" defTabSz="914400" rtl="0" eaLnBrk="1" fontAlgn="b" latinLnBrk="0" hangingPunct="1"/>
+                      <a:r>
+                        <a:rPr lang="en-US" sz="1800" u="none" strike="noStrike" kern="1200" dirty="0">
+                          <a:solidFill>
+                            <a:schemeClr val="dk1"/>
+                          </a:solidFill>
+                          <a:effectLst/>
+                          <a:latin typeface="+mn-lt"/>
+                          <a:ea typeface="+mn-ea"/>
+                          <a:cs typeface="+mn-cs"/>
+                        </a:rPr>
+                        <a:t>City quadrant (NE,SE,SW,NW)</a:t>
+                      </a:r>
+                    </a:p>
+                  </a:txBody>
+                  <a:tcPr marL="7620" marR="7620" marT="7620" marB="0" anchor="b"/>
+                </a:tc>
+                <a:extLst>
+                  <a:ext uri="{0D108BD9-81ED-4DB2-BD59-A6C34878D82A}">
+                    <a16:rowId xmlns:a16="http://schemas.microsoft.com/office/drawing/2014/main" val="3160023819"/>
+                  </a:ext>
+                </a:extLst>
+              </a:tr>
+            </a:tbl>
+          </a:graphicData>
+        </a:graphic>
+      </p:graphicFrame>
+    </p:spTree>
+    <p:extLst>
+      <p:ext uri="{BB962C8B-B14F-4D97-AF65-F5344CB8AC3E}">
+        <p14:creationId xmlns:p14="http://schemas.microsoft.com/office/powerpoint/2010/main" val="3666573425"/>
+      </p:ext>
+    </p:extLst>
+  </p:cSld>
+  <p:clrMapOvr>
+    <a:masterClrMapping/>
+  </p:clrMapOvr>
+</p:sld>
+</file>
+
+<file path=ppt/slides/slide7.xml><?xml version="1.0" encoding="utf-8"?>
+<p:sld xmlns:a="http://schemas.openxmlformats.org/drawingml/2006/main" xmlns:r="http://schemas.openxmlformats.org/officeDocument/2006/relationships" xmlns:p="http://schemas.openxmlformats.org/presentationml/2006/main">
+  <p:cSld>
+    <p:spTree>
+      <p:nvGrpSpPr>
+        <p:cNvPr id="1" name=""/>
+        <p:cNvGrpSpPr/>
+        <p:nvPr/>
+      </p:nvGrpSpPr>
+      <p:grpSpPr>
+        <a:xfrm>
+          <a:off x="0" y="0"/>
+          <a:ext cx="0" cy="0"/>
+          <a:chOff x="0" y="0"/>
+          <a:chExt cx="0" cy="0"/>
+        </a:xfrm>
+      </p:grpSpPr>
+      <p:sp>
+        <p:nvSpPr>
+          <p:cNvPr id="2" name="Title 1">
+            <a:extLst>
+              <a:ext uri="{FF2B5EF4-FFF2-40B4-BE49-F238E27FC236}">
+                <a16:creationId xmlns:a16="http://schemas.microsoft.com/office/drawing/2014/main" id="{4621275F-30F7-444B-A6D3-622AD64A4D24}"/>
+              </a:ext>
+            </a:extLst>
+          </p:cNvPr>
+          <p:cNvSpPr>
+            <a:spLocks noGrp="1"/>
+          </p:cNvSpPr>
+          <p:nvPr>
+            <p:ph type="title"/>
+          </p:nvPr>
+        </p:nvSpPr>
+        <p:spPr>
+          <a:xfrm>
+            <a:off x="178443" y="133632"/>
+            <a:ext cx="10515600" cy="850216"/>
+          </a:xfrm>
+        </p:spPr>
+        <p:txBody>
+          <a:bodyPr/>
+          <a:lstStyle/>
+          <a:p>
+            <a:r>
+              <a:rPr lang="en-US" b="1" dirty="0"/>
+              <a:t>Data Glossary </a:t>
+            </a:r>
+            <a:r>
+              <a:rPr lang="en-US" b="1" dirty="0">
+                <a:sym typeface="Century Schoolbook"/>
+              </a:rPr>
+              <a:t>(Continued)</a:t>
+            </a:r>
+            <a:endParaRPr lang="en-US" b="1" dirty="0"/>
+          </a:p>
+        </p:txBody>
+      </p:sp>
+      <p:pic>
+        <p:nvPicPr>
+          <p:cNvPr id="6" name="Picture 5">
+            <a:extLst>
+              <a:ext uri="{FF2B5EF4-FFF2-40B4-BE49-F238E27FC236}">
+                <a16:creationId xmlns:a16="http://schemas.microsoft.com/office/drawing/2014/main" id="{E3DB6D93-1EDD-48BB-A358-1E7581248599}"/>
+              </a:ext>
+            </a:extLst>
+          </p:cNvPr>
+          <p:cNvPicPr>
+            <a:picLocks noChangeAspect="1"/>
+          </p:cNvPicPr>
+          <p:nvPr/>
+        </p:nvPicPr>
+        <p:blipFill>
+          <a:blip r:embed="rId2"/>
+          <a:stretch>
+            <a:fillRect/>
+          </a:stretch>
+        </p:blipFill>
+        <p:spPr>
+          <a:xfrm>
+            <a:off x="775504" y="877024"/>
+            <a:ext cx="9813208" cy="5847344"/>
+          </a:xfrm>
+          <a:prstGeom prst="rect">
+            <a:avLst/>
+          </a:prstGeom>
+        </p:spPr>
+      </p:pic>
+    </p:spTree>
+    <p:extLst>
+      <p:ext uri="{BB962C8B-B14F-4D97-AF65-F5344CB8AC3E}">
+        <p14:creationId xmlns:p14="http://schemas.microsoft.com/office/powerpoint/2010/main" val="399264"/>
+      </p:ext>
+    </p:extLst>
+  </p:cSld>
+  <p:clrMapOvr>
+    <a:masterClrMapping/>
+  </p:clrMapOvr>
+</p:sld>
+</file>
+
+<file path=ppt/slides/slide8.xml><?xml version="1.0" encoding="utf-8"?>
+<p:sld xmlns:a="http://schemas.openxmlformats.org/drawingml/2006/main" xmlns:r="http://schemas.openxmlformats.org/officeDocument/2006/relationships" xmlns:p="http://schemas.openxmlformats.org/presentationml/2006/main">
+  <p:cSld>
+    <p:spTree>
+      <p:nvGrpSpPr>
+        <p:cNvPr id="1" name=""/>
+        <p:cNvGrpSpPr/>
+        <p:nvPr/>
+      </p:nvGrpSpPr>
+      <p:grpSpPr>
+        <a:xfrm>
+          <a:off x="0" y="0"/>
+          <a:ext cx="0" cy="0"/>
+          <a:chOff x="0" y="0"/>
+          <a:chExt cx="0" cy="0"/>
+        </a:xfrm>
+      </p:grpSpPr>
+      <p:sp>
+        <p:nvSpPr>
+          <p:cNvPr id="3" name="Content Placeholder 2">
+            <a:extLst>
+              <a:ext uri="{FF2B5EF4-FFF2-40B4-BE49-F238E27FC236}">
+                <a16:creationId xmlns:a16="http://schemas.microsoft.com/office/drawing/2014/main" id="{23E8FE59-3CB8-4C38-9C45-76A2038D34CB}"/>
+              </a:ext>
+            </a:extLst>
+          </p:cNvPr>
+          <p:cNvSpPr>
+            <a:spLocks noGrp="1"/>
+          </p:cNvSpPr>
+          <p:nvPr>
+            <p:ph idx="1"/>
+          </p:nvPr>
+        </p:nvSpPr>
+        <p:spPr/>
+        <p:txBody>
+          <a:bodyPr/>
+          <a:lstStyle/>
+          <a:p>
+            <a:endParaRPr lang="en-US" dirty="0"/>
+          </a:p>
+        </p:txBody>
+      </p:sp>
+      <p:pic>
+        <p:nvPicPr>
+          <p:cNvPr id="4" name="Picture 3">
+            <a:extLst>
+              <a:ext uri="{FF2B5EF4-FFF2-40B4-BE49-F238E27FC236}">
+                <a16:creationId xmlns:a16="http://schemas.microsoft.com/office/drawing/2014/main" id="{0C237D7E-2DB0-489E-AA78-33A0379F0F18}"/>
+              </a:ext>
+            </a:extLst>
+          </p:cNvPr>
+          <p:cNvPicPr>
+            <a:picLocks noChangeAspect="1"/>
+          </p:cNvPicPr>
+          <p:nvPr/>
+        </p:nvPicPr>
+        <p:blipFill>
+          <a:blip r:embed="rId2"/>
+          <a:stretch>
+            <a:fillRect/>
+          </a:stretch>
+        </p:blipFill>
+        <p:spPr>
+          <a:xfrm>
+            <a:off x="1612598" y="2035239"/>
+            <a:ext cx="7658723" cy="4370043"/>
+          </a:xfrm>
+          <a:prstGeom prst="rect">
+            <a:avLst/>
+          </a:prstGeom>
+        </p:spPr>
+      </p:pic>
+      <p:sp>
+        <p:nvSpPr>
+          <p:cNvPr id="5" name="Title 1">
+            <a:extLst>
+              <a:ext uri="{FF2B5EF4-FFF2-40B4-BE49-F238E27FC236}">
+                <a16:creationId xmlns:a16="http://schemas.microsoft.com/office/drawing/2014/main" id="{215B4D60-E50E-40AE-B936-27A7328BDAF4}"/>
+              </a:ext>
+            </a:extLst>
+          </p:cNvPr>
+          <p:cNvSpPr>
+            <a:spLocks noGrp="1"/>
+          </p:cNvSpPr>
+          <p:nvPr>
+            <p:ph type="title"/>
+          </p:nvPr>
+        </p:nvSpPr>
+        <p:spPr>
+          <a:xfrm>
+            <a:off x="646113" y="452438"/>
+            <a:ext cx="9404350" cy="1400175"/>
+          </a:xfrm>
+        </p:spPr>
+        <p:txBody>
+          <a:bodyPr/>
+          <a:lstStyle/>
+          <a:p>
+            <a:r>
+              <a:rPr lang="en-US" dirty="0"/>
+              <a:t>Data Prep</a:t>
+            </a:r>
+            <a:br>
+              <a:rPr lang="en-US" dirty="0"/>
+            </a:br>
+            <a:r>
+              <a:rPr lang="en-US" dirty="0"/>
+              <a:t>Raw Data – Outlier </a:t>
+            </a:r>
+          </a:p>
+        </p:txBody>
+      </p:sp>
+    </p:spTree>
+    <p:extLst>
+      <p:ext uri="{BB962C8B-B14F-4D97-AF65-F5344CB8AC3E}">
+        <p14:creationId xmlns:p14="http://schemas.microsoft.com/office/powerpoint/2010/main" val="693479217"/>
+      </p:ext>
+    </p:extLst>
+  </p:cSld>
+  <p:clrMapOvr>
+    <a:masterClrMapping/>
+  </p:clrMapOvr>
+</p:sld>
+</file>
+
+<file path=ppt/slides/slide9.xml><?xml version="1.0" encoding="utf-8"?>
+<p:sld xmlns:a="http://schemas.openxmlformats.org/drawingml/2006/main" xmlns:r="http://schemas.openxmlformats.org/officeDocument/2006/relationships" xmlns:p="http://schemas.openxmlformats.org/presentationml/2006/main">
+  <p:cSld>
+    <p:spTree>
+      <p:nvGrpSpPr>
+        <p:cNvPr id="1" name=""/>
+        <p:cNvGrpSpPr/>
+        <p:nvPr/>
+      </p:nvGrpSpPr>
+      <p:grpSpPr>
+        <a:xfrm>
+          <a:off x="0" y="0"/>
+          <a:ext cx="0" cy="0"/>
+          <a:chOff x="0" y="0"/>
+          <a:chExt cx="0" cy="0"/>
+        </a:xfrm>
+      </p:grpSpPr>
+      <p:sp>
+        <p:nvSpPr>
+          <p:cNvPr id="2" name="Title 1">
+            <a:extLst>
+              <a:ext uri="{FF2B5EF4-FFF2-40B4-BE49-F238E27FC236}">
+                <a16:creationId xmlns:a16="http://schemas.microsoft.com/office/drawing/2014/main" id="{27DA2E16-C310-4FC6-BADC-F6014E167F63}"/>
+              </a:ext>
+            </a:extLst>
+          </p:cNvPr>
+          <p:cNvSpPr>
+            <a:spLocks noGrp="1"/>
+          </p:cNvSpPr>
+          <p:nvPr>
+            <p:ph type="title"/>
+          </p:nvPr>
+        </p:nvSpPr>
+        <p:spPr/>
+        <p:txBody>
+          <a:bodyPr/>
+          <a:lstStyle/>
+          <a:p>
+            <a:r>
+              <a:rPr lang="en-US" dirty="0"/>
+              <a:t>Data Prep</a:t>
+            </a:r>
+            <a:br>
+              <a:rPr lang="en-US" dirty="0"/>
+            </a:br>
+            <a:r>
+              <a:rPr lang="en-US" dirty="0"/>
+              <a:t>Clean Data </a:t>
+            </a:r>
+          </a:p>
+        </p:txBody>
+      </p:sp>
+      <p:pic>
+        <p:nvPicPr>
+          <p:cNvPr id="4" name="Content Placeholder 3">
+            <a:extLst>
+              <a:ext uri="{FF2B5EF4-FFF2-40B4-BE49-F238E27FC236}">
+                <a16:creationId xmlns:a16="http://schemas.microsoft.com/office/drawing/2014/main" id="{3F894B45-25CA-4DDB-BF1B-498182251C2A}"/>
+              </a:ext>
+            </a:extLst>
+          </p:cNvPr>
+          <p:cNvPicPr>
+            <a:picLocks noGrp="1" noChangeAspect="1"/>
+          </p:cNvPicPr>
+          <p:nvPr>
+            <p:ph idx="1"/>
+          </p:nvPr>
+        </p:nvPicPr>
+        <p:blipFill>
+          <a:blip r:embed="rId2"/>
+          <a:stretch>
+            <a:fillRect/>
+          </a:stretch>
+        </p:blipFill>
+        <p:spPr>
+          <a:xfrm>
+            <a:off x="983848" y="1994847"/>
+            <a:ext cx="8074488" cy="4410435"/>
+          </a:xfrm>
+          <a:prstGeom prst="rect">
+            <a:avLst/>
+          </a:prstGeom>
+        </p:spPr>
+      </p:pic>
+    </p:spTree>
+    <p:extLst>
+      <p:ext uri="{BB962C8B-B14F-4D97-AF65-F5344CB8AC3E}">
+        <p14:creationId xmlns:p14="http://schemas.microsoft.com/office/powerpoint/2010/main" val="1681176438"/>
+      </p:ext>
+    </p:extLst>
+  </p:cSld>
+  <p:clrMapOvr>
+    <a:masterClrMapping/>
+  </p:clrMapOvr>
+</p:sld>
+</file>
+
 <file path=ppt/theme/theme1.xml><?xml version="1.0" encoding="utf-8"?>
-<a:theme xmlns:a="http://schemas.openxmlformats.org/drawingml/2006/main" name="Retrospect">
+<a:theme xmlns:a="http://schemas.openxmlformats.org/drawingml/2006/main" name="Ion">
   <a:themeElements>
-    <a:clrScheme name="Retrospect">
+    <a:clrScheme name="Ion">
       <a:dk1>
         <a:sysClr val="windowText" lastClr="000000"/>
       </a:dk1>
@@ -4351,42 +9235,42 @@
         <a:sysClr val="window" lastClr="FFFFFF"/>
       </a:lt1>
       <a:dk2>
-        <a:srgbClr val="455F51"/>
+        <a:srgbClr val="0E5580"/>
       </a:dk2>
       <a:lt2>
-        <a:srgbClr val="E2DFCC"/>
+        <a:srgbClr val="EBEBEB"/>
       </a:lt2>
       <a:accent1>
-        <a:srgbClr val="99CB38"/>
+        <a:srgbClr val="ACD433"/>
       </a:accent1>
       <a:accent2>
-        <a:srgbClr val="63A537"/>
+        <a:srgbClr val="E6C133"/>
       </a:accent2>
       <a:accent3>
-        <a:srgbClr val="37A76F"/>
+        <a:srgbClr val="EF7A24"/>
       </a:accent3>
       <a:accent4>
-        <a:srgbClr val="44C1A3"/>
+        <a:srgbClr val="5AA0F5"/>
       </a:accent4>
       <a:accent5>
-        <a:srgbClr val="4EB3CF"/>
+        <a:srgbClr val="75CEEC"/>
       </a:accent5>
       <a:accent6>
-        <a:srgbClr val="51C3F9"/>
+        <a:srgbClr val="65D6A0"/>
       </a:accent6>
       <a:hlink>
-        <a:srgbClr val="6B9F25"/>
+        <a:srgbClr val="C4E46E"/>
       </a:hlink>
       <a:folHlink>
-        <a:srgbClr val="B26B02"/>
+        <a:srgbClr val="BDE0FB"/>
       </a:folHlink>
     </a:clrScheme>
-    <a:fontScheme name="Retrospect">
+    <a:fontScheme name="Ion">
       <a:majorFont>
-        <a:latin typeface="Calibri Light" panose="020F0302020204030204"/>
+        <a:latin typeface="Century Gothic" panose="020B0502020202020204"/>
         <a:ea typeface=""/>
         <a:cs typeface=""/>
-        <a:font script="Jpan" typeface="ＭＳ Ｐゴシック"/>
+        <a:font script="Jpan" typeface="メイリオ"/>
         <a:font script="Hang" typeface="맑은 고딕"/>
         <a:font script="Hans" typeface="宋体"/>
         <a:font script="Hant" typeface="新細明體"/>
@@ -4418,10 +9302,10 @@
         <a:font script="Geor" typeface="Sylfaen"/>
       </a:majorFont>
       <a:minorFont>
-        <a:latin typeface="Calibri" panose="020F0502020204030204"/>
+        <a:latin typeface="Century Gothic" panose="020B0502020202020204"/>
         <a:ea typeface=""/>
         <a:cs typeface=""/>
-        <a:font script="Jpan" typeface="ＭＳ Ｐゴシック"/>
+        <a:font script="Jpan" typeface="メイリオ"/>
         <a:font script="Hang" typeface="맑은 고딕"/>
         <a:font script="Hans" typeface="宋体"/>
         <a:font script="Hant" typeface="新細明體"/>
@@ -4453,7 +9337,7 @@
         <a:font script="Geor" typeface="Sylfaen"/>
       </a:minorFont>
     </a:fontScheme>
-    <a:fmtScheme name="Retrospect">
+    <a:fmtScheme name="Ion">
       <a:fillStyleLst>
         <a:solidFill>
           <a:schemeClr val="phClr"/>
@@ -4462,77 +9346,52 @@
           <a:gsLst>
             <a:gs pos="0">
               <a:schemeClr val="phClr">
-                <a:tint val="65000"/>
-                <a:shade val="92000"/>
-                <a:satMod val="130000"/>
-              </a:schemeClr>
-            </a:gs>
-            <a:gs pos="45000">
-              <a:schemeClr val="phClr">
-                <a:tint val="60000"/>
-                <a:shade val="99000"/>
-                <a:satMod val="120000"/>
+                <a:tint val="64000"/>
+                <a:lumMod val="118000"/>
               </a:schemeClr>
             </a:gs>
             <a:gs pos="100000">
               <a:schemeClr val="phClr">
-                <a:tint val="55000"/>
-                <a:satMod val="140000"/>
+                <a:tint val="92000"/>
+                <a:alpha val="100000"/>
+                <a:lumMod val="110000"/>
               </a:schemeClr>
             </a:gs>
           </a:gsLst>
-          <a:path path="circle">
-            <a:fillToRect l="100000" t="100000" r="100000" b="100000"/>
-          </a:path>
+          <a:lin ang="5400000" scaled="0"/>
         </a:gradFill>
         <a:gradFill rotWithShape="1">
           <a:gsLst>
             <a:gs pos="0">
               <a:schemeClr val="phClr">
-                <a:shade val="85000"/>
-                <a:satMod val="130000"/>
-              </a:schemeClr>
-            </a:gs>
-            <a:gs pos="34000">
-              <a:schemeClr val="phClr">
-                <a:shade val="87000"/>
-                <a:satMod val="125000"/>
-              </a:schemeClr>
-            </a:gs>
-            <a:gs pos="70000">
-              <a:schemeClr val="phClr">
-                <a:tint val="100000"/>
-                <a:shade val="90000"/>
-                <a:satMod val="130000"/>
+                <a:tint val="98000"/>
+                <a:lumMod val="114000"/>
               </a:schemeClr>
             </a:gs>
             <a:gs pos="100000">
               <a:schemeClr val="phClr">
-                <a:tint val="100000"/>
-                <a:shade val="100000"/>
-                <a:satMod val="110000"/>
+                <a:shade val="90000"/>
+                <a:lumMod val="84000"/>
               </a:schemeClr>
             </a:gs>
           </a:gsLst>
-          <a:path path="circle">
-            <a:fillToRect l="100000" t="100000" r="100000" b="100000"/>
-          </a:path>
+          <a:lin ang="5400000" scaled="0"/>
         </a:gradFill>
       </a:fillStyleLst>
       <a:lnStyleLst>
-        <a:ln w="12700" cap="flat" cmpd="sng" algn="ctr">
+        <a:ln w="9525" cap="rnd" cmpd="sng" algn="ctr">
           <a:solidFill>
             <a:schemeClr val="phClr"/>
           </a:solidFill>
           <a:prstDash val="solid"/>
         </a:ln>
-        <a:ln w="15875" cap="flat" cmpd="sng" algn="ctr">
+        <a:ln w="19050" cap="rnd" cmpd="sng" algn="ctr">
           <a:solidFill>
             <a:schemeClr val="phClr"/>
           </a:solidFill>
           <a:prstDash val="solid"/>
         </a:ln>
-        <a:ln w="25400" cap="flat" cmpd="sng" algn="ctr">
+        <a:ln w="28575" cap="rnd" cmpd="sng" algn="ctr">
           <a:solidFill>
             <a:schemeClr val="phClr"/>
           </a:solidFill>
@@ -4545,16 +9404,16 @@
         </a:effectStyle>
         <a:effectStyle>
           <a:effectLst>
-            <a:outerShdw blurRad="38100" dist="25400" dir="2700000" algn="br" rotWithShape="0">
+            <a:outerShdw blurRad="38100" dist="25400" dir="5400000" rotWithShape="0">
               <a:srgbClr val="000000">
-                <a:alpha val="60000"/>
+                <a:alpha val="45000"/>
               </a:srgbClr>
             </a:outerShdw>
           </a:effectLst>
         </a:effectStyle>
         <a:effectStyle>
           <a:effectLst>
-            <a:outerShdw blurRad="44450" dist="25400" dir="2700000" algn="br" rotWithShape="0">
+            <a:outerShdw blurRad="63500" dist="38100" dir="5400000" rotWithShape="0">
               <a:srgbClr val="000000">
                 <a:alpha val="60000"/>
               </a:srgbClr>
@@ -4564,12 +9423,10 @@
             <a:camera prst="orthographicFront">
               <a:rot lat="0" lon="0" rev="0"/>
             </a:camera>
-            <a:lightRig rig="threePt" dir="t">
-              <a:rot lat="0" lon="0" rev="19800000"/>
-            </a:lightRig>
+            <a:lightRig rig="threePt" dir="tl"/>
           </a:scene3d>
-          <a:sp3d prstMaterial="flat">
-            <a:bevelT w="25400" h="31750"/>
+          <a:sp3d prstMaterial="plastic">
+            <a:bevelT w="0" h="0"/>
           </a:sp3d>
         </a:effectStyle>
       </a:effectStyleLst>
@@ -4577,39 +9434,48 @@
         <a:solidFill>
           <a:schemeClr val="phClr"/>
         </a:solidFill>
-        <a:solidFill>
-          <a:schemeClr val="phClr">
-            <a:tint val="90000"/>
-            <a:shade val="97000"/>
-            <a:satMod val="130000"/>
-          </a:schemeClr>
-        </a:solidFill>
         <a:gradFill rotWithShape="1">
           <a:gsLst>
             <a:gs pos="0">
               <a:schemeClr val="phClr">
-                <a:tint val="96000"/>
-                <a:shade val="99000"/>
-                <a:satMod val="140000"/>
-              </a:schemeClr>
-            </a:gs>
-            <a:gs pos="65000">
-              <a:schemeClr val="phClr">
-                <a:tint val="100000"/>
-                <a:shade val="80000"/>
-                <a:satMod val="130000"/>
+                <a:tint val="92000"/>
+                <a:hueMod val="96000"/>
+                <a:satMod val="128000"/>
+                <a:lumMod val="114000"/>
               </a:schemeClr>
             </a:gs>
             <a:gs pos="100000">
               <a:schemeClr val="phClr">
-                <a:tint val="100000"/>
-                <a:shade val="48000"/>
-                <a:satMod val="120000"/>
+                <a:shade val="62000"/>
+                <a:hueMod val="100000"/>
+                <a:satMod val="134000"/>
+                <a:lumMod val="56000"/>
               </a:schemeClr>
             </a:gs>
           </a:gsLst>
-          <a:lin ang="16200000" scaled="0"/>
+          <a:path path="circle">
+            <a:fillToRect l="45000" t="65000" r="125000" b="100000"/>
+          </a:path>
         </a:gradFill>
+        <a:blipFill rotWithShape="1">
+          <a:blip xmlns:r="http://schemas.openxmlformats.org/officeDocument/2006/relationships" r:embed="rId1">
+            <a:duotone>
+              <a:schemeClr val="phClr">
+                <a:shade val="62000"/>
+                <a:hueMod val="108000"/>
+                <a:satMod val="164000"/>
+                <a:lumMod val="69000"/>
+              </a:schemeClr>
+              <a:schemeClr val="phClr">
+                <a:tint val="96000"/>
+                <a:hueMod val="90000"/>
+                <a:satMod val="130000"/>
+                <a:lumMod val="134000"/>
+              </a:schemeClr>
+            </a:duotone>
+          </a:blip>
+          <a:stretch/>
+        </a:blipFill>
       </a:bgFillStyleLst>
     </a:fmtScheme>
   </a:themeElements>
@@ -4617,7 +9483,7 @@
   <a:extraClrSchemeLst/>
   <a:extLst>
     <a:ext uri="{05A4C25C-085E-4340-85A3-A5531E510DB2}">
-      <thm15:themeFamily xmlns:thm15="http://schemas.microsoft.com/office/thememl/2012/main" name="Retrospect" id="{5F128B03-DCCA-4EEB-AB3B-CF2899314A46}" vid="{D26EA377-59BD-4C9C-9D94-EE8416EE4C79}"/>
+      <thm15:themeFamily xmlns:thm15="http://schemas.microsoft.com/office/thememl/2012/main" name="Ion" id="{B8441ADB-2E43-4AF7-B97A-BD870242C6A8}" vid="{BACC050B-8757-4460-95D8-E37B46A6B421}"/>
     </a:ext>
   </a:extLst>
 </a:theme>

--- a/eda_project/Dwellings prices in the DC metropolitan area.pptx
+++ b/eda_project/Dwellings prices in the DC metropolitan area.pptx
@@ -14,6 +14,10 @@
     <p:sldId id="263" r:id="rId8"/>
     <p:sldId id="265" r:id="rId9"/>
     <p:sldId id="264" r:id="rId10"/>
+    <p:sldId id="267" r:id="rId11"/>
+    <p:sldId id="266" r:id="rId12"/>
+    <p:sldId id="268" r:id="rId13"/>
+    <p:sldId id="269" r:id="rId14"/>
   </p:sldIdLst>
   <p:sldSz cx="12192000" cy="6858000"/>
   <p:notesSz cx="6858000" cy="9144000"/>
@@ -303,7 +307,7 @@
           <a:p>
             <a:fld id="{E414F336-643D-4991-B425-D9D7B764741D}" type="datetimeFigureOut">
               <a:rPr lang="en-US" smtClean="0"/>
-              <a:t>3/4/2019</a:t>
+              <a:t>3/5/2019</a:t>
             </a:fld>
             <a:endParaRPr lang="en-US"/>
           </a:p>
@@ -578,7 +582,7 @@
           <a:p>
             <a:fld id="{E414F336-643D-4991-B425-D9D7B764741D}" type="datetimeFigureOut">
               <a:rPr lang="en-US" smtClean="0"/>
-              <a:t>3/4/2019</a:t>
+              <a:t>3/5/2019</a:t>
             </a:fld>
             <a:endParaRPr lang="en-US"/>
           </a:p>
@@ -772,7 +776,7 @@
           <a:p>
             <a:fld id="{E414F336-643D-4991-B425-D9D7B764741D}" type="datetimeFigureOut">
               <a:rPr lang="en-US" smtClean="0"/>
-              <a:t>3/4/2019</a:t>
+              <a:t>3/5/2019</a:t>
             </a:fld>
             <a:endParaRPr lang="en-US"/>
           </a:p>
@@ -1040,7 +1044,7 @@
           <a:p>
             <a:fld id="{E414F336-643D-4991-B425-D9D7B764741D}" type="datetimeFigureOut">
               <a:rPr lang="en-US" smtClean="0"/>
-              <a:t>3/4/2019</a:t>
+              <a:t>3/5/2019</a:t>
             </a:fld>
             <a:endParaRPr lang="en-US"/>
           </a:p>
@@ -1372,7 +1376,7 @@
           <a:p>
             <a:fld id="{E414F336-643D-4991-B425-D9D7B764741D}" type="datetimeFigureOut">
               <a:rPr lang="en-US" smtClean="0"/>
-              <a:t>3/4/2019</a:t>
+              <a:t>3/5/2019</a:t>
             </a:fld>
             <a:endParaRPr lang="en-US"/>
           </a:p>
@@ -1982,7 +1986,7 @@
           <a:p>
             <a:fld id="{E414F336-643D-4991-B425-D9D7B764741D}" type="datetimeFigureOut">
               <a:rPr lang="en-US" smtClean="0"/>
-              <a:t>3/4/2019</a:t>
+              <a:t>3/5/2019</a:t>
             </a:fld>
             <a:endParaRPr lang="en-US"/>
           </a:p>
@@ -2829,7 +2833,7 @@
           <a:p>
             <a:fld id="{E414F336-643D-4991-B425-D9D7B764741D}" type="datetimeFigureOut">
               <a:rPr lang="en-US" smtClean="0"/>
-              <a:t>3/4/2019</a:t>
+              <a:t>3/5/2019</a:t>
             </a:fld>
             <a:endParaRPr lang="en-US"/>
           </a:p>
@@ -2999,7 +3003,7 @@
           <a:p>
             <a:fld id="{E414F336-643D-4991-B425-D9D7B764741D}" type="datetimeFigureOut">
               <a:rPr lang="en-US" smtClean="0"/>
-              <a:t>3/4/2019</a:t>
+              <a:t>3/5/2019</a:t>
             </a:fld>
             <a:endParaRPr lang="en-US"/>
           </a:p>
@@ -3179,7 +3183,7 @@
           <a:p>
             <a:fld id="{E414F336-643D-4991-B425-D9D7B764741D}" type="datetimeFigureOut">
               <a:rPr lang="en-US" smtClean="0"/>
-              <a:t>3/4/2019</a:t>
+              <a:t>3/5/2019</a:t>
             </a:fld>
             <a:endParaRPr lang="en-US"/>
           </a:p>
@@ -3349,7 +3353,7 @@
           <a:p>
             <a:fld id="{E414F336-643D-4991-B425-D9D7B764741D}" type="datetimeFigureOut">
               <a:rPr lang="en-US" smtClean="0"/>
-              <a:t>3/4/2019</a:t>
+              <a:t>3/5/2019</a:t>
             </a:fld>
             <a:endParaRPr lang="en-US"/>
           </a:p>
@@ -3593,7 +3597,7 @@
           <a:p>
             <a:fld id="{E414F336-643D-4991-B425-D9D7B764741D}" type="datetimeFigureOut">
               <a:rPr lang="en-US" smtClean="0"/>
-              <a:t>3/4/2019</a:t>
+              <a:t>3/5/2019</a:t>
             </a:fld>
             <a:endParaRPr lang="en-US"/>
           </a:p>
@@ -3885,7 +3889,7 @@
           <a:p>
             <a:fld id="{E414F336-643D-4991-B425-D9D7B764741D}" type="datetimeFigureOut">
               <a:rPr lang="en-US" smtClean="0"/>
-              <a:t>3/4/2019</a:t>
+              <a:t>3/5/2019</a:t>
             </a:fld>
             <a:endParaRPr lang="en-US"/>
           </a:p>
@@ -4323,7 +4327,7 @@
           <a:p>
             <a:fld id="{E414F336-643D-4991-B425-D9D7B764741D}" type="datetimeFigureOut">
               <a:rPr lang="en-US" smtClean="0"/>
-              <a:t>3/4/2019</a:t>
+              <a:t>3/5/2019</a:t>
             </a:fld>
             <a:endParaRPr lang="en-US"/>
           </a:p>
@@ -4441,7 +4445,7 @@
           <a:p>
             <a:fld id="{E414F336-643D-4991-B425-D9D7B764741D}" type="datetimeFigureOut">
               <a:rPr lang="en-US" smtClean="0"/>
-              <a:t>3/4/2019</a:t>
+              <a:t>3/5/2019</a:t>
             </a:fld>
             <a:endParaRPr lang="en-US"/>
           </a:p>
@@ -4536,7 +4540,7 @@
           <a:p>
             <a:fld id="{E414F336-643D-4991-B425-D9D7B764741D}" type="datetimeFigureOut">
               <a:rPr lang="en-US" smtClean="0"/>
-              <a:t>3/4/2019</a:t>
+              <a:t>3/5/2019</a:t>
             </a:fld>
             <a:endParaRPr lang="en-US"/>
           </a:p>
@@ -4815,7 +4819,7 @@
           <a:p>
             <a:fld id="{E414F336-643D-4991-B425-D9D7B764741D}" type="datetimeFigureOut">
               <a:rPr lang="en-US" smtClean="0"/>
-              <a:t>3/4/2019</a:t>
+              <a:t>3/5/2019</a:t>
             </a:fld>
             <a:endParaRPr lang="en-US"/>
           </a:p>
@@ -5090,7 +5094,7 @@
           <a:p>
             <a:fld id="{E414F336-643D-4991-B425-D9D7B764741D}" type="datetimeFigureOut">
               <a:rPr lang="en-US" smtClean="0"/>
-              <a:t>3/4/2019</a:t>
+              <a:t>3/5/2019</a:t>
             </a:fld>
             <a:endParaRPr lang="en-US"/>
           </a:p>
@@ -5519,7 +5523,7 @@
           <a:p>
             <a:fld id="{E414F336-643D-4991-B425-D9D7B764741D}" type="datetimeFigureOut">
               <a:rPr lang="en-US" smtClean="0"/>
-              <a:t>3/4/2019</a:t>
+              <a:t>3/5/2019</a:t>
             </a:fld>
             <a:endParaRPr lang="en-US"/>
           </a:p>
@@ -6195,6 +6199,504 @@
     <p:extLst>
       <p:ext uri="{BB962C8B-B14F-4D97-AF65-F5344CB8AC3E}">
         <p14:creationId xmlns:p14="http://schemas.microsoft.com/office/powerpoint/2010/main" val="1269210917"/>
+      </p:ext>
+    </p:extLst>
+  </p:cSld>
+  <p:clrMapOvr>
+    <a:masterClrMapping/>
+  </p:clrMapOvr>
+</p:sld>
+</file>
+
+<file path=ppt/slides/slide10.xml><?xml version="1.0" encoding="utf-8"?>
+<p:sld xmlns:a="http://schemas.openxmlformats.org/drawingml/2006/main" xmlns:r="http://schemas.openxmlformats.org/officeDocument/2006/relationships" xmlns:p="http://schemas.openxmlformats.org/presentationml/2006/main">
+  <p:cSld>
+    <p:spTree>
+      <p:nvGrpSpPr>
+        <p:cNvPr id="1" name=""/>
+        <p:cNvGrpSpPr/>
+        <p:nvPr/>
+      </p:nvGrpSpPr>
+      <p:grpSpPr>
+        <a:xfrm>
+          <a:off x="0" y="0"/>
+          <a:ext cx="0" cy="0"/>
+          <a:chOff x="0" y="0"/>
+          <a:chExt cx="0" cy="0"/>
+        </a:xfrm>
+      </p:grpSpPr>
+      <p:sp>
+        <p:nvSpPr>
+          <p:cNvPr id="2" name="Title 1">
+            <a:extLst>
+              <a:ext uri="{FF2B5EF4-FFF2-40B4-BE49-F238E27FC236}">
+                <a16:creationId xmlns:a16="http://schemas.microsoft.com/office/drawing/2014/main" id="{233E7CD5-E774-43EF-BC55-091C509721BF}"/>
+              </a:ext>
+            </a:extLst>
+          </p:cNvPr>
+          <p:cNvSpPr>
+            <a:spLocks noGrp="1"/>
+          </p:cNvSpPr>
+          <p:nvPr>
+            <p:ph type="title"/>
+          </p:nvPr>
+        </p:nvSpPr>
+        <p:spPr/>
+        <p:txBody>
+          <a:bodyPr/>
+          <a:lstStyle/>
+          <a:p>
+            <a:r>
+              <a:rPr lang="en-US" dirty="0"/>
+              <a:t>Analysis </a:t>
+            </a:r>
+            <a:br>
+              <a:rPr lang="en-US" dirty="0"/>
+            </a:br>
+            <a:r>
+              <a:rPr lang="en-US" sz="3200" dirty="0"/>
+              <a:t>#Count of houses by Quadrant.</a:t>
+            </a:r>
+            <a:endParaRPr lang="en-US" dirty="0"/>
+          </a:p>
+        </p:txBody>
+      </p:sp>
+      <p:pic>
+        <p:nvPicPr>
+          <p:cNvPr id="4" name="Content Placeholder 3">
+            <a:extLst>
+              <a:ext uri="{FF2B5EF4-FFF2-40B4-BE49-F238E27FC236}">
+                <a16:creationId xmlns:a16="http://schemas.microsoft.com/office/drawing/2014/main" id="{8D742598-BDB0-4B79-ACA2-58F29243690E}"/>
+              </a:ext>
+            </a:extLst>
+          </p:cNvPr>
+          <p:cNvPicPr>
+            <a:picLocks noGrp="1" noChangeAspect="1"/>
+          </p:cNvPicPr>
+          <p:nvPr>
+            <p:ph idx="1"/>
+          </p:nvPr>
+        </p:nvPicPr>
+        <p:blipFill>
+          <a:blip r:embed="rId2"/>
+          <a:stretch>
+            <a:fillRect/>
+          </a:stretch>
+        </p:blipFill>
+        <p:spPr>
+          <a:xfrm>
+            <a:off x="1323703" y="1954456"/>
+            <a:ext cx="7733211" cy="4772495"/>
+          </a:xfrm>
+          <a:prstGeom prst="rect">
+            <a:avLst/>
+          </a:prstGeom>
+        </p:spPr>
+      </p:pic>
+      <p:pic>
+        <p:nvPicPr>
+          <p:cNvPr id="5" name="Picture 4">
+            <a:extLst>
+              <a:ext uri="{FF2B5EF4-FFF2-40B4-BE49-F238E27FC236}">
+                <a16:creationId xmlns:a16="http://schemas.microsoft.com/office/drawing/2014/main" id="{5E2A9278-8168-4638-AC29-8F415AD83E7D}"/>
+              </a:ext>
+            </a:extLst>
+          </p:cNvPr>
+          <p:cNvPicPr>
+            <a:picLocks noChangeAspect="1"/>
+          </p:cNvPicPr>
+          <p:nvPr/>
+        </p:nvPicPr>
+        <p:blipFill>
+          <a:blip r:embed="rId3"/>
+          <a:stretch>
+            <a:fillRect/>
+          </a:stretch>
+        </p:blipFill>
+        <p:spPr>
+          <a:xfrm>
+            <a:off x="6622869" y="2415675"/>
+            <a:ext cx="2280524" cy="675867"/>
+          </a:xfrm>
+          <a:prstGeom prst="rect">
+            <a:avLst/>
+          </a:prstGeom>
+        </p:spPr>
+      </p:pic>
+    </p:spTree>
+    <p:extLst>
+      <p:ext uri="{BB962C8B-B14F-4D97-AF65-F5344CB8AC3E}">
+        <p14:creationId xmlns:p14="http://schemas.microsoft.com/office/powerpoint/2010/main" val="4219718904"/>
+      </p:ext>
+    </p:extLst>
+  </p:cSld>
+  <p:clrMapOvr>
+    <a:masterClrMapping/>
+  </p:clrMapOvr>
+</p:sld>
+</file>
+
+<file path=ppt/slides/slide11.xml><?xml version="1.0" encoding="utf-8"?>
+<p:sld xmlns:a="http://schemas.openxmlformats.org/drawingml/2006/main" xmlns:r="http://schemas.openxmlformats.org/officeDocument/2006/relationships" xmlns:p="http://schemas.openxmlformats.org/presentationml/2006/main">
+  <p:cSld>
+    <p:spTree>
+      <p:nvGrpSpPr>
+        <p:cNvPr id="1" name=""/>
+        <p:cNvGrpSpPr/>
+        <p:nvPr/>
+      </p:nvGrpSpPr>
+      <p:grpSpPr>
+        <a:xfrm>
+          <a:off x="0" y="0"/>
+          <a:ext cx="0" cy="0"/>
+          <a:chOff x="0" y="0"/>
+          <a:chExt cx="0" cy="0"/>
+        </a:xfrm>
+      </p:grpSpPr>
+      <p:sp>
+        <p:nvSpPr>
+          <p:cNvPr id="2" name="Title 1">
+            <a:extLst>
+              <a:ext uri="{FF2B5EF4-FFF2-40B4-BE49-F238E27FC236}">
+                <a16:creationId xmlns:a16="http://schemas.microsoft.com/office/drawing/2014/main" id="{D589DFDF-895E-4778-87CC-6339FCCB5408}"/>
+              </a:ext>
+            </a:extLst>
+          </p:cNvPr>
+          <p:cNvSpPr>
+            <a:spLocks noGrp="1"/>
+          </p:cNvSpPr>
+          <p:nvPr>
+            <p:ph type="title"/>
+          </p:nvPr>
+        </p:nvSpPr>
+        <p:spPr>
+          <a:xfrm>
+            <a:off x="646111" y="452718"/>
+            <a:ext cx="9404723" cy="740356"/>
+          </a:xfrm>
+        </p:spPr>
+        <p:txBody>
+          <a:bodyPr/>
+          <a:lstStyle/>
+          <a:p>
+            <a:r>
+              <a:rPr lang="en-US" sz="2000" dirty="0"/>
+              <a:t>#Some analysis based on </a:t>
+            </a:r>
+            <a:r>
+              <a:rPr lang="en-US" sz="2000" dirty="0" err="1"/>
+              <a:t>landarea</a:t>
+            </a:r>
+            <a:r>
+              <a:rPr lang="en-US" sz="2000" dirty="0"/>
+              <a:t> </a:t>
+            </a:r>
+            <a:br>
+              <a:rPr lang="en-US" sz="2000" dirty="0"/>
+            </a:br>
+            <a:r>
+              <a:rPr lang="en-US" sz="2000" dirty="0"/>
+              <a:t>#Create new variables for area category (Small, Medium , Big)</a:t>
+            </a:r>
+          </a:p>
+        </p:txBody>
+      </p:sp>
+      <p:sp>
+        <p:nvSpPr>
+          <p:cNvPr id="3" name="Content Placeholder 2">
+            <a:extLst>
+              <a:ext uri="{FF2B5EF4-FFF2-40B4-BE49-F238E27FC236}">
+                <a16:creationId xmlns:a16="http://schemas.microsoft.com/office/drawing/2014/main" id="{9A5D13D7-25EA-4CC1-AB37-F6CF6CA9650B}"/>
+              </a:ext>
+            </a:extLst>
+          </p:cNvPr>
+          <p:cNvSpPr>
+            <a:spLocks noGrp="1"/>
+          </p:cNvSpPr>
+          <p:nvPr>
+            <p:ph idx="1"/>
+          </p:nvPr>
+        </p:nvSpPr>
+        <p:spPr/>
+        <p:txBody>
+          <a:bodyPr/>
+          <a:lstStyle/>
+          <a:p>
+            <a:endParaRPr lang="en-US" dirty="0"/>
+          </a:p>
+        </p:txBody>
+      </p:sp>
+      <p:pic>
+        <p:nvPicPr>
+          <p:cNvPr id="4" name="Picture 3">
+            <a:extLst>
+              <a:ext uri="{FF2B5EF4-FFF2-40B4-BE49-F238E27FC236}">
+                <a16:creationId xmlns:a16="http://schemas.microsoft.com/office/drawing/2014/main" id="{0B9970FD-0D01-4564-A9F6-1513E9F91ADD}"/>
+              </a:ext>
+            </a:extLst>
+          </p:cNvPr>
+          <p:cNvPicPr>
+            <a:picLocks noChangeAspect="1"/>
+          </p:cNvPicPr>
+          <p:nvPr/>
+        </p:nvPicPr>
+        <p:blipFill>
+          <a:blip r:embed="rId2"/>
+          <a:stretch>
+            <a:fillRect/>
+          </a:stretch>
+        </p:blipFill>
+        <p:spPr>
+          <a:xfrm>
+            <a:off x="882966" y="2244819"/>
+            <a:ext cx="7743825" cy="3811677"/>
+          </a:xfrm>
+          <a:prstGeom prst="rect">
+            <a:avLst/>
+          </a:prstGeom>
+        </p:spPr>
+      </p:pic>
+      <p:pic>
+        <p:nvPicPr>
+          <p:cNvPr id="5" name="Content Placeholder 5">
+            <a:extLst>
+              <a:ext uri="{FF2B5EF4-FFF2-40B4-BE49-F238E27FC236}">
+                <a16:creationId xmlns:a16="http://schemas.microsoft.com/office/drawing/2014/main" id="{9FDE0A26-4588-4FC0-B637-838E1ED4BEC3}"/>
+              </a:ext>
+            </a:extLst>
+          </p:cNvPr>
+          <p:cNvPicPr>
+            <a:picLocks noChangeAspect="1"/>
+          </p:cNvPicPr>
+          <p:nvPr/>
+        </p:nvPicPr>
+        <p:blipFill>
+          <a:blip r:embed="rId3"/>
+          <a:stretch>
+            <a:fillRect/>
+          </a:stretch>
+        </p:blipFill>
+        <p:spPr>
+          <a:xfrm>
+            <a:off x="8750537" y="1756827"/>
+            <a:ext cx="3568690" cy="1166948"/>
+          </a:xfrm>
+          <a:prstGeom prst="rect">
+            <a:avLst/>
+          </a:prstGeom>
+        </p:spPr>
+      </p:pic>
+    </p:spTree>
+    <p:extLst>
+      <p:ext uri="{BB962C8B-B14F-4D97-AF65-F5344CB8AC3E}">
+        <p14:creationId xmlns:p14="http://schemas.microsoft.com/office/powerpoint/2010/main" val="1509052313"/>
+      </p:ext>
+    </p:extLst>
+  </p:cSld>
+  <p:clrMapOvr>
+    <a:masterClrMapping/>
+  </p:clrMapOvr>
+</p:sld>
+</file>
+
+<file path=ppt/slides/slide12.xml><?xml version="1.0" encoding="utf-8"?>
+<p:sld xmlns:a="http://schemas.openxmlformats.org/drawingml/2006/main" xmlns:r="http://schemas.openxmlformats.org/officeDocument/2006/relationships" xmlns:p="http://schemas.openxmlformats.org/presentationml/2006/main">
+  <p:cSld>
+    <p:spTree>
+      <p:nvGrpSpPr>
+        <p:cNvPr id="1" name=""/>
+        <p:cNvGrpSpPr/>
+        <p:nvPr/>
+      </p:nvGrpSpPr>
+      <p:grpSpPr>
+        <a:xfrm>
+          <a:off x="0" y="0"/>
+          <a:ext cx="0" cy="0"/>
+          <a:chOff x="0" y="0"/>
+          <a:chExt cx="0" cy="0"/>
+        </a:xfrm>
+      </p:grpSpPr>
+      <p:sp>
+        <p:nvSpPr>
+          <p:cNvPr id="2" name="Title 1">
+            <a:extLst>
+              <a:ext uri="{FF2B5EF4-FFF2-40B4-BE49-F238E27FC236}">
+                <a16:creationId xmlns:a16="http://schemas.microsoft.com/office/drawing/2014/main" id="{620A49B5-A954-4153-8F8C-208A1DDD21D4}"/>
+              </a:ext>
+            </a:extLst>
+          </p:cNvPr>
+          <p:cNvSpPr>
+            <a:spLocks noGrp="1"/>
+          </p:cNvSpPr>
+          <p:nvPr>
+            <p:ph type="title"/>
+          </p:nvPr>
+        </p:nvSpPr>
+        <p:spPr/>
+        <p:txBody>
+          <a:bodyPr/>
+          <a:lstStyle/>
+          <a:p>
+            <a:r>
+              <a:rPr lang="en-US" sz="2400" dirty="0"/>
+              <a:t>#Some analysis based on Price </a:t>
+            </a:r>
+            <a:br>
+              <a:rPr lang="en-US" sz="2400" dirty="0"/>
+            </a:br>
+            <a:r>
+              <a:rPr lang="en-US" sz="2400" dirty="0"/>
+              <a:t>#Create new variables for Price Group  (Low, Medium , High)</a:t>
+            </a:r>
+          </a:p>
+        </p:txBody>
+      </p:sp>
+      <p:pic>
+        <p:nvPicPr>
+          <p:cNvPr id="9" name="Content Placeholder 8">
+            <a:extLst>
+              <a:ext uri="{FF2B5EF4-FFF2-40B4-BE49-F238E27FC236}">
+                <a16:creationId xmlns:a16="http://schemas.microsoft.com/office/drawing/2014/main" id="{80E43298-8C5F-4442-9789-8A655BF2DC5B}"/>
+              </a:ext>
+            </a:extLst>
+          </p:cNvPr>
+          <p:cNvPicPr>
+            <a:picLocks noGrp="1" noChangeAspect="1"/>
+          </p:cNvPicPr>
+          <p:nvPr>
+            <p:ph idx="1"/>
+          </p:nvPr>
+        </p:nvPicPr>
+        <p:blipFill>
+          <a:blip r:embed="rId2"/>
+          <a:stretch>
+            <a:fillRect/>
+          </a:stretch>
+        </p:blipFill>
+        <p:spPr>
+          <a:xfrm>
+            <a:off x="1037817" y="1729393"/>
+            <a:ext cx="7051045" cy="4351502"/>
+          </a:xfrm>
+          <a:prstGeom prst="rect">
+            <a:avLst/>
+          </a:prstGeom>
+        </p:spPr>
+      </p:pic>
+      <p:pic>
+        <p:nvPicPr>
+          <p:cNvPr id="8" name="Picture 7">
+            <a:extLst>
+              <a:ext uri="{FF2B5EF4-FFF2-40B4-BE49-F238E27FC236}">
+                <a16:creationId xmlns:a16="http://schemas.microsoft.com/office/drawing/2014/main" id="{60F179FD-9FF0-42AB-B60A-DB32CED85E3D}"/>
+              </a:ext>
+            </a:extLst>
+          </p:cNvPr>
+          <p:cNvPicPr>
+            <a:picLocks noChangeAspect="1"/>
+          </p:cNvPicPr>
+          <p:nvPr/>
+        </p:nvPicPr>
+        <p:blipFill>
+          <a:blip r:embed="rId3"/>
+          <a:stretch>
+            <a:fillRect/>
+          </a:stretch>
+        </p:blipFill>
+        <p:spPr>
+          <a:xfrm>
+            <a:off x="8649108" y="1853248"/>
+            <a:ext cx="2505075" cy="752475"/>
+          </a:xfrm>
+          <a:prstGeom prst="rect">
+            <a:avLst/>
+          </a:prstGeom>
+        </p:spPr>
+      </p:pic>
+    </p:spTree>
+    <p:extLst>
+      <p:ext uri="{BB962C8B-B14F-4D97-AF65-F5344CB8AC3E}">
+        <p14:creationId xmlns:p14="http://schemas.microsoft.com/office/powerpoint/2010/main" val="760734612"/>
+      </p:ext>
+    </p:extLst>
+  </p:cSld>
+  <p:clrMapOvr>
+    <a:masterClrMapping/>
+  </p:clrMapOvr>
+</p:sld>
+</file>
+
+<file path=ppt/slides/slide13.xml><?xml version="1.0" encoding="utf-8"?>
+<p:sld xmlns:a="http://schemas.openxmlformats.org/drawingml/2006/main" xmlns:r="http://schemas.openxmlformats.org/officeDocument/2006/relationships" xmlns:p="http://schemas.openxmlformats.org/presentationml/2006/main">
+  <p:cSld>
+    <p:spTree>
+      <p:nvGrpSpPr>
+        <p:cNvPr id="1" name=""/>
+        <p:cNvGrpSpPr/>
+        <p:nvPr/>
+      </p:nvGrpSpPr>
+      <p:grpSpPr>
+        <a:xfrm>
+          <a:off x="0" y="0"/>
+          <a:ext cx="0" cy="0"/>
+          <a:chOff x="0" y="0"/>
+          <a:chExt cx="0" cy="0"/>
+        </a:xfrm>
+      </p:grpSpPr>
+      <p:sp>
+        <p:nvSpPr>
+          <p:cNvPr id="2" name="Title 1">
+            <a:extLst>
+              <a:ext uri="{FF2B5EF4-FFF2-40B4-BE49-F238E27FC236}">
+                <a16:creationId xmlns:a16="http://schemas.microsoft.com/office/drawing/2014/main" id="{B3F28628-6C7F-4A71-B48A-2DEB69364AEE}"/>
+              </a:ext>
+            </a:extLst>
+          </p:cNvPr>
+          <p:cNvSpPr>
+            <a:spLocks noGrp="1"/>
+          </p:cNvSpPr>
+          <p:nvPr>
+            <p:ph type="title"/>
+          </p:nvPr>
+        </p:nvSpPr>
+        <p:spPr/>
+        <p:txBody>
+          <a:bodyPr/>
+          <a:lstStyle/>
+          <a:p>
+            <a:endParaRPr lang="en-US"/>
+          </a:p>
+        </p:txBody>
+      </p:sp>
+      <p:sp>
+        <p:nvSpPr>
+          <p:cNvPr id="3" name="Content Placeholder 2">
+            <a:extLst>
+              <a:ext uri="{FF2B5EF4-FFF2-40B4-BE49-F238E27FC236}">
+                <a16:creationId xmlns:a16="http://schemas.microsoft.com/office/drawing/2014/main" id="{A841AAC5-1041-4B57-889C-746BE286AF83}"/>
+              </a:ext>
+            </a:extLst>
+          </p:cNvPr>
+          <p:cNvSpPr>
+            <a:spLocks noGrp="1"/>
+          </p:cNvSpPr>
+          <p:nvPr>
+            <p:ph idx="1"/>
+          </p:nvPr>
+        </p:nvSpPr>
+        <p:spPr/>
+        <p:txBody>
+          <a:bodyPr/>
+          <a:lstStyle/>
+          <a:p>
+            <a:endParaRPr lang="en-US"/>
+          </a:p>
+        </p:txBody>
+      </p:sp>
+    </p:spTree>
+    <p:extLst>
+      <p:ext uri="{BB962C8B-B14F-4D97-AF65-F5344CB8AC3E}">
+        <p14:creationId xmlns:p14="http://schemas.microsoft.com/office/powerpoint/2010/main" val="497074659"/>
       </p:ext>
     </p:extLst>
   </p:cSld>
@@ -7854,7 +8356,7 @@
             <p:ph idx="1"/>
             <p:extLst>
               <p:ext uri="{D42A27DB-BD31-4B8C-83A1-F6EECF244321}">
-                <p14:modId xmlns:p14="http://schemas.microsoft.com/office/powerpoint/2010/main" val="818612252"/>
+                <p14:modId xmlns:p14="http://schemas.microsoft.com/office/powerpoint/2010/main" val="51414523"/>
               </p:ext>
             </p:extLst>
           </p:nvPr>
@@ -8323,18 +8825,15 @@
                     <a:lstStyle/>
                     <a:p>
                       <a:pPr marL="0" algn="l" defTabSz="914400" rtl="0" eaLnBrk="1" fontAlgn="b" latinLnBrk="0" hangingPunct="1"/>
-                      <a:r>
-                        <a:rPr lang="en-US" sz="1800" u="none" strike="noStrike" kern="1200" dirty="0">
-                          <a:solidFill>
-                            <a:schemeClr val="dk1"/>
-                          </a:solidFill>
-                          <a:effectLst/>
-                          <a:latin typeface="+mn-lt"/>
-                          <a:ea typeface="+mn-ea"/>
-                          <a:cs typeface="+mn-cs"/>
-                        </a:rPr>
-                        <a:t>Land area of property in square feet</a:t>
-                      </a:r>
+                      <a:endParaRPr lang="en-US" sz="1800" u="none" strike="noStrike" kern="1200" dirty="0">
+                        <a:solidFill>
+                          <a:schemeClr val="dk1"/>
+                        </a:solidFill>
+                        <a:effectLst/>
+                        <a:latin typeface="+mn-lt"/>
+                        <a:ea typeface="+mn-ea"/>
+                        <a:cs typeface="+mn-cs"/>
+                      </a:endParaRPr>
                     </a:p>
                   </a:txBody>
                   <a:tcPr marL="7620" marR="7620" marT="7620" marB="0" anchor="b"/>
